--- a/comm-and-doc-arch-decisions-60-min.pptx
+++ b/comm-and-doc-arch-decisions-60-min.pptx
@@ -5,7 +5,7 @@
     <p:sldMasterId id="2147483648" r:id="rId1"/>
   </p:sldMasterIdLst>
   <p:notesMasterIdLst>
-    <p:notesMasterId r:id="rId69"/>
+    <p:notesMasterId r:id="rId74"/>
   </p:notesMasterIdLst>
   <p:sldIdLst>
     <p:sldId id="256" r:id="rId2"/>
@@ -40,41 +40,46 @@
     <p:sldId id="307" r:id="rId31"/>
     <p:sldId id="309" r:id="rId32"/>
     <p:sldId id="301" r:id="rId33"/>
-    <p:sldId id="310" r:id="rId34"/>
-    <p:sldId id="311" r:id="rId35"/>
-    <p:sldId id="308" r:id="rId36"/>
-    <p:sldId id="300" r:id="rId37"/>
-    <p:sldId id="312" r:id="rId38"/>
-    <p:sldId id="313" r:id="rId39"/>
-    <p:sldId id="314" r:id="rId40"/>
-    <p:sldId id="315" r:id="rId41"/>
-    <p:sldId id="316" r:id="rId42"/>
-    <p:sldId id="317" r:id="rId43"/>
-    <p:sldId id="318" r:id="rId44"/>
-    <p:sldId id="319" r:id="rId45"/>
-    <p:sldId id="320" r:id="rId46"/>
-    <p:sldId id="321" r:id="rId47"/>
-    <p:sldId id="322" r:id="rId48"/>
-    <p:sldId id="323" r:id="rId49"/>
-    <p:sldId id="325" r:id="rId50"/>
-    <p:sldId id="326" r:id="rId51"/>
-    <p:sldId id="327" r:id="rId52"/>
-    <p:sldId id="328" r:id="rId53"/>
-    <p:sldId id="329" r:id="rId54"/>
-    <p:sldId id="330" r:id="rId55"/>
-    <p:sldId id="331" r:id="rId56"/>
-    <p:sldId id="332" r:id="rId57"/>
-    <p:sldId id="333" r:id="rId58"/>
-    <p:sldId id="334" r:id="rId59"/>
-    <p:sldId id="335" r:id="rId60"/>
-    <p:sldId id="336" r:id="rId61"/>
-    <p:sldId id="337" r:id="rId62"/>
-    <p:sldId id="338" r:id="rId63"/>
-    <p:sldId id="339" r:id="rId64"/>
-    <p:sldId id="340" r:id="rId65"/>
-    <p:sldId id="372" r:id="rId66"/>
-    <p:sldId id="373" r:id="rId67"/>
-    <p:sldId id="374" r:id="rId68"/>
+    <p:sldId id="378" r:id="rId34"/>
+    <p:sldId id="310" r:id="rId35"/>
+    <p:sldId id="311" r:id="rId36"/>
+    <p:sldId id="308" r:id="rId37"/>
+    <p:sldId id="300" r:id="rId38"/>
+    <p:sldId id="312" r:id="rId39"/>
+    <p:sldId id="313" r:id="rId40"/>
+    <p:sldId id="314" r:id="rId41"/>
+    <p:sldId id="315" r:id="rId42"/>
+    <p:sldId id="316" r:id="rId43"/>
+    <p:sldId id="317" r:id="rId44"/>
+    <p:sldId id="318" r:id="rId45"/>
+    <p:sldId id="319" r:id="rId46"/>
+    <p:sldId id="320" r:id="rId47"/>
+    <p:sldId id="321" r:id="rId48"/>
+    <p:sldId id="322" r:id="rId49"/>
+    <p:sldId id="323" r:id="rId50"/>
+    <p:sldId id="325" r:id="rId51"/>
+    <p:sldId id="326" r:id="rId52"/>
+    <p:sldId id="327" r:id="rId53"/>
+    <p:sldId id="328" r:id="rId54"/>
+    <p:sldId id="379" r:id="rId55"/>
+    <p:sldId id="380" r:id="rId56"/>
+    <p:sldId id="381" r:id="rId57"/>
+    <p:sldId id="329" r:id="rId58"/>
+    <p:sldId id="330" r:id="rId59"/>
+    <p:sldId id="331" r:id="rId60"/>
+    <p:sldId id="332" r:id="rId61"/>
+    <p:sldId id="333" r:id="rId62"/>
+    <p:sldId id="334" r:id="rId63"/>
+    <p:sldId id="335" r:id="rId64"/>
+    <p:sldId id="336" r:id="rId65"/>
+    <p:sldId id="337" r:id="rId66"/>
+    <p:sldId id="338" r:id="rId67"/>
+    <p:sldId id="339" r:id="rId68"/>
+    <p:sldId id="340" r:id="rId69"/>
+    <p:sldId id="372" r:id="rId70"/>
+    <p:sldId id="373" r:id="rId71"/>
+    <p:sldId id="382" r:id="rId72"/>
+    <p:sldId id="374" r:id="rId73"/>
   </p:sldIdLst>
   <p:sldSz cx="12192000" cy="6858000"/>
   <p:notesSz cx="6858000" cy="9144000"/>
@@ -933,7 +938,7 @@
           <a:p>
             <a:fld id="{6525C509-FCE7-1E4E-BABF-F948CC4246E2}" type="datetimeFigureOut">
               <a:rPr lang="en-US" smtClean="0"/>
-              <a:t>4/9/2019</a:t>
+              <a:t>8/20/2019</a:t>
             </a:fld>
             <a:endParaRPr lang="en-US"/>
           </a:p>
@@ -1558,7 +1563,43 @@
                 <a:ea typeface="+mn-ea"/>
                 <a:cs typeface="+mn-cs"/>
               </a:rPr>
-              <a:t>Enter Architectural Decision Records (ADRs). First proposed by Michael Nygard (link/picture?), Architectural Decision Records provide a way to capture these decisions as part of the codebase that's being working on; where the rubber meets the road.</a:t>
+              <a:t>Enter Architectural Decision Records (ADRs). First proposed by Michael </a:t>
+            </a:r>
+            <a:r>
+              <a:rPr lang="en-US" sz="1200" b="0" i="0" u="none" strike="noStrike" kern="1200" dirty="0" err="1" smtClean="0">
+                <a:solidFill>
+                  <a:schemeClr val="tx1"/>
+                </a:solidFill>
+                <a:effectLst/>
+                <a:latin typeface="+mn-lt"/>
+                <a:ea typeface="+mn-ea"/>
+                <a:cs typeface="+mn-cs"/>
+              </a:rPr>
+              <a:t>Nygard</a:t>
+            </a:r>
+            <a:r>
+              <a:rPr lang="en-US" sz="1200" b="0" i="0" u="none" strike="noStrike" kern="1200" dirty="0" smtClean="0">
+                <a:solidFill>
+                  <a:schemeClr val="tx1"/>
+                </a:solidFill>
+                <a:effectLst/>
+                <a:latin typeface="+mn-lt"/>
+                <a:ea typeface="+mn-ea"/>
+                <a:cs typeface="+mn-cs"/>
+              </a:rPr>
+              <a:t>, </a:t>
+            </a:r>
+            <a:r>
+              <a:rPr lang="en-US" sz="1200" b="0" i="0" u="none" strike="noStrike" kern="1200" dirty="0">
+                <a:solidFill>
+                  <a:schemeClr val="tx1"/>
+                </a:solidFill>
+                <a:effectLst/>
+                <a:latin typeface="+mn-lt"/>
+                <a:ea typeface="+mn-ea"/>
+                <a:cs typeface="+mn-cs"/>
+              </a:rPr>
+              <a:t>Architectural Decision Records provide a way to capture these decisions as part of the codebase that's being working on; where the rubber meets the road.</a:t>
             </a:r>
           </a:p>
           <a:p>
@@ -3798,7 +3839,43 @@
                 <a:ea typeface="+mn-ea"/>
                 <a:cs typeface="+mn-cs"/>
               </a:rPr>
-              <a:t>Agile practitioners advocate deferring decisions until the least responsible moment</a:t>
+              <a:t>A</a:t>
+            </a:r>
+            <a:r>
+              <a:rPr lang="en-US" sz="1800" b="0" i="0" u="none" strike="noStrike" kern="1200" baseline="0" dirty="0" smtClean="0">
+                <a:solidFill>
+                  <a:schemeClr val="tx1"/>
+                </a:solidFill>
+                <a:effectLst/>
+                <a:latin typeface="+mn-lt"/>
+                <a:ea typeface="+mn-ea"/>
+                <a:cs typeface="+mn-cs"/>
+              </a:rPr>
+              <a:t> lot of us work in “agile” workplaces; </a:t>
+            </a:r>
+            <a:r>
+              <a:rPr lang="en-US" sz="1800" b="0" i="0" u="none" strike="noStrike" kern="1200" dirty="0" smtClean="0">
+                <a:solidFill>
+                  <a:schemeClr val="tx1"/>
+                </a:solidFill>
+                <a:effectLst/>
+                <a:latin typeface="+mn-lt"/>
+                <a:ea typeface="+mn-ea"/>
+                <a:cs typeface="+mn-cs"/>
+              </a:rPr>
+              <a:t>agile </a:t>
+            </a:r>
+            <a:r>
+              <a:rPr lang="en-US" sz="1800" b="0" i="0" u="none" strike="noStrike" kern="1200" dirty="0" smtClean="0">
+                <a:solidFill>
+                  <a:schemeClr val="tx1"/>
+                </a:solidFill>
+                <a:effectLst/>
+                <a:latin typeface="+mn-lt"/>
+                <a:ea typeface="+mn-ea"/>
+                <a:cs typeface="+mn-cs"/>
+              </a:rPr>
+              <a:t>practitioners advocate deferring decisions until the least responsible moment</a:t>
             </a:r>
             <a:r>
               <a:rPr lang="en-US" sz="1800" b="0" i="0" u="none" strike="noStrike" kern="1200" baseline="0" dirty="0" smtClean="0">
@@ -4438,86 +4515,16 @@
           <a:p>
             <a:pPr rtl="0"/>
             <a:r>
-              <a:rPr lang="en-US" sz="1200" b="0" i="0" u="none" strike="noStrike" kern="1200" dirty="0">
-                <a:solidFill>
-                  <a:schemeClr val="tx1"/>
-                </a:solidFill>
+              <a:rPr lang="en-US" b="0" dirty="0" smtClean="0">
                 <a:effectLst/>
-                <a:latin typeface="+mn-lt"/>
-                <a:ea typeface="+mn-ea"/>
-                <a:cs typeface="+mn-cs"/>
               </a:rPr>
-              <a:t>For all types of ADRs, we used the Pull Request workflow, same as any regular code. </a:t>
-            </a:r>
-          </a:p>
-          <a:p>
-            <a:pPr rtl="0"/>
-            <a:endParaRPr lang="en-US" sz="1200" b="0" i="0" u="none" strike="noStrike" kern="1200" dirty="0">
-              <a:solidFill>
-                <a:schemeClr val="tx1"/>
-              </a:solidFill>
-              <a:effectLst/>
-              <a:latin typeface="+mn-lt"/>
-              <a:ea typeface="+mn-ea"/>
-              <a:cs typeface="+mn-cs"/>
-            </a:endParaRPr>
-          </a:p>
-          <a:p>
-            <a:pPr rtl="0"/>
-            <a:r>
-              <a:rPr lang="en-US" sz="1200" b="0" i="0" u="none" strike="noStrike" kern="1200" dirty="0">
-                <a:solidFill>
-                  <a:schemeClr val="tx1"/>
-                </a:solidFill>
+              <a:t>*Pull</a:t>
+            </a:r>
+            <a:r>
+              <a:rPr lang="en-US" b="0" baseline="0" dirty="0" smtClean="0">
                 <a:effectLst/>
-                <a:latin typeface="+mn-lt"/>
-                <a:ea typeface="+mn-ea"/>
-                <a:cs typeface="+mn-cs"/>
               </a:rPr>
-              <a:t>If you're not familiar with workflows like this, it's a common open source technique to review code that's "proposed" to be added to a codebase. Many enterprises have adopted this to add a layer of peer code review into their processes.</a:t>
-            </a:r>
-          </a:p>
-          <a:p>
-            <a:pPr rtl="0"/>
-            <a:endParaRPr lang="en-US" sz="1200" b="0" i="0" u="none" strike="noStrike" kern="1200" dirty="0">
-              <a:solidFill>
-                <a:schemeClr val="tx1"/>
-              </a:solidFill>
-              <a:effectLst/>
-              <a:latin typeface="+mn-lt"/>
-              <a:ea typeface="+mn-ea"/>
-              <a:cs typeface="+mn-cs"/>
-            </a:endParaRPr>
-          </a:p>
-          <a:p>
-            <a:pPr rtl="0"/>
-            <a:r>
-              <a:rPr lang="en-US" sz="1200" b="0" i="0" u="none" strike="noStrike" kern="1200" dirty="0">
-                <a:solidFill>
-                  <a:schemeClr val="tx1"/>
-                </a:solidFill>
-                <a:effectLst/>
-                <a:latin typeface="+mn-lt"/>
-                <a:ea typeface="+mn-ea"/>
-                <a:cs typeface="+mn-cs"/>
-              </a:rPr>
-              <a:t>A new ADR was proposed by opening a pull request, and conversation and comments added to the ADR. It was then "adopted' when it was discussed in the Architecture Guild (which we'll discuss later).</a:t>
-            </a:r>
-            <a:endParaRPr lang="en-US" b="0" dirty="0">
-              <a:effectLst/>
-            </a:endParaRPr>
-          </a:p>
-          <a:p>
-            <a:r>
-              <a:rPr lang="en-US" dirty="0"/>
-              <a:t/>
-            </a:r>
-            <a:br>
-              <a:rPr lang="en-US" dirty="0"/>
-            </a:br>
-            <a:r>
-              <a:rPr lang="en-US" dirty="0"/>
-              <a:t>If you aren’t using something like a pull request workflow for development, I highly recommend it. Maybe that can be your first ADR! </a:t>
+              <a:t> up some example Tech Arch ADRs*</a:t>
             </a:r>
             <a:endParaRPr lang="en-US" b="0" dirty="0">
               <a:effectLst/>
@@ -4551,7 +4558,7 @@
     </p:spTree>
     <p:extLst>
       <p:ext uri="{BB962C8B-B14F-4D97-AF65-F5344CB8AC3E}">
-        <p14:creationId xmlns:p14="http://schemas.microsoft.com/office/powerpoint/2010/main" val="2916679409"/>
+        <p14:creationId xmlns:p14="http://schemas.microsoft.com/office/powerpoint/2010/main" val="1450244272"/>
       </p:ext>
     </p:extLst>
   </p:cSld>
@@ -4621,7 +4628,77 @@
                 <a:ea typeface="+mn-ea"/>
                 <a:cs typeface="+mn-cs"/>
               </a:rPr>
-              <a:t>ADRs proved to be a powerful tool that helped codify our decisions, and record them, which allowed them to be socialized much easier, and capturing the context behind the decisions helped us avoid problems that would have had us repeat mistakes of the past.</a:t>
+              <a:t>For all types of ADRs, we used the Pull Request workflow, same as any regular code. </a:t>
+            </a:r>
+          </a:p>
+          <a:p>
+            <a:pPr rtl="0"/>
+            <a:endParaRPr lang="en-US" sz="1200" b="0" i="0" u="none" strike="noStrike" kern="1200" dirty="0">
+              <a:solidFill>
+                <a:schemeClr val="tx1"/>
+              </a:solidFill>
+              <a:effectLst/>
+              <a:latin typeface="+mn-lt"/>
+              <a:ea typeface="+mn-ea"/>
+              <a:cs typeface="+mn-cs"/>
+            </a:endParaRPr>
+          </a:p>
+          <a:p>
+            <a:pPr rtl="0"/>
+            <a:r>
+              <a:rPr lang="en-US" sz="1200" b="0" i="0" u="none" strike="noStrike" kern="1200" dirty="0">
+                <a:solidFill>
+                  <a:schemeClr val="tx1"/>
+                </a:solidFill>
+                <a:effectLst/>
+                <a:latin typeface="+mn-lt"/>
+                <a:ea typeface="+mn-ea"/>
+                <a:cs typeface="+mn-cs"/>
+              </a:rPr>
+              <a:t>If you're not familiar with workflows like this, it's a common open source technique to review code that's "proposed" to be added to a codebase. Many enterprises have adopted this to add a layer of peer code review into their processes.</a:t>
+            </a:r>
+          </a:p>
+          <a:p>
+            <a:pPr rtl="0"/>
+            <a:endParaRPr lang="en-US" sz="1200" b="0" i="0" u="none" strike="noStrike" kern="1200" dirty="0">
+              <a:solidFill>
+                <a:schemeClr val="tx1"/>
+              </a:solidFill>
+              <a:effectLst/>
+              <a:latin typeface="+mn-lt"/>
+              <a:ea typeface="+mn-ea"/>
+              <a:cs typeface="+mn-cs"/>
+            </a:endParaRPr>
+          </a:p>
+          <a:p>
+            <a:pPr rtl="0"/>
+            <a:r>
+              <a:rPr lang="en-US" sz="1200" b="0" i="0" u="none" strike="noStrike" kern="1200" dirty="0">
+                <a:solidFill>
+                  <a:schemeClr val="tx1"/>
+                </a:solidFill>
+                <a:effectLst/>
+                <a:latin typeface="+mn-lt"/>
+                <a:ea typeface="+mn-ea"/>
+                <a:cs typeface="+mn-cs"/>
+              </a:rPr>
+              <a:t>A new ADR was proposed by opening a pull request, and conversation and comments added to the ADR. It was then "adopted' when it was discussed in the Architecture Guild (which we'll discuss later).</a:t>
+            </a:r>
+            <a:endParaRPr lang="en-US" b="0" dirty="0">
+              <a:effectLst/>
+            </a:endParaRPr>
+          </a:p>
+          <a:p>
+            <a:r>
+              <a:rPr lang="en-US" dirty="0"/>
+              <a:t/>
+            </a:r>
+            <a:br>
+              <a:rPr lang="en-US" dirty="0"/>
+            </a:br>
+            <a:r>
+              <a:rPr lang="en-US" dirty="0"/>
+              <a:t>If you aren’t using something like a pull request workflow for development, I highly recommend it. Maybe that can be your first ADR! </a:t>
             </a:r>
             <a:endParaRPr lang="en-US" b="0" dirty="0">
               <a:effectLst/>
@@ -4655,7 +4732,7 @@
     </p:spTree>
     <p:extLst>
       <p:ext uri="{BB962C8B-B14F-4D97-AF65-F5344CB8AC3E}">
-        <p14:creationId xmlns:p14="http://schemas.microsoft.com/office/powerpoint/2010/main" val="968950576"/>
+        <p14:creationId xmlns:p14="http://schemas.microsoft.com/office/powerpoint/2010/main" val="2916679409"/>
       </p:ext>
     </p:extLst>
   </p:cSld>
@@ -4725,31 +4802,7 @@
                 <a:ea typeface="+mn-ea"/>
                 <a:cs typeface="+mn-cs"/>
               </a:rPr>
-              <a:t>Has anyone heard of this? </a:t>
-            </a:r>
-            <a:r>
-              <a:rPr lang="en-US" sz="1200" b="0" i="0" u="none" strike="noStrike" kern="1200" dirty="0" err="1">
-                <a:solidFill>
-                  <a:schemeClr val="tx1"/>
-                </a:solidFill>
-                <a:effectLst/>
-                <a:latin typeface="+mn-lt"/>
-                <a:ea typeface="+mn-ea"/>
-                <a:cs typeface="+mn-cs"/>
-              </a:rPr>
-              <a:t>Thoughworks</a:t>
-            </a:r>
-            <a:r>
-              <a:rPr lang="en-US" sz="1200" b="0" i="0" u="none" strike="noStrike" kern="1200" dirty="0">
-                <a:solidFill>
-                  <a:schemeClr val="tx1"/>
-                </a:solidFill>
-                <a:effectLst/>
-                <a:latin typeface="+mn-lt"/>
-                <a:ea typeface="+mn-ea"/>
-                <a:cs typeface="+mn-cs"/>
-              </a:rPr>
-              <a:t> puts this together every six months based on what they are seeing in the marketplace. Technically, they are a competitor to my company, so maybe I shouldn’t be talking about this, but…</a:t>
+              <a:t>ADRs proved to be a powerful tool that helped codify our decisions, and record them, which allowed them to be socialized much easier, and capturing the context behind the decisions helped us avoid problems that would have had us repeat mistakes of the past.</a:t>
             </a:r>
             <a:endParaRPr lang="en-US" b="0" dirty="0">
               <a:effectLst/>
@@ -4783,7 +4836,7 @@
     </p:spTree>
     <p:extLst>
       <p:ext uri="{BB962C8B-B14F-4D97-AF65-F5344CB8AC3E}">
-        <p14:creationId xmlns:p14="http://schemas.microsoft.com/office/powerpoint/2010/main" val="1680352294"/>
+        <p14:creationId xmlns:p14="http://schemas.microsoft.com/office/powerpoint/2010/main" val="968950576"/>
       </p:ext>
     </p:extLst>
   </p:cSld>
@@ -4842,14 +4895,46 @@
           <a:bodyPr/>
           <a:lstStyle/>
           <a:p>
-            <a:r>
-              <a:rPr lang="en-US" dirty="0" err="1"/>
-              <a:t>Thoughtworks</a:t>
-            </a:r>
-            <a:r>
-              <a:rPr lang="en-US" dirty="0"/>
-              <a:t> has also moved ADRs into “Adopt” in their technology radar, so the idea of using ADRs is gaining momentum in the world.</a:t>
-            </a:r>
+            <a:pPr rtl="0"/>
+            <a:r>
+              <a:rPr lang="en-US" sz="1200" b="0" i="0" u="none" strike="noStrike" kern="1200" dirty="0">
+                <a:solidFill>
+                  <a:schemeClr val="tx1"/>
+                </a:solidFill>
+                <a:effectLst/>
+                <a:latin typeface="+mn-lt"/>
+                <a:ea typeface="+mn-ea"/>
+                <a:cs typeface="+mn-cs"/>
+              </a:rPr>
+              <a:t>Has anyone heard of this? </a:t>
+            </a:r>
+            <a:r>
+              <a:rPr lang="en-US" sz="1200" b="0" i="0" u="none" strike="noStrike" kern="1200" dirty="0" err="1">
+                <a:solidFill>
+                  <a:schemeClr val="tx1"/>
+                </a:solidFill>
+                <a:effectLst/>
+                <a:latin typeface="+mn-lt"/>
+                <a:ea typeface="+mn-ea"/>
+                <a:cs typeface="+mn-cs"/>
+              </a:rPr>
+              <a:t>Thoughworks</a:t>
+            </a:r>
+            <a:r>
+              <a:rPr lang="en-US" sz="1200" b="0" i="0" u="none" strike="noStrike" kern="1200" dirty="0">
+                <a:solidFill>
+                  <a:schemeClr val="tx1"/>
+                </a:solidFill>
+                <a:effectLst/>
+                <a:latin typeface="+mn-lt"/>
+                <a:ea typeface="+mn-ea"/>
+                <a:cs typeface="+mn-cs"/>
+              </a:rPr>
+              <a:t> puts this together every six months based on what they are seeing in the marketplace. Technically, they are a competitor to my company, so maybe I shouldn’t be talking about this, but…</a:t>
+            </a:r>
+            <a:endParaRPr lang="en-US" b="0" dirty="0">
+              <a:effectLst/>
+            </a:endParaRPr>
           </a:p>
         </p:txBody>
       </p:sp>
@@ -4879,7 +4964,7 @@
     </p:spTree>
     <p:extLst>
       <p:ext uri="{BB962C8B-B14F-4D97-AF65-F5344CB8AC3E}">
-        <p14:creationId xmlns:p14="http://schemas.microsoft.com/office/powerpoint/2010/main" val="3741557715"/>
+        <p14:creationId xmlns:p14="http://schemas.microsoft.com/office/powerpoint/2010/main" val="1680352294"/>
       </p:ext>
     </p:extLst>
   </p:cSld>
@@ -4938,7 +5023,14 @@
           <a:bodyPr/>
           <a:lstStyle/>
           <a:p>
-            <a:endParaRPr lang="en-US" dirty="0"/>
+            <a:r>
+              <a:rPr lang="en-US" dirty="0" err="1"/>
+              <a:t>Thoughtworks</a:t>
+            </a:r>
+            <a:r>
+              <a:rPr lang="en-US" dirty="0"/>
+              <a:t> has also moved ADRs into “Adopt” in their technology radar, so the idea of using ADRs is gaining momentum in the world.</a:t>
+            </a:r>
           </a:p>
         </p:txBody>
       </p:sp>
@@ -4968,7 +5060,7 @@
     </p:spTree>
     <p:extLst>
       <p:ext uri="{BB962C8B-B14F-4D97-AF65-F5344CB8AC3E}">
-        <p14:creationId xmlns:p14="http://schemas.microsoft.com/office/powerpoint/2010/main" val="1584262489"/>
+        <p14:creationId xmlns:p14="http://schemas.microsoft.com/office/powerpoint/2010/main" val="3741557715"/>
       </p:ext>
     </p:extLst>
   </p:cSld>
@@ -5027,19 +5119,7 @@
           <a:bodyPr/>
           <a:lstStyle/>
           <a:p>
-            <a:pPr rtl="0"/>
-            <a:r>
-              <a:rPr lang="en-US" sz="1200" b="0" i="0" u="none" strike="noStrike" kern="1200" dirty="0">
-                <a:solidFill>
-                  <a:schemeClr val="tx1"/>
-                </a:solidFill>
-                <a:effectLst/>
-                <a:latin typeface="+mn-lt"/>
-                <a:ea typeface="+mn-ea"/>
-                <a:cs typeface="+mn-cs"/>
-              </a:rPr>
-              <a:t>So, many have adopted new approaches for teams, </a:t>
-            </a:r>
+            <a:endParaRPr lang="en-US" dirty="0"/>
           </a:p>
         </p:txBody>
       </p:sp>
@@ -5069,7 +5149,7 @@
     </p:spTree>
     <p:extLst>
       <p:ext uri="{BB962C8B-B14F-4D97-AF65-F5344CB8AC3E}">
-        <p14:creationId xmlns:p14="http://schemas.microsoft.com/office/powerpoint/2010/main" val="2827517658"/>
+        <p14:creationId xmlns:p14="http://schemas.microsoft.com/office/powerpoint/2010/main" val="1584262489"/>
       </p:ext>
     </p:extLst>
   </p:cSld>
@@ -5139,7 +5219,7 @@
                 <a:ea typeface="+mn-ea"/>
                 <a:cs typeface="+mn-cs"/>
               </a:rPr>
-              <a:t>bringing together cross functional resources together on </a:t>
+              <a:t>So, many have adopted new approaches for teams, </a:t>
             </a:r>
           </a:p>
         </p:txBody>
@@ -5170,7 +5250,7 @@
     </p:spTree>
     <p:extLst>
       <p:ext uri="{BB962C8B-B14F-4D97-AF65-F5344CB8AC3E}">
-        <p14:creationId xmlns:p14="http://schemas.microsoft.com/office/powerpoint/2010/main" val="1767002629"/>
+        <p14:creationId xmlns:p14="http://schemas.microsoft.com/office/powerpoint/2010/main" val="2827517658"/>
       </p:ext>
     </p:extLst>
   </p:cSld>
@@ -5234,14 +5314,35 @@
               <a:rPr lang="en-US" b="0" dirty="0" smtClean="0">
                 <a:effectLst/>
               </a:rPr>
-              <a:t>As technology leaders, we are responsible for maintaining the health,</a:t>
+              <a:t>As technology </a:t>
+            </a:r>
+            <a:r>
+              <a:rPr lang="en-US" b="0" dirty="0" smtClean="0">
+                <a:effectLst/>
+              </a:rPr>
+              <a:t>practitioners, we work with teams that are </a:t>
+            </a:r>
+            <a:r>
+              <a:rPr lang="en-US" b="0" dirty="0" smtClean="0">
+                <a:effectLst/>
+              </a:rPr>
+              <a:t>responsible for maintaining the health,</a:t>
             </a:r>
             <a:r>
               <a:rPr lang="en-US" b="0" baseline="0" dirty="0" smtClean="0">
                 <a:effectLst/>
               </a:rPr>
-              <a:t> welfare, and safety of the teams that work with us and the enterprise systems in general. </a:t>
-            </a:r>
+              <a:t> welfare, and safety of the </a:t>
+            </a:r>
+            <a:r>
+              <a:rPr lang="en-US" b="0" baseline="0" dirty="0" smtClean="0">
+                <a:effectLst/>
+              </a:rPr>
+              <a:t>systems we work with, as well as having either an interest or responsibility for how these systems connect and work together.</a:t>
+            </a:r>
+            <a:endParaRPr lang="en-US" b="0" baseline="0" dirty="0" smtClean="0">
+              <a:effectLst/>
+            </a:endParaRPr>
           </a:p>
           <a:p>
             <a:pPr rtl="0"/>
@@ -5362,7 +5463,7 @@
                 <a:ea typeface="+mn-ea"/>
                 <a:cs typeface="+mn-cs"/>
               </a:rPr>
-              <a:t>two-pizza teams, and empowering them to solve real business problems, </a:t>
+              <a:t>bringing together cross functional resources together on </a:t>
             </a:r>
           </a:p>
         </p:txBody>
@@ -5393,7 +5494,7 @@
     </p:spTree>
     <p:extLst>
       <p:ext uri="{BB962C8B-B14F-4D97-AF65-F5344CB8AC3E}">
-        <p14:creationId xmlns:p14="http://schemas.microsoft.com/office/powerpoint/2010/main" val="3167420653"/>
+        <p14:creationId xmlns:p14="http://schemas.microsoft.com/office/powerpoint/2010/main" val="1767002629"/>
       </p:ext>
     </p:extLst>
   </p:cSld>
@@ -5463,17 +5564,8 @@
                 <a:ea typeface="+mn-ea"/>
                 <a:cs typeface="+mn-cs"/>
               </a:rPr>
-              <a:t>and given them free reign to choose the best technologies to get the job done.</a:t>
-            </a:r>
-            <a:endParaRPr lang="en-US" b="0" dirty="0">
-              <a:effectLst/>
-            </a:endParaRPr>
-          </a:p>
-          <a:p>
-            <a:pPr rtl="0"/>
-            <a:endParaRPr lang="en-US" b="0" dirty="0">
-              <a:effectLst/>
-            </a:endParaRPr>
+              <a:t>two-pizza teams, and empowering them to solve real business problems, </a:t>
+            </a:r>
           </a:p>
         </p:txBody>
       </p:sp>
@@ -5503,7 +5595,7 @@
     </p:spTree>
     <p:extLst>
       <p:ext uri="{BB962C8B-B14F-4D97-AF65-F5344CB8AC3E}">
-        <p14:creationId xmlns:p14="http://schemas.microsoft.com/office/powerpoint/2010/main" val="1389547021"/>
+        <p14:creationId xmlns:p14="http://schemas.microsoft.com/office/powerpoint/2010/main" val="3167420653"/>
       </p:ext>
     </p:extLst>
   </p:cSld>
@@ -5573,67 +5665,14 @@
                 <a:ea typeface="+mn-ea"/>
                 <a:cs typeface="+mn-cs"/>
               </a:rPr>
-              <a:t>And the Enterprise Architects are sad; all of that time trying to build standardized approaches and processes with the appropriate governance around them.</a:t>
-            </a:r>
-          </a:p>
-          <a:p>
-            <a:pPr rtl="0"/>
-            <a:endParaRPr lang="en-US" sz="1200" b="0" i="0" u="none" strike="noStrike" kern="1200" dirty="0">
-              <a:solidFill>
-                <a:schemeClr val="tx1"/>
-              </a:solidFill>
-              <a:effectLst/>
-              <a:latin typeface="+mn-lt"/>
-              <a:ea typeface="+mn-ea"/>
-              <a:cs typeface="+mn-cs"/>
-            </a:endParaRPr>
-          </a:p>
-          <a:p>
-            <a:pPr rtl="0"/>
-            <a:r>
-              <a:rPr lang="en-US" sz="1200" b="0" i="0" u="none" strike="noStrike" kern="1200" dirty="0">
-                <a:solidFill>
-                  <a:schemeClr val="tx1"/>
-                </a:solidFill>
-                <a:effectLst/>
-                <a:latin typeface="+mn-lt"/>
-                <a:ea typeface="+mn-ea"/>
-                <a:cs typeface="+mn-cs"/>
-              </a:rPr>
-              <a:t>Obviously, every enterprise is different, and while this may not be the exact path you are on, there are likely similar challenges.</a:t>
-            </a:r>
-          </a:p>
-          <a:p>
-            <a:pPr rtl="0"/>
-            <a:endParaRPr lang="en-US" sz="1200" b="0" i="0" u="none" strike="noStrike" kern="1200" dirty="0">
-              <a:solidFill>
-                <a:schemeClr val="tx1"/>
-              </a:solidFill>
-              <a:effectLst/>
-              <a:latin typeface="+mn-lt"/>
-              <a:ea typeface="+mn-ea"/>
-              <a:cs typeface="+mn-cs"/>
-            </a:endParaRPr>
-          </a:p>
-          <a:p>
-            <a:pPr rtl="0"/>
-            <a:r>
-              <a:rPr lang="en-US" sz="1200" b="0" i="0" u="none" strike="noStrike" kern="1200" dirty="0">
-                <a:solidFill>
-                  <a:schemeClr val="tx1"/>
-                </a:solidFill>
-                <a:effectLst/>
-                <a:latin typeface="+mn-lt"/>
-                <a:ea typeface="+mn-ea"/>
-                <a:cs typeface="+mn-cs"/>
-              </a:rPr>
-              <a:t>How do we make sure this doesn't just devolve into chaos?</a:t>
+              <a:t>and given them free reign to choose the best technologies to get the job done.</a:t>
             </a:r>
             <a:endParaRPr lang="en-US" b="0" dirty="0">
               <a:effectLst/>
             </a:endParaRPr>
           </a:p>
           <a:p>
+            <a:pPr rtl="0"/>
             <a:endParaRPr lang="en-US" b="0" dirty="0">
               <a:effectLst/>
             </a:endParaRPr>
@@ -5666,7 +5705,7 @@
     </p:spTree>
     <p:extLst>
       <p:ext uri="{BB962C8B-B14F-4D97-AF65-F5344CB8AC3E}">
-        <p14:creationId xmlns:p14="http://schemas.microsoft.com/office/powerpoint/2010/main" val="746295207"/>
+        <p14:creationId xmlns:p14="http://schemas.microsoft.com/office/powerpoint/2010/main" val="1389547021"/>
       </p:ext>
     </p:extLst>
   </p:cSld>
@@ -5736,8 +5775,67 @@
                 <a:ea typeface="+mn-ea"/>
                 <a:cs typeface="+mn-cs"/>
               </a:rPr>
-              <a:t>One approach that worked very well for me in the past was to co-opt these agile teams, and give them a hand in helping craft the overall Enterprise Architecture for the company. We did this by forming a "Guild", a concept inspired by the work that Spotify has done and publicized around how they build their org structure. </a:t>
-            </a:r>
+              <a:t>And the Enterprise Architects are sad; all of that time trying to build standardized approaches and processes with the appropriate governance around them.</a:t>
+            </a:r>
+          </a:p>
+          <a:p>
+            <a:pPr rtl="0"/>
+            <a:endParaRPr lang="en-US" sz="1200" b="0" i="0" u="none" strike="noStrike" kern="1200" dirty="0">
+              <a:solidFill>
+                <a:schemeClr val="tx1"/>
+              </a:solidFill>
+              <a:effectLst/>
+              <a:latin typeface="+mn-lt"/>
+              <a:ea typeface="+mn-ea"/>
+              <a:cs typeface="+mn-cs"/>
+            </a:endParaRPr>
+          </a:p>
+          <a:p>
+            <a:pPr rtl="0"/>
+            <a:r>
+              <a:rPr lang="en-US" sz="1200" b="0" i="0" u="none" strike="noStrike" kern="1200" dirty="0">
+                <a:solidFill>
+                  <a:schemeClr val="tx1"/>
+                </a:solidFill>
+                <a:effectLst/>
+                <a:latin typeface="+mn-lt"/>
+                <a:ea typeface="+mn-ea"/>
+                <a:cs typeface="+mn-cs"/>
+              </a:rPr>
+              <a:t>Obviously, every enterprise is different, and while this may not be the exact path you are on, there are likely similar challenges.</a:t>
+            </a:r>
+          </a:p>
+          <a:p>
+            <a:pPr rtl="0"/>
+            <a:endParaRPr lang="en-US" sz="1200" b="0" i="0" u="none" strike="noStrike" kern="1200" dirty="0">
+              <a:solidFill>
+                <a:schemeClr val="tx1"/>
+              </a:solidFill>
+              <a:effectLst/>
+              <a:latin typeface="+mn-lt"/>
+              <a:ea typeface="+mn-ea"/>
+              <a:cs typeface="+mn-cs"/>
+            </a:endParaRPr>
+          </a:p>
+          <a:p>
+            <a:pPr rtl="0"/>
+            <a:r>
+              <a:rPr lang="en-US" sz="1200" b="0" i="0" u="none" strike="noStrike" kern="1200" dirty="0">
+                <a:solidFill>
+                  <a:schemeClr val="tx1"/>
+                </a:solidFill>
+                <a:effectLst/>
+                <a:latin typeface="+mn-lt"/>
+                <a:ea typeface="+mn-ea"/>
+                <a:cs typeface="+mn-cs"/>
+              </a:rPr>
+              <a:t>How do we make sure this doesn't just devolve into chaos?</a:t>
+            </a:r>
+            <a:endParaRPr lang="en-US" b="0" dirty="0">
+              <a:effectLst/>
+            </a:endParaRPr>
+          </a:p>
+          <a:p>
             <a:endParaRPr lang="en-US" b="0" dirty="0">
               <a:effectLst/>
             </a:endParaRPr>
@@ -5770,7 +5868,7 @@
     </p:spTree>
     <p:extLst>
       <p:ext uri="{BB962C8B-B14F-4D97-AF65-F5344CB8AC3E}">
-        <p14:creationId xmlns:p14="http://schemas.microsoft.com/office/powerpoint/2010/main" val="1344664210"/>
+        <p14:creationId xmlns:p14="http://schemas.microsoft.com/office/powerpoint/2010/main" val="746295207"/>
       </p:ext>
     </p:extLst>
   </p:cSld>
@@ -5840,7 +5938,7 @@
                 <a:ea typeface="+mn-ea"/>
                 <a:cs typeface="+mn-cs"/>
               </a:rPr>
-              <a:t>The guild was open to anyone that wanted to attend, which sometimes made for big meetings, but it tended to self-regulate. People that were really interested stuck around, those that had a passing interest or were just curious about what's going on tended to stop coming. </a:t>
+              <a:t>One approach that worked very well for me in the past was to co-opt these agile teams, and give them a hand in helping craft the overall Enterprise Architecture for the company. We did this by forming a "Guild", a concept inspired by the work that Spotify has done and publicized around how they build their org structure. </a:t>
             </a:r>
             <a:endParaRPr lang="en-US" b="0" dirty="0">
               <a:effectLst/>
@@ -5874,7 +5972,7 @@
     </p:spTree>
     <p:extLst>
       <p:ext uri="{BB962C8B-B14F-4D97-AF65-F5344CB8AC3E}">
-        <p14:creationId xmlns:p14="http://schemas.microsoft.com/office/powerpoint/2010/main" val="2119572838"/>
+        <p14:creationId xmlns:p14="http://schemas.microsoft.com/office/powerpoint/2010/main" val="1344664210"/>
       </p:ext>
     </p:extLst>
   </p:cSld>
@@ -5944,36 +6042,7 @@
                 <a:ea typeface="+mn-ea"/>
                 <a:cs typeface="+mn-cs"/>
               </a:rPr>
-              <a:t>Obviously, such a large group is an inefficient way to make decisions. But, it's a great group for lively discussions around topics where lots of people have passions.</a:t>
-            </a:r>
-            <a:endParaRPr lang="en-US" b="0" dirty="0">
-              <a:effectLst/>
-            </a:endParaRPr>
-          </a:p>
-          <a:p>
-            <a:pPr rtl="0"/>
-            <a:r>
-              <a:rPr lang="en-US" b="0" dirty="0">
-                <a:effectLst/>
-              </a:rPr>
-              <a:t/>
-            </a:r>
-            <a:br>
-              <a:rPr lang="en-US" b="0" dirty="0">
-                <a:effectLst/>
-              </a:rPr>
-            </a:br>
-            <a:r>
-              <a:rPr lang="en-US" sz="1200" b="0" i="0" u="none" strike="noStrike" kern="1200" dirty="0">
-                <a:solidFill>
-                  <a:schemeClr val="tx1"/>
-                </a:solidFill>
-                <a:effectLst/>
-                <a:latin typeface="+mn-lt"/>
-                <a:ea typeface="+mn-ea"/>
-                <a:cs typeface="+mn-cs"/>
-              </a:rPr>
-              <a:t>When it comes to actually making decisions, there were generally three paths:</a:t>
+              <a:t>The guild was open to anyone that wanted to attend, which sometimes made for big meetings, but it tended to self-regulate. People that were really interested stuck around, those that had a passing interest or were just curious about what's going on tended to stop coming. </a:t>
             </a:r>
             <a:endParaRPr lang="en-US" b="0" dirty="0">
               <a:effectLst/>
@@ -6007,7 +6076,7 @@
     </p:spTree>
     <p:extLst>
       <p:ext uri="{BB962C8B-B14F-4D97-AF65-F5344CB8AC3E}">
-        <p14:creationId xmlns:p14="http://schemas.microsoft.com/office/powerpoint/2010/main" val="3770503333"/>
+        <p14:creationId xmlns:p14="http://schemas.microsoft.com/office/powerpoint/2010/main" val="2119572838"/>
       </p:ext>
     </p:extLst>
   </p:cSld>
@@ -6066,7 +6135,7 @@
           <a:bodyPr/>
           <a:lstStyle/>
           <a:p>
-            <a:pPr rtl="0" fontAlgn="base"/>
+            <a:pPr rtl="0"/>
             <a:r>
               <a:rPr lang="en-US" sz="1200" b="0" i="0" u="none" strike="noStrike" kern="1200" dirty="0">
                 <a:solidFill>
@@ -6077,8 +6146,40 @@
                 <a:ea typeface="+mn-ea"/>
                 <a:cs typeface="+mn-cs"/>
               </a:rPr>
-              <a:t>A short term, tactical decision needs to be made. Identify 3-4 people who are passionate and task them with drafting an ADR to be presented back to the guild. If there is an obvious champion for this decision, appoint them to lead the group.</a:t>
-            </a:r>
+              <a:t>Obviously, such a large group is an inefficient way to make decisions. But, it's a great group for lively discussions around topics where lots of people have passions.</a:t>
+            </a:r>
+            <a:endParaRPr lang="en-US" b="0" dirty="0">
+              <a:effectLst/>
+            </a:endParaRPr>
+          </a:p>
+          <a:p>
+            <a:pPr rtl="0"/>
+            <a:r>
+              <a:rPr lang="en-US" b="0" dirty="0">
+                <a:effectLst/>
+              </a:rPr>
+              <a:t/>
+            </a:r>
+            <a:br>
+              <a:rPr lang="en-US" b="0" dirty="0">
+                <a:effectLst/>
+              </a:rPr>
+            </a:br>
+            <a:r>
+              <a:rPr lang="en-US" sz="1200" b="0" i="0" u="none" strike="noStrike" kern="1200" dirty="0">
+                <a:solidFill>
+                  <a:schemeClr val="tx1"/>
+                </a:solidFill>
+                <a:effectLst/>
+                <a:latin typeface="+mn-lt"/>
+                <a:ea typeface="+mn-ea"/>
+                <a:cs typeface="+mn-cs"/>
+              </a:rPr>
+              <a:t>When it comes to actually making decisions, there were generally three paths:</a:t>
+            </a:r>
+            <a:endParaRPr lang="en-US" b="0" dirty="0">
+              <a:effectLst/>
+            </a:endParaRPr>
           </a:p>
         </p:txBody>
       </p:sp>
@@ -6108,7 +6209,7 @@
     </p:spTree>
     <p:extLst>
       <p:ext uri="{BB962C8B-B14F-4D97-AF65-F5344CB8AC3E}">
-        <p14:creationId xmlns:p14="http://schemas.microsoft.com/office/powerpoint/2010/main" val="2462950210"/>
+        <p14:creationId xmlns:p14="http://schemas.microsoft.com/office/powerpoint/2010/main" val="3770503333"/>
       </p:ext>
     </p:extLst>
   </p:cSld>
@@ -6178,7 +6279,7 @@
                 <a:ea typeface="+mn-ea"/>
                 <a:cs typeface="+mn-cs"/>
               </a:rPr>
-              <a:t>For longer term, strategic or structural decisions, identify a group of people (no more than 8-10) and create a short-term Special Interest Group. This SIG is tasked with researching, prototyping, spiking for whatever the topic is. These short-term SIGs will usually produce one or two deliverables. One, for sure, will be at least on ADR proposing a decisions (sometimes there are multiple ADRs that come out of one of these short-term SIGs). The other deliverable can be something like a reference implementation of a particular technology, something I'll discuss in more depth later.</a:t>
+              <a:t>A short term, tactical decision needs to be made. Identify 3-4 people who are passionate and task them with drafting an ADR to be presented back to the guild. If there is an obvious champion for this decision, appoint them to lead the group.</a:t>
             </a:r>
           </a:p>
         </p:txBody>
@@ -6209,7 +6310,7 @@
     </p:spTree>
     <p:extLst>
       <p:ext uri="{BB962C8B-B14F-4D97-AF65-F5344CB8AC3E}">
-        <p14:creationId xmlns:p14="http://schemas.microsoft.com/office/powerpoint/2010/main" val="2209803264"/>
+        <p14:creationId xmlns:p14="http://schemas.microsoft.com/office/powerpoint/2010/main" val="2462950210"/>
       </p:ext>
     </p:extLst>
   </p:cSld>
@@ -6279,7 +6380,7 @@
                 <a:ea typeface="+mn-ea"/>
                 <a:cs typeface="+mn-cs"/>
               </a:rPr>
-              <a:t>Long running SIGs around areas of interest; these usually ended up being around languages or practices, like a Java SIG, a Ruby SIG, a Database Development SIG, etc. If there was some decision that related to something where a SIG already existed, the decision was delegated to them. For example, how to handle Java upgrades with the recent changes Oracle has made to their long-term support model. Just like short-term SIGs, the deliverables would be ADRs or reference implementations. A special deliverable of these kinds of SIGs are things like code standards &amp; shared libraries. Yes, I believe you should argue tabs vs. spaces, and agree on standards that can be codified in linting tools that enforce those standards. And that's what these SIGs did, among other things.</a:t>
+              <a:t>For longer term, strategic or structural decisions, identify a group of people (no more than 8-10) and create a short-term Special Interest Group. This SIG is tasked with researching, prototyping, spiking for whatever the topic is. These short-term SIGs will usually produce one or two deliverables. One, for sure, will be at least on ADR proposing a decisions (sometimes there are multiple ADRs that come out of one of these short-term SIGs). The other deliverable can be something like a reference implementation of a particular technology, something I'll discuss in more depth later.</a:t>
             </a:r>
           </a:p>
         </p:txBody>
@@ -6310,7 +6411,7 @@
     </p:spTree>
     <p:extLst>
       <p:ext uri="{BB962C8B-B14F-4D97-AF65-F5344CB8AC3E}">
-        <p14:creationId xmlns:p14="http://schemas.microsoft.com/office/powerpoint/2010/main" val="3475272380"/>
+        <p14:creationId xmlns:p14="http://schemas.microsoft.com/office/powerpoint/2010/main" val="2209803264"/>
       </p:ext>
     </p:extLst>
   </p:cSld>
@@ -6369,7 +6470,7 @@
           <a:bodyPr/>
           <a:lstStyle/>
           <a:p>
-            <a:pPr rtl="0"/>
+            <a:pPr rtl="0" fontAlgn="base"/>
             <a:r>
               <a:rPr lang="en-US" sz="1200" b="0" i="0" u="none" strike="noStrike" kern="1200" dirty="0">
                 <a:solidFill>
@@ -6380,11 +6481,8 @@
                 <a:ea typeface="+mn-ea"/>
                 <a:cs typeface="+mn-cs"/>
               </a:rPr>
-              <a:t>Instead of an "Architecture Review Board", architectural decisions were brought before the guild for discussion and adoption. The Guild had "high ranking" technology folks, so if it was ever necessary for someone to serve as a tiebreaker, they were there to do that. But it almost never came down to it. As I said earlier, people generally make good decisions, and when it comes down to it, people want the best for the company and the environment that they work in day-to-day.</a:t>
-            </a:r>
-            <a:endParaRPr lang="en-US" b="0" dirty="0">
-              <a:effectLst/>
-            </a:endParaRPr>
+              <a:t>Long running SIGs around areas of interest; these usually ended up being around languages or practices, like a Java SIG, a Ruby SIG, a Database Development SIG, etc. If there was some decision that related to something where a SIG already existed, the decision was delegated to them. For example, how to handle Java upgrades with the recent changes Oracle has made to their long-term support model. Just like short-term SIGs, the deliverables would be ADRs or reference implementations. A special deliverable of these kinds of SIGs are things like code standards &amp; shared libraries. Yes, I believe you should argue tabs vs. spaces, and agree on standards that can be codified in linting tools that enforce those standards. And that's what these SIGs did, among other things.</a:t>
+            </a:r>
           </a:p>
         </p:txBody>
       </p:sp>
@@ -6414,7 +6512,7 @@
     </p:spTree>
     <p:extLst>
       <p:ext uri="{BB962C8B-B14F-4D97-AF65-F5344CB8AC3E}">
-        <p14:creationId xmlns:p14="http://schemas.microsoft.com/office/powerpoint/2010/main" val="2728671387"/>
+        <p14:creationId xmlns:p14="http://schemas.microsoft.com/office/powerpoint/2010/main" val="3475272380"/>
       </p:ext>
     </p:extLst>
   </p:cSld>
@@ -6630,7 +6728,7 @@
                 <a:ea typeface="+mn-ea"/>
                 <a:cs typeface="+mn-cs"/>
               </a:rPr>
-              <a:t>The guild also served another important purpose. The participants really felt like they were helping form the Architecture for the Enterprise, and they became evangelists, spreading the word to their peers about the decisions that were being made. It wasn't a silver bullet to socialize decisions, but it helped a lot. The guild would also present on a regular basis at our "all-hands" meetings, covering important topics, new decisions, reminders of best practices, etc.</a:t>
+              <a:t>Instead of an "Architecture Review Board", architectural decisions were brought before the guild for discussion and adoption. The Guild had "high ranking" technology folks, so if it was ever necessary for someone to serve as a tiebreaker, they were there to do that. But it almost never came down to it. As I said earlier, people generally make good decisions, and when it comes down to it, people want the best for the company and the environment that they work in day-to-day.</a:t>
             </a:r>
             <a:endParaRPr lang="en-US" b="0" dirty="0">
               <a:effectLst/>
@@ -6664,7 +6762,7 @@
     </p:spTree>
     <p:extLst>
       <p:ext uri="{BB962C8B-B14F-4D97-AF65-F5344CB8AC3E}">
-        <p14:creationId xmlns:p14="http://schemas.microsoft.com/office/powerpoint/2010/main" val="3948155629"/>
+        <p14:creationId xmlns:p14="http://schemas.microsoft.com/office/powerpoint/2010/main" val="2728671387"/>
       </p:ext>
     </p:extLst>
   </p:cSld>
@@ -6734,7 +6832,7 @@
                 <a:ea typeface="+mn-ea"/>
                 <a:cs typeface="+mn-cs"/>
               </a:rPr>
-              <a:t>Each guild meeting started with a set agenda</a:t>
+              <a:t>The guild also served another important purpose. The participants really felt like they were helping form the Architecture for the Enterprise, and they became evangelists, spreading the word to their peers about the decisions that were being made. It wasn't a silver bullet to socialize decisions, but it helped a lot. The guild would also present on a regular basis at our "all-hands" meetings, covering important topics, new decisions, reminders of best practices, etc.</a:t>
             </a:r>
             <a:endParaRPr lang="en-US" b="0" dirty="0">
               <a:effectLst/>
@@ -6768,7 +6866,7 @@
     </p:spTree>
     <p:extLst>
       <p:ext uri="{BB962C8B-B14F-4D97-AF65-F5344CB8AC3E}">
-        <p14:creationId xmlns:p14="http://schemas.microsoft.com/office/powerpoint/2010/main" val="1617754801"/>
+        <p14:creationId xmlns:p14="http://schemas.microsoft.com/office/powerpoint/2010/main" val="3948155629"/>
       </p:ext>
     </p:extLst>
   </p:cSld>
@@ -6838,34 +6936,7 @@
                 <a:ea typeface="+mn-ea"/>
                 <a:cs typeface="+mn-cs"/>
               </a:rPr>
-              <a:t>This open discussion time often proved to be the most interesting. Someone would bring up a topic that applied to the Guild, and there would be lively discussion and debate, often ending with action items delegated to an existing SIG, or the formation of a new, short-term SIG.</a:t>
-            </a:r>
-          </a:p>
-          <a:p>
-            <a:pPr rtl="0"/>
-            <a:endParaRPr lang="en-US" sz="1200" b="0" i="0" u="none" strike="noStrike" kern="1200" dirty="0">
-              <a:solidFill>
-                <a:schemeClr val="tx1"/>
-              </a:solidFill>
-              <a:effectLst/>
-              <a:latin typeface="+mn-lt"/>
-              <a:ea typeface="+mn-ea"/>
-              <a:cs typeface="+mn-cs"/>
-            </a:endParaRPr>
-          </a:p>
-          <a:p>
-            <a:pPr rtl="0"/>
-            <a:r>
-              <a:rPr lang="en-US" sz="1200" b="0" i="0" u="none" strike="noStrike" kern="1200" dirty="0">
-                <a:solidFill>
-                  <a:schemeClr val="tx1"/>
-                </a:solidFill>
-                <a:effectLst/>
-                <a:latin typeface="+mn-lt"/>
-                <a:ea typeface="+mn-ea"/>
-                <a:cs typeface="+mn-cs"/>
-              </a:rPr>
-              <a:t>All in all, the Enterprise Architecture guild proved to be a powerful tool to help bring some order to a potentially chaotic world.</a:t>
+              <a:t>Each guild meeting started with a set agenda</a:t>
             </a:r>
             <a:endParaRPr lang="en-US" b="0" dirty="0">
               <a:effectLst/>
@@ -6899,7 +6970,7 @@
     </p:spTree>
     <p:extLst>
       <p:ext uri="{BB962C8B-B14F-4D97-AF65-F5344CB8AC3E}">
-        <p14:creationId xmlns:p14="http://schemas.microsoft.com/office/powerpoint/2010/main" val="3097747324"/>
+        <p14:creationId xmlns:p14="http://schemas.microsoft.com/office/powerpoint/2010/main" val="1617754801"/>
       </p:ext>
     </p:extLst>
   </p:cSld>
@@ -6969,25 +7040,23 @@
                 <a:ea typeface="+mn-ea"/>
                 <a:cs typeface="+mn-cs"/>
               </a:rPr>
-              <a:t>As noted above, one of the jobs of the SIGs is to "create reference implementations". What does this mean?</a:t>
-            </a:r>
-            <a:endParaRPr lang="en-US" b="0" dirty="0">
+              <a:t>This open discussion time often proved to be the most interesting. Someone would bring up a topic that applied to the Guild, and there would be lively discussion and debate, often ending with action items delegated to an existing SIG, or the formation of a new, short-term SIG.</a:t>
+            </a:r>
+          </a:p>
+          <a:p>
+            <a:pPr rtl="0"/>
+            <a:endParaRPr lang="en-US" sz="1200" b="0" i="0" u="none" strike="noStrike" kern="1200" dirty="0">
+              <a:solidFill>
+                <a:schemeClr val="tx1"/>
+              </a:solidFill>
               <a:effectLst/>
+              <a:latin typeface="+mn-lt"/>
+              <a:ea typeface="+mn-ea"/>
+              <a:cs typeface="+mn-cs"/>
             </a:endParaRPr>
           </a:p>
           <a:p>
             <a:pPr rtl="0"/>
-            <a:r>
-              <a:rPr lang="en-US" b="0" dirty="0">
-                <a:effectLst/>
-              </a:rPr>
-              <a:t/>
-            </a:r>
-            <a:br>
-              <a:rPr lang="en-US" b="0" dirty="0">
-                <a:effectLst/>
-              </a:rPr>
-            </a:br>
             <a:r>
               <a:rPr lang="en-US" sz="1200" b="0" i="0" u="none" strike="noStrike" kern="1200" dirty="0">
                 <a:solidFill>
@@ -6998,7 +7067,7 @@
                 <a:ea typeface="+mn-ea"/>
                 <a:cs typeface="+mn-cs"/>
               </a:rPr>
-              <a:t>Here's an example, based on my experience.</a:t>
+              <a:t>All in all, the Enterprise Architecture guild proved to be a powerful tool to help bring some order to a potentially chaotic world.</a:t>
             </a:r>
             <a:endParaRPr lang="en-US" b="0" dirty="0">
               <a:effectLst/>
@@ -7032,7 +7101,7 @@
     </p:spTree>
     <p:extLst>
       <p:ext uri="{BB962C8B-B14F-4D97-AF65-F5344CB8AC3E}">
-        <p14:creationId xmlns:p14="http://schemas.microsoft.com/office/powerpoint/2010/main" val="2031319328"/>
+        <p14:creationId xmlns:p14="http://schemas.microsoft.com/office/powerpoint/2010/main" val="3097747324"/>
       </p:ext>
     </p:extLst>
   </p:cSld>
@@ -7092,18 +7161,9 @@
           <a:lstStyle/>
           <a:p>
             <a:pPr rtl="0"/>
-            <a:r>
-              <a:rPr lang="en-US" sz="1200" b="0" i="0" u="none" strike="noStrike" kern="1200" dirty="0">
-                <a:solidFill>
-                  <a:schemeClr val="tx1"/>
-                </a:solidFill>
-                <a:effectLst/>
-                <a:latin typeface="+mn-lt"/>
-                <a:ea typeface="+mn-ea"/>
-                <a:cs typeface="+mn-cs"/>
-              </a:rPr>
-              <a:t>A company I worked for had established Docker as our deployment platform (everything deployed is a container) with Vault for secret management, and Consul for service discovery and key/value store. There were a large number of Java developers, and their SIG had settled on Spring Boot as their preferred microservice platform. </a:t>
-            </a:r>
+            <a:endParaRPr lang="en-US" b="0" dirty="0">
+              <a:effectLst/>
+            </a:endParaRPr>
           </a:p>
         </p:txBody>
       </p:sp>
@@ -7133,7 +7193,7 @@
     </p:spTree>
     <p:extLst>
       <p:ext uri="{BB962C8B-B14F-4D97-AF65-F5344CB8AC3E}">
-        <p14:creationId xmlns:p14="http://schemas.microsoft.com/office/powerpoint/2010/main" val="129386358"/>
+        <p14:creationId xmlns:p14="http://schemas.microsoft.com/office/powerpoint/2010/main" val="2081385765"/>
       </p:ext>
     </p:extLst>
   </p:cSld>
@@ -7193,29 +7253,8 @@
           <a:lstStyle/>
           <a:p>
             <a:pPr rtl="0"/>
-            <a:r>
-              <a:rPr lang="en-US" sz="1200" b="0" i="0" u="none" strike="noStrike" kern="1200" dirty="0">
-                <a:solidFill>
-                  <a:schemeClr val="tx1"/>
-                </a:solidFill>
-                <a:effectLst/>
-                <a:latin typeface="+mn-lt"/>
-                <a:ea typeface="+mn-ea"/>
-                <a:cs typeface="+mn-cs"/>
-              </a:rPr>
-              <a:t>This is a complex environment, with many moving pieces, so that SIG worked together to create a "base" reference implementation that took care of wiring all of the proper pieces together. A greenfield project could "copy" the reference implementation, and get a bunch of stuff for "free", </a:t>
-            </a:r>
-          </a:p>
-          <a:p>
-            <a:pPr rtl="0"/>
-            <a:endParaRPr lang="en-US" sz="1200" b="0" i="0" u="none" strike="noStrike" kern="1200" dirty="0">
-              <a:solidFill>
-                <a:schemeClr val="tx1"/>
-              </a:solidFill>
+            <a:endParaRPr lang="en-US" b="0" dirty="0">
               <a:effectLst/>
-              <a:latin typeface="+mn-lt"/>
-              <a:ea typeface="+mn-ea"/>
-              <a:cs typeface="+mn-cs"/>
             </a:endParaRPr>
           </a:p>
         </p:txBody>
@@ -7246,7 +7285,7 @@
     </p:spTree>
     <p:extLst>
       <p:ext uri="{BB962C8B-B14F-4D97-AF65-F5344CB8AC3E}">
-        <p14:creationId xmlns:p14="http://schemas.microsoft.com/office/powerpoint/2010/main" val="1048343580"/>
+        <p14:creationId xmlns:p14="http://schemas.microsoft.com/office/powerpoint/2010/main" val="644383250"/>
       </p:ext>
     </p:extLst>
   </p:cSld>
@@ -7306,42 +7345,6 @@
           <a:lstStyle/>
           <a:p>
             <a:pPr rtl="0"/>
-            <a:r>
-              <a:rPr lang="en-US" sz="1200" b="0" i="0" u="none" strike="noStrike" kern="1200" dirty="0">
-                <a:solidFill>
-                  <a:schemeClr val="tx1"/>
-                </a:solidFill>
-                <a:effectLst/>
-                <a:latin typeface="+mn-lt"/>
-                <a:ea typeface="+mn-ea"/>
-                <a:cs typeface="+mn-cs"/>
-              </a:rPr>
-              <a:t>with all of the right things set up to take advantage of Vault &amp; Consul, as well as anything else defined as part of our approach to application development (linting rules, static code analysis, security, </a:t>
-            </a:r>
-            <a:r>
-              <a:rPr lang="en-US" sz="1200" b="0" i="0" u="none" strike="noStrike" kern="1200" dirty="0" err="1">
-                <a:solidFill>
-                  <a:schemeClr val="tx1"/>
-                </a:solidFill>
-                <a:effectLst/>
-                <a:latin typeface="+mn-lt"/>
-                <a:ea typeface="+mn-ea"/>
-                <a:cs typeface="+mn-cs"/>
-              </a:rPr>
-              <a:t>etc</a:t>
-            </a:r>
-            <a:r>
-              <a:rPr lang="en-US" sz="1200" b="0" i="0" u="none" strike="noStrike" kern="1200" dirty="0">
-                <a:solidFill>
-                  <a:schemeClr val="tx1"/>
-                </a:solidFill>
-                <a:effectLst/>
-                <a:latin typeface="+mn-lt"/>
-                <a:ea typeface="+mn-ea"/>
-                <a:cs typeface="+mn-cs"/>
-              </a:rPr>
-              <a:t>).</a:t>
-            </a:r>
             <a:endParaRPr lang="en-US" b="0" dirty="0">
               <a:effectLst/>
             </a:endParaRPr>
@@ -7374,7 +7377,7 @@
     </p:spTree>
     <p:extLst>
       <p:ext uri="{BB962C8B-B14F-4D97-AF65-F5344CB8AC3E}">
-        <p14:creationId xmlns:p14="http://schemas.microsoft.com/office/powerpoint/2010/main" val="2004091050"/>
+        <p14:creationId xmlns:p14="http://schemas.microsoft.com/office/powerpoint/2010/main" val="4003025018"/>
       </p:ext>
     </p:extLst>
   </p:cSld>
@@ -7434,6 +7437,47 @@
           <a:lstStyle/>
           <a:p>
             <a:pPr rtl="0"/>
+            <a:r>
+              <a:rPr lang="en-US" sz="1200" b="0" i="0" u="none" strike="noStrike" kern="1200" dirty="0">
+                <a:solidFill>
+                  <a:schemeClr val="tx1"/>
+                </a:solidFill>
+                <a:effectLst/>
+                <a:latin typeface="+mn-lt"/>
+                <a:ea typeface="+mn-ea"/>
+                <a:cs typeface="+mn-cs"/>
+              </a:rPr>
+              <a:t>As noted above, one of the jobs of the SIGs is to "create reference implementations". What does this mean?</a:t>
+            </a:r>
+            <a:endParaRPr lang="en-US" b="0" dirty="0">
+              <a:effectLst/>
+            </a:endParaRPr>
+          </a:p>
+          <a:p>
+            <a:pPr rtl="0"/>
+            <a:r>
+              <a:rPr lang="en-US" b="0" dirty="0">
+                <a:effectLst/>
+              </a:rPr>
+              <a:t/>
+            </a:r>
+            <a:br>
+              <a:rPr lang="en-US" b="0" dirty="0">
+                <a:effectLst/>
+              </a:rPr>
+            </a:br>
+            <a:r>
+              <a:rPr lang="en-US" sz="1200" b="0" i="0" u="none" strike="noStrike" kern="1200" dirty="0">
+                <a:solidFill>
+                  <a:schemeClr val="tx1"/>
+                </a:solidFill>
+                <a:effectLst/>
+                <a:latin typeface="+mn-lt"/>
+                <a:ea typeface="+mn-ea"/>
+                <a:cs typeface="+mn-cs"/>
+              </a:rPr>
+              <a:t>Here's an example, based on my experience.</a:t>
+            </a:r>
             <a:endParaRPr lang="en-US" b="0" dirty="0">
               <a:effectLst/>
             </a:endParaRPr>
@@ -7466,7 +7510,7 @@
     </p:spTree>
     <p:extLst>
       <p:ext uri="{BB962C8B-B14F-4D97-AF65-F5344CB8AC3E}">
-        <p14:creationId xmlns:p14="http://schemas.microsoft.com/office/powerpoint/2010/main" val="1902782798"/>
+        <p14:creationId xmlns:p14="http://schemas.microsoft.com/office/powerpoint/2010/main" val="2031319328"/>
       </p:ext>
     </p:extLst>
   </p:cSld>
@@ -7526,9 +7570,18 @@
           <a:lstStyle/>
           <a:p>
             <a:pPr rtl="0"/>
-            <a:endParaRPr lang="en-US" b="0" dirty="0">
-              <a:effectLst/>
-            </a:endParaRPr>
+            <a:r>
+              <a:rPr lang="en-US" sz="1200" b="0" i="0" u="none" strike="noStrike" kern="1200" dirty="0">
+                <a:solidFill>
+                  <a:schemeClr val="tx1"/>
+                </a:solidFill>
+                <a:effectLst/>
+                <a:latin typeface="+mn-lt"/>
+                <a:ea typeface="+mn-ea"/>
+                <a:cs typeface="+mn-cs"/>
+              </a:rPr>
+              <a:t>A company I worked for had established Docker as our deployment platform (everything deployed is a container) with Vault for secret management, and Consul for service discovery and key/value store. There were a large number of Java developers, and their SIG had settled on Spring Boot as their preferred microservice platform. </a:t>
+            </a:r>
           </a:p>
         </p:txBody>
       </p:sp>
@@ -7558,7 +7611,7 @@
     </p:spTree>
     <p:extLst>
       <p:ext uri="{BB962C8B-B14F-4D97-AF65-F5344CB8AC3E}">
-        <p14:creationId xmlns:p14="http://schemas.microsoft.com/office/powerpoint/2010/main" val="2503517"/>
+        <p14:creationId xmlns:p14="http://schemas.microsoft.com/office/powerpoint/2010/main" val="129386358"/>
       </p:ext>
     </p:extLst>
   </p:cSld>
@@ -7628,34 +7681,19 @@
                 <a:ea typeface="+mn-ea"/>
                 <a:cs typeface="+mn-cs"/>
               </a:rPr>
-              <a:t>with all of the right things set up to take advantage of Vault &amp; Consul, as well as anything else defined as part of our approach to application development (linting rules, static code analysis, security, </a:t>
-            </a:r>
-            <a:r>
-              <a:rPr lang="en-US" sz="1200" b="0" i="0" u="none" strike="noStrike" kern="1200" dirty="0" err="1">
-                <a:solidFill>
-                  <a:schemeClr val="tx1"/>
-                </a:solidFill>
-                <a:effectLst/>
-                <a:latin typeface="+mn-lt"/>
-                <a:ea typeface="+mn-ea"/>
-                <a:cs typeface="+mn-cs"/>
-              </a:rPr>
-              <a:t>etc</a:t>
-            </a:r>
-            <a:r>
-              <a:rPr lang="en-US" sz="1200" b="0" i="0" u="none" strike="noStrike" kern="1200" dirty="0">
-                <a:solidFill>
-                  <a:schemeClr val="tx1"/>
-                </a:solidFill>
-                <a:effectLst/>
-                <a:latin typeface="+mn-lt"/>
-                <a:ea typeface="+mn-ea"/>
-                <a:cs typeface="+mn-cs"/>
-              </a:rPr>
-              <a:t>).</a:t>
-            </a:r>
-            <a:endParaRPr lang="en-US" b="0" dirty="0">
+              <a:t>This is a complex environment, with many moving pieces, so that SIG worked together to create a "base" reference implementation that took care of wiring all of the proper pieces together. A greenfield project could "copy" the reference implementation, and get a bunch of stuff for "free", </a:t>
+            </a:r>
+          </a:p>
+          <a:p>
+            <a:pPr rtl="0"/>
+            <a:endParaRPr lang="en-US" sz="1200" b="0" i="0" u="none" strike="noStrike" kern="1200" dirty="0">
+              <a:solidFill>
+                <a:schemeClr val="tx1"/>
+              </a:solidFill>
               <a:effectLst/>
+              <a:latin typeface="+mn-lt"/>
+              <a:ea typeface="+mn-ea"/>
+              <a:cs typeface="+mn-cs"/>
             </a:endParaRPr>
           </a:p>
         </p:txBody>
@@ -7686,7 +7724,7 @@
     </p:spTree>
     <p:extLst>
       <p:ext uri="{BB962C8B-B14F-4D97-AF65-F5344CB8AC3E}">
-        <p14:creationId xmlns:p14="http://schemas.microsoft.com/office/powerpoint/2010/main" val="3403602255"/>
+        <p14:creationId xmlns:p14="http://schemas.microsoft.com/office/powerpoint/2010/main" val="1048343580"/>
       </p:ext>
     </p:extLst>
   </p:cSld>
@@ -7858,6 +7896,42 @@
           <a:lstStyle/>
           <a:p>
             <a:pPr rtl="0"/>
+            <a:r>
+              <a:rPr lang="en-US" sz="1200" b="0" i="0" u="none" strike="noStrike" kern="1200" dirty="0">
+                <a:solidFill>
+                  <a:schemeClr val="tx1"/>
+                </a:solidFill>
+                <a:effectLst/>
+                <a:latin typeface="+mn-lt"/>
+                <a:ea typeface="+mn-ea"/>
+                <a:cs typeface="+mn-cs"/>
+              </a:rPr>
+              <a:t>with all of the right things set up to take advantage of Vault &amp; Consul, as well as anything else defined as part of our approach to application development (linting rules, static code analysis, security, </a:t>
+            </a:r>
+            <a:r>
+              <a:rPr lang="en-US" sz="1200" b="0" i="0" u="none" strike="noStrike" kern="1200" dirty="0" err="1">
+                <a:solidFill>
+                  <a:schemeClr val="tx1"/>
+                </a:solidFill>
+                <a:effectLst/>
+                <a:latin typeface="+mn-lt"/>
+                <a:ea typeface="+mn-ea"/>
+                <a:cs typeface="+mn-cs"/>
+              </a:rPr>
+              <a:t>etc</a:t>
+            </a:r>
+            <a:r>
+              <a:rPr lang="en-US" sz="1200" b="0" i="0" u="none" strike="noStrike" kern="1200" dirty="0">
+                <a:solidFill>
+                  <a:schemeClr val="tx1"/>
+                </a:solidFill>
+                <a:effectLst/>
+                <a:latin typeface="+mn-lt"/>
+                <a:ea typeface="+mn-ea"/>
+                <a:cs typeface="+mn-cs"/>
+              </a:rPr>
+              <a:t>).</a:t>
+            </a:r>
             <a:endParaRPr lang="en-US" b="0" dirty="0">
               <a:effectLst/>
             </a:endParaRPr>
@@ -7890,7 +7964,7 @@
     </p:spTree>
     <p:extLst>
       <p:ext uri="{BB962C8B-B14F-4D97-AF65-F5344CB8AC3E}">
-        <p14:creationId xmlns:p14="http://schemas.microsoft.com/office/powerpoint/2010/main" val="2186857975"/>
+        <p14:creationId xmlns:p14="http://schemas.microsoft.com/office/powerpoint/2010/main" val="2004091050"/>
       </p:ext>
     </p:extLst>
   </p:cSld>
@@ -7950,18 +8024,6 @@
           <a:lstStyle/>
           <a:p>
             <a:pPr rtl="0"/>
-            <a:r>
-              <a:rPr lang="en-US" sz="1200" b="0" i="0" u="none" strike="noStrike" kern="1200" dirty="0">
-                <a:solidFill>
-                  <a:schemeClr val="tx1"/>
-                </a:solidFill>
-                <a:effectLst/>
-                <a:latin typeface="+mn-lt"/>
-                <a:ea typeface="+mn-ea"/>
-                <a:cs typeface="+mn-cs"/>
-              </a:rPr>
-              <a:t>In the real world, this reference implementation really did help accelerate our progress. Just like the best frameworks are opinionated, our reference implementation was opinionated -- it baked in the best opinions of the Enterprise Architecture Guild &amp; the Java SIG into a consumable unit, rather than those opinions only being expressed in ADRs or other documentation. Seeing the opinions expressed as a reference implementation is very powerful, and helps show how abstract ideas are made into concrete implementations.</a:t>
-            </a:r>
             <a:endParaRPr lang="en-US" b="0" dirty="0">
               <a:effectLst/>
             </a:endParaRPr>
@@ -7994,7 +8056,7 @@
     </p:spTree>
     <p:extLst>
       <p:ext uri="{BB962C8B-B14F-4D97-AF65-F5344CB8AC3E}">
-        <p14:creationId xmlns:p14="http://schemas.microsoft.com/office/powerpoint/2010/main" val="3471781983"/>
+        <p14:creationId xmlns:p14="http://schemas.microsoft.com/office/powerpoint/2010/main" val="1902782798"/>
       </p:ext>
     </p:extLst>
   </p:cSld>
@@ -8054,18 +8116,6 @@
           <a:lstStyle/>
           <a:p>
             <a:pPr rtl="0"/>
-            <a:r>
-              <a:rPr lang="en-US" sz="1200" b="0" i="0" u="none" strike="noStrike" kern="1200" dirty="0">
-                <a:solidFill>
-                  <a:schemeClr val="tx1"/>
-                </a:solidFill>
-                <a:effectLst/>
-                <a:latin typeface="+mn-lt"/>
-                <a:ea typeface="+mn-ea"/>
-                <a:cs typeface="+mn-cs"/>
-              </a:rPr>
-              <a:t>At that company, we were also developing Node.js applications and Ruby/Rails applications, and reference implementations were created for those as well that expressed the same Docker-based concepts, but specific to those other languages.</a:t>
-            </a:r>
             <a:endParaRPr lang="en-US" b="0" dirty="0">
               <a:effectLst/>
             </a:endParaRPr>
@@ -8098,7 +8148,7 @@
     </p:spTree>
     <p:extLst>
       <p:ext uri="{BB962C8B-B14F-4D97-AF65-F5344CB8AC3E}">
-        <p14:creationId xmlns:p14="http://schemas.microsoft.com/office/powerpoint/2010/main" val="1328256726"/>
+        <p14:creationId xmlns:p14="http://schemas.microsoft.com/office/powerpoint/2010/main" val="2503517"/>
       </p:ext>
     </p:extLst>
   </p:cSld>
@@ -8168,7 +8218,31 @@
                 <a:ea typeface="+mn-ea"/>
                 <a:cs typeface="+mn-cs"/>
               </a:rPr>
-              <a:t>If you begin building reference applications, there is an implicit commitment to maintaining them. As new standards emerge -- and they will -- these reference implementations need to be kept up to date so the opinions they express stay in line with the standards that evolving for the Enterprise.</a:t>
+              <a:t>with all of the right things set up to take advantage of Vault &amp; Consul, as well as anything else defined as part of our approach to application development (linting rules, static code analysis, security, </a:t>
+            </a:r>
+            <a:r>
+              <a:rPr lang="en-US" sz="1200" b="0" i="0" u="none" strike="noStrike" kern="1200" dirty="0" err="1">
+                <a:solidFill>
+                  <a:schemeClr val="tx1"/>
+                </a:solidFill>
+                <a:effectLst/>
+                <a:latin typeface="+mn-lt"/>
+                <a:ea typeface="+mn-ea"/>
+                <a:cs typeface="+mn-cs"/>
+              </a:rPr>
+              <a:t>etc</a:t>
+            </a:r>
+            <a:r>
+              <a:rPr lang="en-US" sz="1200" b="0" i="0" u="none" strike="noStrike" kern="1200" dirty="0">
+                <a:solidFill>
+                  <a:schemeClr val="tx1"/>
+                </a:solidFill>
+                <a:effectLst/>
+                <a:latin typeface="+mn-lt"/>
+                <a:ea typeface="+mn-ea"/>
+                <a:cs typeface="+mn-cs"/>
+              </a:rPr>
+              <a:t>).</a:t>
             </a:r>
             <a:endParaRPr lang="en-US" b="0" dirty="0">
               <a:effectLst/>
@@ -8202,7 +8276,7 @@
     </p:spTree>
     <p:extLst>
       <p:ext uri="{BB962C8B-B14F-4D97-AF65-F5344CB8AC3E}">
-        <p14:creationId xmlns:p14="http://schemas.microsoft.com/office/powerpoint/2010/main" val="103137459"/>
+        <p14:creationId xmlns:p14="http://schemas.microsoft.com/office/powerpoint/2010/main" val="3403602255"/>
       </p:ext>
     </p:extLst>
   </p:cSld>
@@ -8262,18 +8336,6 @@
           <a:lstStyle/>
           <a:p>
             <a:pPr rtl="0"/>
-            <a:r>
-              <a:rPr lang="en-US" sz="1200" b="0" i="0" u="none" strike="noStrike" kern="1200" dirty="0">
-                <a:solidFill>
-                  <a:schemeClr val="tx1"/>
-                </a:solidFill>
-                <a:effectLst/>
-                <a:latin typeface="+mn-lt"/>
-                <a:ea typeface="+mn-ea"/>
-                <a:cs typeface="+mn-cs"/>
-              </a:rPr>
-              <a:t>But the benefits are well worth the cost of maintenance. Beyond serving as a kick start for new projects, and giving examples of standards in the form of actual code, these reference implementations serve as a way to guide people to follow the well-worn paths of those that have gone in front of them. In our environment, teams were allowed (pretty much) to choose to use the technology they wanted (with discussion &amp; agreement in the Guild first), but if someone wanted to build an application in Grails or Go, they would have to "invent" all of the solutions that were already baked into the reference applications to interact with the rest of the Enterprise. It wasn't an explicit deterrent, per-se, but it did tend to focus people's efforts in making the existing tech stacks more robust, rather than introducing new tech stacks. </a:t>
-            </a:r>
             <a:endParaRPr lang="en-US" b="0" dirty="0">
               <a:effectLst/>
             </a:endParaRPr>
@@ -8306,7 +8368,7 @@
     </p:spTree>
     <p:extLst>
       <p:ext uri="{BB962C8B-B14F-4D97-AF65-F5344CB8AC3E}">
-        <p14:creationId xmlns:p14="http://schemas.microsoft.com/office/powerpoint/2010/main" val="731949884"/>
+        <p14:creationId xmlns:p14="http://schemas.microsoft.com/office/powerpoint/2010/main" val="2186857975"/>
       </p:ext>
     </p:extLst>
   </p:cSld>
@@ -8376,7 +8438,7 @@
                 <a:ea typeface="+mn-ea"/>
                 <a:cs typeface="+mn-cs"/>
               </a:rPr>
-              <a:t>A great technique for this is a "tracer bullet"; minimal functionality that exercises all of the seams between teams in a project. It doesn't have to be fully functional, but it does actually have to interact with each system that will be present in the final solution. Doing this early, as part of the project inception, gives the team a strong foundation to build on for the rest of the project, and it usually exposes things that weren't properly thought out (that can lead to ADRs for the project!).</a:t>
+              <a:t>In the real world, this reference implementation really did help accelerate our progress. Just like the best frameworks are opinionated, our reference implementation was opinionated -- it baked in the best opinions of the Enterprise Architecture Guild &amp; the Java SIG into a consumable unit, rather than those opinions only being expressed in ADRs or other documentation. Seeing the opinions expressed as a reference implementation is very powerful, and helps show how abstract ideas are made into concrete implementations.</a:t>
             </a:r>
             <a:endParaRPr lang="en-US" b="0" dirty="0">
               <a:effectLst/>
@@ -8410,7 +8472,7 @@
     </p:spTree>
     <p:extLst>
       <p:ext uri="{BB962C8B-B14F-4D97-AF65-F5344CB8AC3E}">
-        <p14:creationId xmlns:p14="http://schemas.microsoft.com/office/powerpoint/2010/main" val="4254838272"/>
+        <p14:creationId xmlns:p14="http://schemas.microsoft.com/office/powerpoint/2010/main" val="3471781983"/>
       </p:ext>
     </p:extLst>
   </p:cSld>
@@ -8480,65 +8542,7 @@
                 <a:ea typeface="+mn-ea"/>
                 <a:cs typeface="+mn-cs"/>
               </a:rPr>
-              <a:t>As I said at the beginning, Enterprise Architecture is at a crossroads, especially in organizations which do a lot of custom software development. This may sounds like hyperbole, but I think the tensions between these new ways of doing things and the "traditional" approach to Enterprise Architecture are very real.</a:t>
-            </a:r>
-            <a:endParaRPr lang="en-US" b="0" dirty="0">
-              <a:effectLst/>
-            </a:endParaRPr>
-          </a:p>
-          <a:p>
-            <a:pPr rtl="0"/>
-            <a:r>
-              <a:rPr lang="en-US" b="0" dirty="0">
-                <a:effectLst/>
-              </a:rPr>
-              <a:t/>
-            </a:r>
-            <a:br>
-              <a:rPr lang="en-US" b="0" dirty="0">
-                <a:effectLst/>
-              </a:rPr>
-            </a:br>
-            <a:r>
-              <a:rPr lang="en-US" sz="1200" b="0" i="0" u="none" strike="noStrike" kern="1200" dirty="0">
-                <a:solidFill>
-                  <a:schemeClr val="tx1"/>
-                </a:solidFill>
-                <a:effectLst/>
-                <a:latin typeface="+mn-lt"/>
-                <a:ea typeface="+mn-ea"/>
-                <a:cs typeface="+mn-cs"/>
-              </a:rPr>
-              <a:t>I think that Enterprise Architecture professionals need to look at techniques like the ones I have presented here, and look to add them to their professional "toolbox". This doesn't mean abandoning "traditional" approaches. I'm suggesting an evolution, not a revolution. But change is going to be necessary, because the rest of technology is changing, whether we like it or not.</a:t>
-            </a:r>
-            <a:endParaRPr lang="en-US" b="0" dirty="0">
-              <a:effectLst/>
-            </a:endParaRPr>
-          </a:p>
-          <a:p>
-            <a:pPr rtl="0"/>
-            <a:r>
-              <a:rPr lang="en-US" b="0" dirty="0">
-                <a:effectLst/>
-              </a:rPr>
-              <a:t/>
-            </a:r>
-            <a:br>
-              <a:rPr lang="en-US" b="0" dirty="0">
-                <a:effectLst/>
-              </a:rPr>
-            </a:br>
-            <a:r>
-              <a:rPr lang="en-US" sz="1200" b="0" i="0" u="none" strike="noStrike" kern="1200" dirty="0">
-                <a:solidFill>
-                  <a:schemeClr val="tx1"/>
-                </a:solidFill>
-                <a:effectLst/>
-                <a:latin typeface="+mn-lt"/>
-                <a:ea typeface="+mn-ea"/>
-                <a:cs typeface="+mn-cs"/>
-              </a:rPr>
-              <a:t>Hopefully I've given you some idea to think about and maybe adopt. Thank you for your time!</a:t>
+              <a:t>At that company, we were also developing Node.js applications and Ruby/Rails applications, and reference implementations were created for those as well that expressed the same Docker-based concepts, but specific to those other languages.</a:t>
             </a:r>
             <a:endParaRPr lang="en-US" b="0" dirty="0">
               <a:effectLst/>
@@ -8572,7 +8576,7 @@
     </p:spTree>
     <p:extLst>
       <p:ext uri="{BB962C8B-B14F-4D97-AF65-F5344CB8AC3E}">
-        <p14:creationId xmlns:p14="http://schemas.microsoft.com/office/powerpoint/2010/main" val="2456180645"/>
+        <p14:creationId xmlns:p14="http://schemas.microsoft.com/office/powerpoint/2010/main" val="1328256726"/>
       </p:ext>
     </p:extLst>
   </p:cSld>
@@ -8609,24 +8613,44 @@
             <p:ph type="sldImg"/>
           </p:nvPr>
         </p:nvSpPr>
+        <p:spPr>
+          <a:xfrm>
+            <a:off x="685800" y="1143000"/>
+            <a:ext cx="5486400" cy="3086100"/>
+          </a:xfrm>
+        </p:spPr>
+      </p:sp>
+      <p:sp>
+        <p:nvSpPr>
+          <p:cNvPr id="3" name="Notes Placeholder 2"/>
+          <p:cNvSpPr>
+            <a:spLocks noGrp="1"/>
+          </p:cNvSpPr>
+          <p:nvPr>
+            <p:ph type="body" idx="1"/>
+          </p:nvPr>
+        </p:nvSpPr>
         <p:spPr/>
-      </p:sp>
-      <p:sp>
-        <p:nvSpPr>
-          <p:cNvPr id="3" name="Notes Placeholder 2"/>
-          <p:cNvSpPr>
-            <a:spLocks noGrp="1"/>
-          </p:cNvSpPr>
-          <p:nvPr>
-            <p:ph type="body" idx="1"/>
-          </p:nvPr>
-        </p:nvSpPr>
-        <p:spPr/>
         <p:txBody>
           <a:bodyPr/>
           <a:lstStyle/>
           <a:p>
-            <a:endParaRPr lang="en-US" dirty="0"/>
+            <a:pPr rtl="0"/>
+            <a:r>
+              <a:rPr lang="en-US" sz="1200" b="0" i="0" u="none" strike="noStrike" kern="1200" dirty="0">
+                <a:solidFill>
+                  <a:schemeClr val="tx1"/>
+                </a:solidFill>
+                <a:effectLst/>
+                <a:latin typeface="+mn-lt"/>
+                <a:ea typeface="+mn-ea"/>
+                <a:cs typeface="+mn-cs"/>
+              </a:rPr>
+              <a:t>If you begin building reference applications, there is an implicit commitment to maintaining them. As new standards emerge -- and they will -- these reference implementations need to be kept up to date so the opinions they express stay in line with the standards that evolving for the Enterprise.</a:t>
+            </a:r>
+            <a:endParaRPr lang="en-US" b="0" dirty="0">
+              <a:effectLst/>
+            </a:endParaRPr>
           </a:p>
         </p:txBody>
       </p:sp>
@@ -8656,7 +8680,215 @@
     </p:spTree>
     <p:extLst>
       <p:ext uri="{BB962C8B-B14F-4D97-AF65-F5344CB8AC3E}">
-        <p14:creationId xmlns:p14="http://schemas.microsoft.com/office/powerpoint/2010/main" val="3481577998"/>
+        <p14:creationId xmlns:p14="http://schemas.microsoft.com/office/powerpoint/2010/main" val="103137459"/>
+      </p:ext>
+    </p:extLst>
+  </p:cSld>
+  <p:clrMapOvr>
+    <a:masterClrMapping/>
+  </p:clrMapOvr>
+</p:notes>
+</file>
+
+<file path=ppt/notesSlides/notesSlide68.xml><?xml version="1.0" encoding="utf-8"?>
+<p:notes xmlns:a="http://schemas.openxmlformats.org/drawingml/2006/main" xmlns:r="http://schemas.openxmlformats.org/officeDocument/2006/relationships" xmlns:p="http://schemas.openxmlformats.org/presentationml/2006/main">
+  <p:cSld>
+    <p:spTree>
+      <p:nvGrpSpPr>
+        <p:cNvPr id="1" name=""/>
+        <p:cNvGrpSpPr/>
+        <p:nvPr/>
+      </p:nvGrpSpPr>
+      <p:grpSpPr>
+        <a:xfrm>
+          <a:off x="0" y="0"/>
+          <a:ext cx="0" cy="0"/>
+          <a:chOff x="0" y="0"/>
+          <a:chExt cx="0" cy="0"/>
+        </a:xfrm>
+      </p:grpSpPr>
+      <p:sp>
+        <p:nvSpPr>
+          <p:cNvPr id="2" name="Slide Image Placeholder 1"/>
+          <p:cNvSpPr>
+            <a:spLocks noGrp="1" noRot="1" noChangeAspect="1"/>
+          </p:cNvSpPr>
+          <p:nvPr>
+            <p:ph type="sldImg"/>
+          </p:nvPr>
+        </p:nvSpPr>
+        <p:spPr>
+          <a:xfrm>
+            <a:off x="685800" y="1143000"/>
+            <a:ext cx="5486400" cy="3086100"/>
+          </a:xfrm>
+        </p:spPr>
+      </p:sp>
+      <p:sp>
+        <p:nvSpPr>
+          <p:cNvPr id="3" name="Notes Placeholder 2"/>
+          <p:cNvSpPr>
+            <a:spLocks noGrp="1"/>
+          </p:cNvSpPr>
+          <p:nvPr>
+            <p:ph type="body" idx="1"/>
+          </p:nvPr>
+        </p:nvSpPr>
+        <p:spPr/>
+        <p:txBody>
+          <a:bodyPr/>
+          <a:lstStyle/>
+          <a:p>
+            <a:pPr rtl="0"/>
+            <a:r>
+              <a:rPr lang="en-US" sz="1200" b="0" i="0" u="none" strike="noStrike" kern="1200" dirty="0">
+                <a:solidFill>
+                  <a:schemeClr val="tx1"/>
+                </a:solidFill>
+                <a:effectLst/>
+                <a:latin typeface="+mn-lt"/>
+                <a:ea typeface="+mn-ea"/>
+                <a:cs typeface="+mn-cs"/>
+              </a:rPr>
+              <a:t>But the benefits are well worth the cost of maintenance. Beyond serving as a kick start for new projects, and giving examples of standards in the form of actual code, these reference implementations serve as a way to guide people to follow the well-worn paths of those that have gone in front of them. In our environment, teams were allowed (pretty much) to choose to use the technology they wanted (with discussion &amp; agreement in the Guild first), but if someone wanted to build an application in Grails or Go, they would have to "invent" all of the solutions that were already baked into the reference applications to interact with the rest of the Enterprise. It wasn't an explicit deterrent, per-se, but it did tend to focus people's efforts in making the existing tech stacks more robust, rather than introducing new tech stacks. </a:t>
+            </a:r>
+            <a:endParaRPr lang="en-US" b="0" dirty="0">
+              <a:effectLst/>
+            </a:endParaRPr>
+          </a:p>
+        </p:txBody>
+      </p:sp>
+      <p:sp>
+        <p:nvSpPr>
+          <p:cNvPr id="4" name="Slide Number Placeholder 3"/>
+          <p:cNvSpPr>
+            <a:spLocks noGrp="1"/>
+          </p:cNvSpPr>
+          <p:nvPr>
+            <p:ph type="sldNum" sz="quarter" idx="10"/>
+          </p:nvPr>
+        </p:nvSpPr>
+        <p:spPr/>
+        <p:txBody>
+          <a:bodyPr/>
+          <a:lstStyle/>
+          <a:p>
+            <a:fld id="{096F4AFB-61BD-1340-90B6-0FECED04B0A2}" type="slidenum">
+              <a:rPr lang="en-US" smtClean="0"/>
+              <a:t>68</a:t>
+            </a:fld>
+            <a:endParaRPr lang="en-US"/>
+          </a:p>
+        </p:txBody>
+      </p:sp>
+    </p:spTree>
+    <p:extLst>
+      <p:ext uri="{BB962C8B-B14F-4D97-AF65-F5344CB8AC3E}">
+        <p14:creationId xmlns:p14="http://schemas.microsoft.com/office/powerpoint/2010/main" val="731949884"/>
+      </p:ext>
+    </p:extLst>
+  </p:cSld>
+  <p:clrMapOvr>
+    <a:masterClrMapping/>
+  </p:clrMapOvr>
+</p:notes>
+</file>
+
+<file path=ppt/notesSlides/notesSlide69.xml><?xml version="1.0" encoding="utf-8"?>
+<p:notes xmlns:a="http://schemas.openxmlformats.org/drawingml/2006/main" xmlns:r="http://schemas.openxmlformats.org/officeDocument/2006/relationships" xmlns:p="http://schemas.openxmlformats.org/presentationml/2006/main">
+  <p:cSld>
+    <p:spTree>
+      <p:nvGrpSpPr>
+        <p:cNvPr id="1" name=""/>
+        <p:cNvGrpSpPr/>
+        <p:nvPr/>
+      </p:nvGrpSpPr>
+      <p:grpSpPr>
+        <a:xfrm>
+          <a:off x="0" y="0"/>
+          <a:ext cx="0" cy="0"/>
+          <a:chOff x="0" y="0"/>
+          <a:chExt cx="0" cy="0"/>
+        </a:xfrm>
+      </p:grpSpPr>
+      <p:sp>
+        <p:nvSpPr>
+          <p:cNvPr id="2" name="Slide Image Placeholder 1"/>
+          <p:cNvSpPr>
+            <a:spLocks noGrp="1" noRot="1" noChangeAspect="1"/>
+          </p:cNvSpPr>
+          <p:nvPr>
+            <p:ph type="sldImg"/>
+          </p:nvPr>
+        </p:nvSpPr>
+        <p:spPr>
+          <a:xfrm>
+            <a:off x="685800" y="1143000"/>
+            <a:ext cx="5486400" cy="3086100"/>
+          </a:xfrm>
+        </p:spPr>
+      </p:sp>
+      <p:sp>
+        <p:nvSpPr>
+          <p:cNvPr id="3" name="Notes Placeholder 2"/>
+          <p:cNvSpPr>
+            <a:spLocks noGrp="1"/>
+          </p:cNvSpPr>
+          <p:nvPr>
+            <p:ph type="body" idx="1"/>
+          </p:nvPr>
+        </p:nvSpPr>
+        <p:spPr/>
+        <p:txBody>
+          <a:bodyPr/>
+          <a:lstStyle/>
+          <a:p>
+            <a:pPr rtl="0"/>
+            <a:r>
+              <a:rPr lang="en-US" sz="1200" b="0" i="0" u="none" strike="noStrike" kern="1200" dirty="0">
+                <a:solidFill>
+                  <a:schemeClr val="tx1"/>
+                </a:solidFill>
+                <a:effectLst/>
+                <a:latin typeface="+mn-lt"/>
+                <a:ea typeface="+mn-ea"/>
+                <a:cs typeface="+mn-cs"/>
+              </a:rPr>
+              <a:t>A great technique for this is a "tracer bullet"; minimal functionality that exercises all of the seams between teams in a project. It doesn't have to be fully functional, but it does actually have to interact with each system that will be present in the final solution. Doing this early, as part of the project inception, gives the team a strong foundation to build on for the rest of the project, and it usually exposes things that weren't properly thought out (that can lead to ADRs for the project!).</a:t>
+            </a:r>
+            <a:endParaRPr lang="en-US" b="0" dirty="0">
+              <a:effectLst/>
+            </a:endParaRPr>
+          </a:p>
+        </p:txBody>
+      </p:sp>
+      <p:sp>
+        <p:nvSpPr>
+          <p:cNvPr id="4" name="Slide Number Placeholder 3"/>
+          <p:cNvSpPr>
+            <a:spLocks noGrp="1"/>
+          </p:cNvSpPr>
+          <p:nvPr>
+            <p:ph type="sldNum" sz="quarter" idx="10"/>
+          </p:nvPr>
+        </p:nvSpPr>
+        <p:spPr/>
+        <p:txBody>
+          <a:bodyPr/>
+          <a:lstStyle/>
+          <a:p>
+            <a:fld id="{096F4AFB-61BD-1340-90B6-0FECED04B0A2}" type="slidenum">
+              <a:rPr lang="en-US" smtClean="0"/>
+              <a:t>69</a:t>
+            </a:fld>
+            <a:endParaRPr lang="en-US"/>
+          </a:p>
+        </p:txBody>
+      </p:sp>
+    </p:spTree>
+    <p:extLst>
+      <p:ext uri="{BB962C8B-B14F-4D97-AF65-F5344CB8AC3E}">
+        <p14:creationId xmlns:p14="http://schemas.microsoft.com/office/powerpoint/2010/main" val="4254838272"/>
       </p:ext>
     </p:extLst>
   </p:cSld>
@@ -8746,6 +8978,344 @@
     <p:extLst>
       <p:ext uri="{BB962C8B-B14F-4D97-AF65-F5344CB8AC3E}">
         <p14:creationId xmlns:p14="http://schemas.microsoft.com/office/powerpoint/2010/main" val="541519740"/>
+      </p:ext>
+    </p:extLst>
+  </p:cSld>
+  <p:clrMapOvr>
+    <a:masterClrMapping/>
+  </p:clrMapOvr>
+</p:notes>
+</file>
+
+<file path=ppt/notesSlides/notesSlide70.xml><?xml version="1.0" encoding="utf-8"?>
+<p:notes xmlns:a="http://schemas.openxmlformats.org/drawingml/2006/main" xmlns:r="http://schemas.openxmlformats.org/officeDocument/2006/relationships" xmlns:p="http://schemas.openxmlformats.org/presentationml/2006/main">
+  <p:cSld>
+    <p:spTree>
+      <p:nvGrpSpPr>
+        <p:cNvPr id="1" name=""/>
+        <p:cNvGrpSpPr/>
+        <p:nvPr/>
+      </p:nvGrpSpPr>
+      <p:grpSpPr>
+        <a:xfrm>
+          <a:off x="0" y="0"/>
+          <a:ext cx="0" cy="0"/>
+          <a:chOff x="0" y="0"/>
+          <a:chExt cx="0" cy="0"/>
+        </a:xfrm>
+      </p:grpSpPr>
+      <p:sp>
+        <p:nvSpPr>
+          <p:cNvPr id="2" name="Slide Image Placeholder 1"/>
+          <p:cNvSpPr>
+            <a:spLocks noGrp="1" noRot="1" noChangeAspect="1"/>
+          </p:cNvSpPr>
+          <p:nvPr>
+            <p:ph type="sldImg"/>
+          </p:nvPr>
+        </p:nvSpPr>
+        <p:spPr>
+          <a:xfrm>
+            <a:off x="685800" y="1143000"/>
+            <a:ext cx="5486400" cy="3086100"/>
+          </a:xfrm>
+        </p:spPr>
+      </p:sp>
+      <p:sp>
+        <p:nvSpPr>
+          <p:cNvPr id="3" name="Notes Placeholder 2"/>
+          <p:cNvSpPr>
+            <a:spLocks noGrp="1"/>
+          </p:cNvSpPr>
+          <p:nvPr>
+            <p:ph type="body" idx="1"/>
+          </p:nvPr>
+        </p:nvSpPr>
+        <p:spPr/>
+        <p:txBody>
+          <a:bodyPr/>
+          <a:lstStyle/>
+          <a:p>
+            <a:pPr rtl="0"/>
+            <a:r>
+              <a:rPr lang="en-US" sz="1200" b="0" i="0" u="none" strike="noStrike" kern="1200" dirty="0">
+                <a:solidFill>
+                  <a:schemeClr val="tx1"/>
+                </a:solidFill>
+                <a:effectLst/>
+                <a:latin typeface="+mn-lt"/>
+                <a:ea typeface="+mn-ea"/>
+                <a:cs typeface="+mn-cs"/>
+              </a:rPr>
+              <a:t>As I said at the beginning, Enterprise Architecture is at a crossroads, especially in organizations which do a lot of custom software development. This may sounds like hyperbole, but I think the tensions between these new ways of doing things and the "traditional" approach to Enterprise Architecture are very real.</a:t>
+            </a:r>
+            <a:endParaRPr lang="en-US" b="0" dirty="0">
+              <a:effectLst/>
+            </a:endParaRPr>
+          </a:p>
+          <a:p>
+            <a:pPr rtl="0"/>
+            <a:r>
+              <a:rPr lang="en-US" b="0" dirty="0">
+                <a:effectLst/>
+              </a:rPr>
+              <a:t/>
+            </a:r>
+            <a:br>
+              <a:rPr lang="en-US" b="0" dirty="0">
+                <a:effectLst/>
+              </a:rPr>
+            </a:br>
+            <a:r>
+              <a:rPr lang="en-US" sz="1200" b="0" i="0" u="none" strike="noStrike" kern="1200" dirty="0">
+                <a:solidFill>
+                  <a:schemeClr val="tx1"/>
+                </a:solidFill>
+                <a:effectLst/>
+                <a:latin typeface="+mn-lt"/>
+                <a:ea typeface="+mn-ea"/>
+                <a:cs typeface="+mn-cs"/>
+              </a:rPr>
+              <a:t>I think that Enterprise Architecture professionals need to look at techniques like the ones I have presented here, and look to add them to their professional "toolbox". This doesn't mean abandoning "traditional" approaches. I'm suggesting an evolution, not a revolution. But change is going to be necessary, because the rest of technology is changing, whether we like it or not.</a:t>
+            </a:r>
+            <a:endParaRPr lang="en-US" b="0" dirty="0">
+              <a:effectLst/>
+            </a:endParaRPr>
+          </a:p>
+          <a:p>
+            <a:pPr rtl="0"/>
+            <a:r>
+              <a:rPr lang="en-US" b="0" dirty="0">
+                <a:effectLst/>
+              </a:rPr>
+              <a:t/>
+            </a:r>
+            <a:br>
+              <a:rPr lang="en-US" b="0" dirty="0">
+                <a:effectLst/>
+              </a:rPr>
+            </a:br>
+            <a:r>
+              <a:rPr lang="en-US" sz="1200" b="0" i="0" u="none" strike="noStrike" kern="1200" dirty="0">
+                <a:solidFill>
+                  <a:schemeClr val="tx1"/>
+                </a:solidFill>
+                <a:effectLst/>
+                <a:latin typeface="+mn-lt"/>
+                <a:ea typeface="+mn-ea"/>
+                <a:cs typeface="+mn-cs"/>
+              </a:rPr>
+              <a:t>Hopefully I've given you some idea to think about and maybe adopt. Thank you for your time!</a:t>
+            </a:r>
+            <a:endParaRPr lang="en-US" b="0" dirty="0">
+              <a:effectLst/>
+            </a:endParaRPr>
+          </a:p>
+        </p:txBody>
+      </p:sp>
+      <p:sp>
+        <p:nvSpPr>
+          <p:cNvPr id="4" name="Slide Number Placeholder 3"/>
+          <p:cNvSpPr>
+            <a:spLocks noGrp="1"/>
+          </p:cNvSpPr>
+          <p:nvPr>
+            <p:ph type="sldNum" sz="quarter" idx="10"/>
+          </p:nvPr>
+        </p:nvSpPr>
+        <p:spPr/>
+        <p:txBody>
+          <a:bodyPr/>
+          <a:lstStyle/>
+          <a:p>
+            <a:fld id="{096F4AFB-61BD-1340-90B6-0FECED04B0A2}" type="slidenum">
+              <a:rPr lang="en-US" smtClean="0"/>
+              <a:t>70</a:t>
+            </a:fld>
+            <a:endParaRPr lang="en-US"/>
+          </a:p>
+        </p:txBody>
+      </p:sp>
+    </p:spTree>
+    <p:extLst>
+      <p:ext uri="{BB962C8B-B14F-4D97-AF65-F5344CB8AC3E}">
+        <p14:creationId xmlns:p14="http://schemas.microsoft.com/office/powerpoint/2010/main" val="2456180645"/>
+      </p:ext>
+    </p:extLst>
+  </p:cSld>
+  <p:clrMapOvr>
+    <a:masterClrMapping/>
+  </p:clrMapOvr>
+</p:notes>
+</file>
+
+<file path=ppt/notesSlides/notesSlide71.xml><?xml version="1.0" encoding="utf-8"?>
+<p:notes xmlns:a="http://schemas.openxmlformats.org/drawingml/2006/main" xmlns:r="http://schemas.openxmlformats.org/officeDocument/2006/relationships" xmlns:p="http://schemas.openxmlformats.org/presentationml/2006/main">
+  <p:cSld>
+    <p:spTree>
+      <p:nvGrpSpPr>
+        <p:cNvPr id="1" name=""/>
+        <p:cNvGrpSpPr/>
+        <p:nvPr/>
+      </p:nvGrpSpPr>
+      <p:grpSpPr>
+        <a:xfrm>
+          <a:off x="0" y="0"/>
+          <a:ext cx="0" cy="0"/>
+          <a:chOff x="0" y="0"/>
+          <a:chExt cx="0" cy="0"/>
+        </a:xfrm>
+      </p:grpSpPr>
+      <p:sp>
+        <p:nvSpPr>
+          <p:cNvPr id="2" name="Slide Image Placeholder 1"/>
+          <p:cNvSpPr>
+            <a:spLocks noGrp="1" noRot="1" noChangeAspect="1"/>
+          </p:cNvSpPr>
+          <p:nvPr>
+            <p:ph type="sldImg"/>
+          </p:nvPr>
+        </p:nvSpPr>
+        <p:spPr>
+          <a:xfrm>
+            <a:off x="685800" y="1143000"/>
+            <a:ext cx="5486400" cy="3086100"/>
+          </a:xfrm>
+        </p:spPr>
+      </p:sp>
+      <p:sp>
+        <p:nvSpPr>
+          <p:cNvPr id="3" name="Notes Placeholder 2"/>
+          <p:cNvSpPr>
+            <a:spLocks noGrp="1"/>
+          </p:cNvSpPr>
+          <p:nvPr>
+            <p:ph type="body" idx="1"/>
+          </p:nvPr>
+        </p:nvSpPr>
+        <p:spPr/>
+        <p:txBody>
+          <a:bodyPr/>
+          <a:lstStyle/>
+          <a:p>
+            <a:pPr rtl="0"/>
+            <a:endParaRPr lang="en-US" b="0" dirty="0">
+              <a:effectLst/>
+            </a:endParaRPr>
+          </a:p>
+        </p:txBody>
+      </p:sp>
+      <p:sp>
+        <p:nvSpPr>
+          <p:cNvPr id="4" name="Slide Number Placeholder 3"/>
+          <p:cNvSpPr>
+            <a:spLocks noGrp="1"/>
+          </p:cNvSpPr>
+          <p:nvPr>
+            <p:ph type="sldNum" sz="quarter" idx="10"/>
+          </p:nvPr>
+        </p:nvSpPr>
+        <p:spPr/>
+        <p:txBody>
+          <a:bodyPr/>
+          <a:lstStyle/>
+          <a:p>
+            <a:fld id="{096F4AFB-61BD-1340-90B6-0FECED04B0A2}" type="slidenum">
+              <a:rPr lang="en-US" smtClean="0"/>
+              <a:t>71</a:t>
+            </a:fld>
+            <a:endParaRPr lang="en-US"/>
+          </a:p>
+        </p:txBody>
+      </p:sp>
+    </p:spTree>
+    <p:extLst>
+      <p:ext uri="{BB962C8B-B14F-4D97-AF65-F5344CB8AC3E}">
+        <p14:creationId xmlns:p14="http://schemas.microsoft.com/office/powerpoint/2010/main" val="1135417728"/>
+      </p:ext>
+    </p:extLst>
+  </p:cSld>
+  <p:clrMapOvr>
+    <a:masterClrMapping/>
+  </p:clrMapOvr>
+</p:notes>
+</file>
+
+<file path=ppt/notesSlides/notesSlide72.xml><?xml version="1.0" encoding="utf-8"?>
+<p:notes xmlns:a="http://schemas.openxmlformats.org/drawingml/2006/main" xmlns:r="http://schemas.openxmlformats.org/officeDocument/2006/relationships" xmlns:p="http://schemas.openxmlformats.org/presentationml/2006/main">
+  <p:cSld>
+    <p:spTree>
+      <p:nvGrpSpPr>
+        <p:cNvPr id="1" name=""/>
+        <p:cNvGrpSpPr/>
+        <p:nvPr/>
+      </p:nvGrpSpPr>
+      <p:grpSpPr>
+        <a:xfrm>
+          <a:off x="0" y="0"/>
+          <a:ext cx="0" cy="0"/>
+          <a:chOff x="0" y="0"/>
+          <a:chExt cx="0" cy="0"/>
+        </a:xfrm>
+      </p:grpSpPr>
+      <p:sp>
+        <p:nvSpPr>
+          <p:cNvPr id="2" name="Slide Image Placeholder 1"/>
+          <p:cNvSpPr>
+            <a:spLocks noGrp="1" noRot="1" noChangeAspect="1"/>
+          </p:cNvSpPr>
+          <p:nvPr>
+            <p:ph type="sldImg"/>
+          </p:nvPr>
+        </p:nvSpPr>
+        <p:spPr/>
+      </p:sp>
+      <p:sp>
+        <p:nvSpPr>
+          <p:cNvPr id="3" name="Notes Placeholder 2"/>
+          <p:cNvSpPr>
+            <a:spLocks noGrp="1"/>
+          </p:cNvSpPr>
+          <p:nvPr>
+            <p:ph type="body" idx="1"/>
+          </p:nvPr>
+        </p:nvSpPr>
+        <p:spPr/>
+        <p:txBody>
+          <a:bodyPr/>
+          <a:lstStyle/>
+          <a:p>
+            <a:endParaRPr lang="en-US" dirty="0"/>
+          </a:p>
+        </p:txBody>
+      </p:sp>
+      <p:sp>
+        <p:nvSpPr>
+          <p:cNvPr id="4" name="Slide Number Placeholder 3"/>
+          <p:cNvSpPr>
+            <a:spLocks noGrp="1"/>
+          </p:cNvSpPr>
+          <p:nvPr>
+            <p:ph type="sldNum" sz="quarter" idx="10"/>
+          </p:nvPr>
+        </p:nvSpPr>
+        <p:spPr/>
+        <p:txBody>
+          <a:bodyPr/>
+          <a:lstStyle/>
+          <a:p>
+            <a:fld id="{096F4AFB-61BD-1340-90B6-0FECED04B0A2}" type="slidenum">
+              <a:rPr lang="en-US" smtClean="0"/>
+              <a:t>72</a:t>
+            </a:fld>
+            <a:endParaRPr lang="en-US"/>
+          </a:p>
+        </p:txBody>
+      </p:sp>
+    </p:spTree>
+    <p:extLst>
+      <p:ext uri="{BB962C8B-B14F-4D97-AF65-F5344CB8AC3E}">
+        <p14:creationId xmlns:p14="http://schemas.microsoft.com/office/powerpoint/2010/main" val="3481577998"/>
       </p:ext>
     </p:extLst>
   </p:cSld>
@@ -9110,7 +9680,7 @@
           <a:p>
             <a:fld id="{F35D5A91-02EC-B04A-8A79-709009E61D04}" type="datetimeFigureOut">
               <a:rPr lang="en-US" smtClean="0"/>
-              <a:t>4/9/2019</a:t>
+              <a:t>8/20/2019</a:t>
             </a:fld>
             <a:endParaRPr lang="en-US"/>
           </a:p>
@@ -9308,7 +9878,7 @@
           <a:p>
             <a:fld id="{F35D5A91-02EC-B04A-8A79-709009E61D04}" type="datetimeFigureOut">
               <a:rPr lang="en-US" smtClean="0"/>
-              <a:t>4/9/2019</a:t>
+              <a:t>8/20/2019</a:t>
             </a:fld>
             <a:endParaRPr lang="en-US"/>
           </a:p>
@@ -9516,7 +10086,7 @@
           <a:p>
             <a:fld id="{F35D5A91-02EC-B04A-8A79-709009E61D04}" type="datetimeFigureOut">
               <a:rPr lang="en-US" smtClean="0"/>
-              <a:t>4/9/2019</a:t>
+              <a:t>8/20/2019</a:t>
             </a:fld>
             <a:endParaRPr lang="en-US"/>
           </a:p>
@@ -9714,7 +10284,7 @@
           <a:p>
             <a:fld id="{F35D5A91-02EC-B04A-8A79-709009E61D04}" type="datetimeFigureOut">
               <a:rPr lang="en-US" smtClean="0"/>
-              <a:t>4/9/2019</a:t>
+              <a:t>8/20/2019</a:t>
             </a:fld>
             <a:endParaRPr lang="en-US"/>
           </a:p>
@@ -9989,7 +10559,7 @@
           <a:p>
             <a:fld id="{F35D5A91-02EC-B04A-8A79-709009E61D04}" type="datetimeFigureOut">
               <a:rPr lang="en-US" smtClean="0"/>
-              <a:t>4/9/2019</a:t>
+              <a:t>8/20/2019</a:t>
             </a:fld>
             <a:endParaRPr lang="en-US"/>
           </a:p>
@@ -10254,7 +10824,7 @@
           <a:p>
             <a:fld id="{F35D5A91-02EC-B04A-8A79-709009E61D04}" type="datetimeFigureOut">
               <a:rPr lang="en-US" smtClean="0"/>
-              <a:t>4/9/2019</a:t>
+              <a:t>8/20/2019</a:t>
             </a:fld>
             <a:endParaRPr lang="en-US"/>
           </a:p>
@@ -10666,7 +11236,7 @@
           <a:p>
             <a:fld id="{F35D5A91-02EC-B04A-8A79-709009E61D04}" type="datetimeFigureOut">
               <a:rPr lang="en-US" smtClean="0"/>
-              <a:t>4/9/2019</a:t>
+              <a:t>8/20/2019</a:t>
             </a:fld>
             <a:endParaRPr lang="en-US"/>
           </a:p>
@@ -10807,7 +11377,7 @@
           <a:p>
             <a:fld id="{F35D5A91-02EC-B04A-8A79-709009E61D04}" type="datetimeFigureOut">
               <a:rPr lang="en-US" smtClean="0"/>
-              <a:t>4/9/2019</a:t>
+              <a:t>8/20/2019</a:t>
             </a:fld>
             <a:endParaRPr lang="en-US"/>
           </a:p>
@@ -10920,7 +11490,7 @@
           <a:p>
             <a:fld id="{F35D5A91-02EC-B04A-8A79-709009E61D04}" type="datetimeFigureOut">
               <a:rPr lang="en-US" smtClean="0"/>
-              <a:t>4/9/2019</a:t>
+              <a:t>8/20/2019</a:t>
             </a:fld>
             <a:endParaRPr lang="en-US"/>
           </a:p>
@@ -11231,7 +11801,7 @@
           <a:p>
             <a:fld id="{F35D5A91-02EC-B04A-8A79-709009E61D04}" type="datetimeFigureOut">
               <a:rPr lang="en-US" smtClean="0"/>
-              <a:t>4/9/2019</a:t>
+              <a:t>8/20/2019</a:t>
             </a:fld>
             <a:endParaRPr lang="en-US"/>
           </a:p>
@@ -11519,7 +12089,7 @@
           <a:p>
             <a:fld id="{F35D5A91-02EC-B04A-8A79-709009E61D04}" type="datetimeFigureOut">
               <a:rPr lang="en-US" smtClean="0"/>
-              <a:t>4/9/2019</a:t>
+              <a:t>8/20/2019</a:t>
             </a:fld>
             <a:endParaRPr lang="en-US"/>
           </a:p>
@@ -11760,7 +12330,7 @@
           <a:p>
             <a:fld id="{F35D5A91-02EC-B04A-8A79-709009E61D04}" type="datetimeFigureOut">
               <a:rPr lang="en-US" smtClean="0"/>
-              <a:t>4/9/2019</a:t>
+              <a:t>8/20/2019</a:t>
             </a:fld>
             <a:endParaRPr lang="en-US"/>
           </a:p>
@@ -12289,30 +12859,22 @@
                   <a:schemeClr val="bg1"/>
                 </a:solidFill>
               </a:rPr>
-              <a:t>iamagiantnerd@</a:t>
-            </a:r>
+              <a:t>iamagiantnerd@gmail.com</a:t>
+            </a:r>
+            <a:endParaRPr lang="en-US" sz="3200" dirty="0">
+              <a:solidFill>
+                <a:schemeClr val="bg1"/>
+              </a:solidFill>
+            </a:endParaRPr>
+          </a:p>
+          <a:p>
             <a:r>
               <a:rPr lang="en-US" sz="3200" dirty="0" smtClean="0">
                 <a:solidFill>
                   <a:schemeClr val="bg1"/>
                 </a:solidFill>
               </a:rPr>
-              <a:t>gmail.com</a:t>
-            </a:r>
-            <a:endParaRPr lang="en-US" sz="3200" dirty="0">
-              <a:solidFill>
-                <a:schemeClr val="bg1"/>
-              </a:solidFill>
-            </a:endParaRPr>
-          </a:p>
-          <a:p>
-            <a:r>
-              <a:rPr lang="en-US" sz="3200" dirty="0">
-                <a:solidFill>
-                  <a:schemeClr val="bg1"/>
-                </a:solidFill>
-              </a:rPr>
-              <a:t>@</a:t>
+              <a:t>  @</a:t>
             </a:r>
             <a:r>
               <a:rPr lang="en-US" sz="3200" dirty="0" err="1">
@@ -12364,6 +12926,30 @@
           </a:p>
         </p:txBody>
       </p:sp>
+      <p:pic>
+        <p:nvPicPr>
+          <p:cNvPr id="11" name="Picture 10"/>
+          <p:cNvPicPr>
+            <a:picLocks noChangeAspect="1"/>
+          </p:cNvPicPr>
+          <p:nvPr/>
+        </p:nvPicPr>
+        <p:blipFill>
+          <a:blip r:embed="rId3"/>
+          <a:stretch>
+            <a:fillRect/>
+          </a:stretch>
+        </p:blipFill>
+        <p:spPr>
+          <a:xfrm>
+            <a:off x="4229100" y="5901337"/>
+            <a:ext cx="752475" cy="752475"/>
+          </a:xfrm>
+          <a:prstGeom prst="rect">
+            <a:avLst/>
+          </a:prstGeom>
+        </p:spPr>
+      </p:pic>
     </p:spTree>
     <p:extLst>
       <p:ext uri="{BB962C8B-B14F-4D97-AF65-F5344CB8AC3E}">
@@ -12374,6 +12960,13 @@
   <p:clrMapOvr>
     <a:masterClrMapping/>
   </p:clrMapOvr>
+  <p:timing>
+    <p:tnLst>
+      <p:par>
+        <p:cTn id="1" dur="indefinite" restart="never" nodeType="tmRoot"/>
+      </p:par>
+    </p:tnLst>
+  </p:timing>
 </p:sld>
 </file>
 
@@ -12448,6 +13041,13 @@
   <p:clrMapOvr>
     <a:masterClrMapping/>
   </p:clrMapOvr>
+  <p:timing>
+    <p:tnLst>
+      <p:par>
+        <p:cTn id="1" dur="indefinite" restart="never" nodeType="tmRoot"/>
+      </p:par>
+    </p:tnLst>
+  </p:timing>
 </p:sld>
 </file>
 
@@ -12552,6 +13152,13 @@
   <p:clrMapOvr>
     <a:masterClrMapping/>
   </p:clrMapOvr>
+  <p:timing>
+    <p:tnLst>
+      <p:par>
+        <p:cTn id="1" dur="indefinite" restart="never" nodeType="tmRoot"/>
+      </p:par>
+    </p:tnLst>
+  </p:timing>
 </p:sld>
 </file>
 
@@ -12598,7 +13205,7 @@
         </p:nvSpPr>
         <p:spPr>
           <a:xfrm>
-            <a:off x="838200" y="2365324"/>
+            <a:off x="838200" y="479374"/>
             <a:ext cx="10515600" cy="2127352"/>
           </a:xfrm>
         </p:spPr>
@@ -12623,6 +13230,143 @@
           </a:p>
         </p:txBody>
       </p:sp>
+      <p:sp>
+        <p:nvSpPr>
+          <p:cNvPr id="3" name="Title 1">
+            <a:extLst>
+              <a:ext uri="{FF2B5EF4-FFF2-40B4-BE49-F238E27FC236}">
+                <a16:creationId xmlns:a16="http://schemas.microsoft.com/office/drawing/2014/main" id="{C409FD33-6233-7C49-9918-532E7EC05AB5}"/>
+              </a:ext>
+            </a:extLst>
+          </p:cNvPr>
+          <p:cNvSpPr txBox="1">
+            <a:spLocks/>
+          </p:cNvSpPr>
+          <p:nvPr/>
+        </p:nvSpPr>
+        <p:spPr>
+          <a:xfrm>
+            <a:off x="5486400" y="3355924"/>
+            <a:ext cx="5391150" cy="2127352"/>
+          </a:xfrm>
+          <a:prstGeom prst="rect">
+            <a:avLst/>
+          </a:prstGeom>
+        </p:spPr>
+        <p:txBody>
+          <a:bodyPr vert="horz" lIns="91440" tIns="45720" rIns="91440" bIns="45720" rtlCol="0" anchor="ctr">
+            <a:noAutofit/>
+          </a:bodyPr>
+          <a:lstStyle>
+            <a:lvl1pPr algn="l" defTabSz="914377" rtl="0" eaLnBrk="1" latinLnBrk="0" hangingPunct="1">
+              <a:lnSpc>
+                <a:spcPct val="90000"/>
+              </a:lnSpc>
+              <a:spcBef>
+                <a:spcPct val="0"/>
+              </a:spcBef>
+              <a:buNone/>
+              <a:defRPr sz="4400" kern="1200">
+                <a:solidFill>
+                  <a:schemeClr val="tx1"/>
+                </a:solidFill>
+                <a:latin typeface="+mj-lt"/>
+                <a:ea typeface="+mj-ea"/>
+                <a:cs typeface="+mj-cs"/>
+              </a:defRPr>
+            </a:lvl1pPr>
+          </a:lstStyle>
+          <a:p>
+            <a:pPr algn="ctr"/>
+            <a:r>
+              <a:rPr lang="en-US" sz="4800" dirty="0" smtClean="0"/>
+              <a:t>Michael </a:t>
+            </a:r>
+            <a:r>
+              <a:rPr lang="en-US" sz="4800" dirty="0" err="1" smtClean="0"/>
+              <a:t>Nygard</a:t>
+            </a:r>
+            <a:endParaRPr lang="en-US" sz="4800" dirty="0" smtClean="0"/>
+          </a:p>
+          <a:p>
+            <a:pPr algn="ctr"/>
+            <a:r>
+              <a:rPr lang="en-US" sz="4800" dirty="0" smtClean="0"/>
+              <a:t>  @</a:t>
+            </a:r>
+            <a:r>
+              <a:rPr lang="en-US" sz="4800" dirty="0" err="1" smtClean="0"/>
+              <a:t>mtnygard</a:t>
+            </a:r>
+            <a:endParaRPr lang="en-US" sz="3200" dirty="0"/>
+          </a:p>
+        </p:txBody>
+      </p:sp>
+      <p:pic>
+        <p:nvPicPr>
+          <p:cNvPr id="2050" name="Picture 2" descr="https://avatars3.githubusercontent.com/u/116714?s=460&amp;v=4"/>
+          <p:cNvPicPr>
+            <a:picLocks noChangeAspect="1" noChangeArrowheads="1"/>
+          </p:cNvPicPr>
+          <p:nvPr/>
+        </p:nvPicPr>
+        <p:blipFill>
+          <a:blip r:embed="rId3">
+            <a:extLst>
+              <a:ext uri="{28A0092B-C50C-407E-A947-70E740481C1C}">
+                <a14:useLocalDpi xmlns:a14="http://schemas.microsoft.com/office/drawing/2010/main" val="0"/>
+              </a:ext>
+            </a:extLst>
+          </a:blip>
+          <a:srcRect/>
+          <a:stretch>
+            <a:fillRect/>
+          </a:stretch>
+        </p:blipFill>
+        <p:spPr bwMode="auto">
+          <a:xfrm>
+            <a:off x="2136775" y="2820987"/>
+            <a:ext cx="3197225" cy="3197226"/>
+          </a:xfrm>
+          <a:prstGeom prst="rect">
+            <a:avLst/>
+          </a:prstGeom>
+          <a:noFill/>
+          <a:extLst>
+            <a:ext uri="{909E8E84-426E-40DD-AFC4-6F175D3DCCD1}">
+              <a14:hiddenFill xmlns:a14="http://schemas.microsoft.com/office/drawing/2010/main">
+                <a:solidFill>
+                  <a:srgbClr val="FFFFFF"/>
+                </a:solidFill>
+              </a14:hiddenFill>
+            </a:ext>
+          </a:extLst>
+        </p:spPr>
+      </p:pic>
+      <p:pic>
+        <p:nvPicPr>
+          <p:cNvPr id="5" name="Picture 4"/>
+          <p:cNvPicPr>
+            <a:picLocks noChangeAspect="1"/>
+          </p:cNvPicPr>
+          <p:nvPr/>
+        </p:nvPicPr>
+        <p:blipFill>
+          <a:blip r:embed="rId4"/>
+          <a:stretch>
+            <a:fillRect/>
+          </a:stretch>
+        </p:blipFill>
+        <p:spPr>
+          <a:xfrm>
+            <a:off x="6096000" y="4286250"/>
+            <a:ext cx="885825" cy="885825"/>
+          </a:xfrm>
+          <a:prstGeom prst="rect">
+            <a:avLst/>
+          </a:prstGeom>
+        </p:spPr>
+      </p:pic>
     </p:spTree>
     <p:extLst>
       <p:ext uri="{BB962C8B-B14F-4D97-AF65-F5344CB8AC3E}">
@@ -12633,6 +13377,13 @@
   <p:clrMapOvr>
     <a:masterClrMapping/>
   </p:clrMapOvr>
+  <p:timing>
+    <p:tnLst>
+      <p:par>
+        <p:cTn id="1" dur="indefinite" restart="never" nodeType="tmRoot"/>
+      </p:par>
+    </p:tnLst>
+  </p:timing>
 </p:sld>
 </file>
 
@@ -12707,6 +13458,13 @@
   <p:clrMapOvr>
     <a:masterClrMapping/>
   </p:clrMapOvr>
+  <p:timing>
+    <p:tnLst>
+      <p:par>
+        <p:cTn id="1" dur="indefinite" restart="never" nodeType="tmRoot"/>
+      </p:par>
+    </p:tnLst>
+  </p:timing>
 </p:sld>
 </file>
 
@@ -12818,6 +13576,13 @@
   <p:clrMapOvr>
     <a:masterClrMapping/>
   </p:clrMapOvr>
+  <p:timing>
+    <p:tnLst>
+      <p:par>
+        <p:cTn id="1" dur="indefinite" restart="never" nodeType="tmRoot"/>
+      </p:par>
+    </p:tnLst>
+  </p:timing>
 </p:sld>
 </file>
 
@@ -12899,6 +13664,13 @@
   <p:clrMapOvr>
     <a:masterClrMapping/>
   </p:clrMapOvr>
+  <p:timing>
+    <p:tnLst>
+      <p:par>
+        <p:cTn id="1" dur="indefinite" restart="never" nodeType="tmRoot"/>
+      </p:par>
+    </p:tnLst>
+  </p:timing>
 </p:sld>
 </file>
 
@@ -12973,6 +13745,13 @@
   <p:clrMapOvr>
     <a:masterClrMapping/>
   </p:clrMapOvr>
+  <p:timing>
+    <p:tnLst>
+      <p:par>
+        <p:cTn id="1" dur="indefinite" restart="never" nodeType="tmRoot"/>
+      </p:par>
+    </p:tnLst>
+  </p:timing>
 </p:sld>
 </file>
 
@@ -13098,6 +13877,13 @@
   <p:clrMapOvr>
     <a:masterClrMapping/>
   </p:clrMapOvr>
+  <p:timing>
+    <p:tnLst>
+      <p:par>
+        <p:cTn id="1" dur="indefinite" restart="never" nodeType="tmRoot"/>
+      </p:par>
+    </p:tnLst>
+  </p:timing>
 </p:sld>
 </file>
 
@@ -13223,6 +14009,13 @@
   <p:clrMapOvr>
     <a:masterClrMapping/>
   </p:clrMapOvr>
+  <p:timing>
+    <p:tnLst>
+      <p:par>
+        <p:cTn id="1" dur="indefinite" restart="never" nodeType="tmRoot"/>
+      </p:par>
+    </p:tnLst>
+  </p:timing>
 </p:sld>
 </file>
 
@@ -13348,6 +14141,13 @@
   <p:clrMapOvr>
     <a:masterClrMapping/>
   </p:clrMapOvr>
+  <p:timing>
+    <p:tnLst>
+      <p:par>
+        <p:cTn id="1" dur="indefinite" restart="never" nodeType="tmRoot"/>
+      </p:par>
+    </p:tnLst>
+  </p:timing>
 </p:sld>
 </file>
 
@@ -13669,6 +14469,13 @@
   <p:clrMapOvr>
     <a:masterClrMapping/>
   </p:clrMapOvr>
+  <p:timing>
+    <p:tnLst>
+      <p:par>
+        <p:cTn id="1" dur="indefinite" restart="never" nodeType="tmRoot"/>
+      </p:par>
+    </p:tnLst>
+  </p:timing>
 </p:sld>
 </file>
 
@@ -13743,6 +14550,13 @@
   <p:clrMapOvr>
     <a:masterClrMapping/>
   </p:clrMapOvr>
+  <p:timing>
+    <p:tnLst>
+      <p:par>
+        <p:cTn id="1" dur="indefinite" restart="never" nodeType="tmRoot"/>
+      </p:par>
+    </p:tnLst>
+  </p:timing>
 </p:sld>
 </file>
 
@@ -13868,6 +14682,13 @@
   <p:clrMapOvr>
     <a:masterClrMapping/>
   </p:clrMapOvr>
+  <p:timing>
+    <p:tnLst>
+      <p:par>
+        <p:cTn id="1" dur="indefinite" restart="never" nodeType="tmRoot"/>
+      </p:par>
+    </p:tnLst>
+  </p:timing>
 </p:sld>
 </file>
 
@@ -13942,6 +14763,13 @@
   <p:clrMapOvr>
     <a:masterClrMapping/>
   </p:clrMapOvr>
+  <p:timing>
+    <p:tnLst>
+      <p:par>
+        <p:cTn id="1" dur="indefinite" restart="never" nodeType="tmRoot"/>
+      </p:par>
+    </p:tnLst>
+  </p:timing>
 </p:sld>
 </file>
 
@@ -14017,6 +14845,13 @@
   <p:clrMapOvr>
     <a:masterClrMapping/>
   </p:clrMapOvr>
+  <p:timing>
+    <p:tnLst>
+      <p:par>
+        <p:cTn id="1" dur="indefinite" restart="never" nodeType="tmRoot"/>
+      </p:par>
+    </p:tnLst>
+  </p:timing>
 </p:sld>
 </file>
 
@@ -14128,6 +14963,13 @@
   <p:clrMapOvr>
     <a:masterClrMapping/>
   </p:clrMapOvr>
+  <p:timing>
+    <p:tnLst>
+      <p:par>
+        <p:cTn id="1" dur="indefinite" restart="never" nodeType="tmRoot"/>
+      </p:par>
+    </p:tnLst>
+  </p:timing>
 </p:sld>
 </file>
 
@@ -14188,6 +15030,13 @@
   <p:clrMapOvr>
     <a:masterClrMapping/>
   </p:clrMapOvr>
+  <p:timing>
+    <p:tnLst>
+      <p:par>
+        <p:cTn id="1" dur="indefinite" restart="never" nodeType="tmRoot"/>
+      </p:par>
+    </p:tnLst>
+  </p:timing>
 </p:sld>
 </file>
 
@@ -14370,6 +15219,13 @@
   <p:clrMapOvr>
     <a:masterClrMapping/>
   </p:clrMapOvr>
+  <p:timing>
+    <p:tnLst>
+      <p:par>
+        <p:cTn id="1" dur="indefinite" restart="never" nodeType="tmRoot"/>
+      </p:par>
+    </p:tnLst>
+  </p:timing>
 </p:sld>
 </file>
 
@@ -14552,6 +15408,13 @@
   <p:clrMapOvr>
     <a:masterClrMapping/>
   </p:clrMapOvr>
+  <p:timing>
+    <p:tnLst>
+      <p:par>
+        <p:cTn id="1" dur="indefinite" restart="never" nodeType="tmRoot"/>
+      </p:par>
+    </p:tnLst>
+  </p:timing>
 </p:sld>
 </file>
 
@@ -14734,6 +15597,13 @@
   <p:clrMapOvr>
     <a:masterClrMapping/>
   </p:clrMapOvr>
+  <p:timing>
+    <p:tnLst>
+      <p:par>
+        <p:cTn id="1" dur="indefinite" restart="never" nodeType="tmRoot"/>
+      </p:par>
+    </p:tnLst>
+  </p:timing>
 </p:sld>
 </file>
 
@@ -14916,6 +15786,13 @@
   <p:clrMapOvr>
     <a:masterClrMapping/>
   </p:clrMapOvr>
+  <p:timing>
+    <p:tnLst>
+      <p:par>
+        <p:cTn id="1" dur="indefinite" restart="never" nodeType="tmRoot"/>
+      </p:par>
+    </p:tnLst>
+  </p:timing>
 </p:sld>
 </file>
 
@@ -15053,6 +15930,13 @@
   <p:clrMapOvr>
     <a:masterClrMapping/>
   </p:clrMapOvr>
+  <p:timing>
+    <p:tnLst>
+      <p:par>
+        <p:cTn id="1" dur="indefinite" restart="never" nodeType="tmRoot"/>
+      </p:par>
+    </p:tnLst>
+  </p:timing>
 </p:sld>
 </file>
 
@@ -15235,6 +16119,13 @@
   <p:clrMapOvr>
     <a:masterClrMapping/>
   </p:clrMapOvr>
+  <p:timing>
+    <p:tnLst>
+      <p:par>
+        <p:cTn id="1" dur="indefinite" restart="never" nodeType="tmRoot"/>
+      </p:par>
+    </p:tnLst>
+  </p:timing>
 </p:sld>
 </file>
 
@@ -15342,6 +16233,13 @@
   <p:clrMapOvr>
     <a:masterClrMapping/>
   </p:clrMapOvr>
+  <p:timing>
+    <p:tnLst>
+      <p:par>
+        <p:cTn id="1" dur="indefinite" restart="never" nodeType="tmRoot"/>
+      </p:par>
+    </p:tnLst>
+  </p:timing>
 </p:sld>
 </file>
 
@@ -15416,6 +16314,13 @@
   <p:clrMapOvr>
     <a:masterClrMapping/>
   </p:clrMapOvr>
+  <p:timing>
+    <p:tnLst>
+      <p:par>
+        <p:cTn id="1" dur="indefinite" restart="never" nodeType="tmRoot"/>
+      </p:par>
+    </p:tnLst>
+  </p:timing>
 </p:sld>
 </file>
 
@@ -15474,29 +16379,30 @@
           <a:p>
             <a:pPr algn="ctr"/>
             <a:r>
-              <a:rPr lang="en-US" sz="6600" dirty="0"/>
-              <a:t>Re-use existing code </a:t>
-            </a:r>
-            <a:br>
-              <a:rPr lang="en-US" sz="6600" dirty="0"/>
-            </a:br>
-            <a:r>
-              <a:rPr lang="en-US" sz="6600" dirty="0"/>
-              <a:t>review processes</a:t>
-            </a:r>
+              <a:rPr lang="en-US" sz="6600" dirty="0" smtClean="0"/>
+              <a:t>Let’s look at some examples</a:t>
+            </a:r>
+            <a:endParaRPr lang="en-US" sz="6600" dirty="0"/>
           </a:p>
         </p:txBody>
       </p:sp>
     </p:spTree>
     <p:extLst>
       <p:ext uri="{BB962C8B-B14F-4D97-AF65-F5344CB8AC3E}">
-        <p14:creationId xmlns:p14="http://schemas.microsoft.com/office/powerpoint/2010/main" val="80241203"/>
+        <p14:creationId xmlns:p14="http://schemas.microsoft.com/office/powerpoint/2010/main" val="2907508898"/>
       </p:ext>
     </p:extLst>
   </p:cSld>
   <p:clrMapOvr>
     <a:masterClrMapping/>
   </p:clrMapOvr>
+  <p:timing>
+    <p:tnLst>
+      <p:par>
+        <p:cTn id="1" dur="indefinite" restart="never" nodeType="tmRoot"/>
+      </p:par>
+    </p:tnLst>
+  </p:timing>
 </p:sld>
 </file>
 
@@ -15556,62 +16462,35 @@
             <a:pPr algn="ctr"/>
             <a:r>
               <a:rPr lang="en-US" sz="6600" dirty="0"/>
-              <a:t>ADRs = Goodness</a:t>
+              <a:t>Re-use existing code </a:t>
             </a:r>
             <a:br>
               <a:rPr lang="en-US" sz="6600" dirty="0"/>
             </a:br>
             <a:r>
               <a:rPr lang="en-US" sz="6600" dirty="0"/>
-              <a:t/>
-            </a:r>
-            <a:br>
-              <a:rPr lang="en-US" sz="6600" dirty="0"/>
-            </a:br>
-            <a:endParaRPr lang="en-US" sz="9600" dirty="0"/>
-          </a:p>
-        </p:txBody>
-      </p:sp>
-      <p:pic>
-        <p:nvPicPr>
-          <p:cNvPr id="3" name="Picture 2"/>
-          <p:cNvPicPr>
-            <a:picLocks noChangeAspect="1"/>
-          </p:cNvPicPr>
-          <p:nvPr/>
-        </p:nvPicPr>
-        <p:blipFill>
-          <a:blip r:embed="rId3">
-            <a:extLst>
-              <a:ext uri="{28A0092B-C50C-407E-A947-70E740481C1C}">
-                <a14:useLocalDpi xmlns:a14="http://schemas.microsoft.com/office/drawing/2010/main" val="0"/>
-              </a:ext>
-            </a:extLst>
-          </a:blip>
-          <a:stretch>
-            <a:fillRect/>
-          </a:stretch>
-        </p:blipFill>
-        <p:spPr>
-          <a:xfrm>
-            <a:off x="5126140" y="3172854"/>
-            <a:ext cx="1939719" cy="1939719"/>
-          </a:xfrm>
-          <a:prstGeom prst="rect">
-            <a:avLst/>
-          </a:prstGeom>
-        </p:spPr>
-      </p:pic>
+              <a:t>review processes</a:t>
+            </a:r>
+          </a:p>
+        </p:txBody>
+      </p:sp>
     </p:spTree>
     <p:extLst>
       <p:ext uri="{BB962C8B-B14F-4D97-AF65-F5344CB8AC3E}">
-        <p14:creationId xmlns:p14="http://schemas.microsoft.com/office/powerpoint/2010/main" val="3825172229"/>
+        <p14:creationId xmlns:p14="http://schemas.microsoft.com/office/powerpoint/2010/main" val="80241203"/>
       </p:ext>
     </p:extLst>
   </p:cSld>
   <p:clrMapOvr>
     <a:masterClrMapping/>
   </p:clrMapOvr>
+  <p:timing>
+    <p:tnLst>
+      <p:par>
+        <p:cTn id="1" dur="indefinite" restart="never" nodeType="tmRoot"/>
+      </p:par>
+    </p:tnLst>
+  </p:timing>
 </p:sld>
 </file>
 
@@ -15671,6 +16550,128 @@
             <a:pPr algn="ctr"/>
             <a:r>
               <a:rPr lang="en-US" sz="6600" dirty="0"/>
+              <a:t>ADRs = Goodness</a:t>
+            </a:r>
+            <a:br>
+              <a:rPr lang="en-US" sz="6600" dirty="0"/>
+            </a:br>
+            <a:r>
+              <a:rPr lang="en-US" sz="6600" dirty="0"/>
+              <a:t/>
+            </a:r>
+            <a:br>
+              <a:rPr lang="en-US" sz="6600" dirty="0"/>
+            </a:br>
+            <a:endParaRPr lang="en-US" sz="9600" dirty="0"/>
+          </a:p>
+        </p:txBody>
+      </p:sp>
+      <p:pic>
+        <p:nvPicPr>
+          <p:cNvPr id="3" name="Picture 2"/>
+          <p:cNvPicPr>
+            <a:picLocks noChangeAspect="1"/>
+          </p:cNvPicPr>
+          <p:nvPr/>
+        </p:nvPicPr>
+        <p:blipFill>
+          <a:blip r:embed="rId3">
+            <a:extLst>
+              <a:ext uri="{28A0092B-C50C-407E-A947-70E740481C1C}">
+                <a14:useLocalDpi xmlns:a14="http://schemas.microsoft.com/office/drawing/2010/main" val="0"/>
+              </a:ext>
+            </a:extLst>
+          </a:blip>
+          <a:stretch>
+            <a:fillRect/>
+          </a:stretch>
+        </p:blipFill>
+        <p:spPr>
+          <a:xfrm>
+            <a:off x="5126140" y="3172854"/>
+            <a:ext cx="1939719" cy="1939719"/>
+          </a:xfrm>
+          <a:prstGeom prst="rect">
+            <a:avLst/>
+          </a:prstGeom>
+        </p:spPr>
+      </p:pic>
+    </p:spTree>
+    <p:extLst>
+      <p:ext uri="{BB962C8B-B14F-4D97-AF65-F5344CB8AC3E}">
+        <p14:creationId xmlns:p14="http://schemas.microsoft.com/office/powerpoint/2010/main" val="3825172229"/>
+      </p:ext>
+    </p:extLst>
+  </p:cSld>
+  <p:clrMapOvr>
+    <a:masterClrMapping/>
+  </p:clrMapOvr>
+  <p:timing>
+    <p:tnLst>
+      <p:par>
+        <p:cTn id="1" dur="indefinite" restart="never" nodeType="tmRoot"/>
+      </p:par>
+    </p:tnLst>
+  </p:timing>
+</p:sld>
+</file>
+
+<file path=ppt/slides/slide36.xml><?xml version="1.0" encoding="utf-8"?>
+<p:sld xmlns:a="http://schemas.openxmlformats.org/drawingml/2006/main" xmlns:r="http://schemas.openxmlformats.org/officeDocument/2006/relationships" xmlns:p="http://schemas.openxmlformats.org/presentationml/2006/main">
+  <p:cSld>
+    <p:bg>
+      <p:bgPr>
+        <a:solidFill>
+          <a:schemeClr val="accent5"/>
+        </a:solidFill>
+        <a:effectLst/>
+      </p:bgPr>
+    </p:bg>
+    <p:spTree>
+      <p:nvGrpSpPr>
+        <p:cNvPr id="1" name=""/>
+        <p:cNvGrpSpPr/>
+        <p:nvPr/>
+      </p:nvGrpSpPr>
+      <p:grpSpPr>
+        <a:xfrm>
+          <a:off x="0" y="0"/>
+          <a:ext cx="0" cy="0"/>
+          <a:chOff x="0" y="0"/>
+          <a:chExt cx="0" cy="0"/>
+        </a:xfrm>
+      </p:grpSpPr>
+      <p:sp>
+        <p:nvSpPr>
+          <p:cNvPr id="2" name="Title 1">
+            <a:extLst>
+              <a:ext uri="{FF2B5EF4-FFF2-40B4-BE49-F238E27FC236}">
+                <a16:creationId xmlns:a16="http://schemas.microsoft.com/office/drawing/2014/main" id="{C409FD33-6233-7C49-9918-532E7EC05AB5}"/>
+              </a:ext>
+            </a:extLst>
+          </p:cNvPr>
+          <p:cNvSpPr>
+            <a:spLocks noGrp="1"/>
+          </p:cNvSpPr>
+          <p:nvPr>
+            <p:ph type="title"/>
+          </p:nvPr>
+        </p:nvSpPr>
+        <p:spPr>
+          <a:xfrm>
+            <a:off x="838200" y="2365324"/>
+            <a:ext cx="10515600" cy="2127352"/>
+          </a:xfrm>
+        </p:spPr>
+        <p:txBody>
+          <a:bodyPr>
+            <a:noAutofit/>
+          </a:bodyPr>
+          <a:lstStyle/>
+          <a:p>
+            <a:pPr algn="ctr"/>
+            <a:r>
+              <a:rPr lang="en-US" sz="6600" dirty="0"/>
               <a:t>More praise for ADRs:</a:t>
             </a:r>
             <a:br>
@@ -15704,10 +16705,17 @@
   <p:clrMapOvr>
     <a:masterClrMapping/>
   </p:clrMapOvr>
+  <p:timing>
+    <p:tnLst>
+      <p:par>
+        <p:cTn id="1" dur="indefinite" restart="never" nodeType="tmRoot"/>
+      </p:par>
+    </p:tnLst>
+  </p:timing>
 </p:sld>
 </file>
 
-<file path=ppt/slides/slide36.xml><?xml version="1.0" encoding="utf-8"?>
+<file path=ppt/slides/slide37.xml><?xml version="1.0" encoding="utf-8"?>
 <p:sld xmlns:a="http://schemas.openxmlformats.org/drawingml/2006/main" xmlns:r="http://schemas.openxmlformats.org/officeDocument/2006/relationships" xmlns:p="http://schemas.openxmlformats.org/presentationml/2006/main">
   <p:cSld>
     <p:spTree>
@@ -15808,10 +16816,17 @@
   <p:clrMapOvr>
     <a:masterClrMapping/>
   </p:clrMapOvr>
+  <p:timing>
+    <p:tnLst>
+      <p:par>
+        <p:cTn id="1" dur="indefinite" restart="never" nodeType="tmRoot"/>
+      </p:par>
+    </p:tnLst>
+  </p:timing>
 </p:sld>
 </file>
 
-<file path=ppt/slides/slide37.xml><?xml version="1.0" encoding="utf-8"?>
+<file path=ppt/slides/slide38.xml><?xml version="1.0" encoding="utf-8"?>
 <p:sld xmlns:a="http://schemas.openxmlformats.org/drawingml/2006/main" xmlns:r="http://schemas.openxmlformats.org/officeDocument/2006/relationships" xmlns:p="http://schemas.openxmlformats.org/presentationml/2006/main">
   <p:cSld>
     <p:bg>
@@ -15938,80 +16953,13 @@
   <p:clrMapOvr>
     <a:masterClrMapping/>
   </p:clrMapOvr>
-</p:sld>
-</file>
-
-<file path=ppt/slides/slide38.xml><?xml version="1.0" encoding="utf-8"?>
-<p:sld xmlns:a="http://schemas.openxmlformats.org/drawingml/2006/main" xmlns:r="http://schemas.openxmlformats.org/officeDocument/2006/relationships" xmlns:p="http://schemas.openxmlformats.org/presentationml/2006/main">
-  <p:cSld>
-    <p:bg>
-      <p:bgPr>
-        <a:solidFill>
-          <a:schemeClr val="accent5"/>
-        </a:solidFill>
-        <a:effectLst/>
-      </p:bgPr>
-    </p:bg>
-    <p:spTree>
-      <p:nvGrpSpPr>
-        <p:cNvPr id="1" name=""/>
-        <p:cNvGrpSpPr/>
-        <p:nvPr/>
-      </p:nvGrpSpPr>
-      <p:grpSpPr>
-        <a:xfrm>
-          <a:off x="0" y="0"/>
-          <a:ext cx="0" cy="0"/>
-          <a:chOff x="0" y="0"/>
-          <a:chExt cx="0" cy="0"/>
-        </a:xfrm>
-      </p:grpSpPr>
-      <p:sp>
-        <p:nvSpPr>
-          <p:cNvPr id="2" name="Title 1">
-            <a:extLst>
-              <a:ext uri="{FF2B5EF4-FFF2-40B4-BE49-F238E27FC236}">
-                <a16:creationId xmlns:a16="http://schemas.microsoft.com/office/drawing/2014/main" id="{C409FD33-6233-7C49-9918-532E7EC05AB5}"/>
-              </a:ext>
-            </a:extLst>
-          </p:cNvPr>
-          <p:cNvSpPr>
-            <a:spLocks noGrp="1"/>
-          </p:cNvSpPr>
-          <p:nvPr>
-            <p:ph type="title"/>
-          </p:nvPr>
-        </p:nvSpPr>
-        <p:spPr>
-          <a:xfrm>
-            <a:off x="838200" y="2365324"/>
-            <a:ext cx="10515600" cy="2127352"/>
-          </a:xfrm>
-        </p:spPr>
-        <p:txBody>
-          <a:bodyPr>
-            <a:noAutofit/>
-          </a:bodyPr>
-          <a:lstStyle/>
-          <a:p>
-            <a:pPr algn="ctr"/>
-            <a:r>
-              <a:rPr lang="en-US" sz="6600" dirty="0"/>
-              <a:t>New Approaches!</a:t>
-            </a:r>
-          </a:p>
-        </p:txBody>
-      </p:sp>
-    </p:spTree>
-    <p:extLst>
-      <p:ext uri="{BB962C8B-B14F-4D97-AF65-F5344CB8AC3E}">
-        <p14:creationId xmlns:p14="http://schemas.microsoft.com/office/powerpoint/2010/main" val="3537560085"/>
-      </p:ext>
-    </p:extLst>
-  </p:cSld>
-  <p:clrMapOvr>
-    <a:masterClrMapping/>
-  </p:clrMapOvr>
+  <p:timing>
+    <p:tnLst>
+      <p:par>
+        <p:cTn id="1" dur="indefinite" restart="never" nodeType="tmRoot"/>
+      </p:par>
+    </p:tnLst>
+  </p:timing>
 </p:sld>
 </file>
 
@@ -16071,7 +17019,7 @@
             <a:pPr algn="ctr"/>
             <a:r>
               <a:rPr lang="en-US" sz="6600" dirty="0"/>
-              <a:t>Cross Functional!</a:t>
+              <a:t>New Approaches!</a:t>
             </a:r>
           </a:p>
         </p:txBody>
@@ -16079,13 +17027,20 @@
     </p:spTree>
     <p:extLst>
       <p:ext uri="{BB962C8B-B14F-4D97-AF65-F5344CB8AC3E}">
-        <p14:creationId xmlns:p14="http://schemas.microsoft.com/office/powerpoint/2010/main" val="2614967860"/>
+        <p14:creationId xmlns:p14="http://schemas.microsoft.com/office/powerpoint/2010/main" val="3537560085"/>
       </p:ext>
     </p:extLst>
   </p:cSld>
   <p:clrMapOvr>
     <a:masterClrMapping/>
   </p:clrMapOvr>
+  <p:timing>
+    <p:tnLst>
+      <p:par>
+        <p:cTn id="1" dur="indefinite" restart="never" nodeType="tmRoot"/>
+      </p:par>
+    </p:tnLst>
+  </p:timing>
 </p:sld>
 </file>
 
@@ -16161,6 +17116,13 @@
   <p:clrMapOvr>
     <a:masterClrMapping/>
   </p:clrMapOvr>
+  <p:timing>
+    <p:tnLst>
+      <p:par>
+        <p:cTn id="1" dur="indefinite" restart="never" nodeType="tmRoot"/>
+      </p:par>
+    </p:tnLst>
+  </p:timing>
 </p:sld>
 </file>
 
@@ -16207,7 +17169,7 @@
         </p:nvSpPr>
         <p:spPr>
           <a:xfrm>
-            <a:off x="838200" y="462383"/>
+            <a:off x="838200" y="2365324"/>
             <a:ext cx="10515600" cy="2127352"/>
           </a:xfrm>
         </p:spPr>
@@ -16220,90 +17182,28 @@
             <a:pPr algn="ctr"/>
             <a:r>
               <a:rPr lang="en-US" sz="6600" dirty="0"/>
-              <a:t>Two </a:t>
-            </a:r>
-            <a:r>
-              <a:rPr lang="en-US" sz="6600" dirty="0" smtClean="0"/>
-              <a:t>Pizzas</a:t>
-            </a:r>
-            <a:r>
-              <a:rPr lang="en-US" sz="6600" dirty="0"/>
-              <a:t>!</a:t>
-            </a:r>
-            <a:endParaRPr lang="en-US" sz="15000" dirty="0"/>
-          </a:p>
-        </p:txBody>
-      </p:sp>
-      <p:pic>
-        <p:nvPicPr>
-          <p:cNvPr id="3" name="Picture 2"/>
-          <p:cNvPicPr>
-            <a:picLocks noChangeAspect="1"/>
-          </p:cNvPicPr>
-          <p:nvPr/>
-        </p:nvPicPr>
-        <p:blipFill>
-          <a:blip r:embed="rId3">
-            <a:extLst>
-              <a:ext uri="{28A0092B-C50C-407E-A947-70E740481C1C}">
-                <a14:useLocalDpi xmlns:a14="http://schemas.microsoft.com/office/drawing/2010/main" val="0"/>
-              </a:ext>
-            </a:extLst>
-          </a:blip>
-          <a:stretch>
-            <a:fillRect/>
-          </a:stretch>
-        </p:blipFill>
-        <p:spPr>
-          <a:xfrm>
-            <a:off x="3892669" y="2589735"/>
-            <a:ext cx="2409276" cy="2409276"/>
-          </a:xfrm>
-          <a:prstGeom prst="rect">
-            <a:avLst/>
-          </a:prstGeom>
-        </p:spPr>
-      </p:pic>
-      <p:pic>
-        <p:nvPicPr>
-          <p:cNvPr id="4" name="Picture 3"/>
-          <p:cNvPicPr>
-            <a:picLocks noChangeAspect="1"/>
-          </p:cNvPicPr>
-          <p:nvPr/>
-        </p:nvPicPr>
-        <p:blipFill>
-          <a:blip r:embed="rId3">
-            <a:extLst>
-              <a:ext uri="{28A0092B-C50C-407E-A947-70E740481C1C}">
-                <a14:useLocalDpi xmlns:a14="http://schemas.microsoft.com/office/drawing/2010/main" val="0"/>
-              </a:ext>
-            </a:extLst>
-          </a:blip>
-          <a:stretch>
-            <a:fillRect/>
-          </a:stretch>
-        </p:blipFill>
-        <p:spPr>
-          <a:xfrm>
-            <a:off x="6331068" y="2640859"/>
-            <a:ext cx="2409276" cy="2409276"/>
-          </a:xfrm>
-          <a:prstGeom prst="rect">
-            <a:avLst/>
-          </a:prstGeom>
-        </p:spPr>
-      </p:pic>
+              <a:t>Cross Functional!</a:t>
+            </a:r>
+          </a:p>
+        </p:txBody>
+      </p:sp>
     </p:spTree>
     <p:extLst>
       <p:ext uri="{BB962C8B-B14F-4D97-AF65-F5344CB8AC3E}">
-        <p14:creationId xmlns:p14="http://schemas.microsoft.com/office/powerpoint/2010/main" val="409998538"/>
+        <p14:creationId xmlns:p14="http://schemas.microsoft.com/office/powerpoint/2010/main" val="2614967860"/>
       </p:ext>
     </p:extLst>
   </p:cSld>
   <p:clrMapOvr>
     <a:masterClrMapping/>
   </p:clrMapOvr>
+  <p:timing>
+    <p:tnLst>
+      <p:par>
+        <p:cTn id="1" dur="indefinite" restart="never" nodeType="tmRoot"/>
+      </p:par>
+    </p:tnLst>
+  </p:timing>
 </p:sld>
 </file>
 
@@ -16350,6 +17250,156 @@
         </p:nvSpPr>
         <p:spPr>
           <a:xfrm>
+            <a:off x="838200" y="462383"/>
+            <a:ext cx="10515600" cy="2127352"/>
+          </a:xfrm>
+        </p:spPr>
+        <p:txBody>
+          <a:bodyPr>
+            <a:noAutofit/>
+          </a:bodyPr>
+          <a:lstStyle/>
+          <a:p>
+            <a:pPr algn="ctr"/>
+            <a:r>
+              <a:rPr lang="en-US" sz="6600" dirty="0"/>
+              <a:t>Two </a:t>
+            </a:r>
+            <a:r>
+              <a:rPr lang="en-US" sz="6600" dirty="0" smtClean="0"/>
+              <a:t>Pizzas</a:t>
+            </a:r>
+            <a:r>
+              <a:rPr lang="en-US" sz="6600" dirty="0"/>
+              <a:t>!</a:t>
+            </a:r>
+            <a:endParaRPr lang="en-US" sz="15000" dirty="0"/>
+          </a:p>
+        </p:txBody>
+      </p:sp>
+      <p:pic>
+        <p:nvPicPr>
+          <p:cNvPr id="3" name="Picture 2"/>
+          <p:cNvPicPr>
+            <a:picLocks noChangeAspect="1"/>
+          </p:cNvPicPr>
+          <p:nvPr/>
+        </p:nvPicPr>
+        <p:blipFill>
+          <a:blip r:embed="rId3">
+            <a:extLst>
+              <a:ext uri="{28A0092B-C50C-407E-A947-70E740481C1C}">
+                <a14:useLocalDpi xmlns:a14="http://schemas.microsoft.com/office/drawing/2010/main" val="0"/>
+              </a:ext>
+            </a:extLst>
+          </a:blip>
+          <a:stretch>
+            <a:fillRect/>
+          </a:stretch>
+        </p:blipFill>
+        <p:spPr>
+          <a:xfrm>
+            <a:off x="3892669" y="2589735"/>
+            <a:ext cx="2409276" cy="2409276"/>
+          </a:xfrm>
+          <a:prstGeom prst="rect">
+            <a:avLst/>
+          </a:prstGeom>
+        </p:spPr>
+      </p:pic>
+      <p:pic>
+        <p:nvPicPr>
+          <p:cNvPr id="4" name="Picture 3"/>
+          <p:cNvPicPr>
+            <a:picLocks noChangeAspect="1"/>
+          </p:cNvPicPr>
+          <p:nvPr/>
+        </p:nvPicPr>
+        <p:blipFill>
+          <a:blip r:embed="rId3">
+            <a:extLst>
+              <a:ext uri="{28A0092B-C50C-407E-A947-70E740481C1C}">
+                <a14:useLocalDpi xmlns:a14="http://schemas.microsoft.com/office/drawing/2010/main" val="0"/>
+              </a:ext>
+            </a:extLst>
+          </a:blip>
+          <a:stretch>
+            <a:fillRect/>
+          </a:stretch>
+        </p:blipFill>
+        <p:spPr>
+          <a:xfrm>
+            <a:off x="6331068" y="2640859"/>
+            <a:ext cx="2409276" cy="2409276"/>
+          </a:xfrm>
+          <a:prstGeom prst="rect">
+            <a:avLst/>
+          </a:prstGeom>
+        </p:spPr>
+      </p:pic>
+    </p:spTree>
+    <p:extLst>
+      <p:ext uri="{BB962C8B-B14F-4D97-AF65-F5344CB8AC3E}">
+        <p14:creationId xmlns:p14="http://schemas.microsoft.com/office/powerpoint/2010/main" val="409998538"/>
+      </p:ext>
+    </p:extLst>
+  </p:cSld>
+  <p:clrMapOvr>
+    <a:masterClrMapping/>
+  </p:clrMapOvr>
+  <p:timing>
+    <p:tnLst>
+      <p:par>
+        <p:cTn id="1" dur="indefinite" restart="never" nodeType="tmRoot"/>
+      </p:par>
+    </p:tnLst>
+  </p:timing>
+</p:sld>
+</file>
+
+<file path=ppt/slides/slide42.xml><?xml version="1.0" encoding="utf-8"?>
+<p:sld xmlns:a="http://schemas.openxmlformats.org/drawingml/2006/main" xmlns:r="http://schemas.openxmlformats.org/officeDocument/2006/relationships" xmlns:p="http://schemas.openxmlformats.org/presentationml/2006/main">
+  <p:cSld>
+    <p:bg>
+      <p:bgPr>
+        <a:solidFill>
+          <a:schemeClr val="accent5"/>
+        </a:solidFill>
+        <a:effectLst/>
+      </p:bgPr>
+    </p:bg>
+    <p:spTree>
+      <p:nvGrpSpPr>
+        <p:cNvPr id="1" name=""/>
+        <p:cNvGrpSpPr/>
+        <p:nvPr/>
+      </p:nvGrpSpPr>
+      <p:grpSpPr>
+        <a:xfrm>
+          <a:off x="0" y="0"/>
+          <a:ext cx="0" cy="0"/>
+          <a:chOff x="0" y="0"/>
+          <a:chExt cx="0" cy="0"/>
+        </a:xfrm>
+      </p:grpSpPr>
+      <p:sp>
+        <p:nvSpPr>
+          <p:cNvPr id="2" name="Title 1">
+            <a:extLst>
+              <a:ext uri="{FF2B5EF4-FFF2-40B4-BE49-F238E27FC236}">
+                <a16:creationId xmlns:a16="http://schemas.microsoft.com/office/drawing/2014/main" id="{C409FD33-6233-7C49-9918-532E7EC05AB5}"/>
+              </a:ext>
+            </a:extLst>
+          </p:cNvPr>
+          <p:cNvSpPr>
+            <a:spLocks noGrp="1"/>
+          </p:cNvSpPr>
+          <p:nvPr>
+            <p:ph type="title"/>
+          </p:nvPr>
+        </p:nvSpPr>
+        <p:spPr>
+          <a:xfrm>
             <a:off x="838200" y="2365324"/>
             <a:ext cx="10515600" cy="2127352"/>
           </a:xfrm>
@@ -16378,10 +17428,17 @@
   <p:clrMapOvr>
     <a:masterClrMapping/>
   </p:clrMapOvr>
+  <p:timing>
+    <p:tnLst>
+      <p:par>
+        <p:cTn id="1" dur="indefinite" restart="never" nodeType="tmRoot"/>
+      </p:par>
+    </p:tnLst>
+  </p:timing>
 </p:sld>
 </file>
 
-<file path=ppt/slides/slide42.xml><?xml version="1.0" encoding="utf-8"?>
+<file path=ppt/slides/slide43.xml><?xml version="1.0" encoding="utf-8"?>
 <p:sld xmlns:a="http://schemas.openxmlformats.org/drawingml/2006/main" xmlns:r="http://schemas.openxmlformats.org/officeDocument/2006/relationships" xmlns:p="http://schemas.openxmlformats.org/presentationml/2006/main">
   <p:cSld>
     <p:bg>
@@ -16536,184 +17593,13 @@
   <p:clrMapOvr>
     <a:masterClrMapping/>
   </p:clrMapOvr>
-</p:sld>
-</file>
-
-<file path=ppt/slides/slide43.xml><?xml version="1.0" encoding="utf-8"?>
-<p:sld xmlns:a="http://schemas.openxmlformats.org/drawingml/2006/main" xmlns:r="http://schemas.openxmlformats.org/officeDocument/2006/relationships" xmlns:p="http://schemas.openxmlformats.org/presentationml/2006/main">
-  <p:cSld>
-    <p:bg>
-      <p:bgPr>
-        <a:solidFill>
-          <a:schemeClr val="accent5"/>
-        </a:solidFill>
-        <a:effectLst/>
-      </p:bgPr>
-    </p:bg>
-    <p:spTree>
-      <p:nvGrpSpPr>
-        <p:cNvPr id="1" name=""/>
-        <p:cNvGrpSpPr/>
-        <p:nvPr/>
-      </p:nvGrpSpPr>
-      <p:grpSpPr>
-        <a:xfrm>
-          <a:off x="0" y="0"/>
-          <a:ext cx="0" cy="0"/>
-          <a:chOff x="0" y="0"/>
-          <a:chExt cx="0" cy="0"/>
-        </a:xfrm>
-      </p:grpSpPr>
-      <p:sp>
-        <p:nvSpPr>
-          <p:cNvPr id="2" name="Title 1">
-            <a:extLst>
-              <a:ext uri="{FF2B5EF4-FFF2-40B4-BE49-F238E27FC236}">
-                <a16:creationId xmlns:a16="http://schemas.microsoft.com/office/drawing/2014/main" id="{C409FD33-6233-7C49-9918-532E7EC05AB5}"/>
-              </a:ext>
-            </a:extLst>
-          </p:cNvPr>
-          <p:cNvSpPr>
-            <a:spLocks noGrp="1"/>
-          </p:cNvSpPr>
-          <p:nvPr>
-            <p:ph type="title"/>
-          </p:nvPr>
-        </p:nvSpPr>
-        <p:spPr>
-          <a:xfrm>
-            <a:off x="838200" y="2365324"/>
-            <a:ext cx="10515600" cy="2127352"/>
-          </a:xfrm>
-        </p:spPr>
-        <p:txBody>
-          <a:bodyPr>
-            <a:noAutofit/>
-          </a:bodyPr>
-          <a:lstStyle/>
-          <a:p>
-            <a:pPr algn="ctr"/>
-            <a:r>
-              <a:rPr lang="en-US" sz="6600" dirty="0"/>
-              <a:t>Power to the People</a:t>
-            </a:r>
-          </a:p>
-        </p:txBody>
-      </p:sp>
-      <p:sp>
-        <p:nvSpPr>
-          <p:cNvPr id="3" name="TextBox 2">
-            <a:extLst>
-              <a:ext uri="{FF2B5EF4-FFF2-40B4-BE49-F238E27FC236}">
-                <a16:creationId xmlns:a16="http://schemas.microsoft.com/office/drawing/2014/main" id="{99A54E6B-82ED-3345-8103-2168DB68191F}"/>
-              </a:ext>
-            </a:extLst>
-          </p:cNvPr>
-          <p:cNvSpPr txBox="1"/>
-          <p:nvPr/>
-        </p:nvSpPr>
-        <p:spPr>
-          <a:xfrm>
-            <a:off x="2743960" y="5737123"/>
-            <a:ext cx="6704079" cy="369332"/>
-          </a:xfrm>
-          <a:prstGeom prst="rect">
-            <a:avLst/>
-          </a:prstGeom>
-          <a:noFill/>
-        </p:spPr>
-        <p:txBody>
-          <a:bodyPr wrap="none" rtlCol="0">
-            <a:spAutoFit/>
-          </a:bodyPr>
-          <a:lstStyle/>
-          <a:p>
-            <a:pPr algn="ctr"/>
-            <a:r>
-              <a:rPr lang="en-US" dirty="0"/>
-              <a:t>https://</a:t>
-            </a:r>
-            <a:r>
-              <a:rPr lang="en-US" dirty="0" err="1"/>
-              <a:t>labs.spotify.com</a:t>
-            </a:r>
-            <a:r>
-              <a:rPr lang="en-US" dirty="0"/>
-              <a:t>/2014/03/27/spotify-engineering-culture-part-1</a:t>
-            </a:r>
-          </a:p>
-        </p:txBody>
-      </p:sp>
-      <p:pic>
-        <p:nvPicPr>
-          <p:cNvPr id="4" name="Picture 3"/>
-          <p:cNvPicPr>
-            <a:picLocks noChangeAspect="1"/>
-          </p:cNvPicPr>
-          <p:nvPr/>
-        </p:nvPicPr>
-        <p:blipFill>
-          <a:blip r:embed="rId3">
-            <a:extLst>
-              <a:ext uri="{28A0092B-C50C-407E-A947-70E740481C1C}">
-                <a14:useLocalDpi xmlns:a14="http://schemas.microsoft.com/office/drawing/2010/main" val="0"/>
-              </a:ext>
-            </a:extLst>
-          </a:blip>
-          <a:stretch>
-            <a:fillRect/>
-          </a:stretch>
-        </p:blipFill>
-        <p:spPr>
-          <a:xfrm>
-            <a:off x="6549081" y="278610"/>
-            <a:ext cx="2656411" cy="2656411"/>
-          </a:xfrm>
-          <a:prstGeom prst="rect">
-            <a:avLst/>
-          </a:prstGeom>
-        </p:spPr>
-      </p:pic>
-      <p:pic>
-        <p:nvPicPr>
-          <p:cNvPr id="5" name="Picture 4"/>
-          <p:cNvPicPr>
-            <a:picLocks noChangeAspect="1"/>
-          </p:cNvPicPr>
-          <p:nvPr/>
-        </p:nvPicPr>
-        <p:blipFill>
-          <a:blip r:embed="rId3">
-            <a:extLst>
-              <a:ext uri="{28A0092B-C50C-407E-A947-70E740481C1C}">
-                <a14:useLocalDpi xmlns:a14="http://schemas.microsoft.com/office/drawing/2010/main" val="0"/>
-              </a:ext>
-            </a:extLst>
-          </a:blip>
-          <a:stretch>
-            <a:fillRect/>
-          </a:stretch>
-        </p:blipFill>
-        <p:spPr>
-          <a:xfrm flipH="1">
-            <a:off x="2648465" y="278611"/>
-            <a:ext cx="2656411" cy="2656411"/>
-          </a:xfrm>
-          <a:prstGeom prst="rect">
-            <a:avLst/>
-          </a:prstGeom>
-        </p:spPr>
-      </p:pic>
-    </p:spTree>
-    <p:extLst>
-      <p:ext uri="{BB962C8B-B14F-4D97-AF65-F5344CB8AC3E}">
-        <p14:creationId xmlns:p14="http://schemas.microsoft.com/office/powerpoint/2010/main" val="2322034607"/>
-      </p:ext>
-    </p:extLst>
-  </p:cSld>
-  <p:clrMapOvr>
-    <a:masterClrMapping/>
-  </p:clrMapOvr>
+  <p:timing>
+    <p:tnLst>
+      <p:par>
+        <p:cTn id="1" dur="indefinite" restart="never" nodeType="tmRoot"/>
+      </p:par>
+    </p:tnLst>
+  </p:timing>
 </p:sld>
 </file>
 
@@ -16773,7 +17659,51 @@
             <a:pPr algn="ctr"/>
             <a:r>
               <a:rPr lang="en-US" sz="6600" dirty="0"/>
-              <a:t>Open To All</a:t>
+              <a:t>Power to the People</a:t>
+            </a:r>
+          </a:p>
+        </p:txBody>
+      </p:sp>
+      <p:sp>
+        <p:nvSpPr>
+          <p:cNvPr id="3" name="TextBox 2">
+            <a:extLst>
+              <a:ext uri="{FF2B5EF4-FFF2-40B4-BE49-F238E27FC236}">
+                <a16:creationId xmlns:a16="http://schemas.microsoft.com/office/drawing/2014/main" id="{99A54E6B-82ED-3345-8103-2168DB68191F}"/>
+              </a:ext>
+            </a:extLst>
+          </p:cNvPr>
+          <p:cNvSpPr txBox="1"/>
+          <p:nvPr/>
+        </p:nvSpPr>
+        <p:spPr>
+          <a:xfrm>
+            <a:off x="2743960" y="5737123"/>
+            <a:ext cx="6704079" cy="369332"/>
+          </a:xfrm>
+          <a:prstGeom prst="rect">
+            <a:avLst/>
+          </a:prstGeom>
+          <a:noFill/>
+        </p:spPr>
+        <p:txBody>
+          <a:bodyPr wrap="none" rtlCol="0">
+            <a:spAutoFit/>
+          </a:bodyPr>
+          <a:lstStyle/>
+          <a:p>
+            <a:pPr algn="ctr"/>
+            <a:r>
+              <a:rPr lang="en-US" dirty="0"/>
+              <a:t>https://</a:t>
+            </a:r>
+            <a:r>
+              <a:rPr lang="en-US" dirty="0" err="1"/>
+              <a:t>labs.spotify.com</a:t>
+            </a:r>
+            <a:r>
+              <a:rPr lang="en-US" dirty="0"/>
+              <a:t>/2014/03/27/spotify-engineering-culture-part-1</a:t>
             </a:r>
           </a:p>
         </p:txBody>
@@ -16800,8 +17730,8 @@
         </p:blipFill>
         <p:spPr>
           <a:xfrm>
-            <a:off x="1347178" y="277324"/>
-            <a:ext cx="2088000" cy="2088000"/>
+            <a:off x="6549081" y="278610"/>
+            <a:ext cx="2656411" cy="2656411"/>
           </a:xfrm>
           <a:prstGeom prst="rect">
             <a:avLst/>
@@ -16817,7 +17747,7 @@
           <p:nvPr/>
         </p:nvPicPr>
         <p:blipFill>
-          <a:blip r:embed="rId4">
+          <a:blip r:embed="rId3">
             <a:extLst>
               <a:ext uri="{28A0092B-C50C-407E-A947-70E740481C1C}">
                 <a14:useLocalDpi xmlns:a14="http://schemas.microsoft.com/office/drawing/2010/main" val="0"/>
@@ -16829,69 +17759,9 @@
           </a:stretch>
         </p:blipFill>
         <p:spPr>
-          <a:xfrm>
-            <a:off x="8946584" y="277324"/>
-            <a:ext cx="2088000" cy="2088000"/>
-          </a:xfrm>
-          <a:prstGeom prst="rect">
-            <a:avLst/>
-          </a:prstGeom>
-        </p:spPr>
-      </p:pic>
-      <p:pic>
-        <p:nvPicPr>
-          <p:cNvPr id="6" name="Picture 5"/>
-          <p:cNvPicPr>
-            <a:picLocks noChangeAspect="1"/>
-          </p:cNvPicPr>
-          <p:nvPr/>
-        </p:nvPicPr>
-        <p:blipFill>
-          <a:blip r:embed="rId5">
-            <a:extLst>
-              <a:ext uri="{28A0092B-C50C-407E-A947-70E740481C1C}">
-                <a14:useLocalDpi xmlns:a14="http://schemas.microsoft.com/office/drawing/2010/main" val="0"/>
-              </a:ext>
-            </a:extLst>
-          </a:blip>
-          <a:stretch>
-            <a:fillRect/>
-          </a:stretch>
-        </p:blipFill>
-        <p:spPr>
-          <a:xfrm>
-            <a:off x="1347178" y="4213010"/>
-            <a:ext cx="2088000" cy="2088000"/>
-          </a:xfrm>
-          <a:prstGeom prst="rect">
-            <a:avLst/>
-          </a:prstGeom>
-        </p:spPr>
-      </p:pic>
-      <p:pic>
-        <p:nvPicPr>
-          <p:cNvPr id="7" name="Picture 6"/>
-          <p:cNvPicPr>
-            <a:picLocks noChangeAspect="1"/>
-          </p:cNvPicPr>
-          <p:nvPr/>
-        </p:nvPicPr>
-        <p:blipFill>
-          <a:blip r:embed="rId6">
-            <a:extLst>
-              <a:ext uri="{28A0092B-C50C-407E-A947-70E740481C1C}">
-                <a14:useLocalDpi xmlns:a14="http://schemas.microsoft.com/office/drawing/2010/main" val="0"/>
-              </a:ext>
-            </a:extLst>
-          </a:blip>
-          <a:stretch>
-            <a:fillRect/>
-          </a:stretch>
-        </p:blipFill>
-        <p:spPr>
-          <a:xfrm>
-            <a:off x="8946584" y="4213010"/>
-            <a:ext cx="2088000" cy="2088000"/>
+          <a:xfrm flipH="1">
+            <a:off x="2648465" y="278611"/>
+            <a:ext cx="2656411" cy="2656411"/>
           </a:xfrm>
           <a:prstGeom prst="rect">
             <a:avLst/>
@@ -16901,13 +17771,20 @@
     </p:spTree>
     <p:extLst>
       <p:ext uri="{BB962C8B-B14F-4D97-AF65-F5344CB8AC3E}">
-        <p14:creationId xmlns:p14="http://schemas.microsoft.com/office/powerpoint/2010/main" val="839796847"/>
+        <p14:creationId xmlns:p14="http://schemas.microsoft.com/office/powerpoint/2010/main" val="2322034607"/>
       </p:ext>
     </p:extLst>
   </p:cSld>
   <p:clrMapOvr>
     <a:masterClrMapping/>
   </p:clrMapOvr>
+  <p:timing>
+    <p:tnLst>
+      <p:par>
+        <p:cTn id="1" dur="indefinite" restart="never" nodeType="tmRoot"/>
+      </p:par>
+    </p:tnLst>
+  </p:timing>
 </p:sld>
 </file>
 
@@ -16954,7 +17831,7 @@
         </p:nvSpPr>
         <p:spPr>
           <a:xfrm>
-            <a:off x="875562" y="771303"/>
+            <a:off x="838200" y="2365324"/>
             <a:ext cx="10515600" cy="2127352"/>
           </a:xfrm>
         </p:spPr>
@@ -16967,14 +17844,14 @@
             <a:pPr algn="ctr"/>
             <a:r>
               <a:rPr lang="en-US" sz="6600" dirty="0"/>
-              <a:t>Decision Making</a:t>
+              <a:t>Open To All</a:t>
             </a:r>
           </a:p>
         </p:txBody>
       </p:sp>
       <p:pic>
         <p:nvPicPr>
-          <p:cNvPr id="3" name="Picture 2"/>
+          <p:cNvPr id="4" name="Picture 3"/>
           <p:cNvPicPr>
             <a:picLocks noChangeAspect="1"/>
           </p:cNvPicPr>
@@ -16994,8 +17871,98 @@
         </p:blipFill>
         <p:spPr>
           <a:xfrm>
-            <a:off x="4743372" y="3103897"/>
-            <a:ext cx="2779979" cy="2779979"/>
+            <a:off x="1347178" y="277324"/>
+            <a:ext cx="2088000" cy="2088000"/>
+          </a:xfrm>
+          <a:prstGeom prst="rect">
+            <a:avLst/>
+          </a:prstGeom>
+        </p:spPr>
+      </p:pic>
+      <p:pic>
+        <p:nvPicPr>
+          <p:cNvPr id="5" name="Picture 4"/>
+          <p:cNvPicPr>
+            <a:picLocks noChangeAspect="1"/>
+          </p:cNvPicPr>
+          <p:nvPr/>
+        </p:nvPicPr>
+        <p:blipFill>
+          <a:blip r:embed="rId4">
+            <a:extLst>
+              <a:ext uri="{28A0092B-C50C-407E-A947-70E740481C1C}">
+                <a14:useLocalDpi xmlns:a14="http://schemas.microsoft.com/office/drawing/2010/main" val="0"/>
+              </a:ext>
+            </a:extLst>
+          </a:blip>
+          <a:stretch>
+            <a:fillRect/>
+          </a:stretch>
+        </p:blipFill>
+        <p:spPr>
+          <a:xfrm>
+            <a:off x="8946584" y="277324"/>
+            <a:ext cx="2088000" cy="2088000"/>
+          </a:xfrm>
+          <a:prstGeom prst="rect">
+            <a:avLst/>
+          </a:prstGeom>
+        </p:spPr>
+      </p:pic>
+      <p:pic>
+        <p:nvPicPr>
+          <p:cNvPr id="6" name="Picture 5"/>
+          <p:cNvPicPr>
+            <a:picLocks noChangeAspect="1"/>
+          </p:cNvPicPr>
+          <p:nvPr/>
+        </p:nvPicPr>
+        <p:blipFill>
+          <a:blip r:embed="rId5">
+            <a:extLst>
+              <a:ext uri="{28A0092B-C50C-407E-A947-70E740481C1C}">
+                <a14:useLocalDpi xmlns:a14="http://schemas.microsoft.com/office/drawing/2010/main" val="0"/>
+              </a:ext>
+            </a:extLst>
+          </a:blip>
+          <a:stretch>
+            <a:fillRect/>
+          </a:stretch>
+        </p:blipFill>
+        <p:spPr>
+          <a:xfrm>
+            <a:off x="1347178" y="4213010"/>
+            <a:ext cx="2088000" cy="2088000"/>
+          </a:xfrm>
+          <a:prstGeom prst="rect">
+            <a:avLst/>
+          </a:prstGeom>
+        </p:spPr>
+      </p:pic>
+      <p:pic>
+        <p:nvPicPr>
+          <p:cNvPr id="7" name="Picture 6"/>
+          <p:cNvPicPr>
+            <a:picLocks noChangeAspect="1"/>
+          </p:cNvPicPr>
+          <p:nvPr/>
+        </p:nvPicPr>
+        <p:blipFill>
+          <a:blip r:embed="rId6">
+            <a:extLst>
+              <a:ext uri="{28A0092B-C50C-407E-A947-70E740481C1C}">
+                <a14:useLocalDpi xmlns:a14="http://schemas.microsoft.com/office/drawing/2010/main" val="0"/>
+              </a:ext>
+            </a:extLst>
+          </a:blip>
+          <a:stretch>
+            <a:fillRect/>
+          </a:stretch>
+        </p:blipFill>
+        <p:spPr>
+          <a:xfrm>
+            <a:off x="8946584" y="4213010"/>
+            <a:ext cx="2088000" cy="2088000"/>
           </a:xfrm>
           <a:prstGeom prst="rect">
             <a:avLst/>
@@ -17005,13 +17972,20 @@
     </p:spTree>
     <p:extLst>
       <p:ext uri="{BB962C8B-B14F-4D97-AF65-F5344CB8AC3E}">
-        <p14:creationId xmlns:p14="http://schemas.microsoft.com/office/powerpoint/2010/main" val="2165740222"/>
+        <p14:creationId xmlns:p14="http://schemas.microsoft.com/office/powerpoint/2010/main" val="839796847"/>
       </p:ext>
     </p:extLst>
   </p:cSld>
   <p:clrMapOvr>
     <a:masterClrMapping/>
   </p:clrMapOvr>
+  <p:timing>
+    <p:tnLst>
+      <p:par>
+        <p:cTn id="1" dur="indefinite" restart="never" nodeType="tmRoot"/>
+      </p:par>
+    </p:tnLst>
+  </p:timing>
 </p:sld>
 </file>
 
@@ -17058,7 +18032,7 @@
         </p:nvSpPr>
         <p:spPr>
           <a:xfrm>
-            <a:off x="838200" y="2365324"/>
+            <a:off x="875562" y="771303"/>
             <a:ext cx="10515600" cy="2127352"/>
           </a:xfrm>
         </p:spPr>
@@ -17071,21 +18045,58 @@
             <a:pPr algn="ctr"/>
             <a:r>
               <a:rPr lang="en-US" sz="6600" dirty="0"/>
-              <a:t>#1 Write ADRs</a:t>
-            </a:r>
-          </a:p>
-        </p:txBody>
-      </p:sp>
+              <a:t>Decision Making</a:t>
+            </a:r>
+          </a:p>
+        </p:txBody>
+      </p:sp>
+      <p:pic>
+        <p:nvPicPr>
+          <p:cNvPr id="3" name="Picture 2"/>
+          <p:cNvPicPr>
+            <a:picLocks noChangeAspect="1"/>
+          </p:cNvPicPr>
+          <p:nvPr/>
+        </p:nvPicPr>
+        <p:blipFill>
+          <a:blip r:embed="rId3">
+            <a:extLst>
+              <a:ext uri="{28A0092B-C50C-407E-A947-70E740481C1C}">
+                <a14:useLocalDpi xmlns:a14="http://schemas.microsoft.com/office/drawing/2010/main" val="0"/>
+              </a:ext>
+            </a:extLst>
+          </a:blip>
+          <a:stretch>
+            <a:fillRect/>
+          </a:stretch>
+        </p:blipFill>
+        <p:spPr>
+          <a:xfrm>
+            <a:off x="4743372" y="3103897"/>
+            <a:ext cx="2779979" cy="2779979"/>
+          </a:xfrm>
+          <a:prstGeom prst="rect">
+            <a:avLst/>
+          </a:prstGeom>
+        </p:spPr>
+      </p:pic>
     </p:spTree>
     <p:extLst>
       <p:ext uri="{BB962C8B-B14F-4D97-AF65-F5344CB8AC3E}">
-        <p14:creationId xmlns:p14="http://schemas.microsoft.com/office/powerpoint/2010/main" val="2871683733"/>
+        <p14:creationId xmlns:p14="http://schemas.microsoft.com/office/powerpoint/2010/main" val="2165740222"/>
       </p:ext>
     </p:extLst>
   </p:cSld>
   <p:clrMapOvr>
     <a:masterClrMapping/>
   </p:clrMapOvr>
+  <p:timing>
+    <p:tnLst>
+      <p:par>
+        <p:cTn id="1" dur="indefinite" restart="never" nodeType="tmRoot"/>
+      </p:par>
+    </p:tnLst>
+  </p:timing>
 </p:sld>
 </file>
 
@@ -17145,7 +18156,7 @@
             <a:pPr algn="ctr"/>
             <a:r>
               <a:rPr lang="en-US" sz="6600" dirty="0"/>
-              <a:t>#2 Form Short-Term SIGs</a:t>
+              <a:t>#1 Write ADRs</a:t>
             </a:r>
           </a:p>
         </p:txBody>
@@ -17153,13 +18164,20 @@
     </p:spTree>
     <p:extLst>
       <p:ext uri="{BB962C8B-B14F-4D97-AF65-F5344CB8AC3E}">
-        <p14:creationId xmlns:p14="http://schemas.microsoft.com/office/powerpoint/2010/main" val="2637277908"/>
+        <p14:creationId xmlns:p14="http://schemas.microsoft.com/office/powerpoint/2010/main" val="2871683733"/>
       </p:ext>
     </p:extLst>
   </p:cSld>
   <p:clrMapOvr>
     <a:masterClrMapping/>
   </p:clrMapOvr>
+  <p:timing>
+    <p:tnLst>
+      <p:par>
+        <p:cTn id="1" dur="indefinite" restart="never" nodeType="tmRoot"/>
+      </p:par>
+    </p:tnLst>
+  </p:timing>
 </p:sld>
 </file>
 
@@ -17219,7 +18237,7 @@
             <a:pPr algn="ctr"/>
             <a:r>
               <a:rPr lang="en-US" sz="6600" dirty="0"/>
-              <a:t>#3 Long Running SIGs</a:t>
+              <a:t>#2 Form Short-Term SIGs</a:t>
             </a:r>
           </a:p>
         </p:txBody>
@@ -17227,13 +18245,20 @@
     </p:spTree>
     <p:extLst>
       <p:ext uri="{BB962C8B-B14F-4D97-AF65-F5344CB8AC3E}">
-        <p14:creationId xmlns:p14="http://schemas.microsoft.com/office/powerpoint/2010/main" val="485757986"/>
+        <p14:creationId xmlns:p14="http://schemas.microsoft.com/office/powerpoint/2010/main" val="2637277908"/>
       </p:ext>
     </p:extLst>
   </p:cSld>
   <p:clrMapOvr>
     <a:masterClrMapping/>
   </p:clrMapOvr>
+  <p:timing>
+    <p:tnLst>
+      <p:par>
+        <p:cTn id="1" dur="indefinite" restart="never" nodeType="tmRoot"/>
+      </p:par>
+    </p:tnLst>
+  </p:timing>
 </p:sld>
 </file>
 
@@ -17293,7 +18318,7 @@
             <a:pPr algn="ctr"/>
             <a:r>
               <a:rPr lang="en-US" sz="6600" dirty="0"/>
-              <a:t>What about the “Architecture Review Board”?</a:t>
+              <a:t>#3 Long Running SIGs</a:t>
             </a:r>
           </a:p>
         </p:txBody>
@@ -17301,13 +18326,20 @@
     </p:spTree>
     <p:extLst>
       <p:ext uri="{BB962C8B-B14F-4D97-AF65-F5344CB8AC3E}">
-        <p14:creationId xmlns:p14="http://schemas.microsoft.com/office/powerpoint/2010/main" val="3151097888"/>
+        <p14:creationId xmlns:p14="http://schemas.microsoft.com/office/powerpoint/2010/main" val="485757986"/>
       </p:ext>
     </p:extLst>
   </p:cSld>
   <p:clrMapOvr>
     <a:masterClrMapping/>
   </p:clrMapOvr>
+  <p:timing>
+    <p:tnLst>
+      <p:par>
+        <p:cTn id="1" dur="indefinite" restart="never" nodeType="tmRoot"/>
+      </p:par>
+    </p:tnLst>
+  </p:timing>
 </p:sld>
 </file>
 
@@ -17413,6 +18445,13 @@
   <p:clrMapOvr>
     <a:masterClrMapping/>
   </p:clrMapOvr>
+  <p:timing>
+    <p:tnLst>
+      <p:par>
+        <p:cTn id="1" dur="indefinite" restart="never" nodeType="tmRoot"/>
+      </p:par>
+    </p:tnLst>
+  </p:timing>
 </p:sld>
 </file>
 
@@ -17472,7 +18511,7 @@
             <a:pPr algn="ctr"/>
             <a:r>
               <a:rPr lang="en-US" sz="6600" dirty="0"/>
-              <a:t>The Guild helped with one of the hardest problems: Socializing Decisions</a:t>
+              <a:t>What about the “Architecture Review Board”?</a:t>
             </a:r>
           </a:p>
         </p:txBody>
@@ -17480,13 +18519,20 @@
     </p:spTree>
     <p:extLst>
       <p:ext uri="{BB962C8B-B14F-4D97-AF65-F5344CB8AC3E}">
-        <p14:creationId xmlns:p14="http://schemas.microsoft.com/office/powerpoint/2010/main" val="468891399"/>
+        <p14:creationId xmlns:p14="http://schemas.microsoft.com/office/powerpoint/2010/main" val="3151097888"/>
       </p:ext>
     </p:extLst>
   </p:cSld>
   <p:clrMapOvr>
     <a:masterClrMapping/>
   </p:clrMapOvr>
+  <p:timing>
+    <p:tnLst>
+      <p:par>
+        <p:cTn id="1" dur="indefinite" restart="never" nodeType="tmRoot"/>
+      </p:par>
+    </p:tnLst>
+  </p:timing>
 </p:sld>
 </file>
 
@@ -17546,6 +18592,87 @@
             <a:pPr algn="ctr"/>
             <a:r>
               <a:rPr lang="en-US" sz="6600" dirty="0"/>
+              <a:t>The Guild helped with one of the hardest problems: Socializing Decisions</a:t>
+            </a:r>
+          </a:p>
+        </p:txBody>
+      </p:sp>
+    </p:spTree>
+    <p:extLst>
+      <p:ext uri="{BB962C8B-B14F-4D97-AF65-F5344CB8AC3E}">
+        <p14:creationId xmlns:p14="http://schemas.microsoft.com/office/powerpoint/2010/main" val="468891399"/>
+      </p:ext>
+    </p:extLst>
+  </p:cSld>
+  <p:clrMapOvr>
+    <a:masterClrMapping/>
+  </p:clrMapOvr>
+  <p:timing>
+    <p:tnLst>
+      <p:par>
+        <p:cTn id="1" dur="indefinite" restart="never" nodeType="tmRoot"/>
+      </p:par>
+    </p:tnLst>
+  </p:timing>
+</p:sld>
+</file>
+
+<file path=ppt/slides/slide52.xml><?xml version="1.0" encoding="utf-8"?>
+<p:sld xmlns:a="http://schemas.openxmlformats.org/drawingml/2006/main" xmlns:r="http://schemas.openxmlformats.org/officeDocument/2006/relationships" xmlns:p="http://schemas.openxmlformats.org/presentationml/2006/main">
+  <p:cSld>
+    <p:bg>
+      <p:bgPr>
+        <a:solidFill>
+          <a:schemeClr val="accent5"/>
+        </a:solidFill>
+        <a:effectLst/>
+      </p:bgPr>
+    </p:bg>
+    <p:spTree>
+      <p:nvGrpSpPr>
+        <p:cNvPr id="1" name=""/>
+        <p:cNvGrpSpPr/>
+        <p:nvPr/>
+      </p:nvGrpSpPr>
+      <p:grpSpPr>
+        <a:xfrm>
+          <a:off x="0" y="0"/>
+          <a:ext cx="0" cy="0"/>
+          <a:chOff x="0" y="0"/>
+          <a:chExt cx="0" cy="0"/>
+        </a:xfrm>
+      </p:grpSpPr>
+      <p:sp>
+        <p:nvSpPr>
+          <p:cNvPr id="2" name="Title 1">
+            <a:extLst>
+              <a:ext uri="{FF2B5EF4-FFF2-40B4-BE49-F238E27FC236}">
+                <a16:creationId xmlns:a16="http://schemas.microsoft.com/office/drawing/2014/main" id="{C409FD33-6233-7C49-9918-532E7EC05AB5}"/>
+              </a:ext>
+            </a:extLst>
+          </p:cNvPr>
+          <p:cNvSpPr>
+            <a:spLocks noGrp="1"/>
+          </p:cNvSpPr>
+          <p:nvPr>
+            <p:ph type="title"/>
+          </p:nvPr>
+        </p:nvSpPr>
+        <p:spPr>
+          <a:xfrm>
+            <a:off x="838200" y="2365324"/>
+            <a:ext cx="10515600" cy="2127352"/>
+          </a:xfrm>
+        </p:spPr>
+        <p:txBody>
+          <a:bodyPr>
+            <a:noAutofit/>
+          </a:bodyPr>
+          <a:lstStyle/>
+          <a:p>
+            <a:pPr algn="ctr"/>
+            <a:r>
+              <a:rPr lang="en-US" sz="6600" dirty="0"/>
               <a:t>What did these meetings look like?</a:t>
             </a:r>
           </a:p>
@@ -17561,10 +18688,17 @@
   <p:clrMapOvr>
     <a:masterClrMapping/>
   </p:clrMapOvr>
+  <p:timing>
+    <p:tnLst>
+      <p:par>
+        <p:cTn id="1" dur="indefinite" restart="never" nodeType="tmRoot"/>
+      </p:par>
+    </p:tnLst>
+  </p:timing>
 </p:sld>
 </file>
 
-<file path=ppt/slides/slide52.xml><?xml version="1.0" encoding="utf-8"?>
+<file path=ppt/slides/slide53.xml><?xml version="1.0" encoding="utf-8"?>
 <p:sld xmlns:a="http://schemas.openxmlformats.org/drawingml/2006/main" xmlns:r="http://schemas.openxmlformats.org/officeDocument/2006/relationships" xmlns:p="http://schemas.openxmlformats.org/presentationml/2006/main">
   <p:cSld>
     <p:bg>
@@ -17903,7 +19037,513 @@
 </p:sld>
 </file>
 
-<file path=ppt/slides/slide53.xml><?xml version="1.0" encoding="utf-8"?>
+<file path=ppt/slides/slide54.xml><?xml version="1.0" encoding="utf-8"?>
+<p:sld xmlns:a="http://schemas.openxmlformats.org/drawingml/2006/main" xmlns:r="http://schemas.openxmlformats.org/officeDocument/2006/relationships" xmlns:p="http://schemas.openxmlformats.org/presentationml/2006/main">
+  <p:cSld>
+    <p:bg>
+      <p:bgPr>
+        <a:solidFill>
+          <a:schemeClr val="accent5"/>
+        </a:solidFill>
+        <a:effectLst/>
+      </p:bgPr>
+    </p:bg>
+    <p:spTree>
+      <p:nvGrpSpPr>
+        <p:cNvPr id="1" name=""/>
+        <p:cNvGrpSpPr/>
+        <p:nvPr/>
+      </p:nvGrpSpPr>
+      <p:grpSpPr>
+        <a:xfrm>
+          <a:off x="0" y="0"/>
+          <a:ext cx="0" cy="0"/>
+          <a:chOff x="0" y="0"/>
+          <a:chExt cx="0" cy="0"/>
+        </a:xfrm>
+      </p:grpSpPr>
+      <p:sp>
+        <p:nvSpPr>
+          <p:cNvPr id="2" name="Title 1">
+            <a:extLst>
+              <a:ext uri="{FF2B5EF4-FFF2-40B4-BE49-F238E27FC236}">
+                <a16:creationId xmlns:a16="http://schemas.microsoft.com/office/drawing/2014/main" id="{C409FD33-6233-7C49-9918-532E7EC05AB5}"/>
+              </a:ext>
+            </a:extLst>
+          </p:cNvPr>
+          <p:cNvSpPr>
+            <a:spLocks noGrp="1"/>
+          </p:cNvSpPr>
+          <p:nvPr>
+            <p:ph type="title"/>
+          </p:nvPr>
+        </p:nvSpPr>
+        <p:spPr>
+          <a:xfrm>
+            <a:off x="838200" y="2365324"/>
+            <a:ext cx="10515600" cy="2127352"/>
+          </a:xfrm>
+        </p:spPr>
+        <p:txBody>
+          <a:bodyPr>
+            <a:noAutofit/>
+          </a:bodyPr>
+          <a:lstStyle/>
+          <a:p>
+            <a:pPr algn="ctr"/>
+            <a:r>
+              <a:rPr lang="en-US" sz="6600" dirty="0" smtClean="0"/>
+              <a:t>Architecture Guilds</a:t>
+            </a:r>
+            <a:br>
+              <a:rPr lang="en-US" sz="6600" dirty="0" smtClean="0"/>
+            </a:br>
+            <a:r>
+              <a:rPr lang="en-US" sz="6600" dirty="0" smtClean="0"/>
+              <a:t>in the wild</a:t>
+            </a:r>
+            <a:endParaRPr lang="en-US" sz="6600" dirty="0"/>
+          </a:p>
+        </p:txBody>
+      </p:sp>
+    </p:spTree>
+    <p:extLst>
+      <p:ext uri="{BB962C8B-B14F-4D97-AF65-F5344CB8AC3E}">
+        <p14:creationId xmlns:p14="http://schemas.microsoft.com/office/powerpoint/2010/main" val="3361469326"/>
+      </p:ext>
+    </p:extLst>
+  </p:cSld>
+  <p:clrMapOvr>
+    <a:masterClrMapping/>
+  </p:clrMapOvr>
+  <p:timing>
+    <p:tnLst>
+      <p:par>
+        <p:cTn id="1" dur="indefinite" restart="never" nodeType="tmRoot"/>
+      </p:par>
+    </p:tnLst>
+  </p:timing>
+</p:sld>
+</file>
+
+<file path=ppt/slides/slide55.xml><?xml version="1.0" encoding="utf-8"?>
+<p:sld xmlns:a="http://schemas.openxmlformats.org/drawingml/2006/main" xmlns:r="http://schemas.openxmlformats.org/officeDocument/2006/relationships" xmlns:p="http://schemas.openxmlformats.org/presentationml/2006/main">
+  <p:cSld>
+    <p:bg>
+      <p:bgPr>
+        <a:solidFill>
+          <a:schemeClr val="accent5"/>
+        </a:solidFill>
+        <a:effectLst/>
+      </p:bgPr>
+    </p:bg>
+    <p:spTree>
+      <p:nvGrpSpPr>
+        <p:cNvPr id="1" name=""/>
+        <p:cNvGrpSpPr/>
+        <p:nvPr/>
+      </p:nvGrpSpPr>
+      <p:grpSpPr>
+        <a:xfrm>
+          <a:off x="0" y="0"/>
+          <a:ext cx="0" cy="0"/>
+          <a:chOff x="0" y="0"/>
+          <a:chExt cx="0" cy="0"/>
+        </a:xfrm>
+      </p:grpSpPr>
+      <p:sp>
+        <p:nvSpPr>
+          <p:cNvPr id="2" name="Title 1">
+            <a:extLst>
+              <a:ext uri="{FF2B5EF4-FFF2-40B4-BE49-F238E27FC236}">
+                <a16:creationId xmlns:a16="http://schemas.microsoft.com/office/drawing/2014/main" id="{C409FD33-6233-7C49-9918-532E7EC05AB5}"/>
+              </a:ext>
+            </a:extLst>
+          </p:cNvPr>
+          <p:cNvSpPr>
+            <a:spLocks noGrp="1"/>
+          </p:cNvSpPr>
+          <p:nvPr>
+            <p:ph type="title"/>
+          </p:nvPr>
+        </p:nvSpPr>
+        <p:spPr>
+          <a:xfrm>
+            <a:off x="838200" y="347776"/>
+            <a:ext cx="10515600" cy="1013664"/>
+          </a:xfrm>
+        </p:spPr>
+        <p:txBody>
+          <a:bodyPr>
+            <a:noAutofit/>
+          </a:bodyPr>
+          <a:lstStyle/>
+          <a:p>
+            <a:pPr algn="ctr"/>
+            <a:r>
+              <a:rPr lang="en-US" sz="6600" dirty="0" smtClean="0"/>
+              <a:t>Comcast</a:t>
+            </a:r>
+            <a:endParaRPr lang="en-US" sz="6600" dirty="0"/>
+          </a:p>
+        </p:txBody>
+      </p:sp>
+      <p:sp>
+        <p:nvSpPr>
+          <p:cNvPr id="3" name="TextBox 2"/>
+          <p:cNvSpPr txBox="1"/>
+          <p:nvPr/>
+        </p:nvSpPr>
+        <p:spPr>
+          <a:xfrm>
+            <a:off x="658409" y="5851571"/>
+            <a:ext cx="10875182" cy="1006429"/>
+          </a:xfrm>
+          <a:prstGeom prst="rect">
+            <a:avLst/>
+          </a:prstGeom>
+        </p:spPr>
+        <p:txBody>
+          <a:bodyPr vert="horz" lIns="91440" tIns="45720" rIns="91440" bIns="45720" rtlCol="0" anchor="ctr">
+            <a:noAutofit/>
+          </a:bodyPr>
+          <a:lstStyle>
+            <a:lvl1pPr algn="ctr" defTabSz="914377">
+              <a:lnSpc>
+                <a:spcPct val="90000"/>
+              </a:lnSpc>
+              <a:spcBef>
+                <a:spcPct val="0"/>
+              </a:spcBef>
+              <a:buNone/>
+              <a:defRPr sz="6600">
+                <a:latin typeface="+mj-lt"/>
+                <a:ea typeface="+mj-ea"/>
+                <a:cs typeface="+mj-cs"/>
+              </a:defRPr>
+            </a:lvl1pPr>
+          </a:lstStyle>
+          <a:p>
+            <a:r>
+              <a:rPr lang="en-US" sz="2400" dirty="0"/>
+              <a:t>https://www.infoq.com/articles/architecture-guild-800-friends/</a:t>
+            </a:r>
+          </a:p>
+        </p:txBody>
+      </p:sp>
+      <p:sp>
+        <p:nvSpPr>
+          <p:cNvPr id="4" name="TextBox 3"/>
+          <p:cNvSpPr txBox="1"/>
+          <p:nvPr/>
+        </p:nvSpPr>
+        <p:spPr>
+          <a:xfrm>
+            <a:off x="80379" y="1367812"/>
+            <a:ext cx="12031242" cy="4524315"/>
+          </a:xfrm>
+          <a:prstGeom prst="rect">
+            <a:avLst/>
+          </a:prstGeom>
+          <a:noFill/>
+        </p:spPr>
+        <p:txBody>
+          <a:bodyPr wrap="none" rtlCol="0">
+            <a:spAutoFit/>
+          </a:bodyPr>
+          <a:lstStyle/>
+          <a:p>
+            <a:pPr algn="ctr"/>
+            <a:r>
+              <a:rPr lang="en-US" sz="3200" dirty="0" smtClean="0"/>
+              <a:t>800 People across Comcast participate</a:t>
+            </a:r>
+          </a:p>
+          <a:p>
+            <a:pPr algn="ctr"/>
+            <a:endParaRPr lang="en-US" sz="3200" dirty="0" smtClean="0"/>
+          </a:p>
+          <a:p>
+            <a:pPr algn="ctr"/>
+            <a:r>
+              <a:rPr lang="en-US" sz="3200" dirty="0" smtClean="0"/>
+              <a:t>Modeled on IETF hierarchy with steering group and working groups</a:t>
+            </a:r>
+          </a:p>
+          <a:p>
+            <a:pPr algn="ctr"/>
+            <a:endParaRPr lang="en-US" sz="3200" dirty="0"/>
+          </a:p>
+          <a:p>
+            <a:pPr algn="ctr"/>
+            <a:r>
+              <a:rPr lang="en-US" sz="3200" dirty="0" smtClean="0"/>
+              <a:t>Each working group has a charter as a markdown doc in Github, and a </a:t>
+            </a:r>
+          </a:p>
+          <a:p>
+            <a:pPr algn="ctr"/>
+            <a:r>
+              <a:rPr lang="en-US" sz="3200" dirty="0" smtClean="0"/>
+              <a:t>dedicated chat channel in Slack</a:t>
+            </a:r>
+          </a:p>
+          <a:p>
+            <a:pPr algn="ctr"/>
+            <a:endParaRPr lang="en-US" sz="3200" dirty="0" smtClean="0"/>
+          </a:p>
+          <a:p>
+            <a:pPr algn="ctr"/>
+            <a:r>
+              <a:rPr lang="en-US" sz="3200" dirty="0" smtClean="0"/>
+              <a:t>Working groups responsible for building ADRs to express their findings</a:t>
+            </a:r>
+            <a:endParaRPr lang="en-US" sz="3200" dirty="0"/>
+          </a:p>
+          <a:p>
+            <a:pPr algn="ctr"/>
+            <a:endParaRPr lang="en-US" sz="3200" dirty="0"/>
+          </a:p>
+        </p:txBody>
+      </p:sp>
+    </p:spTree>
+    <p:extLst>
+      <p:ext uri="{BB962C8B-B14F-4D97-AF65-F5344CB8AC3E}">
+        <p14:creationId xmlns:p14="http://schemas.microsoft.com/office/powerpoint/2010/main" val="1111743529"/>
+      </p:ext>
+    </p:extLst>
+  </p:cSld>
+  <p:clrMapOvr>
+    <a:masterClrMapping/>
+  </p:clrMapOvr>
+  <p:timing>
+    <p:tnLst>
+      <p:par>
+        <p:cTn id="1" dur="indefinite" restart="never" nodeType="tmRoot"/>
+      </p:par>
+    </p:tnLst>
+  </p:timing>
+</p:sld>
+</file>
+
+<file path=ppt/slides/slide56.xml><?xml version="1.0" encoding="utf-8"?>
+<p:sld xmlns:a="http://schemas.openxmlformats.org/drawingml/2006/main" xmlns:r="http://schemas.openxmlformats.org/officeDocument/2006/relationships" xmlns:p="http://schemas.openxmlformats.org/presentationml/2006/main">
+  <p:cSld>
+    <p:bg>
+      <p:bgPr>
+        <a:solidFill>
+          <a:schemeClr val="accent5"/>
+        </a:solidFill>
+        <a:effectLst/>
+      </p:bgPr>
+    </p:bg>
+    <p:spTree>
+      <p:nvGrpSpPr>
+        <p:cNvPr id="1" name=""/>
+        <p:cNvGrpSpPr/>
+        <p:nvPr/>
+      </p:nvGrpSpPr>
+      <p:grpSpPr>
+        <a:xfrm>
+          <a:off x="0" y="0"/>
+          <a:ext cx="0" cy="0"/>
+          <a:chOff x="0" y="0"/>
+          <a:chExt cx="0" cy="0"/>
+        </a:xfrm>
+      </p:grpSpPr>
+      <p:sp>
+        <p:nvSpPr>
+          <p:cNvPr id="2" name="Title 1">
+            <a:extLst>
+              <a:ext uri="{FF2B5EF4-FFF2-40B4-BE49-F238E27FC236}">
+                <a16:creationId xmlns:a16="http://schemas.microsoft.com/office/drawing/2014/main" id="{C409FD33-6233-7C49-9918-532E7EC05AB5}"/>
+              </a:ext>
+            </a:extLst>
+          </p:cNvPr>
+          <p:cNvSpPr>
+            <a:spLocks noGrp="1"/>
+          </p:cNvSpPr>
+          <p:nvPr>
+            <p:ph type="title"/>
+          </p:nvPr>
+        </p:nvSpPr>
+        <p:spPr>
+          <a:xfrm>
+            <a:off x="838200" y="347776"/>
+            <a:ext cx="10515600" cy="1013664"/>
+          </a:xfrm>
+        </p:spPr>
+        <p:txBody>
+          <a:bodyPr>
+            <a:noAutofit/>
+          </a:bodyPr>
+          <a:lstStyle/>
+          <a:p>
+            <a:pPr algn="ctr"/>
+            <a:r>
+              <a:rPr lang="en-US" sz="6600" dirty="0" smtClean="0"/>
+              <a:t>Comcast</a:t>
+            </a:r>
+            <a:endParaRPr lang="en-US" sz="6600" dirty="0"/>
+          </a:p>
+        </p:txBody>
+      </p:sp>
+      <p:sp>
+        <p:nvSpPr>
+          <p:cNvPr id="3" name="TextBox 2"/>
+          <p:cNvSpPr txBox="1"/>
+          <p:nvPr/>
+        </p:nvSpPr>
+        <p:spPr>
+          <a:xfrm>
+            <a:off x="658409" y="5851571"/>
+            <a:ext cx="10875182" cy="1006429"/>
+          </a:xfrm>
+          <a:prstGeom prst="rect">
+            <a:avLst/>
+          </a:prstGeom>
+        </p:spPr>
+        <p:txBody>
+          <a:bodyPr vert="horz" lIns="91440" tIns="45720" rIns="91440" bIns="45720" rtlCol="0" anchor="ctr">
+            <a:noAutofit/>
+          </a:bodyPr>
+          <a:lstStyle>
+            <a:lvl1pPr algn="ctr" defTabSz="914377">
+              <a:lnSpc>
+                <a:spcPct val="90000"/>
+              </a:lnSpc>
+              <a:spcBef>
+                <a:spcPct val="0"/>
+              </a:spcBef>
+              <a:buNone/>
+              <a:defRPr sz="6600">
+                <a:latin typeface="+mj-lt"/>
+                <a:ea typeface="+mj-ea"/>
+                <a:cs typeface="+mj-cs"/>
+              </a:defRPr>
+            </a:lvl1pPr>
+          </a:lstStyle>
+          <a:p>
+            <a:r>
+              <a:rPr lang="en-US" sz="2400" dirty="0"/>
+              <a:t>https://www.infoq.com/articles/architecture-guild-800-friends/</a:t>
+            </a:r>
+          </a:p>
+        </p:txBody>
+      </p:sp>
+      <p:sp>
+        <p:nvSpPr>
+          <p:cNvPr id="4" name="TextBox 3"/>
+          <p:cNvSpPr txBox="1"/>
+          <p:nvPr/>
+        </p:nvSpPr>
+        <p:spPr>
+          <a:xfrm>
+            <a:off x="1272410" y="1590569"/>
+            <a:ext cx="9647192" cy="4031873"/>
+          </a:xfrm>
+          <a:prstGeom prst="rect">
+            <a:avLst/>
+          </a:prstGeom>
+          <a:noFill/>
+        </p:spPr>
+        <p:txBody>
+          <a:bodyPr wrap="none" rtlCol="0">
+            <a:spAutoFit/>
+          </a:bodyPr>
+          <a:lstStyle/>
+          <a:p>
+            <a:pPr algn="ctr"/>
+            <a:r>
+              <a:rPr lang="en-US" sz="3200" dirty="0" smtClean="0"/>
+              <a:t>Benefits Comcast found:</a:t>
+            </a:r>
+          </a:p>
+          <a:p>
+            <a:pPr algn="ctr"/>
+            <a:endParaRPr lang="en-US" sz="3200" dirty="0"/>
+          </a:p>
+          <a:p>
+            <a:pPr algn="ctr"/>
+            <a:r>
+              <a:rPr lang="en-US" sz="3200" dirty="0" smtClean="0"/>
+              <a:t>The </a:t>
+            </a:r>
+            <a:r>
+              <a:rPr lang="en-US" sz="3200" dirty="0"/>
+              <a:t>emergence of an architecture and design </a:t>
+            </a:r>
+            <a:r>
+              <a:rPr lang="en-US" sz="3200" dirty="0" smtClean="0"/>
+              <a:t>community</a:t>
+            </a:r>
+          </a:p>
+          <a:p>
+            <a:pPr algn="ctr"/>
+            <a:endParaRPr lang="en-US" sz="3200" dirty="0"/>
+          </a:p>
+          <a:p>
+            <a:pPr algn="ctr"/>
+            <a:r>
+              <a:rPr lang="en-US" sz="3200" dirty="0" smtClean="0"/>
+              <a:t>Acceleration </a:t>
+            </a:r>
+            <a:r>
+              <a:rPr lang="en-US" sz="3200" dirty="0"/>
+              <a:t>of decision </a:t>
+            </a:r>
+            <a:r>
+              <a:rPr lang="en-US" sz="3200" dirty="0" smtClean="0"/>
+              <a:t>making</a:t>
+            </a:r>
+          </a:p>
+          <a:p>
+            <a:pPr algn="ctr"/>
+            <a:endParaRPr lang="en-US" sz="3200" dirty="0"/>
+          </a:p>
+          <a:p>
+            <a:pPr algn="ctr"/>
+            <a:r>
+              <a:rPr lang="en-US" sz="3200" dirty="0" smtClean="0"/>
+              <a:t>Crowd </a:t>
+            </a:r>
+            <a:r>
+              <a:rPr lang="en-US" sz="3200" dirty="0"/>
+              <a:t>sourcing of Working Group </a:t>
+            </a:r>
+            <a:r>
+              <a:rPr lang="en-US" sz="3200" dirty="0" smtClean="0"/>
+              <a:t>charters</a:t>
+            </a:r>
+            <a:endParaRPr lang="en-US" sz="4800" dirty="0"/>
+          </a:p>
+          <a:p>
+            <a:pPr algn="ctr"/>
+            <a:endParaRPr lang="en-US" sz="3200" dirty="0"/>
+          </a:p>
+        </p:txBody>
+      </p:sp>
+    </p:spTree>
+    <p:extLst>
+      <p:ext uri="{BB962C8B-B14F-4D97-AF65-F5344CB8AC3E}">
+        <p14:creationId xmlns:p14="http://schemas.microsoft.com/office/powerpoint/2010/main" val="3781283798"/>
+      </p:ext>
+    </p:extLst>
+  </p:cSld>
+  <p:clrMapOvr>
+    <a:masterClrMapping/>
+  </p:clrMapOvr>
+  <p:timing>
+    <p:tnLst>
+      <p:par>
+        <p:cTn id="1" dur="indefinite" restart="never" nodeType="tmRoot"/>
+      </p:par>
+    </p:tnLst>
+  </p:timing>
+</p:sld>
+</file>
+
+<file path=ppt/slides/slide57.xml><?xml version="1.0" encoding="utf-8"?>
 <p:sld xmlns:a="http://schemas.openxmlformats.org/drawingml/2006/main" xmlns:r="http://schemas.openxmlformats.org/officeDocument/2006/relationships" xmlns:p="http://schemas.openxmlformats.org/presentationml/2006/main">
   <p:cSld>
     <p:bg>
@@ -18026,10 +19666,17 @@
   <p:clrMapOvr>
     <a:masterClrMapping/>
   </p:clrMapOvr>
+  <p:timing>
+    <p:tnLst>
+      <p:par>
+        <p:cTn id="1" dur="indefinite" restart="never" nodeType="tmRoot"/>
+      </p:par>
+    </p:tnLst>
+  </p:timing>
 </p:sld>
 </file>
 
-<file path=ppt/slides/slide54.xml><?xml version="1.0" encoding="utf-8"?>
+<file path=ppt/slides/slide58.xml><?xml version="1.0" encoding="utf-8"?>
 <p:sld xmlns:a="http://schemas.openxmlformats.org/drawingml/2006/main" xmlns:r="http://schemas.openxmlformats.org/officeDocument/2006/relationships" xmlns:p="http://schemas.openxmlformats.org/presentationml/2006/main">
   <p:cSld>
     <p:bg>
@@ -18413,314 +20060,6 @@
 </p:sld>
 </file>
 
-<file path=ppt/slides/slide55.xml><?xml version="1.0" encoding="utf-8"?>
-<p:sld xmlns:a="http://schemas.openxmlformats.org/drawingml/2006/main" xmlns:r="http://schemas.openxmlformats.org/officeDocument/2006/relationships" xmlns:p="http://schemas.openxmlformats.org/presentationml/2006/main">
-  <p:cSld>
-    <p:bg>
-      <p:bgPr>
-        <a:solidFill>
-          <a:schemeClr val="accent5"/>
-        </a:solidFill>
-        <a:effectLst/>
-      </p:bgPr>
-    </p:bg>
-    <p:spTree>
-      <p:nvGrpSpPr>
-        <p:cNvPr id="1" name=""/>
-        <p:cNvGrpSpPr/>
-        <p:nvPr/>
-      </p:nvGrpSpPr>
-      <p:grpSpPr>
-        <a:xfrm>
-          <a:off x="0" y="0"/>
-          <a:ext cx="0" cy="0"/>
-          <a:chOff x="0" y="0"/>
-          <a:chExt cx="0" cy="0"/>
-        </a:xfrm>
-      </p:grpSpPr>
-      <p:sp>
-        <p:nvSpPr>
-          <p:cNvPr id="2" name="Title 1">
-            <a:extLst>
-              <a:ext uri="{FF2B5EF4-FFF2-40B4-BE49-F238E27FC236}">
-                <a16:creationId xmlns:a16="http://schemas.microsoft.com/office/drawing/2014/main" id="{C409FD33-6233-7C49-9918-532E7EC05AB5}"/>
-              </a:ext>
-            </a:extLst>
-          </p:cNvPr>
-          <p:cNvSpPr>
-            <a:spLocks noGrp="1"/>
-          </p:cNvSpPr>
-          <p:nvPr>
-            <p:ph type="title"/>
-          </p:nvPr>
-        </p:nvSpPr>
-        <p:spPr>
-          <a:xfrm>
-            <a:off x="838200" y="2365324"/>
-            <a:ext cx="10515600" cy="2127352"/>
-          </a:xfrm>
-        </p:spPr>
-        <p:txBody>
-          <a:bodyPr>
-            <a:noAutofit/>
-          </a:bodyPr>
-          <a:lstStyle/>
-          <a:p>
-            <a:pPr algn="ctr"/>
-            <a:r>
-              <a:rPr lang="en-US" sz="6600" dirty="0"/>
-              <a:t>Complex Environment?</a:t>
-            </a:r>
-            <a:br>
-              <a:rPr lang="en-US" sz="6600" dirty="0"/>
-            </a:br>
-            <a:r>
-              <a:rPr lang="en-US" sz="6600" dirty="0"/>
-              <a:t>You </a:t>
-            </a:r>
-            <a:r>
-              <a:rPr lang="en-US" sz="6600" dirty="0" err="1"/>
-              <a:t>betcha</a:t>
-            </a:r>
-            <a:endParaRPr lang="en-US" sz="6600" dirty="0"/>
-          </a:p>
-        </p:txBody>
-      </p:sp>
-    </p:spTree>
-    <p:extLst>
-      <p:ext uri="{BB962C8B-B14F-4D97-AF65-F5344CB8AC3E}">
-        <p14:creationId xmlns:p14="http://schemas.microsoft.com/office/powerpoint/2010/main" val="3759570375"/>
-      </p:ext>
-    </p:extLst>
-  </p:cSld>
-  <p:clrMapOvr>
-    <a:masterClrMapping/>
-  </p:clrMapOvr>
-</p:sld>
-</file>
-
-<file path=ppt/slides/slide56.xml><?xml version="1.0" encoding="utf-8"?>
-<p:sld xmlns:a="http://schemas.openxmlformats.org/drawingml/2006/main" xmlns:r="http://schemas.openxmlformats.org/officeDocument/2006/relationships" xmlns:p="http://schemas.openxmlformats.org/presentationml/2006/main">
-  <p:cSld>
-    <p:bg>
-      <p:bgPr>
-        <a:solidFill>
-          <a:schemeClr val="accent5"/>
-        </a:solidFill>
-        <a:effectLst/>
-      </p:bgPr>
-    </p:bg>
-    <p:spTree>
-      <p:nvGrpSpPr>
-        <p:cNvPr id="1" name=""/>
-        <p:cNvGrpSpPr/>
-        <p:nvPr/>
-      </p:nvGrpSpPr>
-      <p:grpSpPr>
-        <a:xfrm>
-          <a:off x="0" y="0"/>
-          <a:ext cx="0" cy="0"/>
-          <a:chOff x="0" y="0"/>
-          <a:chExt cx="0" cy="0"/>
-        </a:xfrm>
-      </p:grpSpPr>
-      <p:sp>
-        <p:nvSpPr>
-          <p:cNvPr id="2" name="Title 1">
-            <a:extLst>
-              <a:ext uri="{FF2B5EF4-FFF2-40B4-BE49-F238E27FC236}">
-                <a16:creationId xmlns:a16="http://schemas.microsoft.com/office/drawing/2014/main" id="{C409FD33-6233-7C49-9918-532E7EC05AB5}"/>
-              </a:ext>
-            </a:extLst>
-          </p:cNvPr>
-          <p:cNvSpPr>
-            <a:spLocks noGrp="1"/>
-          </p:cNvSpPr>
-          <p:nvPr>
-            <p:ph type="title"/>
-          </p:nvPr>
-        </p:nvSpPr>
-        <p:spPr>
-          <a:xfrm>
-            <a:off x="838200" y="2365324"/>
-            <a:ext cx="10515600" cy="2127352"/>
-          </a:xfrm>
-        </p:spPr>
-        <p:txBody>
-          <a:bodyPr>
-            <a:noAutofit/>
-          </a:bodyPr>
-          <a:lstStyle/>
-          <a:p>
-            <a:pPr algn="ctr"/>
-            <a:r>
-              <a:rPr lang="en-US" sz="6600" dirty="0"/>
-              <a:t>Reference Application Baked In Best Practices</a:t>
-            </a:r>
-          </a:p>
-        </p:txBody>
-      </p:sp>
-    </p:spTree>
-    <p:extLst>
-      <p:ext uri="{BB962C8B-B14F-4D97-AF65-F5344CB8AC3E}">
-        <p14:creationId xmlns:p14="http://schemas.microsoft.com/office/powerpoint/2010/main" val="3653919622"/>
-      </p:ext>
-    </p:extLst>
-  </p:cSld>
-  <p:clrMapOvr>
-    <a:masterClrMapping/>
-  </p:clrMapOvr>
-</p:sld>
-</file>
-
-<file path=ppt/slides/slide57.xml><?xml version="1.0" encoding="utf-8"?>
-<p:sld xmlns:a="http://schemas.openxmlformats.org/drawingml/2006/main" xmlns:r="http://schemas.openxmlformats.org/officeDocument/2006/relationships" xmlns:p="http://schemas.openxmlformats.org/presentationml/2006/main">
-  <p:cSld>
-    <p:bg>
-      <p:bgPr>
-        <a:solidFill>
-          <a:schemeClr val="accent5"/>
-        </a:solidFill>
-        <a:effectLst/>
-      </p:bgPr>
-    </p:bg>
-    <p:spTree>
-      <p:nvGrpSpPr>
-        <p:cNvPr id="1" name=""/>
-        <p:cNvGrpSpPr/>
-        <p:nvPr/>
-      </p:nvGrpSpPr>
-      <p:grpSpPr>
-        <a:xfrm>
-          <a:off x="0" y="0"/>
-          <a:ext cx="0" cy="0"/>
-          <a:chOff x="0" y="0"/>
-          <a:chExt cx="0" cy="0"/>
-        </a:xfrm>
-      </p:grpSpPr>
-      <p:sp>
-        <p:nvSpPr>
-          <p:cNvPr id="2" name="Title 1">
-            <a:extLst>
-              <a:ext uri="{FF2B5EF4-FFF2-40B4-BE49-F238E27FC236}">
-                <a16:creationId xmlns:a16="http://schemas.microsoft.com/office/drawing/2014/main" id="{C409FD33-6233-7C49-9918-532E7EC05AB5}"/>
-              </a:ext>
-            </a:extLst>
-          </p:cNvPr>
-          <p:cNvSpPr>
-            <a:spLocks noGrp="1"/>
-          </p:cNvSpPr>
-          <p:nvPr>
-            <p:ph type="title"/>
-          </p:nvPr>
-        </p:nvSpPr>
-        <p:spPr>
-          <a:xfrm>
-            <a:off x="838200" y="2365324"/>
-            <a:ext cx="10515600" cy="2127352"/>
-          </a:xfrm>
-        </p:spPr>
-        <p:txBody>
-          <a:bodyPr>
-            <a:noAutofit/>
-          </a:bodyPr>
-          <a:lstStyle/>
-          <a:p>
-            <a:pPr algn="ctr"/>
-            <a:r>
-              <a:rPr lang="en-US" sz="6600" dirty="0"/>
-              <a:t>Linting Rules</a:t>
-            </a:r>
-          </a:p>
-        </p:txBody>
-      </p:sp>
-    </p:spTree>
-    <p:extLst>
-      <p:ext uri="{BB962C8B-B14F-4D97-AF65-F5344CB8AC3E}">
-        <p14:creationId xmlns:p14="http://schemas.microsoft.com/office/powerpoint/2010/main" val="2286172921"/>
-      </p:ext>
-    </p:extLst>
-  </p:cSld>
-  <p:clrMapOvr>
-    <a:masterClrMapping/>
-  </p:clrMapOvr>
-</p:sld>
-</file>
-
-<file path=ppt/slides/slide58.xml><?xml version="1.0" encoding="utf-8"?>
-<p:sld xmlns:a="http://schemas.openxmlformats.org/drawingml/2006/main" xmlns:r="http://schemas.openxmlformats.org/officeDocument/2006/relationships" xmlns:p="http://schemas.openxmlformats.org/presentationml/2006/main">
-  <p:cSld>
-    <p:bg>
-      <p:bgPr>
-        <a:solidFill>
-          <a:schemeClr val="accent5"/>
-        </a:solidFill>
-        <a:effectLst/>
-      </p:bgPr>
-    </p:bg>
-    <p:spTree>
-      <p:nvGrpSpPr>
-        <p:cNvPr id="1" name=""/>
-        <p:cNvGrpSpPr/>
-        <p:nvPr/>
-      </p:nvGrpSpPr>
-      <p:grpSpPr>
-        <a:xfrm>
-          <a:off x="0" y="0"/>
-          <a:ext cx="0" cy="0"/>
-          <a:chOff x="0" y="0"/>
-          <a:chExt cx="0" cy="0"/>
-        </a:xfrm>
-      </p:grpSpPr>
-      <p:sp>
-        <p:nvSpPr>
-          <p:cNvPr id="2" name="Title 1">
-            <a:extLst>
-              <a:ext uri="{FF2B5EF4-FFF2-40B4-BE49-F238E27FC236}">
-                <a16:creationId xmlns:a16="http://schemas.microsoft.com/office/drawing/2014/main" id="{C409FD33-6233-7C49-9918-532E7EC05AB5}"/>
-              </a:ext>
-            </a:extLst>
-          </p:cNvPr>
-          <p:cNvSpPr>
-            <a:spLocks noGrp="1"/>
-          </p:cNvSpPr>
-          <p:nvPr>
-            <p:ph type="title"/>
-          </p:nvPr>
-        </p:nvSpPr>
-        <p:spPr>
-          <a:xfrm>
-            <a:off x="838200" y="2365324"/>
-            <a:ext cx="10515600" cy="2127352"/>
-          </a:xfrm>
-        </p:spPr>
-        <p:txBody>
-          <a:bodyPr>
-            <a:noAutofit/>
-          </a:bodyPr>
-          <a:lstStyle/>
-          <a:p>
-            <a:pPr algn="ctr"/>
-            <a:r>
-              <a:rPr lang="en-US" sz="6600" dirty="0"/>
-              <a:t>Static Code Analysis</a:t>
-            </a:r>
-          </a:p>
-        </p:txBody>
-      </p:sp>
-    </p:spTree>
-    <p:extLst>
-      <p:ext uri="{BB962C8B-B14F-4D97-AF65-F5344CB8AC3E}">
-        <p14:creationId xmlns:p14="http://schemas.microsoft.com/office/powerpoint/2010/main" val="406180384"/>
-      </p:ext>
-    </p:extLst>
-  </p:cSld>
-  <p:clrMapOvr>
-    <a:masterClrMapping/>
-  </p:clrMapOvr>
-</p:sld>
-</file>
-
 <file path=ppt/slides/slide59.xml><?xml version="1.0" encoding="utf-8"?>
 <p:sld xmlns:a="http://schemas.openxmlformats.org/drawingml/2006/main" xmlns:r="http://schemas.openxmlformats.org/officeDocument/2006/relationships" xmlns:p="http://schemas.openxmlformats.org/presentationml/2006/main">
   <p:cSld>
@@ -18777,21 +20116,40 @@
             <a:pPr algn="ctr"/>
             <a:r>
               <a:rPr lang="en-US" sz="6600" dirty="0"/>
-              <a:t>Security</a:t>
-            </a:r>
+              <a:t>Complex Environment?</a:t>
+            </a:r>
+            <a:br>
+              <a:rPr lang="en-US" sz="6600" dirty="0"/>
+            </a:br>
+            <a:r>
+              <a:rPr lang="en-US" sz="6600" dirty="0"/>
+              <a:t>You </a:t>
+            </a:r>
+            <a:r>
+              <a:rPr lang="en-US" sz="6600" dirty="0" err="1"/>
+              <a:t>betcha</a:t>
+            </a:r>
+            <a:endParaRPr lang="en-US" sz="6600" dirty="0"/>
           </a:p>
         </p:txBody>
       </p:sp>
     </p:spTree>
     <p:extLst>
       <p:ext uri="{BB962C8B-B14F-4D97-AF65-F5344CB8AC3E}">
-        <p14:creationId xmlns:p14="http://schemas.microsoft.com/office/powerpoint/2010/main" val="2508319854"/>
+        <p14:creationId xmlns:p14="http://schemas.microsoft.com/office/powerpoint/2010/main" val="3759570375"/>
       </p:ext>
     </p:extLst>
   </p:cSld>
   <p:clrMapOvr>
     <a:masterClrMapping/>
   </p:clrMapOvr>
+  <p:timing>
+    <p:tnLst>
+      <p:par>
+        <p:cTn id="1" dur="indefinite" restart="never" nodeType="tmRoot"/>
+      </p:par>
+    </p:tnLst>
+  </p:timing>
 </p:sld>
 </file>
 
@@ -18914,6 +20272,13 @@
   <p:clrMapOvr>
     <a:masterClrMapping/>
   </p:clrMapOvr>
+  <p:timing>
+    <p:tnLst>
+      <p:par>
+        <p:cTn id="1" dur="indefinite" restart="never" nodeType="tmRoot"/>
+      </p:par>
+    </p:tnLst>
+  </p:timing>
 </p:sld>
 </file>
 
@@ -18973,7 +20338,7 @@
             <a:pPr algn="ctr"/>
             <a:r>
               <a:rPr lang="en-US" sz="6600" dirty="0"/>
-              <a:t>Everything you need to get started just writing code</a:t>
+              <a:t>Reference Application Baked In Best Practices</a:t>
             </a:r>
           </a:p>
         </p:txBody>
@@ -18981,13 +20346,20 @@
     </p:spTree>
     <p:extLst>
       <p:ext uri="{BB962C8B-B14F-4D97-AF65-F5344CB8AC3E}">
-        <p14:creationId xmlns:p14="http://schemas.microsoft.com/office/powerpoint/2010/main" val="1405293278"/>
+        <p14:creationId xmlns:p14="http://schemas.microsoft.com/office/powerpoint/2010/main" val="3653919622"/>
       </p:ext>
     </p:extLst>
   </p:cSld>
   <p:clrMapOvr>
     <a:masterClrMapping/>
   </p:clrMapOvr>
+  <p:timing>
+    <p:tnLst>
+      <p:par>
+        <p:cTn id="1" dur="indefinite" restart="never" nodeType="tmRoot"/>
+      </p:par>
+    </p:tnLst>
+  </p:timing>
 </p:sld>
 </file>
 
@@ -19047,7 +20419,7 @@
             <a:pPr algn="ctr"/>
             <a:r>
               <a:rPr lang="en-US" sz="6600" dirty="0"/>
-              <a:t>Did It Work?</a:t>
+              <a:t>Linting Rules</a:t>
             </a:r>
           </a:p>
         </p:txBody>
@@ -19055,13 +20427,20 @@
     </p:spTree>
     <p:extLst>
       <p:ext uri="{BB962C8B-B14F-4D97-AF65-F5344CB8AC3E}">
-        <p14:creationId xmlns:p14="http://schemas.microsoft.com/office/powerpoint/2010/main" val="1864778523"/>
+        <p14:creationId xmlns:p14="http://schemas.microsoft.com/office/powerpoint/2010/main" val="2286172921"/>
       </p:ext>
     </p:extLst>
   </p:cSld>
   <p:clrMapOvr>
     <a:masterClrMapping/>
   </p:clrMapOvr>
+  <p:timing>
+    <p:tnLst>
+      <p:par>
+        <p:cTn id="1" dur="indefinite" restart="never" nodeType="tmRoot"/>
+      </p:par>
+    </p:tnLst>
+  </p:timing>
 </p:sld>
 </file>
 
@@ -19121,14 +20500,7 @@
             <a:pPr algn="ctr"/>
             <a:r>
               <a:rPr lang="en-US" sz="6600" dirty="0"/>
-              <a:t>Other Reference</a:t>
-            </a:r>
-            <a:br>
-              <a:rPr lang="en-US" sz="6600" dirty="0"/>
-            </a:br>
-            <a:r>
-              <a:rPr lang="en-US" sz="6600" dirty="0"/>
-              <a:t>Implementations</a:t>
+              <a:t>Static Code Analysis</a:t>
             </a:r>
           </a:p>
         </p:txBody>
@@ -19136,13 +20508,20 @@
     </p:spTree>
     <p:extLst>
       <p:ext uri="{BB962C8B-B14F-4D97-AF65-F5344CB8AC3E}">
-        <p14:creationId xmlns:p14="http://schemas.microsoft.com/office/powerpoint/2010/main" val="1431407279"/>
+        <p14:creationId xmlns:p14="http://schemas.microsoft.com/office/powerpoint/2010/main" val="406180384"/>
       </p:ext>
     </p:extLst>
   </p:cSld>
   <p:clrMapOvr>
     <a:masterClrMapping/>
   </p:clrMapOvr>
+  <p:timing>
+    <p:tnLst>
+      <p:par>
+        <p:cTn id="1" dur="indefinite" restart="never" nodeType="tmRoot"/>
+      </p:par>
+    </p:tnLst>
+  </p:timing>
 </p:sld>
 </file>
 
@@ -19202,14 +20581,7 @@
             <a:pPr algn="ctr"/>
             <a:r>
               <a:rPr lang="en-US" sz="6600" dirty="0"/>
-              <a:t>Implicit Commitment</a:t>
-            </a:r>
-            <a:br>
-              <a:rPr lang="en-US" sz="6600" dirty="0"/>
-            </a:br>
-            <a:r>
-              <a:rPr lang="en-US" sz="6600" dirty="0"/>
-              <a:t>to Maintain</a:t>
+              <a:t>Security</a:t>
             </a:r>
           </a:p>
         </p:txBody>
@@ -19217,13 +20589,20 @@
     </p:spTree>
     <p:extLst>
       <p:ext uri="{BB962C8B-B14F-4D97-AF65-F5344CB8AC3E}">
-        <p14:creationId xmlns:p14="http://schemas.microsoft.com/office/powerpoint/2010/main" val="2486915822"/>
+        <p14:creationId xmlns:p14="http://schemas.microsoft.com/office/powerpoint/2010/main" val="2508319854"/>
       </p:ext>
     </p:extLst>
   </p:cSld>
   <p:clrMapOvr>
     <a:masterClrMapping/>
   </p:clrMapOvr>
+  <p:timing>
+    <p:tnLst>
+      <p:par>
+        <p:cTn id="1" dur="indefinite" restart="never" nodeType="tmRoot"/>
+      </p:par>
+    </p:tnLst>
+  </p:timing>
 </p:sld>
 </file>
 
@@ -19283,7 +20662,7 @@
             <a:pPr algn="ctr"/>
             <a:r>
               <a:rPr lang="en-US" sz="6600" dirty="0"/>
-              <a:t>Well Worth the Effort</a:t>
+              <a:t>Everything you need to get started just writing code</a:t>
             </a:r>
           </a:p>
         </p:txBody>
@@ -19291,13 +20670,20 @@
     </p:spTree>
     <p:extLst>
       <p:ext uri="{BB962C8B-B14F-4D97-AF65-F5344CB8AC3E}">
-        <p14:creationId xmlns:p14="http://schemas.microsoft.com/office/powerpoint/2010/main" val="783352059"/>
+        <p14:creationId xmlns:p14="http://schemas.microsoft.com/office/powerpoint/2010/main" val="1405293278"/>
       </p:ext>
     </p:extLst>
   </p:cSld>
   <p:clrMapOvr>
     <a:masterClrMapping/>
   </p:clrMapOvr>
+  <p:timing>
+    <p:tnLst>
+      <p:par>
+        <p:cTn id="1" dur="indefinite" restart="never" nodeType="tmRoot"/>
+      </p:par>
+    </p:tnLst>
+  </p:timing>
 </p:sld>
 </file>
 
@@ -19357,41 +20743,28 @@
             <a:pPr algn="ctr"/>
             <a:r>
               <a:rPr lang="en-US" sz="6600" dirty="0"/>
-              <a:t>Bonus </a:t>
-            </a:r>
-            <a:r>
-              <a:rPr lang="en-US" sz="6600" dirty="0" smtClean="0"/>
-              <a:t>Technique</a:t>
-            </a:r>
-            <a:r>
-              <a:rPr lang="en-US" sz="6600" dirty="0"/>
-              <a:t>: </a:t>
-            </a:r>
-            <a:r>
-              <a:rPr lang="en-US" sz="6600" dirty="0" smtClean="0"/>
-              <a:t/>
-            </a:r>
-            <a:br>
-              <a:rPr lang="en-US" sz="6600" dirty="0" smtClean="0"/>
-            </a:br>
-            <a:r>
-              <a:rPr lang="en-US" sz="6600" dirty="0" smtClean="0"/>
-              <a:t>Tracer Bullet/Steel Thread</a:t>
-            </a:r>
-            <a:endParaRPr lang="en-US" sz="6600" dirty="0"/>
+              <a:t>Did It Work?</a:t>
+            </a:r>
           </a:p>
         </p:txBody>
       </p:sp>
     </p:spTree>
     <p:extLst>
       <p:ext uri="{BB962C8B-B14F-4D97-AF65-F5344CB8AC3E}">
-        <p14:creationId xmlns:p14="http://schemas.microsoft.com/office/powerpoint/2010/main" val="3985096481"/>
+        <p14:creationId xmlns:p14="http://schemas.microsoft.com/office/powerpoint/2010/main" val="1864778523"/>
       </p:ext>
     </p:extLst>
   </p:cSld>
   <p:clrMapOvr>
     <a:masterClrMapping/>
   </p:clrMapOvr>
+  <p:timing>
+    <p:tnLst>
+      <p:par>
+        <p:cTn id="1" dur="indefinite" restart="never" nodeType="tmRoot"/>
+      </p:par>
+    </p:tnLst>
+  </p:timing>
 </p:sld>
 </file>
 
@@ -19401,7 +20774,7 @@
     <p:bg>
       <p:bgPr>
         <a:solidFill>
-          <a:schemeClr val="accent1"/>
+          <a:schemeClr val="accent5"/>
         </a:solidFill>
         <a:effectLst/>
       </p:bgPr>
@@ -19450,12 +20823,15 @@
           <a:p>
             <a:pPr algn="ctr"/>
             <a:r>
-              <a:rPr lang="en-US" sz="6600" dirty="0">
-                <a:solidFill>
-                  <a:schemeClr val="bg1"/>
-                </a:solidFill>
-              </a:rPr>
-              <a:t>Thanks for your time!</a:t>
+              <a:rPr lang="en-US" sz="6600" dirty="0"/>
+              <a:t>Other Reference</a:t>
+            </a:r>
+            <a:br>
+              <a:rPr lang="en-US" sz="6600" dirty="0"/>
+            </a:br>
+            <a:r>
+              <a:rPr lang="en-US" sz="6600" dirty="0"/>
+              <a:t>Implementations</a:t>
             </a:r>
           </a:p>
         </p:txBody>
@@ -19463,13 +20839,20 @@
     </p:spTree>
     <p:extLst>
       <p:ext uri="{BB962C8B-B14F-4D97-AF65-F5344CB8AC3E}">
-        <p14:creationId xmlns:p14="http://schemas.microsoft.com/office/powerpoint/2010/main" val="4023227224"/>
+        <p14:creationId xmlns:p14="http://schemas.microsoft.com/office/powerpoint/2010/main" val="1431407279"/>
       </p:ext>
     </p:extLst>
   </p:cSld>
   <p:clrMapOvr>
     <a:masterClrMapping/>
   </p:clrMapOvr>
+  <p:timing>
+    <p:tnLst>
+      <p:par>
+        <p:cTn id="1" dur="indefinite" restart="never" nodeType="tmRoot"/>
+      </p:par>
+    </p:tnLst>
+  </p:timing>
 </p:sld>
 </file>
 
@@ -19479,7 +20862,7 @@
     <p:bg>
       <p:bgPr>
         <a:solidFill>
-          <a:schemeClr val="accent1"/>
+          <a:schemeClr val="accent5"/>
         </a:solidFill>
         <a:effectLst/>
       </p:bgPr>
@@ -19503,7 +20886,7 @@
           <p:cNvPr id="2" name="Title 1">
             <a:extLst>
               <a:ext uri="{FF2B5EF4-FFF2-40B4-BE49-F238E27FC236}">
-                <a16:creationId xmlns:a16="http://schemas.microsoft.com/office/drawing/2014/main" id="{B7EDD339-25E7-4C48-B5BA-12942D464698}"/>
+                <a16:creationId xmlns:a16="http://schemas.microsoft.com/office/drawing/2014/main" id="{C409FD33-6233-7C49-9918-532E7EC05AB5}"/>
               </a:ext>
             </a:extLst>
           </p:cNvPr>
@@ -19511,170 +20894,32 @@
             <a:spLocks noGrp="1"/>
           </p:cNvSpPr>
           <p:nvPr>
-            <p:ph type="ctrTitle"/>
-          </p:nvPr>
-        </p:nvSpPr>
-        <p:spPr/>
+            <p:ph type="title"/>
+          </p:nvPr>
+        </p:nvSpPr>
+        <p:spPr>
+          <a:xfrm>
+            <a:off x="838200" y="2365324"/>
+            <a:ext cx="10515600" cy="2127352"/>
+          </a:xfrm>
+        </p:spPr>
         <p:txBody>
           <a:bodyPr>
-            <a:normAutofit fontScale="90000"/>
+            <a:noAutofit/>
           </a:bodyPr>
           <a:lstStyle/>
           <a:p>
-            <a:r>
-              <a:rPr lang="en-US" dirty="0">
-                <a:solidFill>
-                  <a:schemeClr val="bg1"/>
-                </a:solidFill>
-              </a:rPr>
-              <a:t>Communicating and Documenting Architectural Decisions</a:t>
-            </a:r>
-          </a:p>
-        </p:txBody>
-      </p:sp>
-      <p:sp>
-        <p:nvSpPr>
-          <p:cNvPr id="3" name="Subtitle 2">
-            <a:extLst>
-              <a:ext uri="{FF2B5EF4-FFF2-40B4-BE49-F238E27FC236}">
-                <a16:creationId xmlns:a16="http://schemas.microsoft.com/office/drawing/2014/main" id="{78D3CA26-A5D7-8943-ACB1-09ADA25CBC0E}"/>
-              </a:ext>
-            </a:extLst>
-          </p:cNvPr>
-          <p:cNvSpPr>
-            <a:spLocks noGrp="1"/>
-          </p:cNvSpPr>
-          <p:nvPr>
-            <p:ph type="subTitle" idx="1"/>
-          </p:nvPr>
-        </p:nvSpPr>
-        <p:spPr>
-          <a:xfrm>
-            <a:off x="1524000" y="4937679"/>
-            <a:ext cx="9144000" cy="1655763"/>
-          </a:xfrm>
-        </p:spPr>
-        <p:txBody>
-          <a:bodyPr>
-            <a:normAutofit fontScale="85000" lnSpcReduction="20000"/>
-          </a:bodyPr>
-          <a:lstStyle/>
-          <a:p>
-            <a:endParaRPr lang="en-US" sz="3200" dirty="0" smtClean="0">
-              <a:solidFill>
-                <a:schemeClr val="bg1"/>
-              </a:solidFill>
-            </a:endParaRPr>
-          </a:p>
-          <a:p>
-            <a:r>
-              <a:rPr lang="en-US" sz="3200" dirty="0" smtClean="0">
-                <a:solidFill>
-                  <a:schemeClr val="bg1"/>
-                </a:solidFill>
-              </a:rPr>
-              <a:t>David </a:t>
-            </a:r>
-            <a:r>
-              <a:rPr lang="en-US" sz="3200" dirty="0">
-                <a:solidFill>
-                  <a:schemeClr val="bg1"/>
-                </a:solidFill>
-              </a:rPr>
-              <a:t>Ayers, Group VP of Technology, Leslie’s </a:t>
-            </a:r>
-            <a:r>
-              <a:rPr lang="en-US" sz="3200" dirty="0" err="1">
-                <a:solidFill>
-                  <a:schemeClr val="bg1"/>
-                </a:solidFill>
-              </a:rPr>
-              <a:t>Poolmart</a:t>
-            </a:r>
-            <a:endParaRPr lang="en-US" sz="3200" dirty="0">
-              <a:solidFill>
-                <a:schemeClr val="bg1"/>
-              </a:solidFill>
-            </a:endParaRPr>
-          </a:p>
-          <a:p>
-            <a:r>
-              <a:rPr lang="en-US" sz="3200" dirty="0" smtClean="0">
-                <a:solidFill>
-                  <a:schemeClr val="bg1"/>
-                </a:solidFill>
-              </a:rPr>
-              <a:t>iamagiantnerd@</a:t>
-            </a:r>
-            <a:r>
-              <a:rPr lang="en-US" sz="3200" dirty="0" smtClean="0">
-                <a:solidFill>
-                  <a:schemeClr val="bg1"/>
-                </a:solidFill>
-              </a:rPr>
-              <a:t>gmail.com</a:t>
-            </a:r>
-            <a:endParaRPr lang="en-US" sz="3200" dirty="0">
-              <a:solidFill>
-                <a:schemeClr val="bg1"/>
-              </a:solidFill>
-            </a:endParaRPr>
-          </a:p>
-          <a:p>
-            <a:r>
-              <a:rPr lang="en-US" sz="3200" dirty="0">
-                <a:solidFill>
-                  <a:schemeClr val="bg1"/>
-                </a:solidFill>
-              </a:rPr>
-              <a:t>@</a:t>
-            </a:r>
-            <a:r>
-              <a:rPr lang="en-US" sz="3200" dirty="0" err="1">
-                <a:solidFill>
-                  <a:schemeClr val="bg1"/>
-                </a:solidFill>
-              </a:rPr>
-              <a:t>iamagiantnerd</a:t>
-            </a:r>
-            <a:endParaRPr lang="en-US" sz="3200" dirty="0">
-              <a:solidFill>
-                <a:schemeClr val="bg1"/>
-              </a:solidFill>
-            </a:endParaRPr>
-          </a:p>
-        </p:txBody>
-      </p:sp>
-      <p:sp>
-        <p:nvSpPr>
-          <p:cNvPr id="4" name="TextBox 3"/>
-          <p:cNvSpPr txBox="1"/>
-          <p:nvPr/>
-        </p:nvSpPr>
-        <p:spPr>
-          <a:xfrm>
-            <a:off x="1779373" y="4102443"/>
-            <a:ext cx="8699156" cy="461665"/>
-          </a:xfrm>
-          <a:prstGeom prst="rect">
-            <a:avLst/>
-          </a:prstGeom>
-          <a:noFill/>
-        </p:spPr>
-        <p:txBody>
-          <a:bodyPr wrap="square" rtlCol="0">
-            <a:spAutoFit/>
-          </a:bodyPr>
-          <a:lstStyle/>
-          <a:p>
             <a:pPr algn="ctr"/>
             <a:r>
-              <a:rPr lang="en-US" sz="2400" dirty="0">
-                <a:solidFill>
-                  <a:schemeClr val="bg1"/>
-                </a:solidFill>
-              </a:rPr>
-              <a:t>https://github.com/davidaayers/comm-and-doc-arch-decisions</a:t>
+              <a:rPr lang="en-US" sz="6600" dirty="0"/>
+              <a:t>Implicit Commitment</a:t>
+            </a:r>
+            <a:br>
+              <a:rPr lang="en-US" sz="6600" dirty="0"/>
+            </a:br>
+            <a:r>
+              <a:rPr lang="en-US" sz="6600" dirty="0"/>
+              <a:t>to Maintain</a:t>
             </a:r>
           </a:p>
         </p:txBody>
@@ -19682,13 +20927,202 @@
     </p:spTree>
     <p:extLst>
       <p:ext uri="{BB962C8B-B14F-4D97-AF65-F5344CB8AC3E}">
-        <p14:creationId xmlns:p14="http://schemas.microsoft.com/office/powerpoint/2010/main" val="391427916"/>
+        <p14:creationId xmlns:p14="http://schemas.microsoft.com/office/powerpoint/2010/main" val="2486915822"/>
       </p:ext>
     </p:extLst>
   </p:cSld>
   <p:clrMapOvr>
     <a:masterClrMapping/>
   </p:clrMapOvr>
+  <p:timing>
+    <p:tnLst>
+      <p:par>
+        <p:cTn id="1" dur="indefinite" restart="never" nodeType="tmRoot"/>
+      </p:par>
+    </p:tnLst>
+  </p:timing>
+</p:sld>
+</file>
+
+<file path=ppt/slides/slide68.xml><?xml version="1.0" encoding="utf-8"?>
+<p:sld xmlns:a="http://schemas.openxmlformats.org/drawingml/2006/main" xmlns:r="http://schemas.openxmlformats.org/officeDocument/2006/relationships" xmlns:p="http://schemas.openxmlformats.org/presentationml/2006/main">
+  <p:cSld>
+    <p:bg>
+      <p:bgPr>
+        <a:solidFill>
+          <a:schemeClr val="accent5"/>
+        </a:solidFill>
+        <a:effectLst/>
+      </p:bgPr>
+    </p:bg>
+    <p:spTree>
+      <p:nvGrpSpPr>
+        <p:cNvPr id="1" name=""/>
+        <p:cNvGrpSpPr/>
+        <p:nvPr/>
+      </p:nvGrpSpPr>
+      <p:grpSpPr>
+        <a:xfrm>
+          <a:off x="0" y="0"/>
+          <a:ext cx="0" cy="0"/>
+          <a:chOff x="0" y="0"/>
+          <a:chExt cx="0" cy="0"/>
+        </a:xfrm>
+      </p:grpSpPr>
+      <p:sp>
+        <p:nvSpPr>
+          <p:cNvPr id="2" name="Title 1">
+            <a:extLst>
+              <a:ext uri="{FF2B5EF4-FFF2-40B4-BE49-F238E27FC236}">
+                <a16:creationId xmlns:a16="http://schemas.microsoft.com/office/drawing/2014/main" id="{C409FD33-6233-7C49-9918-532E7EC05AB5}"/>
+              </a:ext>
+            </a:extLst>
+          </p:cNvPr>
+          <p:cNvSpPr>
+            <a:spLocks noGrp="1"/>
+          </p:cNvSpPr>
+          <p:nvPr>
+            <p:ph type="title"/>
+          </p:nvPr>
+        </p:nvSpPr>
+        <p:spPr>
+          <a:xfrm>
+            <a:off x="838200" y="2365324"/>
+            <a:ext cx="10515600" cy="2127352"/>
+          </a:xfrm>
+        </p:spPr>
+        <p:txBody>
+          <a:bodyPr>
+            <a:noAutofit/>
+          </a:bodyPr>
+          <a:lstStyle/>
+          <a:p>
+            <a:pPr algn="ctr"/>
+            <a:r>
+              <a:rPr lang="en-US" sz="6600" dirty="0"/>
+              <a:t>Well Worth the Effort</a:t>
+            </a:r>
+          </a:p>
+        </p:txBody>
+      </p:sp>
+    </p:spTree>
+    <p:extLst>
+      <p:ext uri="{BB962C8B-B14F-4D97-AF65-F5344CB8AC3E}">
+        <p14:creationId xmlns:p14="http://schemas.microsoft.com/office/powerpoint/2010/main" val="783352059"/>
+      </p:ext>
+    </p:extLst>
+  </p:cSld>
+  <p:clrMapOvr>
+    <a:masterClrMapping/>
+  </p:clrMapOvr>
+  <p:timing>
+    <p:tnLst>
+      <p:par>
+        <p:cTn id="1" dur="indefinite" restart="never" nodeType="tmRoot"/>
+      </p:par>
+    </p:tnLst>
+  </p:timing>
+</p:sld>
+</file>
+
+<file path=ppt/slides/slide69.xml><?xml version="1.0" encoding="utf-8"?>
+<p:sld xmlns:a="http://schemas.openxmlformats.org/drawingml/2006/main" xmlns:r="http://schemas.openxmlformats.org/officeDocument/2006/relationships" xmlns:p="http://schemas.openxmlformats.org/presentationml/2006/main">
+  <p:cSld>
+    <p:bg>
+      <p:bgPr>
+        <a:solidFill>
+          <a:schemeClr val="accent5"/>
+        </a:solidFill>
+        <a:effectLst/>
+      </p:bgPr>
+    </p:bg>
+    <p:spTree>
+      <p:nvGrpSpPr>
+        <p:cNvPr id="1" name=""/>
+        <p:cNvGrpSpPr/>
+        <p:nvPr/>
+      </p:nvGrpSpPr>
+      <p:grpSpPr>
+        <a:xfrm>
+          <a:off x="0" y="0"/>
+          <a:ext cx="0" cy="0"/>
+          <a:chOff x="0" y="0"/>
+          <a:chExt cx="0" cy="0"/>
+        </a:xfrm>
+      </p:grpSpPr>
+      <p:sp>
+        <p:nvSpPr>
+          <p:cNvPr id="2" name="Title 1">
+            <a:extLst>
+              <a:ext uri="{FF2B5EF4-FFF2-40B4-BE49-F238E27FC236}">
+                <a16:creationId xmlns:a16="http://schemas.microsoft.com/office/drawing/2014/main" id="{C409FD33-6233-7C49-9918-532E7EC05AB5}"/>
+              </a:ext>
+            </a:extLst>
+          </p:cNvPr>
+          <p:cNvSpPr>
+            <a:spLocks noGrp="1"/>
+          </p:cNvSpPr>
+          <p:nvPr>
+            <p:ph type="title"/>
+          </p:nvPr>
+        </p:nvSpPr>
+        <p:spPr>
+          <a:xfrm>
+            <a:off x="838200" y="2365324"/>
+            <a:ext cx="10515600" cy="2127352"/>
+          </a:xfrm>
+        </p:spPr>
+        <p:txBody>
+          <a:bodyPr>
+            <a:noAutofit/>
+          </a:bodyPr>
+          <a:lstStyle/>
+          <a:p>
+            <a:pPr algn="ctr"/>
+            <a:r>
+              <a:rPr lang="en-US" sz="6600" dirty="0"/>
+              <a:t>Bonus </a:t>
+            </a:r>
+            <a:r>
+              <a:rPr lang="en-US" sz="6600" dirty="0" smtClean="0"/>
+              <a:t>Technique</a:t>
+            </a:r>
+            <a:r>
+              <a:rPr lang="en-US" sz="6600" dirty="0"/>
+              <a:t>: </a:t>
+            </a:r>
+            <a:r>
+              <a:rPr lang="en-US" sz="6600" dirty="0" smtClean="0"/>
+              <a:t/>
+            </a:r>
+            <a:br>
+              <a:rPr lang="en-US" sz="6600" dirty="0" smtClean="0"/>
+            </a:br>
+            <a:r>
+              <a:rPr lang="en-US" sz="6600" dirty="0" smtClean="0"/>
+              <a:t>Tracer Bullet/Steel Thread</a:t>
+            </a:r>
+            <a:endParaRPr lang="en-US" sz="6600" dirty="0"/>
+          </a:p>
+        </p:txBody>
+      </p:sp>
+    </p:spTree>
+    <p:extLst>
+      <p:ext uri="{BB962C8B-B14F-4D97-AF65-F5344CB8AC3E}">
+        <p14:creationId xmlns:p14="http://schemas.microsoft.com/office/powerpoint/2010/main" val="3985096481"/>
+      </p:ext>
+    </p:extLst>
+  </p:cSld>
+  <p:clrMapOvr>
+    <a:masterClrMapping/>
+  </p:clrMapOvr>
+  <p:timing>
+    <p:tnLst>
+      <p:par>
+        <p:cTn id="1" dur="indefinite" restart="never" nodeType="tmRoot"/>
+      </p:par>
+    </p:tnLst>
+  </p:timing>
 </p:sld>
 </file>
 
@@ -19819,6 +21253,514 @@
   <p:clrMapOvr>
     <a:masterClrMapping/>
   </p:clrMapOvr>
+  <p:timing>
+    <p:tnLst>
+      <p:par>
+        <p:cTn id="1" dur="indefinite" restart="never" nodeType="tmRoot"/>
+      </p:par>
+    </p:tnLst>
+  </p:timing>
+</p:sld>
+</file>
+
+<file path=ppt/slides/slide70.xml><?xml version="1.0" encoding="utf-8"?>
+<p:sld xmlns:a="http://schemas.openxmlformats.org/drawingml/2006/main" xmlns:r="http://schemas.openxmlformats.org/officeDocument/2006/relationships" xmlns:p="http://schemas.openxmlformats.org/presentationml/2006/main">
+  <p:cSld>
+    <p:bg>
+      <p:bgPr>
+        <a:solidFill>
+          <a:schemeClr val="accent1"/>
+        </a:solidFill>
+        <a:effectLst/>
+      </p:bgPr>
+    </p:bg>
+    <p:spTree>
+      <p:nvGrpSpPr>
+        <p:cNvPr id="1" name=""/>
+        <p:cNvGrpSpPr/>
+        <p:nvPr/>
+      </p:nvGrpSpPr>
+      <p:grpSpPr>
+        <a:xfrm>
+          <a:off x="0" y="0"/>
+          <a:ext cx="0" cy="0"/>
+          <a:chOff x="0" y="0"/>
+          <a:chExt cx="0" cy="0"/>
+        </a:xfrm>
+      </p:grpSpPr>
+      <p:sp>
+        <p:nvSpPr>
+          <p:cNvPr id="2" name="Title 1">
+            <a:extLst>
+              <a:ext uri="{FF2B5EF4-FFF2-40B4-BE49-F238E27FC236}">
+                <a16:creationId xmlns:a16="http://schemas.microsoft.com/office/drawing/2014/main" id="{C409FD33-6233-7C49-9918-532E7EC05AB5}"/>
+              </a:ext>
+            </a:extLst>
+          </p:cNvPr>
+          <p:cNvSpPr>
+            <a:spLocks noGrp="1"/>
+          </p:cNvSpPr>
+          <p:nvPr>
+            <p:ph type="title"/>
+          </p:nvPr>
+        </p:nvSpPr>
+        <p:spPr>
+          <a:xfrm>
+            <a:off x="838200" y="2365324"/>
+            <a:ext cx="10515600" cy="2127352"/>
+          </a:xfrm>
+        </p:spPr>
+        <p:txBody>
+          <a:bodyPr>
+            <a:noAutofit/>
+          </a:bodyPr>
+          <a:lstStyle/>
+          <a:p>
+            <a:pPr algn="ctr"/>
+            <a:r>
+              <a:rPr lang="en-US" sz="6600" dirty="0">
+                <a:solidFill>
+                  <a:schemeClr val="bg1"/>
+                </a:solidFill>
+              </a:rPr>
+              <a:t>Thanks for your time!</a:t>
+            </a:r>
+          </a:p>
+        </p:txBody>
+      </p:sp>
+    </p:spTree>
+    <p:extLst>
+      <p:ext uri="{BB962C8B-B14F-4D97-AF65-F5344CB8AC3E}">
+        <p14:creationId xmlns:p14="http://schemas.microsoft.com/office/powerpoint/2010/main" val="4023227224"/>
+      </p:ext>
+    </p:extLst>
+  </p:cSld>
+  <p:clrMapOvr>
+    <a:masterClrMapping/>
+  </p:clrMapOvr>
+  <p:timing>
+    <p:tnLst>
+      <p:par>
+        <p:cTn id="1" dur="indefinite" restart="never" nodeType="tmRoot"/>
+      </p:par>
+    </p:tnLst>
+  </p:timing>
+</p:sld>
+</file>
+
+<file path=ppt/slides/slide71.xml><?xml version="1.0" encoding="utf-8"?>
+<p:sld xmlns:a="http://schemas.openxmlformats.org/drawingml/2006/main" xmlns:r="http://schemas.openxmlformats.org/officeDocument/2006/relationships" xmlns:p="http://schemas.openxmlformats.org/presentationml/2006/main">
+  <p:cSld>
+    <p:bg>
+      <p:bgPr>
+        <a:solidFill>
+          <a:schemeClr val="accent1"/>
+        </a:solidFill>
+        <a:effectLst/>
+      </p:bgPr>
+    </p:bg>
+    <p:spTree>
+      <p:nvGrpSpPr>
+        <p:cNvPr id="1" name=""/>
+        <p:cNvGrpSpPr/>
+        <p:nvPr/>
+      </p:nvGrpSpPr>
+      <p:grpSpPr>
+        <a:xfrm>
+          <a:off x="0" y="0"/>
+          <a:ext cx="0" cy="0"/>
+          <a:chOff x="0" y="0"/>
+          <a:chExt cx="0" cy="0"/>
+        </a:xfrm>
+      </p:grpSpPr>
+      <p:pic>
+        <p:nvPicPr>
+          <p:cNvPr id="4" name="Picture 3"/>
+          <p:cNvPicPr>
+            <a:picLocks noChangeAspect="1"/>
+          </p:cNvPicPr>
+          <p:nvPr/>
+        </p:nvPicPr>
+        <p:blipFill>
+          <a:blip r:embed="rId3">
+            <a:extLst>
+              <a:ext uri="{28A0092B-C50C-407E-A947-70E740481C1C}">
+                <a14:useLocalDpi xmlns:a14="http://schemas.microsoft.com/office/drawing/2010/main" val="0"/>
+              </a:ext>
+            </a:extLst>
+          </a:blip>
+          <a:stretch>
+            <a:fillRect/>
+          </a:stretch>
+        </p:blipFill>
+        <p:spPr>
+          <a:xfrm>
+            <a:off x="6500403" y="0"/>
+            <a:ext cx="4791894" cy="6858000"/>
+          </a:xfrm>
+          <a:prstGeom prst="rect">
+            <a:avLst/>
+          </a:prstGeom>
+        </p:spPr>
+      </p:pic>
+      <p:sp>
+        <p:nvSpPr>
+          <p:cNvPr id="6" name="Title 1">
+            <a:extLst>
+              <a:ext uri="{FF2B5EF4-FFF2-40B4-BE49-F238E27FC236}">
+                <a16:creationId xmlns:a16="http://schemas.microsoft.com/office/drawing/2014/main" id="{C409FD33-6233-7C49-9918-532E7EC05AB5}"/>
+              </a:ext>
+            </a:extLst>
+          </p:cNvPr>
+          <p:cNvSpPr>
+            <a:spLocks noGrp="1"/>
+          </p:cNvSpPr>
+          <p:nvPr>
+            <p:ph type="title"/>
+          </p:nvPr>
+        </p:nvSpPr>
+        <p:spPr>
+          <a:xfrm>
+            <a:off x="647700" y="193624"/>
+            <a:ext cx="5643153" cy="6245276"/>
+          </a:xfrm>
+        </p:spPr>
+        <p:txBody>
+          <a:bodyPr>
+            <a:noAutofit/>
+          </a:bodyPr>
+          <a:lstStyle/>
+          <a:p>
+            <a:pPr algn="ctr"/>
+            <a:r>
+              <a:rPr lang="en-US" sz="5400" dirty="0" smtClean="0">
+                <a:solidFill>
+                  <a:schemeClr val="bg1"/>
+                </a:solidFill>
+              </a:rPr>
+              <a:t>Shout out!</a:t>
+            </a:r>
+            <a:br>
+              <a:rPr lang="en-US" sz="5400" dirty="0" smtClean="0">
+                <a:solidFill>
+                  <a:schemeClr val="bg1"/>
+                </a:solidFill>
+              </a:rPr>
+            </a:br>
+            <a:r>
+              <a:rPr lang="en-US" sz="5400" dirty="0">
+                <a:solidFill>
+                  <a:schemeClr val="bg1"/>
+                </a:solidFill>
+              </a:rPr>
+              <a:t/>
+            </a:r>
+            <a:br>
+              <a:rPr lang="en-US" sz="5400" dirty="0">
+                <a:solidFill>
+                  <a:schemeClr val="bg1"/>
+                </a:solidFill>
+              </a:rPr>
+            </a:br>
+            <a:r>
+              <a:rPr lang="en-US" sz="5400" dirty="0">
+                <a:solidFill>
+                  <a:schemeClr val="bg1"/>
+                </a:solidFill>
+              </a:rPr>
+              <a:t>Special thanks to @</a:t>
+            </a:r>
+            <a:r>
+              <a:rPr lang="en-US" sz="5400" dirty="0" smtClean="0">
+                <a:solidFill>
+                  <a:schemeClr val="bg1"/>
+                </a:solidFill>
+              </a:rPr>
+              <a:t>deniseyu21 for this awesome </a:t>
+            </a:r>
+            <a:r>
+              <a:rPr lang="en-US" sz="5400" dirty="0" err="1" smtClean="0">
+                <a:solidFill>
+                  <a:schemeClr val="bg1"/>
+                </a:solidFill>
+              </a:rPr>
+              <a:t>sketchnote</a:t>
+            </a:r>
+            <a:r>
+              <a:rPr lang="en-US" sz="5400" dirty="0" smtClean="0">
+                <a:solidFill>
+                  <a:schemeClr val="bg1"/>
+                </a:solidFill>
+              </a:rPr>
+              <a:t> of this talk!</a:t>
+            </a:r>
+            <a:endParaRPr lang="en-US" sz="5400" dirty="0">
+              <a:solidFill>
+                <a:schemeClr val="bg1"/>
+              </a:solidFill>
+            </a:endParaRPr>
+          </a:p>
+        </p:txBody>
+      </p:sp>
+      <p:pic>
+        <p:nvPicPr>
+          <p:cNvPr id="8" name="Picture 7"/>
+          <p:cNvPicPr>
+            <a:picLocks noChangeAspect="1"/>
+          </p:cNvPicPr>
+          <p:nvPr/>
+        </p:nvPicPr>
+        <p:blipFill>
+          <a:blip r:embed="rId4"/>
+          <a:stretch>
+            <a:fillRect/>
+          </a:stretch>
+        </p:blipFill>
+        <p:spPr>
+          <a:xfrm>
+            <a:off x="171450" y="2768574"/>
+            <a:ext cx="1095375" cy="1095375"/>
+          </a:xfrm>
+          <a:prstGeom prst="rect">
+            <a:avLst/>
+          </a:prstGeom>
+        </p:spPr>
+      </p:pic>
+    </p:spTree>
+    <p:extLst>
+      <p:ext uri="{BB962C8B-B14F-4D97-AF65-F5344CB8AC3E}">
+        <p14:creationId xmlns:p14="http://schemas.microsoft.com/office/powerpoint/2010/main" val="2934024804"/>
+      </p:ext>
+    </p:extLst>
+  </p:cSld>
+  <p:clrMapOvr>
+    <a:masterClrMapping/>
+  </p:clrMapOvr>
+  <p:timing>
+    <p:tnLst>
+      <p:par>
+        <p:cTn id="1" dur="indefinite" restart="never" nodeType="tmRoot"/>
+      </p:par>
+    </p:tnLst>
+  </p:timing>
+</p:sld>
+</file>
+
+<file path=ppt/slides/slide72.xml><?xml version="1.0" encoding="utf-8"?>
+<p:sld xmlns:a="http://schemas.openxmlformats.org/drawingml/2006/main" xmlns:r="http://schemas.openxmlformats.org/officeDocument/2006/relationships" xmlns:p="http://schemas.openxmlformats.org/presentationml/2006/main">
+  <p:cSld>
+    <p:bg>
+      <p:bgPr>
+        <a:solidFill>
+          <a:schemeClr val="accent1"/>
+        </a:solidFill>
+        <a:effectLst/>
+      </p:bgPr>
+    </p:bg>
+    <p:spTree>
+      <p:nvGrpSpPr>
+        <p:cNvPr id="1" name=""/>
+        <p:cNvGrpSpPr/>
+        <p:nvPr/>
+      </p:nvGrpSpPr>
+      <p:grpSpPr>
+        <a:xfrm>
+          <a:off x="0" y="0"/>
+          <a:ext cx="0" cy="0"/>
+          <a:chOff x="0" y="0"/>
+          <a:chExt cx="0" cy="0"/>
+        </a:xfrm>
+      </p:grpSpPr>
+      <p:sp>
+        <p:nvSpPr>
+          <p:cNvPr id="2" name="Title 1">
+            <a:extLst>
+              <a:ext uri="{FF2B5EF4-FFF2-40B4-BE49-F238E27FC236}">
+                <a16:creationId xmlns:a16="http://schemas.microsoft.com/office/drawing/2014/main" id="{B7EDD339-25E7-4C48-B5BA-12942D464698}"/>
+              </a:ext>
+            </a:extLst>
+          </p:cNvPr>
+          <p:cNvSpPr>
+            <a:spLocks noGrp="1"/>
+          </p:cNvSpPr>
+          <p:nvPr>
+            <p:ph type="ctrTitle"/>
+          </p:nvPr>
+        </p:nvSpPr>
+        <p:spPr/>
+        <p:txBody>
+          <a:bodyPr>
+            <a:normAutofit fontScale="90000"/>
+          </a:bodyPr>
+          <a:lstStyle/>
+          <a:p>
+            <a:r>
+              <a:rPr lang="en-US" dirty="0">
+                <a:solidFill>
+                  <a:schemeClr val="bg1"/>
+                </a:solidFill>
+              </a:rPr>
+              <a:t>Communicating and Documenting Architectural Decisions</a:t>
+            </a:r>
+          </a:p>
+        </p:txBody>
+      </p:sp>
+      <p:sp>
+        <p:nvSpPr>
+          <p:cNvPr id="3" name="Subtitle 2">
+            <a:extLst>
+              <a:ext uri="{FF2B5EF4-FFF2-40B4-BE49-F238E27FC236}">
+                <a16:creationId xmlns:a16="http://schemas.microsoft.com/office/drawing/2014/main" id="{78D3CA26-A5D7-8943-ACB1-09ADA25CBC0E}"/>
+              </a:ext>
+            </a:extLst>
+          </p:cNvPr>
+          <p:cNvSpPr>
+            <a:spLocks noGrp="1"/>
+          </p:cNvSpPr>
+          <p:nvPr>
+            <p:ph type="subTitle" idx="1"/>
+          </p:nvPr>
+        </p:nvSpPr>
+        <p:spPr>
+          <a:xfrm>
+            <a:off x="1524000" y="4937679"/>
+            <a:ext cx="9144000" cy="1655763"/>
+          </a:xfrm>
+        </p:spPr>
+        <p:txBody>
+          <a:bodyPr>
+            <a:normAutofit fontScale="85000" lnSpcReduction="20000"/>
+          </a:bodyPr>
+          <a:lstStyle/>
+          <a:p>
+            <a:endParaRPr lang="en-US" sz="3200" dirty="0" smtClean="0">
+              <a:solidFill>
+                <a:schemeClr val="bg1"/>
+              </a:solidFill>
+            </a:endParaRPr>
+          </a:p>
+          <a:p>
+            <a:r>
+              <a:rPr lang="en-US" sz="3200" dirty="0" smtClean="0">
+                <a:solidFill>
+                  <a:schemeClr val="bg1"/>
+                </a:solidFill>
+              </a:rPr>
+              <a:t>David </a:t>
+            </a:r>
+            <a:r>
+              <a:rPr lang="en-US" sz="3200" dirty="0">
+                <a:solidFill>
+                  <a:schemeClr val="bg1"/>
+                </a:solidFill>
+              </a:rPr>
+              <a:t>Ayers, Group VP of Technology, Leslie’s </a:t>
+            </a:r>
+            <a:r>
+              <a:rPr lang="en-US" sz="3200" dirty="0" err="1">
+                <a:solidFill>
+                  <a:schemeClr val="bg1"/>
+                </a:solidFill>
+              </a:rPr>
+              <a:t>Poolmart</a:t>
+            </a:r>
+            <a:endParaRPr lang="en-US" sz="3200" dirty="0">
+              <a:solidFill>
+                <a:schemeClr val="bg1"/>
+              </a:solidFill>
+            </a:endParaRPr>
+          </a:p>
+          <a:p>
+            <a:r>
+              <a:rPr lang="en-US" sz="3200" dirty="0" smtClean="0">
+                <a:solidFill>
+                  <a:schemeClr val="bg1"/>
+                </a:solidFill>
+              </a:rPr>
+              <a:t>iamagiantnerd@gmail.com</a:t>
+            </a:r>
+            <a:endParaRPr lang="en-US" sz="3200" dirty="0">
+              <a:solidFill>
+                <a:schemeClr val="bg1"/>
+              </a:solidFill>
+            </a:endParaRPr>
+          </a:p>
+          <a:p>
+            <a:r>
+              <a:rPr lang="en-US" sz="3200" dirty="0">
+                <a:solidFill>
+                  <a:schemeClr val="bg1"/>
+                </a:solidFill>
+              </a:rPr>
+              <a:t>@</a:t>
+            </a:r>
+            <a:r>
+              <a:rPr lang="en-US" sz="3200" dirty="0" err="1">
+                <a:solidFill>
+                  <a:schemeClr val="bg1"/>
+                </a:solidFill>
+              </a:rPr>
+              <a:t>iamagiantnerd</a:t>
+            </a:r>
+            <a:endParaRPr lang="en-US" sz="3200" dirty="0">
+              <a:solidFill>
+                <a:schemeClr val="bg1"/>
+              </a:solidFill>
+            </a:endParaRPr>
+          </a:p>
+        </p:txBody>
+      </p:sp>
+      <p:sp>
+        <p:nvSpPr>
+          <p:cNvPr id="4" name="TextBox 3"/>
+          <p:cNvSpPr txBox="1"/>
+          <p:nvPr/>
+        </p:nvSpPr>
+        <p:spPr>
+          <a:xfrm>
+            <a:off x="1779373" y="4102443"/>
+            <a:ext cx="8699156" cy="461665"/>
+          </a:xfrm>
+          <a:prstGeom prst="rect">
+            <a:avLst/>
+          </a:prstGeom>
+          <a:noFill/>
+        </p:spPr>
+        <p:txBody>
+          <a:bodyPr wrap="square" rtlCol="0">
+            <a:spAutoFit/>
+          </a:bodyPr>
+          <a:lstStyle/>
+          <a:p>
+            <a:pPr algn="ctr"/>
+            <a:r>
+              <a:rPr lang="en-US" sz="2400" dirty="0">
+                <a:solidFill>
+                  <a:schemeClr val="bg1"/>
+                </a:solidFill>
+              </a:rPr>
+              <a:t>https://github.com/davidaayers/comm-and-doc-arch-decisions</a:t>
+            </a:r>
+          </a:p>
+        </p:txBody>
+      </p:sp>
+    </p:spTree>
+    <p:extLst>
+      <p:ext uri="{BB962C8B-B14F-4D97-AF65-F5344CB8AC3E}">
+        <p14:creationId xmlns:p14="http://schemas.microsoft.com/office/powerpoint/2010/main" val="391427916"/>
+      </p:ext>
+    </p:extLst>
+  </p:cSld>
+  <p:clrMapOvr>
+    <a:masterClrMapping/>
+  </p:clrMapOvr>
+  <p:timing>
+    <p:tnLst>
+      <p:par>
+        <p:cTn id="1" dur="indefinite" restart="never" nodeType="tmRoot"/>
+      </p:par>
+    </p:tnLst>
+  </p:timing>
 </p:sld>
 </file>
 
@@ -19971,6 +21913,13 @@
   <p:clrMapOvr>
     <a:masterClrMapping/>
   </p:clrMapOvr>
+  <p:timing>
+    <p:tnLst>
+      <p:par>
+        <p:cTn id="1" dur="indefinite" restart="never" nodeType="tmRoot"/>
+      </p:par>
+    </p:tnLst>
+  </p:timing>
 </p:sld>
 </file>
 
@@ -20045,6 +21994,13 @@
   <p:clrMapOvr>
     <a:masterClrMapping/>
   </p:clrMapOvr>
+  <p:timing>
+    <p:tnLst>
+      <p:par>
+        <p:cTn id="1" dur="indefinite" restart="never" nodeType="tmRoot"/>
+      </p:par>
+    </p:tnLst>
+  </p:timing>
 </p:sld>
 </file>
 

--- a/comm-and-doc-arch-decisions-60-min.pptx
+++ b/comm-and-doc-arch-decisions-60-min.pptx
@@ -5,7 +5,7 @@
     <p:sldMasterId id="2147483648" r:id="rId1"/>
   </p:sldMasterIdLst>
   <p:notesMasterIdLst>
-    <p:notesMasterId r:id="rId74"/>
+    <p:notesMasterId r:id="rId76"/>
   </p:notesMasterIdLst>
   <p:sldIdLst>
     <p:sldId id="256" r:id="rId2"/>
@@ -43,43 +43,45 @@
     <p:sldId id="378" r:id="rId34"/>
     <p:sldId id="310" r:id="rId35"/>
     <p:sldId id="311" r:id="rId36"/>
-    <p:sldId id="308" r:id="rId37"/>
-    <p:sldId id="300" r:id="rId38"/>
-    <p:sldId id="312" r:id="rId39"/>
-    <p:sldId id="313" r:id="rId40"/>
-    <p:sldId id="314" r:id="rId41"/>
-    <p:sldId id="315" r:id="rId42"/>
-    <p:sldId id="316" r:id="rId43"/>
-    <p:sldId id="317" r:id="rId44"/>
-    <p:sldId id="318" r:id="rId45"/>
-    <p:sldId id="319" r:id="rId46"/>
-    <p:sldId id="320" r:id="rId47"/>
-    <p:sldId id="321" r:id="rId48"/>
-    <p:sldId id="322" r:id="rId49"/>
-    <p:sldId id="323" r:id="rId50"/>
-    <p:sldId id="325" r:id="rId51"/>
-    <p:sldId id="326" r:id="rId52"/>
-    <p:sldId id="327" r:id="rId53"/>
-    <p:sldId id="328" r:id="rId54"/>
-    <p:sldId id="379" r:id="rId55"/>
-    <p:sldId id="380" r:id="rId56"/>
-    <p:sldId id="381" r:id="rId57"/>
-    <p:sldId id="329" r:id="rId58"/>
-    <p:sldId id="330" r:id="rId59"/>
-    <p:sldId id="331" r:id="rId60"/>
-    <p:sldId id="332" r:id="rId61"/>
-    <p:sldId id="333" r:id="rId62"/>
-    <p:sldId id="334" r:id="rId63"/>
-    <p:sldId id="335" r:id="rId64"/>
-    <p:sldId id="336" r:id="rId65"/>
-    <p:sldId id="337" r:id="rId66"/>
-    <p:sldId id="338" r:id="rId67"/>
-    <p:sldId id="339" r:id="rId68"/>
-    <p:sldId id="340" r:id="rId69"/>
-    <p:sldId id="372" r:id="rId70"/>
-    <p:sldId id="373" r:id="rId71"/>
-    <p:sldId id="382" r:id="rId72"/>
-    <p:sldId id="374" r:id="rId73"/>
+    <p:sldId id="383" r:id="rId37"/>
+    <p:sldId id="384" r:id="rId38"/>
+    <p:sldId id="308" r:id="rId39"/>
+    <p:sldId id="300" r:id="rId40"/>
+    <p:sldId id="312" r:id="rId41"/>
+    <p:sldId id="313" r:id="rId42"/>
+    <p:sldId id="314" r:id="rId43"/>
+    <p:sldId id="315" r:id="rId44"/>
+    <p:sldId id="316" r:id="rId45"/>
+    <p:sldId id="317" r:id="rId46"/>
+    <p:sldId id="318" r:id="rId47"/>
+    <p:sldId id="319" r:id="rId48"/>
+    <p:sldId id="320" r:id="rId49"/>
+    <p:sldId id="321" r:id="rId50"/>
+    <p:sldId id="322" r:id="rId51"/>
+    <p:sldId id="323" r:id="rId52"/>
+    <p:sldId id="325" r:id="rId53"/>
+    <p:sldId id="326" r:id="rId54"/>
+    <p:sldId id="327" r:id="rId55"/>
+    <p:sldId id="328" r:id="rId56"/>
+    <p:sldId id="379" r:id="rId57"/>
+    <p:sldId id="380" r:id="rId58"/>
+    <p:sldId id="381" r:id="rId59"/>
+    <p:sldId id="329" r:id="rId60"/>
+    <p:sldId id="330" r:id="rId61"/>
+    <p:sldId id="331" r:id="rId62"/>
+    <p:sldId id="332" r:id="rId63"/>
+    <p:sldId id="333" r:id="rId64"/>
+    <p:sldId id="334" r:id="rId65"/>
+    <p:sldId id="335" r:id="rId66"/>
+    <p:sldId id="336" r:id="rId67"/>
+    <p:sldId id="337" r:id="rId68"/>
+    <p:sldId id="338" r:id="rId69"/>
+    <p:sldId id="339" r:id="rId70"/>
+    <p:sldId id="340" r:id="rId71"/>
+    <p:sldId id="372" r:id="rId72"/>
+    <p:sldId id="373" r:id="rId73"/>
+    <p:sldId id="382" r:id="rId74"/>
+    <p:sldId id="374" r:id="rId75"/>
   </p:sldIdLst>
   <p:sldSz cx="12192000" cy="6858000"/>
   <p:notesSz cx="6858000" cy="9144000"/>
@@ -938,7 +940,7 @@
           <a:p>
             <a:fld id="{6525C509-FCE7-1E4E-BABF-F948CC4246E2}" type="datetimeFigureOut">
               <a:rPr lang="en-US" smtClean="0"/>
-              <a:t>8/20/2019</a:t>
+              <a:t>8/21/2019</a:t>
             </a:fld>
             <a:endParaRPr lang="en-US"/>
           </a:p>
@@ -3863,19 +3865,7 @@
                 <a:ea typeface="+mn-ea"/>
                 <a:cs typeface="+mn-cs"/>
               </a:rPr>
-              <a:t>agile </a:t>
-            </a:r>
-            <a:r>
-              <a:rPr lang="en-US" sz="1800" b="0" i="0" u="none" strike="noStrike" kern="1200" dirty="0" smtClean="0">
-                <a:solidFill>
-                  <a:schemeClr val="tx1"/>
-                </a:solidFill>
-                <a:effectLst/>
-                <a:latin typeface="+mn-lt"/>
-                <a:ea typeface="+mn-ea"/>
-                <a:cs typeface="+mn-cs"/>
-              </a:rPr>
-              <a:t>practitioners advocate deferring decisions until the least responsible moment</a:t>
+              <a:t>agile practitioners advocate deferring decisions until the least responsible moment</a:t>
             </a:r>
             <a:r>
               <a:rPr lang="en-US" sz="1800" b="0" i="0" u="none" strike="noStrike" kern="1200" baseline="0" dirty="0" smtClean="0">
@@ -4897,40 +4887,31 @@
           <a:p>
             <a:pPr rtl="0"/>
             <a:r>
-              <a:rPr lang="en-US" sz="1200" b="0" i="0" u="none" strike="noStrike" kern="1200" dirty="0">
-                <a:solidFill>
-                  <a:schemeClr val="tx1"/>
-                </a:solidFill>
+              <a:rPr lang="en-US" b="0" dirty="0" smtClean="0">
                 <a:effectLst/>
-                <a:latin typeface="+mn-lt"/>
-                <a:ea typeface="+mn-ea"/>
-                <a:cs typeface="+mn-cs"/>
               </a:rPr>
-              <a:t>Has anyone heard of this? </a:t>
-            </a:r>
-            <a:r>
-              <a:rPr lang="en-US" sz="1200" b="0" i="0" u="none" strike="noStrike" kern="1200" dirty="0" err="1">
-                <a:solidFill>
-                  <a:schemeClr val="tx1"/>
-                </a:solidFill>
+              <a:t>With large development organizations that have multiple teams, socializing the decisions that are documented can be a challenge.</a:t>
+            </a:r>
+            <a:r>
+              <a:rPr lang="en-US" b="0" baseline="0" dirty="0" smtClean="0">
                 <a:effectLst/>
-                <a:latin typeface="+mn-lt"/>
-                <a:ea typeface="+mn-ea"/>
-                <a:cs typeface="+mn-cs"/>
               </a:rPr>
-              <a:t>Thoughworks</a:t>
-            </a:r>
-            <a:r>
-              <a:rPr lang="en-US" sz="1200" b="0" i="0" u="none" strike="noStrike" kern="1200" dirty="0">
-                <a:solidFill>
-                  <a:schemeClr val="tx1"/>
-                </a:solidFill>
+              <a:t> You have all of these great ADRs, but how do you get people to read them. I’ll talk in a minute about Architecture Guilds, which is one way, but socializing anything requires a multi-pronged approach.</a:t>
+            </a:r>
+          </a:p>
+          <a:p>
+            <a:pPr rtl="0"/>
+            <a:endParaRPr lang="en-US" b="0" baseline="0" dirty="0" smtClean="0">
+              <a:effectLst/>
+            </a:endParaRPr>
+          </a:p>
+          <a:p>
+            <a:pPr rtl="0"/>
+            <a:r>
+              <a:rPr lang="en-US" b="0" baseline="0" dirty="0" smtClean="0">
                 <a:effectLst/>
-                <a:latin typeface="+mn-lt"/>
-                <a:ea typeface="+mn-ea"/>
-                <a:cs typeface="+mn-cs"/>
               </a:rPr>
-              <a:t> puts this together every six months based on what they are seeing in the marketplace. Technically, they are a competitor to my company, so maybe I shouldn’t be talking about this, but…</a:t>
+              <a:t>At The Container Store, one of the things we did is create a regular newsletter to everyone in the department talking about the new or updated ADRs recently created, with links to the Github repo where the ADR was stored.</a:t>
             </a:r>
             <a:endParaRPr lang="en-US" b="0" dirty="0">
               <a:effectLst/>
@@ -4964,7 +4945,7 @@
     </p:spTree>
     <p:extLst>
       <p:ext uri="{BB962C8B-B14F-4D97-AF65-F5344CB8AC3E}">
-        <p14:creationId xmlns:p14="http://schemas.microsoft.com/office/powerpoint/2010/main" val="1680352294"/>
+        <p14:creationId xmlns:p14="http://schemas.microsoft.com/office/powerpoint/2010/main" val="966689260"/>
       </p:ext>
     </p:extLst>
   </p:cSld>
@@ -5023,14 +5004,7 @@
           <a:bodyPr/>
           <a:lstStyle/>
           <a:p>
-            <a:r>
-              <a:rPr lang="en-US" dirty="0" err="1"/>
-              <a:t>Thoughtworks</a:t>
-            </a:r>
-            <a:r>
-              <a:rPr lang="en-US" dirty="0"/>
-              <a:t> has also moved ADRs into “Adopt” in their technology radar, so the idea of using ADRs is gaining momentum in the world.</a:t>
-            </a:r>
+            <a:endParaRPr lang="en-US" dirty="0"/>
           </a:p>
         </p:txBody>
       </p:sp>
@@ -5060,7 +5034,7 @@
     </p:spTree>
     <p:extLst>
       <p:ext uri="{BB962C8B-B14F-4D97-AF65-F5344CB8AC3E}">
-        <p14:creationId xmlns:p14="http://schemas.microsoft.com/office/powerpoint/2010/main" val="3741557715"/>
+        <p14:creationId xmlns:p14="http://schemas.microsoft.com/office/powerpoint/2010/main" val="126838077"/>
       </p:ext>
     </p:extLst>
   </p:cSld>
@@ -5119,7 +5093,46 @@
           <a:bodyPr/>
           <a:lstStyle/>
           <a:p>
-            <a:endParaRPr lang="en-US" dirty="0"/>
+            <a:pPr rtl="0"/>
+            <a:r>
+              <a:rPr lang="en-US" sz="1200" b="0" i="0" u="none" strike="noStrike" kern="1200" dirty="0">
+                <a:solidFill>
+                  <a:schemeClr val="tx1"/>
+                </a:solidFill>
+                <a:effectLst/>
+                <a:latin typeface="+mn-lt"/>
+                <a:ea typeface="+mn-ea"/>
+                <a:cs typeface="+mn-cs"/>
+              </a:rPr>
+              <a:t>Has anyone heard of this? </a:t>
+            </a:r>
+            <a:r>
+              <a:rPr lang="en-US" sz="1200" b="0" i="0" u="none" strike="noStrike" kern="1200" dirty="0" err="1">
+                <a:solidFill>
+                  <a:schemeClr val="tx1"/>
+                </a:solidFill>
+                <a:effectLst/>
+                <a:latin typeface="+mn-lt"/>
+                <a:ea typeface="+mn-ea"/>
+                <a:cs typeface="+mn-cs"/>
+              </a:rPr>
+              <a:t>Thoughworks</a:t>
+            </a:r>
+            <a:r>
+              <a:rPr lang="en-US" sz="1200" b="0" i="0" u="none" strike="noStrike" kern="1200" dirty="0">
+                <a:solidFill>
+                  <a:schemeClr val="tx1"/>
+                </a:solidFill>
+                <a:effectLst/>
+                <a:latin typeface="+mn-lt"/>
+                <a:ea typeface="+mn-ea"/>
+                <a:cs typeface="+mn-cs"/>
+              </a:rPr>
+              <a:t> puts this together every six months based on what they are seeing in the marketplace. Technically, they are a competitor to my company, so maybe I shouldn’t be talking about this, but…</a:t>
+            </a:r>
+            <a:endParaRPr lang="en-US" b="0" dirty="0">
+              <a:effectLst/>
+            </a:endParaRPr>
           </a:p>
         </p:txBody>
       </p:sp>
@@ -5149,7 +5162,7 @@
     </p:spTree>
     <p:extLst>
       <p:ext uri="{BB962C8B-B14F-4D97-AF65-F5344CB8AC3E}">
-        <p14:creationId xmlns:p14="http://schemas.microsoft.com/office/powerpoint/2010/main" val="1584262489"/>
+        <p14:creationId xmlns:p14="http://schemas.microsoft.com/office/powerpoint/2010/main" val="1680352294"/>
       </p:ext>
     </p:extLst>
   </p:cSld>
@@ -5208,18 +5221,13 @@
           <a:bodyPr/>
           <a:lstStyle/>
           <a:p>
-            <a:pPr rtl="0"/>
-            <a:r>
-              <a:rPr lang="en-US" sz="1200" b="0" i="0" u="none" strike="noStrike" kern="1200" dirty="0">
-                <a:solidFill>
-                  <a:schemeClr val="tx1"/>
-                </a:solidFill>
-                <a:effectLst/>
-                <a:latin typeface="+mn-lt"/>
-                <a:ea typeface="+mn-ea"/>
-                <a:cs typeface="+mn-cs"/>
-              </a:rPr>
-              <a:t>So, many have adopted new approaches for teams, </a:t>
+            <a:r>
+              <a:rPr lang="en-US" dirty="0" err="1"/>
+              <a:t>Thoughtworks</a:t>
+            </a:r>
+            <a:r>
+              <a:rPr lang="en-US" dirty="0"/>
+              <a:t> has also moved ADRs into “Adopt” in their technology radar, so the idea of using ADRs is gaining momentum in the world.</a:t>
             </a:r>
           </a:p>
         </p:txBody>
@@ -5250,7 +5258,7 @@
     </p:spTree>
     <p:extLst>
       <p:ext uri="{BB962C8B-B14F-4D97-AF65-F5344CB8AC3E}">
-        <p14:creationId xmlns:p14="http://schemas.microsoft.com/office/powerpoint/2010/main" val="2827517658"/>
+        <p14:creationId xmlns:p14="http://schemas.microsoft.com/office/powerpoint/2010/main" val="3741557715"/>
       </p:ext>
     </p:extLst>
   </p:cSld>
@@ -5314,35 +5322,14 @@
               <a:rPr lang="en-US" b="0" dirty="0" smtClean="0">
                 <a:effectLst/>
               </a:rPr>
-              <a:t>As technology </a:t>
-            </a:r>
-            <a:r>
-              <a:rPr lang="en-US" b="0" dirty="0" smtClean="0">
-                <a:effectLst/>
-              </a:rPr>
-              <a:t>practitioners, we work with teams that are </a:t>
-            </a:r>
-            <a:r>
-              <a:rPr lang="en-US" b="0" dirty="0" smtClean="0">
-                <a:effectLst/>
-              </a:rPr>
-              <a:t>responsible for maintaining the health,</a:t>
+              <a:t>As technology practitioners, we work with teams that are responsible for maintaining the health,</a:t>
             </a:r>
             <a:r>
               <a:rPr lang="en-US" b="0" baseline="0" dirty="0" smtClean="0">
                 <a:effectLst/>
               </a:rPr>
-              <a:t> welfare, and safety of the </a:t>
-            </a:r>
-            <a:r>
-              <a:rPr lang="en-US" b="0" baseline="0" dirty="0" smtClean="0">
-                <a:effectLst/>
-              </a:rPr>
-              <a:t>systems we work with, as well as having either an interest or responsibility for how these systems connect and work together.</a:t>
-            </a:r>
-            <a:endParaRPr lang="en-US" b="0" baseline="0" dirty="0" smtClean="0">
-              <a:effectLst/>
-            </a:endParaRPr>
+              <a:t> welfare, and safety of the systems we work with, as well as having either an interest or responsibility for how these systems connect and work together.</a:t>
+            </a:r>
           </a:p>
           <a:p>
             <a:pPr rtl="0"/>
@@ -5452,19 +5439,7 @@
           <a:bodyPr/>
           <a:lstStyle/>
           <a:p>
-            <a:pPr rtl="0"/>
-            <a:r>
-              <a:rPr lang="en-US" sz="1200" b="0" i="0" u="none" strike="noStrike" kern="1200" dirty="0">
-                <a:solidFill>
-                  <a:schemeClr val="tx1"/>
-                </a:solidFill>
-                <a:effectLst/>
-                <a:latin typeface="+mn-lt"/>
-                <a:ea typeface="+mn-ea"/>
-                <a:cs typeface="+mn-cs"/>
-              </a:rPr>
-              <a:t>bringing together cross functional resources together on </a:t>
-            </a:r>
+            <a:endParaRPr lang="en-US" dirty="0"/>
           </a:p>
         </p:txBody>
       </p:sp>
@@ -5494,7 +5469,7 @@
     </p:spTree>
     <p:extLst>
       <p:ext uri="{BB962C8B-B14F-4D97-AF65-F5344CB8AC3E}">
-        <p14:creationId xmlns:p14="http://schemas.microsoft.com/office/powerpoint/2010/main" val="1767002629"/>
+        <p14:creationId xmlns:p14="http://schemas.microsoft.com/office/powerpoint/2010/main" val="1584262489"/>
       </p:ext>
     </p:extLst>
   </p:cSld>
@@ -5564,7 +5539,7 @@
                 <a:ea typeface="+mn-ea"/>
                 <a:cs typeface="+mn-cs"/>
               </a:rPr>
-              <a:t>two-pizza teams, and empowering them to solve real business problems, </a:t>
+              <a:t>So, many have adopted new approaches for teams, </a:t>
             </a:r>
           </a:p>
         </p:txBody>
@@ -5595,7 +5570,7 @@
     </p:spTree>
     <p:extLst>
       <p:ext uri="{BB962C8B-B14F-4D97-AF65-F5344CB8AC3E}">
-        <p14:creationId xmlns:p14="http://schemas.microsoft.com/office/powerpoint/2010/main" val="3167420653"/>
+        <p14:creationId xmlns:p14="http://schemas.microsoft.com/office/powerpoint/2010/main" val="2827517658"/>
       </p:ext>
     </p:extLst>
   </p:cSld>
@@ -5665,17 +5640,8 @@
                 <a:ea typeface="+mn-ea"/>
                 <a:cs typeface="+mn-cs"/>
               </a:rPr>
-              <a:t>and given them free reign to choose the best technologies to get the job done.</a:t>
-            </a:r>
-            <a:endParaRPr lang="en-US" b="0" dirty="0">
-              <a:effectLst/>
-            </a:endParaRPr>
-          </a:p>
-          <a:p>
-            <a:pPr rtl="0"/>
-            <a:endParaRPr lang="en-US" b="0" dirty="0">
-              <a:effectLst/>
-            </a:endParaRPr>
+              <a:t>bringing together cross functional resources together on </a:t>
+            </a:r>
           </a:p>
         </p:txBody>
       </p:sp>
@@ -5705,7 +5671,7 @@
     </p:spTree>
     <p:extLst>
       <p:ext uri="{BB962C8B-B14F-4D97-AF65-F5344CB8AC3E}">
-        <p14:creationId xmlns:p14="http://schemas.microsoft.com/office/powerpoint/2010/main" val="1389547021"/>
+        <p14:creationId xmlns:p14="http://schemas.microsoft.com/office/powerpoint/2010/main" val="1767002629"/>
       </p:ext>
     </p:extLst>
   </p:cSld>
@@ -5775,70 +5741,8 @@
                 <a:ea typeface="+mn-ea"/>
                 <a:cs typeface="+mn-cs"/>
               </a:rPr>
-              <a:t>And the Enterprise Architects are sad; all of that time trying to build standardized approaches and processes with the appropriate governance around them.</a:t>
-            </a:r>
-          </a:p>
-          <a:p>
-            <a:pPr rtl="0"/>
-            <a:endParaRPr lang="en-US" sz="1200" b="0" i="0" u="none" strike="noStrike" kern="1200" dirty="0">
-              <a:solidFill>
-                <a:schemeClr val="tx1"/>
-              </a:solidFill>
-              <a:effectLst/>
-              <a:latin typeface="+mn-lt"/>
-              <a:ea typeface="+mn-ea"/>
-              <a:cs typeface="+mn-cs"/>
-            </a:endParaRPr>
-          </a:p>
-          <a:p>
-            <a:pPr rtl="0"/>
-            <a:r>
-              <a:rPr lang="en-US" sz="1200" b="0" i="0" u="none" strike="noStrike" kern="1200" dirty="0">
-                <a:solidFill>
-                  <a:schemeClr val="tx1"/>
-                </a:solidFill>
-                <a:effectLst/>
-                <a:latin typeface="+mn-lt"/>
-                <a:ea typeface="+mn-ea"/>
-                <a:cs typeface="+mn-cs"/>
-              </a:rPr>
-              <a:t>Obviously, every enterprise is different, and while this may not be the exact path you are on, there are likely similar challenges.</a:t>
-            </a:r>
-          </a:p>
-          <a:p>
-            <a:pPr rtl="0"/>
-            <a:endParaRPr lang="en-US" sz="1200" b="0" i="0" u="none" strike="noStrike" kern="1200" dirty="0">
-              <a:solidFill>
-                <a:schemeClr val="tx1"/>
-              </a:solidFill>
-              <a:effectLst/>
-              <a:latin typeface="+mn-lt"/>
-              <a:ea typeface="+mn-ea"/>
-              <a:cs typeface="+mn-cs"/>
-            </a:endParaRPr>
-          </a:p>
-          <a:p>
-            <a:pPr rtl="0"/>
-            <a:r>
-              <a:rPr lang="en-US" sz="1200" b="0" i="0" u="none" strike="noStrike" kern="1200" dirty="0">
-                <a:solidFill>
-                  <a:schemeClr val="tx1"/>
-                </a:solidFill>
-                <a:effectLst/>
-                <a:latin typeface="+mn-lt"/>
-                <a:ea typeface="+mn-ea"/>
-                <a:cs typeface="+mn-cs"/>
-              </a:rPr>
-              <a:t>How do we make sure this doesn't just devolve into chaos?</a:t>
-            </a:r>
-            <a:endParaRPr lang="en-US" b="0" dirty="0">
-              <a:effectLst/>
-            </a:endParaRPr>
-          </a:p>
-          <a:p>
-            <a:endParaRPr lang="en-US" b="0" dirty="0">
-              <a:effectLst/>
-            </a:endParaRPr>
+              <a:t>two-pizza teams, and empowering them to solve real business problems, </a:t>
+            </a:r>
           </a:p>
         </p:txBody>
       </p:sp>
@@ -5868,7 +5772,7 @@
     </p:spTree>
     <p:extLst>
       <p:ext uri="{BB962C8B-B14F-4D97-AF65-F5344CB8AC3E}">
-        <p14:creationId xmlns:p14="http://schemas.microsoft.com/office/powerpoint/2010/main" val="746295207"/>
+        <p14:creationId xmlns:p14="http://schemas.microsoft.com/office/powerpoint/2010/main" val="3167420653"/>
       </p:ext>
     </p:extLst>
   </p:cSld>
@@ -5938,8 +5842,14 @@
                 <a:ea typeface="+mn-ea"/>
                 <a:cs typeface="+mn-cs"/>
               </a:rPr>
-              <a:t>One approach that worked very well for me in the past was to co-opt these agile teams, and give them a hand in helping craft the overall Enterprise Architecture for the company. We did this by forming a "Guild", a concept inspired by the work that Spotify has done and publicized around how they build their org structure. </a:t>
-            </a:r>
+              <a:t>and given them free reign to choose the best technologies to get the job done.</a:t>
+            </a:r>
+            <a:endParaRPr lang="en-US" b="0" dirty="0">
+              <a:effectLst/>
+            </a:endParaRPr>
+          </a:p>
+          <a:p>
+            <a:pPr rtl="0"/>
             <a:endParaRPr lang="en-US" b="0" dirty="0">
               <a:effectLst/>
             </a:endParaRPr>
@@ -5972,7 +5882,7 @@
     </p:spTree>
     <p:extLst>
       <p:ext uri="{BB962C8B-B14F-4D97-AF65-F5344CB8AC3E}">
-        <p14:creationId xmlns:p14="http://schemas.microsoft.com/office/powerpoint/2010/main" val="1344664210"/>
+        <p14:creationId xmlns:p14="http://schemas.microsoft.com/office/powerpoint/2010/main" val="1389547021"/>
       </p:ext>
     </p:extLst>
   </p:cSld>
@@ -6042,8 +5952,67 @@
                 <a:ea typeface="+mn-ea"/>
                 <a:cs typeface="+mn-cs"/>
               </a:rPr>
-              <a:t>The guild was open to anyone that wanted to attend, which sometimes made for big meetings, but it tended to self-regulate. People that were really interested stuck around, those that had a passing interest or were just curious about what's going on tended to stop coming. </a:t>
-            </a:r>
+              <a:t>And the Enterprise Architects are sad; all of that time trying to build standardized approaches and processes with the appropriate governance around them.</a:t>
+            </a:r>
+          </a:p>
+          <a:p>
+            <a:pPr rtl="0"/>
+            <a:endParaRPr lang="en-US" sz="1200" b="0" i="0" u="none" strike="noStrike" kern="1200" dirty="0">
+              <a:solidFill>
+                <a:schemeClr val="tx1"/>
+              </a:solidFill>
+              <a:effectLst/>
+              <a:latin typeface="+mn-lt"/>
+              <a:ea typeface="+mn-ea"/>
+              <a:cs typeface="+mn-cs"/>
+            </a:endParaRPr>
+          </a:p>
+          <a:p>
+            <a:pPr rtl="0"/>
+            <a:r>
+              <a:rPr lang="en-US" sz="1200" b="0" i="0" u="none" strike="noStrike" kern="1200" dirty="0">
+                <a:solidFill>
+                  <a:schemeClr val="tx1"/>
+                </a:solidFill>
+                <a:effectLst/>
+                <a:latin typeface="+mn-lt"/>
+                <a:ea typeface="+mn-ea"/>
+                <a:cs typeface="+mn-cs"/>
+              </a:rPr>
+              <a:t>Obviously, every enterprise is different, and while this may not be the exact path you are on, there are likely similar challenges.</a:t>
+            </a:r>
+          </a:p>
+          <a:p>
+            <a:pPr rtl="0"/>
+            <a:endParaRPr lang="en-US" sz="1200" b="0" i="0" u="none" strike="noStrike" kern="1200" dirty="0">
+              <a:solidFill>
+                <a:schemeClr val="tx1"/>
+              </a:solidFill>
+              <a:effectLst/>
+              <a:latin typeface="+mn-lt"/>
+              <a:ea typeface="+mn-ea"/>
+              <a:cs typeface="+mn-cs"/>
+            </a:endParaRPr>
+          </a:p>
+          <a:p>
+            <a:pPr rtl="0"/>
+            <a:r>
+              <a:rPr lang="en-US" sz="1200" b="0" i="0" u="none" strike="noStrike" kern="1200" dirty="0">
+                <a:solidFill>
+                  <a:schemeClr val="tx1"/>
+                </a:solidFill>
+                <a:effectLst/>
+                <a:latin typeface="+mn-lt"/>
+                <a:ea typeface="+mn-ea"/>
+                <a:cs typeface="+mn-cs"/>
+              </a:rPr>
+              <a:t>How do we make sure this doesn't just devolve into chaos?</a:t>
+            </a:r>
+            <a:endParaRPr lang="en-US" b="0" dirty="0">
+              <a:effectLst/>
+            </a:endParaRPr>
+          </a:p>
+          <a:p>
             <a:endParaRPr lang="en-US" b="0" dirty="0">
               <a:effectLst/>
             </a:endParaRPr>
@@ -6076,7 +6045,7 @@
     </p:spTree>
     <p:extLst>
       <p:ext uri="{BB962C8B-B14F-4D97-AF65-F5344CB8AC3E}">
-        <p14:creationId xmlns:p14="http://schemas.microsoft.com/office/powerpoint/2010/main" val="2119572838"/>
+        <p14:creationId xmlns:p14="http://schemas.microsoft.com/office/powerpoint/2010/main" val="746295207"/>
       </p:ext>
     </p:extLst>
   </p:cSld>
@@ -6146,36 +6115,7 @@
                 <a:ea typeface="+mn-ea"/>
                 <a:cs typeface="+mn-cs"/>
               </a:rPr>
-              <a:t>Obviously, such a large group is an inefficient way to make decisions. But, it's a great group for lively discussions around topics where lots of people have passions.</a:t>
-            </a:r>
-            <a:endParaRPr lang="en-US" b="0" dirty="0">
-              <a:effectLst/>
-            </a:endParaRPr>
-          </a:p>
-          <a:p>
-            <a:pPr rtl="0"/>
-            <a:r>
-              <a:rPr lang="en-US" b="0" dirty="0">
-                <a:effectLst/>
-              </a:rPr>
-              <a:t/>
-            </a:r>
-            <a:br>
-              <a:rPr lang="en-US" b="0" dirty="0">
-                <a:effectLst/>
-              </a:rPr>
-            </a:br>
-            <a:r>
-              <a:rPr lang="en-US" sz="1200" b="0" i="0" u="none" strike="noStrike" kern="1200" dirty="0">
-                <a:solidFill>
-                  <a:schemeClr val="tx1"/>
-                </a:solidFill>
-                <a:effectLst/>
-                <a:latin typeface="+mn-lt"/>
-                <a:ea typeface="+mn-ea"/>
-                <a:cs typeface="+mn-cs"/>
-              </a:rPr>
-              <a:t>When it comes to actually making decisions, there were generally three paths:</a:t>
+              <a:t>One approach that worked very well for me in the past was to co-opt these agile teams, and give them a hand in helping craft the overall Enterprise Architecture for the company. We did this by forming a "Guild", a concept inspired by the work that Spotify has done and publicized around how they build their org structure. </a:t>
             </a:r>
             <a:endParaRPr lang="en-US" b="0" dirty="0">
               <a:effectLst/>
@@ -6209,7 +6149,7 @@
     </p:spTree>
     <p:extLst>
       <p:ext uri="{BB962C8B-B14F-4D97-AF65-F5344CB8AC3E}">
-        <p14:creationId xmlns:p14="http://schemas.microsoft.com/office/powerpoint/2010/main" val="3770503333"/>
+        <p14:creationId xmlns:p14="http://schemas.microsoft.com/office/powerpoint/2010/main" val="1344664210"/>
       </p:ext>
     </p:extLst>
   </p:cSld>
@@ -6268,7 +6208,7 @@
           <a:bodyPr/>
           <a:lstStyle/>
           <a:p>
-            <a:pPr rtl="0" fontAlgn="base"/>
+            <a:pPr rtl="0"/>
             <a:r>
               <a:rPr lang="en-US" sz="1200" b="0" i="0" u="none" strike="noStrike" kern="1200" dirty="0">
                 <a:solidFill>
@@ -6279,8 +6219,11 @@
                 <a:ea typeface="+mn-ea"/>
                 <a:cs typeface="+mn-cs"/>
               </a:rPr>
-              <a:t>A short term, tactical decision needs to be made. Identify 3-4 people who are passionate and task them with drafting an ADR to be presented back to the guild. If there is an obvious champion for this decision, appoint them to lead the group.</a:t>
-            </a:r>
+              <a:t>The guild was open to anyone that wanted to attend, which sometimes made for big meetings, but it tended to self-regulate. People that were really interested stuck around, those that had a passing interest or were just curious about what's going on tended to stop coming. </a:t>
+            </a:r>
+            <a:endParaRPr lang="en-US" b="0" dirty="0">
+              <a:effectLst/>
+            </a:endParaRPr>
           </a:p>
         </p:txBody>
       </p:sp>
@@ -6310,7 +6253,7 @@
     </p:spTree>
     <p:extLst>
       <p:ext uri="{BB962C8B-B14F-4D97-AF65-F5344CB8AC3E}">
-        <p14:creationId xmlns:p14="http://schemas.microsoft.com/office/powerpoint/2010/main" val="2462950210"/>
+        <p14:creationId xmlns:p14="http://schemas.microsoft.com/office/powerpoint/2010/main" val="2119572838"/>
       </p:ext>
     </p:extLst>
   </p:cSld>
@@ -6369,7 +6312,7 @@
           <a:bodyPr/>
           <a:lstStyle/>
           <a:p>
-            <a:pPr rtl="0" fontAlgn="base"/>
+            <a:pPr rtl="0"/>
             <a:r>
               <a:rPr lang="en-US" sz="1200" b="0" i="0" u="none" strike="noStrike" kern="1200" dirty="0">
                 <a:solidFill>
@@ -6380,8 +6323,40 @@
                 <a:ea typeface="+mn-ea"/>
                 <a:cs typeface="+mn-cs"/>
               </a:rPr>
-              <a:t>For longer term, strategic or structural decisions, identify a group of people (no more than 8-10) and create a short-term Special Interest Group. This SIG is tasked with researching, prototyping, spiking for whatever the topic is. These short-term SIGs will usually produce one or two deliverables. One, for sure, will be at least on ADR proposing a decisions (sometimes there are multiple ADRs that come out of one of these short-term SIGs). The other deliverable can be something like a reference implementation of a particular technology, something I'll discuss in more depth later.</a:t>
-            </a:r>
+              <a:t>Obviously, such a large group is an inefficient way to make decisions. But, it's a great group for lively discussions around topics where lots of people have passions.</a:t>
+            </a:r>
+            <a:endParaRPr lang="en-US" b="0" dirty="0">
+              <a:effectLst/>
+            </a:endParaRPr>
+          </a:p>
+          <a:p>
+            <a:pPr rtl="0"/>
+            <a:r>
+              <a:rPr lang="en-US" b="0" dirty="0">
+                <a:effectLst/>
+              </a:rPr>
+              <a:t/>
+            </a:r>
+            <a:br>
+              <a:rPr lang="en-US" b="0" dirty="0">
+                <a:effectLst/>
+              </a:rPr>
+            </a:br>
+            <a:r>
+              <a:rPr lang="en-US" sz="1200" b="0" i="0" u="none" strike="noStrike" kern="1200" dirty="0">
+                <a:solidFill>
+                  <a:schemeClr val="tx1"/>
+                </a:solidFill>
+                <a:effectLst/>
+                <a:latin typeface="+mn-lt"/>
+                <a:ea typeface="+mn-ea"/>
+                <a:cs typeface="+mn-cs"/>
+              </a:rPr>
+              <a:t>When it comes to actually making decisions, there were generally three paths:</a:t>
+            </a:r>
+            <a:endParaRPr lang="en-US" b="0" dirty="0">
+              <a:effectLst/>
+            </a:endParaRPr>
           </a:p>
         </p:txBody>
       </p:sp>
@@ -6411,7 +6386,7 @@
     </p:spTree>
     <p:extLst>
       <p:ext uri="{BB962C8B-B14F-4D97-AF65-F5344CB8AC3E}">
-        <p14:creationId xmlns:p14="http://schemas.microsoft.com/office/powerpoint/2010/main" val="2209803264"/>
+        <p14:creationId xmlns:p14="http://schemas.microsoft.com/office/powerpoint/2010/main" val="3770503333"/>
       </p:ext>
     </p:extLst>
   </p:cSld>
@@ -6481,7 +6456,7 @@
                 <a:ea typeface="+mn-ea"/>
                 <a:cs typeface="+mn-cs"/>
               </a:rPr>
-              <a:t>Long running SIGs around areas of interest; these usually ended up being around languages or practices, like a Java SIG, a Ruby SIG, a Database Development SIG, etc. If there was some decision that related to something where a SIG already existed, the decision was delegated to them. For example, how to handle Java upgrades with the recent changes Oracle has made to their long-term support model. Just like short-term SIGs, the deliverables would be ADRs or reference implementations. A special deliverable of these kinds of SIGs are things like code standards &amp; shared libraries. Yes, I believe you should argue tabs vs. spaces, and agree on standards that can be codified in linting tools that enforce those standards. And that's what these SIGs did, among other things.</a:t>
+              <a:t>A short term, tactical decision needs to be made. Identify 3-4 people who are passionate and task them with drafting an ADR to be presented back to the guild. If there is an obvious champion for this decision, appoint them to lead the group.</a:t>
             </a:r>
           </a:p>
         </p:txBody>
@@ -6512,7 +6487,7 @@
     </p:spTree>
     <p:extLst>
       <p:ext uri="{BB962C8B-B14F-4D97-AF65-F5344CB8AC3E}">
-        <p14:creationId xmlns:p14="http://schemas.microsoft.com/office/powerpoint/2010/main" val="3475272380"/>
+        <p14:creationId xmlns:p14="http://schemas.microsoft.com/office/powerpoint/2010/main" val="2462950210"/>
       </p:ext>
     </p:extLst>
   </p:cSld>
@@ -6717,7 +6692,7 @@
           <a:bodyPr/>
           <a:lstStyle/>
           <a:p>
-            <a:pPr rtl="0"/>
+            <a:pPr rtl="0" fontAlgn="base"/>
             <a:r>
               <a:rPr lang="en-US" sz="1200" b="0" i="0" u="none" strike="noStrike" kern="1200" dirty="0">
                 <a:solidFill>
@@ -6728,11 +6703,8 @@
                 <a:ea typeface="+mn-ea"/>
                 <a:cs typeface="+mn-cs"/>
               </a:rPr>
-              <a:t>Instead of an "Architecture Review Board", architectural decisions were brought before the guild for discussion and adoption. The Guild had "high ranking" technology folks, so if it was ever necessary for someone to serve as a tiebreaker, they were there to do that. But it almost never came down to it. As I said earlier, people generally make good decisions, and when it comes down to it, people want the best for the company and the environment that they work in day-to-day.</a:t>
-            </a:r>
-            <a:endParaRPr lang="en-US" b="0" dirty="0">
-              <a:effectLst/>
-            </a:endParaRPr>
+              <a:t>For longer term, strategic or structural decisions, identify a group of people (no more than 8-10) and create a short-term Special Interest Group. This SIG is tasked with researching, prototyping, spiking for whatever the topic is. These short-term SIGs will usually produce one or two deliverables. One, for sure, will be at least on ADR proposing a decisions (sometimes there are multiple ADRs that come out of one of these short-term SIGs). The other deliverable can be something like a reference implementation of a particular technology, something I'll discuss in more depth later.</a:t>
+            </a:r>
           </a:p>
         </p:txBody>
       </p:sp>
@@ -6762,7 +6734,7 @@
     </p:spTree>
     <p:extLst>
       <p:ext uri="{BB962C8B-B14F-4D97-AF65-F5344CB8AC3E}">
-        <p14:creationId xmlns:p14="http://schemas.microsoft.com/office/powerpoint/2010/main" val="2728671387"/>
+        <p14:creationId xmlns:p14="http://schemas.microsoft.com/office/powerpoint/2010/main" val="2209803264"/>
       </p:ext>
     </p:extLst>
   </p:cSld>
@@ -6821,7 +6793,7 @@
           <a:bodyPr/>
           <a:lstStyle/>
           <a:p>
-            <a:pPr rtl="0"/>
+            <a:pPr rtl="0" fontAlgn="base"/>
             <a:r>
               <a:rPr lang="en-US" sz="1200" b="0" i="0" u="none" strike="noStrike" kern="1200" dirty="0">
                 <a:solidFill>
@@ -6832,11 +6804,8 @@
                 <a:ea typeface="+mn-ea"/>
                 <a:cs typeface="+mn-cs"/>
               </a:rPr>
-              <a:t>The guild also served another important purpose. The participants really felt like they were helping form the Architecture for the Enterprise, and they became evangelists, spreading the word to their peers about the decisions that were being made. It wasn't a silver bullet to socialize decisions, but it helped a lot. The guild would also present on a regular basis at our "all-hands" meetings, covering important topics, new decisions, reminders of best practices, etc.</a:t>
-            </a:r>
-            <a:endParaRPr lang="en-US" b="0" dirty="0">
-              <a:effectLst/>
-            </a:endParaRPr>
+              <a:t>Long running SIGs around areas of interest; these usually ended up being around languages or practices, like a Java SIG, a Ruby SIG, a Database Development SIG, etc. If there was some decision that related to something where a SIG already existed, the decision was delegated to them. For example, how to handle Java upgrades with the recent changes Oracle has made to their long-term support model. Just like short-term SIGs, the deliverables would be ADRs or reference implementations. A special deliverable of these kinds of SIGs are things like code standards &amp; shared libraries. Yes, I believe you should argue tabs vs. spaces, and agree on standards that can be codified in linting tools that enforce those standards. And that's what these SIGs did, among other things.</a:t>
+            </a:r>
           </a:p>
         </p:txBody>
       </p:sp>
@@ -6866,7 +6835,7 @@
     </p:spTree>
     <p:extLst>
       <p:ext uri="{BB962C8B-B14F-4D97-AF65-F5344CB8AC3E}">
-        <p14:creationId xmlns:p14="http://schemas.microsoft.com/office/powerpoint/2010/main" val="3948155629"/>
+        <p14:creationId xmlns:p14="http://schemas.microsoft.com/office/powerpoint/2010/main" val="3475272380"/>
       </p:ext>
     </p:extLst>
   </p:cSld>
@@ -6936,7 +6905,7 @@
                 <a:ea typeface="+mn-ea"/>
                 <a:cs typeface="+mn-cs"/>
               </a:rPr>
-              <a:t>Each guild meeting started with a set agenda</a:t>
+              <a:t>Instead of an "Architecture Review Board", architectural decisions were brought before the guild for discussion and adoption. The Guild had "high ranking" technology folks, so if it was ever necessary for someone to serve as a tiebreaker, they were there to do that. But it almost never came down to it. As I said earlier, people generally make good decisions, and when it comes down to it, people want the best for the company and the environment that they work in day-to-day.</a:t>
             </a:r>
             <a:endParaRPr lang="en-US" b="0" dirty="0">
               <a:effectLst/>
@@ -6970,7 +6939,7 @@
     </p:spTree>
     <p:extLst>
       <p:ext uri="{BB962C8B-B14F-4D97-AF65-F5344CB8AC3E}">
-        <p14:creationId xmlns:p14="http://schemas.microsoft.com/office/powerpoint/2010/main" val="1617754801"/>
+        <p14:creationId xmlns:p14="http://schemas.microsoft.com/office/powerpoint/2010/main" val="2728671387"/>
       </p:ext>
     </p:extLst>
   </p:cSld>
@@ -7040,34 +7009,7 @@
                 <a:ea typeface="+mn-ea"/>
                 <a:cs typeface="+mn-cs"/>
               </a:rPr>
-              <a:t>This open discussion time often proved to be the most interesting. Someone would bring up a topic that applied to the Guild, and there would be lively discussion and debate, often ending with action items delegated to an existing SIG, or the formation of a new, short-term SIG.</a:t>
-            </a:r>
-          </a:p>
-          <a:p>
-            <a:pPr rtl="0"/>
-            <a:endParaRPr lang="en-US" sz="1200" b="0" i="0" u="none" strike="noStrike" kern="1200" dirty="0">
-              <a:solidFill>
-                <a:schemeClr val="tx1"/>
-              </a:solidFill>
-              <a:effectLst/>
-              <a:latin typeface="+mn-lt"/>
-              <a:ea typeface="+mn-ea"/>
-              <a:cs typeface="+mn-cs"/>
-            </a:endParaRPr>
-          </a:p>
-          <a:p>
-            <a:pPr rtl="0"/>
-            <a:r>
-              <a:rPr lang="en-US" sz="1200" b="0" i="0" u="none" strike="noStrike" kern="1200" dirty="0">
-                <a:solidFill>
-                  <a:schemeClr val="tx1"/>
-                </a:solidFill>
-                <a:effectLst/>
-                <a:latin typeface="+mn-lt"/>
-                <a:ea typeface="+mn-ea"/>
-                <a:cs typeface="+mn-cs"/>
-              </a:rPr>
-              <a:t>All in all, the Enterprise Architecture guild proved to be a powerful tool to help bring some order to a potentially chaotic world.</a:t>
+              <a:t>The guild also served another important purpose. The participants really felt like they were helping form the Architecture for the Enterprise, and they became evangelists, spreading the word to their peers about the decisions that were being made. It wasn't a silver bullet to socialize decisions, but it helped a lot. The guild would also present on a regular basis at our "all-hands" meetings, covering important topics, new decisions, reminders of best practices, etc.</a:t>
             </a:r>
             <a:endParaRPr lang="en-US" b="0" dirty="0">
               <a:effectLst/>
@@ -7101,7 +7043,7 @@
     </p:spTree>
     <p:extLst>
       <p:ext uri="{BB962C8B-B14F-4D97-AF65-F5344CB8AC3E}">
-        <p14:creationId xmlns:p14="http://schemas.microsoft.com/office/powerpoint/2010/main" val="3097747324"/>
+        <p14:creationId xmlns:p14="http://schemas.microsoft.com/office/powerpoint/2010/main" val="3948155629"/>
       </p:ext>
     </p:extLst>
   </p:cSld>
@@ -7161,6 +7103,18 @@
           <a:lstStyle/>
           <a:p>
             <a:pPr rtl="0"/>
+            <a:r>
+              <a:rPr lang="en-US" sz="1200" b="0" i="0" u="none" strike="noStrike" kern="1200" dirty="0">
+                <a:solidFill>
+                  <a:schemeClr val="tx1"/>
+                </a:solidFill>
+                <a:effectLst/>
+                <a:latin typeface="+mn-lt"/>
+                <a:ea typeface="+mn-ea"/>
+                <a:cs typeface="+mn-cs"/>
+              </a:rPr>
+              <a:t>Each guild meeting started with a set agenda</a:t>
+            </a:r>
             <a:endParaRPr lang="en-US" b="0" dirty="0">
               <a:effectLst/>
             </a:endParaRPr>
@@ -7193,7 +7147,7 @@
     </p:spTree>
     <p:extLst>
       <p:ext uri="{BB962C8B-B14F-4D97-AF65-F5344CB8AC3E}">
-        <p14:creationId xmlns:p14="http://schemas.microsoft.com/office/powerpoint/2010/main" val="2081385765"/>
+        <p14:creationId xmlns:p14="http://schemas.microsoft.com/office/powerpoint/2010/main" val="1617754801"/>
       </p:ext>
     </p:extLst>
   </p:cSld>
@@ -7253,6 +7207,45 @@
           <a:lstStyle/>
           <a:p>
             <a:pPr rtl="0"/>
+            <a:r>
+              <a:rPr lang="en-US" sz="1200" b="0" i="0" u="none" strike="noStrike" kern="1200" dirty="0">
+                <a:solidFill>
+                  <a:schemeClr val="tx1"/>
+                </a:solidFill>
+                <a:effectLst/>
+                <a:latin typeface="+mn-lt"/>
+                <a:ea typeface="+mn-ea"/>
+                <a:cs typeface="+mn-cs"/>
+              </a:rPr>
+              <a:t>This open discussion time often proved to be the most interesting. Someone would bring up a topic that applied to the Guild, and there would be lively discussion and debate, often ending with action items delegated to an existing SIG, or the formation of a new, short-term SIG.</a:t>
+            </a:r>
+          </a:p>
+          <a:p>
+            <a:pPr rtl="0"/>
+            <a:endParaRPr lang="en-US" sz="1200" b="0" i="0" u="none" strike="noStrike" kern="1200" dirty="0">
+              <a:solidFill>
+                <a:schemeClr val="tx1"/>
+              </a:solidFill>
+              <a:effectLst/>
+              <a:latin typeface="+mn-lt"/>
+              <a:ea typeface="+mn-ea"/>
+              <a:cs typeface="+mn-cs"/>
+            </a:endParaRPr>
+          </a:p>
+          <a:p>
+            <a:pPr rtl="0"/>
+            <a:r>
+              <a:rPr lang="en-US" sz="1200" b="0" i="0" u="none" strike="noStrike" kern="1200" dirty="0">
+                <a:solidFill>
+                  <a:schemeClr val="tx1"/>
+                </a:solidFill>
+                <a:effectLst/>
+                <a:latin typeface="+mn-lt"/>
+                <a:ea typeface="+mn-ea"/>
+                <a:cs typeface="+mn-cs"/>
+              </a:rPr>
+              <a:t>All in all, the Enterprise Architecture guild proved to be a powerful tool to help bring some order to a potentially chaotic world.</a:t>
+            </a:r>
             <a:endParaRPr lang="en-US" b="0" dirty="0">
               <a:effectLst/>
             </a:endParaRPr>
@@ -7285,7 +7278,7 @@
     </p:spTree>
     <p:extLst>
       <p:ext uri="{BB962C8B-B14F-4D97-AF65-F5344CB8AC3E}">
-        <p14:creationId xmlns:p14="http://schemas.microsoft.com/office/powerpoint/2010/main" val="644383250"/>
+        <p14:creationId xmlns:p14="http://schemas.microsoft.com/office/powerpoint/2010/main" val="3097747324"/>
       </p:ext>
     </p:extLst>
   </p:cSld>
@@ -7377,7 +7370,7 @@
     </p:spTree>
     <p:extLst>
       <p:ext uri="{BB962C8B-B14F-4D97-AF65-F5344CB8AC3E}">
-        <p14:creationId xmlns:p14="http://schemas.microsoft.com/office/powerpoint/2010/main" val="4003025018"/>
+        <p14:creationId xmlns:p14="http://schemas.microsoft.com/office/powerpoint/2010/main" val="2081385765"/>
       </p:ext>
     </p:extLst>
   </p:cSld>
@@ -7437,47 +7430,6 @@
           <a:lstStyle/>
           <a:p>
             <a:pPr rtl="0"/>
-            <a:r>
-              <a:rPr lang="en-US" sz="1200" b="0" i="0" u="none" strike="noStrike" kern="1200" dirty="0">
-                <a:solidFill>
-                  <a:schemeClr val="tx1"/>
-                </a:solidFill>
-                <a:effectLst/>
-                <a:latin typeface="+mn-lt"/>
-                <a:ea typeface="+mn-ea"/>
-                <a:cs typeface="+mn-cs"/>
-              </a:rPr>
-              <a:t>As noted above, one of the jobs of the SIGs is to "create reference implementations". What does this mean?</a:t>
-            </a:r>
-            <a:endParaRPr lang="en-US" b="0" dirty="0">
-              <a:effectLst/>
-            </a:endParaRPr>
-          </a:p>
-          <a:p>
-            <a:pPr rtl="0"/>
-            <a:r>
-              <a:rPr lang="en-US" b="0" dirty="0">
-                <a:effectLst/>
-              </a:rPr>
-              <a:t/>
-            </a:r>
-            <a:br>
-              <a:rPr lang="en-US" b="0" dirty="0">
-                <a:effectLst/>
-              </a:rPr>
-            </a:br>
-            <a:r>
-              <a:rPr lang="en-US" sz="1200" b="0" i="0" u="none" strike="noStrike" kern="1200" dirty="0">
-                <a:solidFill>
-                  <a:schemeClr val="tx1"/>
-                </a:solidFill>
-                <a:effectLst/>
-                <a:latin typeface="+mn-lt"/>
-                <a:ea typeface="+mn-ea"/>
-                <a:cs typeface="+mn-cs"/>
-              </a:rPr>
-              <a:t>Here's an example, based on my experience.</a:t>
-            </a:r>
             <a:endParaRPr lang="en-US" b="0" dirty="0">
               <a:effectLst/>
             </a:endParaRPr>
@@ -7510,7 +7462,7 @@
     </p:spTree>
     <p:extLst>
       <p:ext uri="{BB962C8B-B14F-4D97-AF65-F5344CB8AC3E}">
-        <p14:creationId xmlns:p14="http://schemas.microsoft.com/office/powerpoint/2010/main" val="2031319328"/>
+        <p14:creationId xmlns:p14="http://schemas.microsoft.com/office/powerpoint/2010/main" val="644383250"/>
       </p:ext>
     </p:extLst>
   </p:cSld>
@@ -7570,18 +7522,9 @@
           <a:lstStyle/>
           <a:p>
             <a:pPr rtl="0"/>
-            <a:r>
-              <a:rPr lang="en-US" sz="1200" b="0" i="0" u="none" strike="noStrike" kern="1200" dirty="0">
-                <a:solidFill>
-                  <a:schemeClr val="tx1"/>
-                </a:solidFill>
-                <a:effectLst/>
-                <a:latin typeface="+mn-lt"/>
-                <a:ea typeface="+mn-ea"/>
-                <a:cs typeface="+mn-cs"/>
-              </a:rPr>
-              <a:t>A company I worked for had established Docker as our deployment platform (everything deployed is a container) with Vault for secret management, and Consul for service discovery and key/value store. There were a large number of Java developers, and their SIG had settled on Spring Boot as their preferred microservice platform. </a:t>
-            </a:r>
+            <a:endParaRPr lang="en-US" b="0" dirty="0">
+              <a:effectLst/>
+            </a:endParaRPr>
           </a:p>
         </p:txBody>
       </p:sp>
@@ -7611,7 +7554,7 @@
     </p:spTree>
     <p:extLst>
       <p:ext uri="{BB962C8B-B14F-4D97-AF65-F5344CB8AC3E}">
-        <p14:creationId xmlns:p14="http://schemas.microsoft.com/office/powerpoint/2010/main" val="129386358"/>
+        <p14:creationId xmlns:p14="http://schemas.microsoft.com/office/powerpoint/2010/main" val="4003025018"/>
       </p:ext>
     </p:extLst>
   </p:cSld>
@@ -7681,19 +7624,39 @@
                 <a:ea typeface="+mn-ea"/>
                 <a:cs typeface="+mn-cs"/>
               </a:rPr>
-              <a:t>This is a complex environment, with many moving pieces, so that SIG worked together to create a "base" reference implementation that took care of wiring all of the proper pieces together. A greenfield project could "copy" the reference implementation, and get a bunch of stuff for "free", </a:t>
-            </a:r>
+              <a:t>As noted above, one of the jobs of the SIGs is to "create reference implementations". What does this mean?</a:t>
+            </a:r>
+            <a:endParaRPr lang="en-US" b="0" dirty="0">
+              <a:effectLst/>
+            </a:endParaRPr>
           </a:p>
           <a:p>
             <a:pPr rtl="0"/>
-            <a:endParaRPr lang="en-US" sz="1200" b="0" i="0" u="none" strike="noStrike" kern="1200" dirty="0">
-              <a:solidFill>
-                <a:schemeClr val="tx1"/>
-              </a:solidFill>
+            <a:r>
+              <a:rPr lang="en-US" b="0" dirty="0">
+                <a:effectLst/>
+              </a:rPr>
+              <a:t/>
+            </a:r>
+            <a:br>
+              <a:rPr lang="en-US" b="0" dirty="0">
+                <a:effectLst/>
+              </a:rPr>
+            </a:br>
+            <a:r>
+              <a:rPr lang="en-US" sz="1200" b="0" i="0" u="none" strike="noStrike" kern="1200" dirty="0">
+                <a:solidFill>
+                  <a:schemeClr val="tx1"/>
+                </a:solidFill>
+                <a:effectLst/>
+                <a:latin typeface="+mn-lt"/>
+                <a:ea typeface="+mn-ea"/>
+                <a:cs typeface="+mn-cs"/>
+              </a:rPr>
+              <a:t>Here's an example, based on my experience.</a:t>
+            </a:r>
+            <a:endParaRPr lang="en-US" b="0" dirty="0">
               <a:effectLst/>
-              <a:latin typeface="+mn-lt"/>
-              <a:ea typeface="+mn-ea"/>
-              <a:cs typeface="+mn-cs"/>
             </a:endParaRPr>
           </a:p>
         </p:txBody>
@@ -7724,7 +7687,7 @@
     </p:spTree>
     <p:extLst>
       <p:ext uri="{BB962C8B-B14F-4D97-AF65-F5344CB8AC3E}">
-        <p14:creationId xmlns:p14="http://schemas.microsoft.com/office/powerpoint/2010/main" val="1048343580"/>
+        <p14:creationId xmlns:p14="http://schemas.microsoft.com/office/powerpoint/2010/main" val="2031319328"/>
       </p:ext>
     </p:extLst>
   </p:cSld>
@@ -7906,35 +7869,8 @@
                 <a:ea typeface="+mn-ea"/>
                 <a:cs typeface="+mn-cs"/>
               </a:rPr>
-              <a:t>with all of the right things set up to take advantage of Vault &amp; Consul, as well as anything else defined as part of our approach to application development (linting rules, static code analysis, security, </a:t>
-            </a:r>
-            <a:r>
-              <a:rPr lang="en-US" sz="1200" b="0" i="0" u="none" strike="noStrike" kern="1200" dirty="0" err="1">
-                <a:solidFill>
-                  <a:schemeClr val="tx1"/>
-                </a:solidFill>
-                <a:effectLst/>
-                <a:latin typeface="+mn-lt"/>
-                <a:ea typeface="+mn-ea"/>
-                <a:cs typeface="+mn-cs"/>
-              </a:rPr>
-              <a:t>etc</a:t>
-            </a:r>
-            <a:r>
-              <a:rPr lang="en-US" sz="1200" b="0" i="0" u="none" strike="noStrike" kern="1200" dirty="0">
-                <a:solidFill>
-                  <a:schemeClr val="tx1"/>
-                </a:solidFill>
-                <a:effectLst/>
-                <a:latin typeface="+mn-lt"/>
-                <a:ea typeface="+mn-ea"/>
-                <a:cs typeface="+mn-cs"/>
-              </a:rPr>
-              <a:t>).</a:t>
-            </a:r>
-            <a:endParaRPr lang="en-US" b="0" dirty="0">
-              <a:effectLst/>
-            </a:endParaRPr>
+              <a:t>A company I worked for had established Docker as our deployment platform (everything deployed is a container) with Vault for secret management, and Consul for service discovery and key/value store. There were a large number of Java developers, and their SIG had settled on Spring Boot as their preferred microservice platform. </a:t>
+            </a:r>
           </a:p>
         </p:txBody>
       </p:sp>
@@ -7964,7 +7900,7 @@
     </p:spTree>
     <p:extLst>
       <p:ext uri="{BB962C8B-B14F-4D97-AF65-F5344CB8AC3E}">
-        <p14:creationId xmlns:p14="http://schemas.microsoft.com/office/powerpoint/2010/main" val="2004091050"/>
+        <p14:creationId xmlns:p14="http://schemas.microsoft.com/office/powerpoint/2010/main" val="129386358"/>
       </p:ext>
     </p:extLst>
   </p:cSld>
@@ -8024,8 +7960,29 @@
           <a:lstStyle/>
           <a:p>
             <a:pPr rtl="0"/>
-            <a:endParaRPr lang="en-US" b="0" dirty="0">
+            <a:r>
+              <a:rPr lang="en-US" sz="1200" b="0" i="0" u="none" strike="noStrike" kern="1200" dirty="0">
+                <a:solidFill>
+                  <a:schemeClr val="tx1"/>
+                </a:solidFill>
+                <a:effectLst/>
+                <a:latin typeface="+mn-lt"/>
+                <a:ea typeface="+mn-ea"/>
+                <a:cs typeface="+mn-cs"/>
+              </a:rPr>
+              <a:t>This is a complex environment, with many moving pieces, so that SIG worked together to create a "base" reference implementation that took care of wiring all of the proper pieces together. A greenfield project could "copy" the reference implementation, and get a bunch of stuff for "free", </a:t>
+            </a:r>
+          </a:p>
+          <a:p>
+            <a:pPr rtl="0"/>
+            <a:endParaRPr lang="en-US" sz="1200" b="0" i="0" u="none" strike="noStrike" kern="1200" dirty="0">
+              <a:solidFill>
+                <a:schemeClr val="tx1"/>
+              </a:solidFill>
               <a:effectLst/>
+              <a:latin typeface="+mn-lt"/>
+              <a:ea typeface="+mn-ea"/>
+              <a:cs typeface="+mn-cs"/>
             </a:endParaRPr>
           </a:p>
         </p:txBody>
@@ -8056,7 +8013,7 @@
     </p:spTree>
     <p:extLst>
       <p:ext uri="{BB962C8B-B14F-4D97-AF65-F5344CB8AC3E}">
-        <p14:creationId xmlns:p14="http://schemas.microsoft.com/office/powerpoint/2010/main" val="1902782798"/>
+        <p14:creationId xmlns:p14="http://schemas.microsoft.com/office/powerpoint/2010/main" val="1048343580"/>
       </p:ext>
     </p:extLst>
   </p:cSld>
@@ -8116,6 +8073,42 @@
           <a:lstStyle/>
           <a:p>
             <a:pPr rtl="0"/>
+            <a:r>
+              <a:rPr lang="en-US" sz="1200" b="0" i="0" u="none" strike="noStrike" kern="1200" dirty="0">
+                <a:solidFill>
+                  <a:schemeClr val="tx1"/>
+                </a:solidFill>
+                <a:effectLst/>
+                <a:latin typeface="+mn-lt"/>
+                <a:ea typeface="+mn-ea"/>
+                <a:cs typeface="+mn-cs"/>
+              </a:rPr>
+              <a:t>with all of the right things set up to take advantage of Vault &amp; Consul, as well as anything else defined as part of our approach to application development (linting rules, static code analysis, security, </a:t>
+            </a:r>
+            <a:r>
+              <a:rPr lang="en-US" sz="1200" b="0" i="0" u="none" strike="noStrike" kern="1200" dirty="0" err="1">
+                <a:solidFill>
+                  <a:schemeClr val="tx1"/>
+                </a:solidFill>
+                <a:effectLst/>
+                <a:latin typeface="+mn-lt"/>
+                <a:ea typeface="+mn-ea"/>
+                <a:cs typeface="+mn-cs"/>
+              </a:rPr>
+              <a:t>etc</a:t>
+            </a:r>
+            <a:r>
+              <a:rPr lang="en-US" sz="1200" b="0" i="0" u="none" strike="noStrike" kern="1200" dirty="0">
+                <a:solidFill>
+                  <a:schemeClr val="tx1"/>
+                </a:solidFill>
+                <a:effectLst/>
+                <a:latin typeface="+mn-lt"/>
+                <a:ea typeface="+mn-ea"/>
+                <a:cs typeface="+mn-cs"/>
+              </a:rPr>
+              <a:t>).</a:t>
+            </a:r>
             <a:endParaRPr lang="en-US" b="0" dirty="0">
               <a:effectLst/>
             </a:endParaRPr>
@@ -8148,7 +8141,7 @@
     </p:spTree>
     <p:extLst>
       <p:ext uri="{BB962C8B-B14F-4D97-AF65-F5344CB8AC3E}">
-        <p14:creationId xmlns:p14="http://schemas.microsoft.com/office/powerpoint/2010/main" val="2503517"/>
+        <p14:creationId xmlns:p14="http://schemas.microsoft.com/office/powerpoint/2010/main" val="2004091050"/>
       </p:ext>
     </p:extLst>
   </p:cSld>
@@ -8208,42 +8201,6 @@
           <a:lstStyle/>
           <a:p>
             <a:pPr rtl="0"/>
-            <a:r>
-              <a:rPr lang="en-US" sz="1200" b="0" i="0" u="none" strike="noStrike" kern="1200" dirty="0">
-                <a:solidFill>
-                  <a:schemeClr val="tx1"/>
-                </a:solidFill>
-                <a:effectLst/>
-                <a:latin typeface="+mn-lt"/>
-                <a:ea typeface="+mn-ea"/>
-                <a:cs typeface="+mn-cs"/>
-              </a:rPr>
-              <a:t>with all of the right things set up to take advantage of Vault &amp; Consul, as well as anything else defined as part of our approach to application development (linting rules, static code analysis, security, </a:t>
-            </a:r>
-            <a:r>
-              <a:rPr lang="en-US" sz="1200" b="0" i="0" u="none" strike="noStrike" kern="1200" dirty="0" err="1">
-                <a:solidFill>
-                  <a:schemeClr val="tx1"/>
-                </a:solidFill>
-                <a:effectLst/>
-                <a:latin typeface="+mn-lt"/>
-                <a:ea typeface="+mn-ea"/>
-                <a:cs typeface="+mn-cs"/>
-              </a:rPr>
-              <a:t>etc</a:t>
-            </a:r>
-            <a:r>
-              <a:rPr lang="en-US" sz="1200" b="0" i="0" u="none" strike="noStrike" kern="1200" dirty="0">
-                <a:solidFill>
-                  <a:schemeClr val="tx1"/>
-                </a:solidFill>
-                <a:effectLst/>
-                <a:latin typeface="+mn-lt"/>
-                <a:ea typeface="+mn-ea"/>
-                <a:cs typeface="+mn-cs"/>
-              </a:rPr>
-              <a:t>).</a:t>
-            </a:r>
             <a:endParaRPr lang="en-US" b="0" dirty="0">
               <a:effectLst/>
             </a:endParaRPr>
@@ -8276,7 +8233,7 @@
     </p:spTree>
     <p:extLst>
       <p:ext uri="{BB962C8B-B14F-4D97-AF65-F5344CB8AC3E}">
-        <p14:creationId xmlns:p14="http://schemas.microsoft.com/office/powerpoint/2010/main" val="3403602255"/>
+        <p14:creationId xmlns:p14="http://schemas.microsoft.com/office/powerpoint/2010/main" val="1902782798"/>
       </p:ext>
     </p:extLst>
   </p:cSld>
@@ -8368,7 +8325,7 @@
     </p:spTree>
     <p:extLst>
       <p:ext uri="{BB962C8B-B14F-4D97-AF65-F5344CB8AC3E}">
-        <p14:creationId xmlns:p14="http://schemas.microsoft.com/office/powerpoint/2010/main" val="2186857975"/>
+        <p14:creationId xmlns:p14="http://schemas.microsoft.com/office/powerpoint/2010/main" val="2503517"/>
       </p:ext>
     </p:extLst>
   </p:cSld>
@@ -8438,7 +8395,31 @@
                 <a:ea typeface="+mn-ea"/>
                 <a:cs typeface="+mn-cs"/>
               </a:rPr>
-              <a:t>In the real world, this reference implementation really did help accelerate our progress. Just like the best frameworks are opinionated, our reference implementation was opinionated -- it baked in the best opinions of the Enterprise Architecture Guild &amp; the Java SIG into a consumable unit, rather than those opinions only being expressed in ADRs or other documentation. Seeing the opinions expressed as a reference implementation is very powerful, and helps show how abstract ideas are made into concrete implementations.</a:t>
+              <a:t>with all of the right things set up to take advantage of Vault &amp; Consul, as well as anything else defined as part of our approach to application development (linting rules, static code analysis, security, </a:t>
+            </a:r>
+            <a:r>
+              <a:rPr lang="en-US" sz="1200" b="0" i="0" u="none" strike="noStrike" kern="1200" dirty="0" err="1">
+                <a:solidFill>
+                  <a:schemeClr val="tx1"/>
+                </a:solidFill>
+                <a:effectLst/>
+                <a:latin typeface="+mn-lt"/>
+                <a:ea typeface="+mn-ea"/>
+                <a:cs typeface="+mn-cs"/>
+              </a:rPr>
+              <a:t>etc</a:t>
+            </a:r>
+            <a:r>
+              <a:rPr lang="en-US" sz="1200" b="0" i="0" u="none" strike="noStrike" kern="1200" dirty="0">
+                <a:solidFill>
+                  <a:schemeClr val="tx1"/>
+                </a:solidFill>
+                <a:effectLst/>
+                <a:latin typeface="+mn-lt"/>
+                <a:ea typeface="+mn-ea"/>
+                <a:cs typeface="+mn-cs"/>
+              </a:rPr>
+              <a:t>).</a:t>
             </a:r>
             <a:endParaRPr lang="en-US" b="0" dirty="0">
               <a:effectLst/>
@@ -8472,7 +8453,7 @@
     </p:spTree>
     <p:extLst>
       <p:ext uri="{BB962C8B-B14F-4D97-AF65-F5344CB8AC3E}">
-        <p14:creationId xmlns:p14="http://schemas.microsoft.com/office/powerpoint/2010/main" val="3471781983"/>
+        <p14:creationId xmlns:p14="http://schemas.microsoft.com/office/powerpoint/2010/main" val="3403602255"/>
       </p:ext>
     </p:extLst>
   </p:cSld>
@@ -8532,18 +8513,6 @@
           <a:lstStyle/>
           <a:p>
             <a:pPr rtl="0"/>
-            <a:r>
-              <a:rPr lang="en-US" sz="1200" b="0" i="0" u="none" strike="noStrike" kern="1200" dirty="0">
-                <a:solidFill>
-                  <a:schemeClr val="tx1"/>
-                </a:solidFill>
-                <a:effectLst/>
-                <a:latin typeface="+mn-lt"/>
-                <a:ea typeface="+mn-ea"/>
-                <a:cs typeface="+mn-cs"/>
-              </a:rPr>
-              <a:t>At that company, we were also developing Node.js applications and Ruby/Rails applications, and reference implementations were created for those as well that expressed the same Docker-based concepts, but specific to those other languages.</a:t>
-            </a:r>
             <a:endParaRPr lang="en-US" b="0" dirty="0">
               <a:effectLst/>
             </a:endParaRPr>
@@ -8576,7 +8545,7 @@
     </p:spTree>
     <p:extLst>
       <p:ext uri="{BB962C8B-B14F-4D97-AF65-F5344CB8AC3E}">
-        <p14:creationId xmlns:p14="http://schemas.microsoft.com/office/powerpoint/2010/main" val="1328256726"/>
+        <p14:creationId xmlns:p14="http://schemas.microsoft.com/office/powerpoint/2010/main" val="2186857975"/>
       </p:ext>
     </p:extLst>
   </p:cSld>
@@ -8646,7 +8615,7 @@
                 <a:ea typeface="+mn-ea"/>
                 <a:cs typeface="+mn-cs"/>
               </a:rPr>
-              <a:t>If you begin building reference applications, there is an implicit commitment to maintaining them. As new standards emerge -- and they will -- these reference implementations need to be kept up to date so the opinions they express stay in line with the standards that evolving for the Enterprise.</a:t>
+              <a:t>In the real world, this reference implementation really did help accelerate our progress. Just like the best frameworks are opinionated, our reference implementation was opinionated -- it baked in the best opinions of the Enterprise Architecture Guild &amp; the Java SIG into a consumable unit, rather than those opinions only being expressed in ADRs or other documentation. Seeing the opinions expressed as a reference implementation is very powerful, and helps show how abstract ideas are made into concrete implementations.</a:t>
             </a:r>
             <a:endParaRPr lang="en-US" b="0" dirty="0">
               <a:effectLst/>
@@ -8680,7 +8649,7 @@
     </p:spTree>
     <p:extLst>
       <p:ext uri="{BB962C8B-B14F-4D97-AF65-F5344CB8AC3E}">
-        <p14:creationId xmlns:p14="http://schemas.microsoft.com/office/powerpoint/2010/main" val="103137459"/>
+        <p14:creationId xmlns:p14="http://schemas.microsoft.com/office/powerpoint/2010/main" val="3471781983"/>
       </p:ext>
     </p:extLst>
   </p:cSld>
@@ -8750,7 +8719,7 @@
                 <a:ea typeface="+mn-ea"/>
                 <a:cs typeface="+mn-cs"/>
               </a:rPr>
-              <a:t>But the benefits are well worth the cost of maintenance. Beyond serving as a kick start for new projects, and giving examples of standards in the form of actual code, these reference implementations serve as a way to guide people to follow the well-worn paths of those that have gone in front of them. In our environment, teams were allowed (pretty much) to choose to use the technology they wanted (with discussion &amp; agreement in the Guild first), but if someone wanted to build an application in Grails or Go, they would have to "invent" all of the solutions that were already baked into the reference applications to interact with the rest of the Enterprise. It wasn't an explicit deterrent, per-se, but it did tend to focus people's efforts in making the existing tech stacks more robust, rather than introducing new tech stacks. </a:t>
+              <a:t>At that company, we were also developing Node.js applications and Ruby/Rails applications, and reference implementations were created for those as well that expressed the same Docker-based concepts, but specific to those other languages.</a:t>
             </a:r>
             <a:endParaRPr lang="en-US" b="0" dirty="0">
               <a:effectLst/>
@@ -8784,7 +8753,7 @@
     </p:spTree>
     <p:extLst>
       <p:ext uri="{BB962C8B-B14F-4D97-AF65-F5344CB8AC3E}">
-        <p14:creationId xmlns:p14="http://schemas.microsoft.com/office/powerpoint/2010/main" val="731949884"/>
+        <p14:creationId xmlns:p14="http://schemas.microsoft.com/office/powerpoint/2010/main" val="1328256726"/>
       </p:ext>
     </p:extLst>
   </p:cSld>
@@ -8854,7 +8823,7 @@
                 <a:ea typeface="+mn-ea"/>
                 <a:cs typeface="+mn-cs"/>
               </a:rPr>
-              <a:t>A great technique for this is a "tracer bullet"; minimal functionality that exercises all of the seams between teams in a project. It doesn't have to be fully functional, but it does actually have to interact with each system that will be present in the final solution. Doing this early, as part of the project inception, gives the team a strong foundation to build on for the rest of the project, and it usually exposes things that weren't properly thought out (that can lead to ADRs for the project!).</a:t>
+              <a:t>If you begin building reference applications, there is an implicit commitment to maintaining them. As new standards emerge -- and they will -- these reference implementations need to be kept up to date so the opinions they express stay in line with the standards that evolving for the Enterprise.</a:t>
             </a:r>
             <a:endParaRPr lang="en-US" b="0" dirty="0">
               <a:effectLst/>
@@ -8888,7 +8857,7 @@
     </p:spTree>
     <p:extLst>
       <p:ext uri="{BB962C8B-B14F-4D97-AF65-F5344CB8AC3E}">
-        <p14:creationId xmlns:p14="http://schemas.microsoft.com/office/powerpoint/2010/main" val="4254838272"/>
+        <p14:creationId xmlns:p14="http://schemas.microsoft.com/office/powerpoint/2010/main" val="103137459"/>
       </p:ext>
     </p:extLst>
   </p:cSld>
@@ -9047,65 +9016,7 @@
                 <a:ea typeface="+mn-ea"/>
                 <a:cs typeface="+mn-cs"/>
               </a:rPr>
-              <a:t>As I said at the beginning, Enterprise Architecture is at a crossroads, especially in organizations which do a lot of custom software development. This may sounds like hyperbole, but I think the tensions between these new ways of doing things and the "traditional" approach to Enterprise Architecture are very real.</a:t>
-            </a:r>
-            <a:endParaRPr lang="en-US" b="0" dirty="0">
-              <a:effectLst/>
-            </a:endParaRPr>
-          </a:p>
-          <a:p>
-            <a:pPr rtl="0"/>
-            <a:r>
-              <a:rPr lang="en-US" b="0" dirty="0">
-                <a:effectLst/>
-              </a:rPr>
-              <a:t/>
-            </a:r>
-            <a:br>
-              <a:rPr lang="en-US" b="0" dirty="0">
-                <a:effectLst/>
-              </a:rPr>
-            </a:br>
-            <a:r>
-              <a:rPr lang="en-US" sz="1200" b="0" i="0" u="none" strike="noStrike" kern="1200" dirty="0">
-                <a:solidFill>
-                  <a:schemeClr val="tx1"/>
-                </a:solidFill>
-                <a:effectLst/>
-                <a:latin typeface="+mn-lt"/>
-                <a:ea typeface="+mn-ea"/>
-                <a:cs typeface="+mn-cs"/>
-              </a:rPr>
-              <a:t>I think that Enterprise Architecture professionals need to look at techniques like the ones I have presented here, and look to add them to their professional "toolbox". This doesn't mean abandoning "traditional" approaches. I'm suggesting an evolution, not a revolution. But change is going to be necessary, because the rest of technology is changing, whether we like it or not.</a:t>
-            </a:r>
-            <a:endParaRPr lang="en-US" b="0" dirty="0">
-              <a:effectLst/>
-            </a:endParaRPr>
-          </a:p>
-          <a:p>
-            <a:pPr rtl="0"/>
-            <a:r>
-              <a:rPr lang="en-US" b="0" dirty="0">
-                <a:effectLst/>
-              </a:rPr>
-              <a:t/>
-            </a:r>
-            <a:br>
-              <a:rPr lang="en-US" b="0" dirty="0">
-                <a:effectLst/>
-              </a:rPr>
-            </a:br>
-            <a:r>
-              <a:rPr lang="en-US" sz="1200" b="0" i="0" u="none" strike="noStrike" kern="1200" dirty="0">
-                <a:solidFill>
-                  <a:schemeClr val="tx1"/>
-                </a:solidFill>
-                <a:effectLst/>
-                <a:latin typeface="+mn-lt"/>
-                <a:ea typeface="+mn-ea"/>
-                <a:cs typeface="+mn-cs"/>
-              </a:rPr>
-              <a:t>Hopefully I've given you some idea to think about and maybe adopt. Thank you for your time!</a:t>
+              <a:t>But the benefits are well worth the cost of maintenance. Beyond serving as a kick start for new projects, and giving examples of standards in the form of actual code, these reference implementations serve as a way to guide people to follow the well-worn paths of those that have gone in front of them. In our environment, teams were allowed (pretty much) to choose to use the technology they wanted (with discussion &amp; agreement in the Guild first), but if someone wanted to build an application in Grails or Go, they would have to "invent" all of the solutions that were already baked into the reference applications to interact with the rest of the Enterprise. It wasn't an explicit deterrent, per-se, but it did tend to focus people's efforts in making the existing tech stacks more robust, rather than introducing new tech stacks. </a:t>
             </a:r>
             <a:endParaRPr lang="en-US" b="0" dirty="0">
               <a:effectLst/>
@@ -9139,7 +9050,7 @@
     </p:spTree>
     <p:extLst>
       <p:ext uri="{BB962C8B-B14F-4D97-AF65-F5344CB8AC3E}">
-        <p14:creationId xmlns:p14="http://schemas.microsoft.com/office/powerpoint/2010/main" val="2456180645"/>
+        <p14:creationId xmlns:p14="http://schemas.microsoft.com/office/powerpoint/2010/main" val="731949884"/>
       </p:ext>
     </p:extLst>
   </p:cSld>
@@ -9199,6 +9110,18 @@
           <a:lstStyle/>
           <a:p>
             <a:pPr rtl="0"/>
+            <a:r>
+              <a:rPr lang="en-US" sz="1200" b="0" i="0" u="none" strike="noStrike" kern="1200" dirty="0">
+                <a:solidFill>
+                  <a:schemeClr val="tx1"/>
+                </a:solidFill>
+                <a:effectLst/>
+                <a:latin typeface="+mn-lt"/>
+                <a:ea typeface="+mn-ea"/>
+                <a:cs typeface="+mn-cs"/>
+              </a:rPr>
+              <a:t>A great technique for this is a "tracer bullet"; minimal functionality that exercises all of the seams between teams in a project. It doesn't have to be fully functional, but it does actually have to interact with each system that will be present in the final solution. Doing this early, as part of the project inception, gives the team a strong foundation to build on for the rest of the project, and it usually exposes things that weren't properly thought out (that can lead to ADRs for the project!).</a:t>
+            </a:r>
             <a:endParaRPr lang="en-US" b="0" dirty="0">
               <a:effectLst/>
             </a:endParaRPr>
@@ -9231,7 +9154,7 @@
     </p:spTree>
     <p:extLst>
       <p:ext uri="{BB962C8B-B14F-4D97-AF65-F5344CB8AC3E}">
-        <p14:creationId xmlns:p14="http://schemas.microsoft.com/office/powerpoint/2010/main" val="1135417728"/>
+        <p14:creationId xmlns:p14="http://schemas.microsoft.com/office/powerpoint/2010/main" val="4254838272"/>
       </p:ext>
     </p:extLst>
   </p:cSld>
@@ -9268,24 +9191,102 @@
             <p:ph type="sldImg"/>
           </p:nvPr>
         </p:nvSpPr>
+        <p:spPr>
+          <a:xfrm>
+            <a:off x="685800" y="1143000"/>
+            <a:ext cx="5486400" cy="3086100"/>
+          </a:xfrm>
+        </p:spPr>
+      </p:sp>
+      <p:sp>
+        <p:nvSpPr>
+          <p:cNvPr id="3" name="Notes Placeholder 2"/>
+          <p:cNvSpPr>
+            <a:spLocks noGrp="1"/>
+          </p:cNvSpPr>
+          <p:nvPr>
+            <p:ph type="body" idx="1"/>
+          </p:nvPr>
+        </p:nvSpPr>
         <p:spPr/>
-      </p:sp>
-      <p:sp>
-        <p:nvSpPr>
-          <p:cNvPr id="3" name="Notes Placeholder 2"/>
-          <p:cNvSpPr>
-            <a:spLocks noGrp="1"/>
-          </p:cNvSpPr>
-          <p:nvPr>
-            <p:ph type="body" idx="1"/>
-          </p:nvPr>
-        </p:nvSpPr>
-        <p:spPr/>
         <p:txBody>
           <a:bodyPr/>
           <a:lstStyle/>
           <a:p>
-            <a:endParaRPr lang="en-US" dirty="0"/>
+            <a:pPr rtl="0"/>
+            <a:r>
+              <a:rPr lang="en-US" sz="1200" b="0" i="0" u="none" strike="noStrike" kern="1200" dirty="0">
+                <a:solidFill>
+                  <a:schemeClr val="tx1"/>
+                </a:solidFill>
+                <a:effectLst/>
+                <a:latin typeface="+mn-lt"/>
+                <a:ea typeface="+mn-ea"/>
+                <a:cs typeface="+mn-cs"/>
+              </a:rPr>
+              <a:t>As I said at the beginning, Enterprise Architecture is at a crossroads, especially in organizations which do a lot of custom software development. This may sounds like hyperbole, but I think the tensions between these new ways of doing things and the "traditional" approach to Enterprise Architecture are very real.</a:t>
+            </a:r>
+            <a:endParaRPr lang="en-US" b="0" dirty="0">
+              <a:effectLst/>
+            </a:endParaRPr>
+          </a:p>
+          <a:p>
+            <a:pPr rtl="0"/>
+            <a:r>
+              <a:rPr lang="en-US" b="0" dirty="0">
+                <a:effectLst/>
+              </a:rPr>
+              <a:t/>
+            </a:r>
+            <a:br>
+              <a:rPr lang="en-US" b="0" dirty="0">
+                <a:effectLst/>
+              </a:rPr>
+            </a:br>
+            <a:r>
+              <a:rPr lang="en-US" sz="1200" b="0" i="0" u="none" strike="noStrike" kern="1200" dirty="0">
+                <a:solidFill>
+                  <a:schemeClr val="tx1"/>
+                </a:solidFill>
+                <a:effectLst/>
+                <a:latin typeface="+mn-lt"/>
+                <a:ea typeface="+mn-ea"/>
+                <a:cs typeface="+mn-cs"/>
+              </a:rPr>
+              <a:t>I think that Enterprise Architecture professionals need to look at techniques like the ones I have presented here, and look to add them to their professional "toolbox". This doesn't mean abandoning "traditional" approaches. I'm suggesting an evolution, not a revolution. But change is going to be necessary, because the rest of technology is changing, whether we like it or not.</a:t>
+            </a:r>
+            <a:endParaRPr lang="en-US" b="0" dirty="0">
+              <a:effectLst/>
+            </a:endParaRPr>
+          </a:p>
+          <a:p>
+            <a:pPr rtl="0"/>
+            <a:r>
+              <a:rPr lang="en-US" b="0" dirty="0">
+                <a:effectLst/>
+              </a:rPr>
+              <a:t/>
+            </a:r>
+            <a:br>
+              <a:rPr lang="en-US" b="0" dirty="0">
+                <a:effectLst/>
+              </a:rPr>
+            </a:br>
+            <a:r>
+              <a:rPr lang="en-US" sz="1200" b="0" i="0" u="none" strike="noStrike" kern="1200" dirty="0">
+                <a:solidFill>
+                  <a:schemeClr val="tx1"/>
+                </a:solidFill>
+                <a:effectLst/>
+                <a:latin typeface="+mn-lt"/>
+                <a:ea typeface="+mn-ea"/>
+                <a:cs typeface="+mn-cs"/>
+              </a:rPr>
+              <a:t>Hopefully I've given you some idea to think about and maybe adopt. Thank you for your time!</a:t>
+            </a:r>
+            <a:endParaRPr lang="en-US" b="0" dirty="0">
+              <a:effectLst/>
+            </a:endParaRPr>
           </a:p>
         </p:txBody>
       </p:sp>
@@ -9307,6 +9308,182 @@
             <a:fld id="{096F4AFB-61BD-1340-90B6-0FECED04B0A2}" type="slidenum">
               <a:rPr lang="en-US" smtClean="0"/>
               <a:t>72</a:t>
+            </a:fld>
+            <a:endParaRPr lang="en-US"/>
+          </a:p>
+        </p:txBody>
+      </p:sp>
+    </p:spTree>
+    <p:extLst>
+      <p:ext uri="{BB962C8B-B14F-4D97-AF65-F5344CB8AC3E}">
+        <p14:creationId xmlns:p14="http://schemas.microsoft.com/office/powerpoint/2010/main" val="2456180645"/>
+      </p:ext>
+    </p:extLst>
+  </p:cSld>
+  <p:clrMapOvr>
+    <a:masterClrMapping/>
+  </p:clrMapOvr>
+</p:notes>
+</file>
+
+<file path=ppt/notesSlides/notesSlide73.xml><?xml version="1.0" encoding="utf-8"?>
+<p:notes xmlns:a="http://schemas.openxmlformats.org/drawingml/2006/main" xmlns:r="http://schemas.openxmlformats.org/officeDocument/2006/relationships" xmlns:p="http://schemas.openxmlformats.org/presentationml/2006/main">
+  <p:cSld>
+    <p:spTree>
+      <p:nvGrpSpPr>
+        <p:cNvPr id="1" name=""/>
+        <p:cNvGrpSpPr/>
+        <p:nvPr/>
+      </p:nvGrpSpPr>
+      <p:grpSpPr>
+        <a:xfrm>
+          <a:off x="0" y="0"/>
+          <a:ext cx="0" cy="0"/>
+          <a:chOff x="0" y="0"/>
+          <a:chExt cx="0" cy="0"/>
+        </a:xfrm>
+      </p:grpSpPr>
+      <p:sp>
+        <p:nvSpPr>
+          <p:cNvPr id="2" name="Slide Image Placeholder 1"/>
+          <p:cNvSpPr>
+            <a:spLocks noGrp="1" noRot="1" noChangeAspect="1"/>
+          </p:cNvSpPr>
+          <p:nvPr>
+            <p:ph type="sldImg"/>
+          </p:nvPr>
+        </p:nvSpPr>
+        <p:spPr>
+          <a:xfrm>
+            <a:off x="685800" y="1143000"/>
+            <a:ext cx="5486400" cy="3086100"/>
+          </a:xfrm>
+        </p:spPr>
+      </p:sp>
+      <p:sp>
+        <p:nvSpPr>
+          <p:cNvPr id="3" name="Notes Placeholder 2"/>
+          <p:cNvSpPr>
+            <a:spLocks noGrp="1"/>
+          </p:cNvSpPr>
+          <p:nvPr>
+            <p:ph type="body" idx="1"/>
+          </p:nvPr>
+        </p:nvSpPr>
+        <p:spPr/>
+        <p:txBody>
+          <a:bodyPr/>
+          <a:lstStyle/>
+          <a:p>
+            <a:pPr rtl="0"/>
+            <a:endParaRPr lang="en-US" b="0" dirty="0">
+              <a:effectLst/>
+            </a:endParaRPr>
+          </a:p>
+        </p:txBody>
+      </p:sp>
+      <p:sp>
+        <p:nvSpPr>
+          <p:cNvPr id="4" name="Slide Number Placeholder 3"/>
+          <p:cNvSpPr>
+            <a:spLocks noGrp="1"/>
+          </p:cNvSpPr>
+          <p:nvPr>
+            <p:ph type="sldNum" sz="quarter" idx="10"/>
+          </p:nvPr>
+        </p:nvSpPr>
+        <p:spPr/>
+        <p:txBody>
+          <a:bodyPr/>
+          <a:lstStyle/>
+          <a:p>
+            <a:fld id="{096F4AFB-61BD-1340-90B6-0FECED04B0A2}" type="slidenum">
+              <a:rPr lang="en-US" smtClean="0"/>
+              <a:t>73</a:t>
+            </a:fld>
+            <a:endParaRPr lang="en-US"/>
+          </a:p>
+        </p:txBody>
+      </p:sp>
+    </p:spTree>
+    <p:extLst>
+      <p:ext uri="{BB962C8B-B14F-4D97-AF65-F5344CB8AC3E}">
+        <p14:creationId xmlns:p14="http://schemas.microsoft.com/office/powerpoint/2010/main" val="1135417728"/>
+      </p:ext>
+    </p:extLst>
+  </p:cSld>
+  <p:clrMapOvr>
+    <a:masterClrMapping/>
+  </p:clrMapOvr>
+</p:notes>
+</file>
+
+<file path=ppt/notesSlides/notesSlide74.xml><?xml version="1.0" encoding="utf-8"?>
+<p:notes xmlns:a="http://schemas.openxmlformats.org/drawingml/2006/main" xmlns:r="http://schemas.openxmlformats.org/officeDocument/2006/relationships" xmlns:p="http://schemas.openxmlformats.org/presentationml/2006/main">
+  <p:cSld>
+    <p:spTree>
+      <p:nvGrpSpPr>
+        <p:cNvPr id="1" name=""/>
+        <p:cNvGrpSpPr/>
+        <p:nvPr/>
+      </p:nvGrpSpPr>
+      <p:grpSpPr>
+        <a:xfrm>
+          <a:off x="0" y="0"/>
+          <a:ext cx="0" cy="0"/>
+          <a:chOff x="0" y="0"/>
+          <a:chExt cx="0" cy="0"/>
+        </a:xfrm>
+      </p:grpSpPr>
+      <p:sp>
+        <p:nvSpPr>
+          <p:cNvPr id="2" name="Slide Image Placeholder 1"/>
+          <p:cNvSpPr>
+            <a:spLocks noGrp="1" noRot="1" noChangeAspect="1"/>
+          </p:cNvSpPr>
+          <p:nvPr>
+            <p:ph type="sldImg"/>
+          </p:nvPr>
+        </p:nvSpPr>
+        <p:spPr/>
+      </p:sp>
+      <p:sp>
+        <p:nvSpPr>
+          <p:cNvPr id="3" name="Notes Placeholder 2"/>
+          <p:cNvSpPr>
+            <a:spLocks noGrp="1"/>
+          </p:cNvSpPr>
+          <p:nvPr>
+            <p:ph type="body" idx="1"/>
+          </p:nvPr>
+        </p:nvSpPr>
+        <p:spPr/>
+        <p:txBody>
+          <a:bodyPr/>
+          <a:lstStyle/>
+          <a:p>
+            <a:endParaRPr lang="en-US" dirty="0"/>
+          </a:p>
+        </p:txBody>
+      </p:sp>
+      <p:sp>
+        <p:nvSpPr>
+          <p:cNvPr id="4" name="Slide Number Placeholder 3"/>
+          <p:cNvSpPr>
+            <a:spLocks noGrp="1"/>
+          </p:cNvSpPr>
+          <p:nvPr>
+            <p:ph type="sldNum" sz="quarter" idx="10"/>
+          </p:nvPr>
+        </p:nvSpPr>
+        <p:spPr/>
+        <p:txBody>
+          <a:bodyPr/>
+          <a:lstStyle/>
+          <a:p>
+            <a:fld id="{096F4AFB-61BD-1340-90B6-0FECED04B0A2}" type="slidenum">
+              <a:rPr lang="en-US" smtClean="0"/>
+              <a:t>74</a:t>
             </a:fld>
             <a:endParaRPr lang="en-US"/>
           </a:p>
@@ -9680,7 +9857,7 @@
           <a:p>
             <a:fld id="{F35D5A91-02EC-B04A-8A79-709009E61D04}" type="datetimeFigureOut">
               <a:rPr lang="en-US" smtClean="0"/>
-              <a:t>8/20/2019</a:t>
+              <a:t>8/21/2019</a:t>
             </a:fld>
             <a:endParaRPr lang="en-US"/>
           </a:p>
@@ -9878,7 +10055,7 @@
           <a:p>
             <a:fld id="{F35D5A91-02EC-B04A-8A79-709009E61D04}" type="datetimeFigureOut">
               <a:rPr lang="en-US" smtClean="0"/>
-              <a:t>8/20/2019</a:t>
+              <a:t>8/21/2019</a:t>
             </a:fld>
             <a:endParaRPr lang="en-US"/>
           </a:p>
@@ -10086,7 +10263,7 @@
           <a:p>
             <a:fld id="{F35D5A91-02EC-B04A-8A79-709009E61D04}" type="datetimeFigureOut">
               <a:rPr lang="en-US" smtClean="0"/>
-              <a:t>8/20/2019</a:t>
+              <a:t>8/21/2019</a:t>
             </a:fld>
             <a:endParaRPr lang="en-US"/>
           </a:p>
@@ -10284,7 +10461,7 @@
           <a:p>
             <a:fld id="{F35D5A91-02EC-B04A-8A79-709009E61D04}" type="datetimeFigureOut">
               <a:rPr lang="en-US" smtClean="0"/>
-              <a:t>8/20/2019</a:t>
+              <a:t>8/21/2019</a:t>
             </a:fld>
             <a:endParaRPr lang="en-US"/>
           </a:p>
@@ -10559,7 +10736,7 @@
           <a:p>
             <a:fld id="{F35D5A91-02EC-B04A-8A79-709009E61D04}" type="datetimeFigureOut">
               <a:rPr lang="en-US" smtClean="0"/>
-              <a:t>8/20/2019</a:t>
+              <a:t>8/21/2019</a:t>
             </a:fld>
             <a:endParaRPr lang="en-US"/>
           </a:p>
@@ -10824,7 +11001,7 @@
           <a:p>
             <a:fld id="{F35D5A91-02EC-B04A-8A79-709009E61D04}" type="datetimeFigureOut">
               <a:rPr lang="en-US" smtClean="0"/>
-              <a:t>8/20/2019</a:t>
+              <a:t>8/21/2019</a:t>
             </a:fld>
             <a:endParaRPr lang="en-US"/>
           </a:p>
@@ -11236,7 +11413,7 @@
           <a:p>
             <a:fld id="{F35D5A91-02EC-B04A-8A79-709009E61D04}" type="datetimeFigureOut">
               <a:rPr lang="en-US" smtClean="0"/>
-              <a:t>8/20/2019</a:t>
+              <a:t>8/21/2019</a:t>
             </a:fld>
             <a:endParaRPr lang="en-US"/>
           </a:p>
@@ -11377,7 +11554,7 @@
           <a:p>
             <a:fld id="{F35D5A91-02EC-B04A-8A79-709009E61D04}" type="datetimeFigureOut">
               <a:rPr lang="en-US" smtClean="0"/>
-              <a:t>8/20/2019</a:t>
+              <a:t>8/21/2019</a:t>
             </a:fld>
             <a:endParaRPr lang="en-US"/>
           </a:p>
@@ -11490,7 +11667,7 @@
           <a:p>
             <a:fld id="{F35D5A91-02EC-B04A-8A79-709009E61D04}" type="datetimeFigureOut">
               <a:rPr lang="en-US" smtClean="0"/>
-              <a:t>8/20/2019</a:t>
+              <a:t>8/21/2019</a:t>
             </a:fld>
             <a:endParaRPr lang="en-US"/>
           </a:p>
@@ -11801,7 +11978,7 @@
           <a:p>
             <a:fld id="{F35D5A91-02EC-B04A-8A79-709009E61D04}" type="datetimeFigureOut">
               <a:rPr lang="en-US" smtClean="0"/>
-              <a:t>8/20/2019</a:t>
+              <a:t>8/21/2019</a:t>
             </a:fld>
             <a:endParaRPr lang="en-US"/>
           </a:p>
@@ -12089,7 +12266,7 @@
           <a:p>
             <a:fld id="{F35D5A91-02EC-B04A-8A79-709009E61D04}" type="datetimeFigureOut">
               <a:rPr lang="en-US" smtClean="0"/>
-              <a:t>8/20/2019</a:t>
+              <a:t>8/21/2019</a:t>
             </a:fld>
             <a:endParaRPr lang="en-US"/>
           </a:p>
@@ -12330,7 +12507,7 @@
           <a:p>
             <a:fld id="{F35D5A91-02EC-B04A-8A79-709009E61D04}" type="datetimeFigureOut">
               <a:rPr lang="en-US" smtClean="0"/>
-              <a:t>8/20/2019</a:t>
+              <a:t>8/21/2019</a:t>
             </a:fld>
             <a:endParaRPr lang="en-US"/>
           </a:p>
@@ -16659,6 +16836,227 @@
         </p:nvSpPr>
         <p:spPr>
           <a:xfrm>
+            <a:off x="1131517" y="931940"/>
+            <a:ext cx="10515600" cy="2127352"/>
+          </a:xfrm>
+        </p:spPr>
+        <p:txBody>
+          <a:bodyPr>
+            <a:noAutofit/>
+          </a:bodyPr>
+          <a:lstStyle/>
+          <a:p>
+            <a:pPr algn="ctr"/>
+            <a:r>
+              <a:rPr lang="en-US" sz="6600" dirty="0" smtClean="0"/>
+              <a:t>Socializing ADRs</a:t>
+            </a:r>
+            <a:endParaRPr lang="en-US" sz="9600" dirty="0"/>
+          </a:p>
+        </p:txBody>
+      </p:sp>
+      <p:pic>
+        <p:nvPicPr>
+          <p:cNvPr id="4" name="Picture 3"/>
+          <p:cNvPicPr>
+            <a:picLocks noChangeAspect="1"/>
+          </p:cNvPicPr>
+          <p:nvPr/>
+        </p:nvPicPr>
+        <p:blipFill>
+          <a:blip r:embed="rId3">
+            <a:extLst>
+              <a:ext uri="{28A0092B-C50C-407E-A947-70E740481C1C}">
+                <a14:useLocalDpi xmlns:a14="http://schemas.microsoft.com/office/drawing/2010/main" val="0"/>
+              </a:ext>
+            </a:extLst>
+          </a:blip>
+          <a:stretch>
+            <a:fillRect/>
+          </a:stretch>
+        </p:blipFill>
+        <p:spPr>
+          <a:xfrm>
+            <a:off x="4959459" y="2725663"/>
+            <a:ext cx="2859715" cy="2859715"/>
+          </a:xfrm>
+          <a:prstGeom prst="rect">
+            <a:avLst/>
+          </a:prstGeom>
+        </p:spPr>
+      </p:pic>
+    </p:spTree>
+    <p:extLst>
+      <p:ext uri="{BB962C8B-B14F-4D97-AF65-F5344CB8AC3E}">
+        <p14:creationId xmlns:p14="http://schemas.microsoft.com/office/powerpoint/2010/main" val="2897283272"/>
+      </p:ext>
+    </p:extLst>
+  </p:cSld>
+  <p:clrMapOvr>
+    <a:masterClrMapping/>
+  </p:clrMapOvr>
+  <p:timing>
+    <p:tnLst>
+      <p:par>
+        <p:cTn id="1" dur="indefinite" restart="never" nodeType="tmRoot"/>
+      </p:par>
+    </p:tnLst>
+  </p:timing>
+</p:sld>
+</file>
+
+<file path=ppt/slides/slide37.xml><?xml version="1.0" encoding="utf-8"?>
+<p:sld xmlns:a="http://schemas.openxmlformats.org/drawingml/2006/main" xmlns:r="http://schemas.openxmlformats.org/officeDocument/2006/relationships" xmlns:p="http://schemas.openxmlformats.org/presentationml/2006/main">
+  <p:cSld>
+    <p:spTree>
+      <p:nvGrpSpPr>
+        <p:cNvPr id="1" name=""/>
+        <p:cNvGrpSpPr/>
+        <p:nvPr/>
+      </p:nvGrpSpPr>
+      <p:grpSpPr>
+        <a:xfrm>
+          <a:off x="0" y="0"/>
+          <a:ext cx="0" cy="0"/>
+          <a:chOff x="0" y="0"/>
+          <a:chExt cx="0" cy="0"/>
+        </a:xfrm>
+      </p:grpSpPr>
+      <p:pic>
+        <p:nvPicPr>
+          <p:cNvPr id="4" name="Picture 3"/>
+          <p:cNvPicPr>
+            <a:picLocks noChangeAspect="1"/>
+          </p:cNvPicPr>
+          <p:nvPr/>
+        </p:nvPicPr>
+        <p:blipFill>
+          <a:blip r:embed="rId3"/>
+          <a:stretch>
+            <a:fillRect/>
+          </a:stretch>
+        </p:blipFill>
+        <p:spPr>
+          <a:xfrm>
+            <a:off x="8105226" y="850209"/>
+            <a:ext cx="3903140" cy="4547286"/>
+          </a:xfrm>
+          <a:prstGeom prst="rect">
+            <a:avLst/>
+          </a:prstGeom>
+        </p:spPr>
+      </p:pic>
+      <p:pic>
+        <p:nvPicPr>
+          <p:cNvPr id="5" name="Picture 4"/>
+          <p:cNvPicPr>
+            <a:picLocks noChangeAspect="1"/>
+          </p:cNvPicPr>
+          <p:nvPr/>
+        </p:nvPicPr>
+        <p:blipFill>
+          <a:blip r:embed="rId4"/>
+          <a:stretch>
+            <a:fillRect/>
+          </a:stretch>
+        </p:blipFill>
+        <p:spPr>
+          <a:xfrm>
+            <a:off x="4194200" y="850209"/>
+            <a:ext cx="3778518" cy="3872355"/>
+          </a:xfrm>
+          <a:prstGeom prst="rect">
+            <a:avLst/>
+          </a:prstGeom>
+        </p:spPr>
+      </p:pic>
+      <p:pic>
+        <p:nvPicPr>
+          <p:cNvPr id="6" name="Picture 5"/>
+          <p:cNvPicPr>
+            <a:picLocks noChangeAspect="1"/>
+          </p:cNvPicPr>
+          <p:nvPr/>
+        </p:nvPicPr>
+        <p:blipFill>
+          <a:blip r:embed="rId5"/>
+          <a:stretch>
+            <a:fillRect/>
+          </a:stretch>
+        </p:blipFill>
+        <p:spPr>
+          <a:xfrm>
+            <a:off x="178254" y="850209"/>
+            <a:ext cx="3883438" cy="4648552"/>
+          </a:xfrm>
+          <a:prstGeom prst="rect">
+            <a:avLst/>
+          </a:prstGeom>
+        </p:spPr>
+      </p:pic>
+    </p:spTree>
+    <p:extLst>
+      <p:ext uri="{BB962C8B-B14F-4D97-AF65-F5344CB8AC3E}">
+        <p14:creationId xmlns:p14="http://schemas.microsoft.com/office/powerpoint/2010/main" val="3722019129"/>
+      </p:ext>
+    </p:extLst>
+  </p:cSld>
+  <p:clrMapOvr>
+    <a:masterClrMapping/>
+  </p:clrMapOvr>
+  <p:timing>
+    <p:tnLst>
+      <p:par>
+        <p:cTn id="1" dur="indefinite" restart="never" nodeType="tmRoot"/>
+      </p:par>
+    </p:tnLst>
+  </p:timing>
+</p:sld>
+</file>
+
+<file path=ppt/slides/slide38.xml><?xml version="1.0" encoding="utf-8"?>
+<p:sld xmlns:a="http://schemas.openxmlformats.org/drawingml/2006/main" xmlns:r="http://schemas.openxmlformats.org/officeDocument/2006/relationships" xmlns:p="http://schemas.openxmlformats.org/presentationml/2006/main">
+  <p:cSld>
+    <p:bg>
+      <p:bgPr>
+        <a:solidFill>
+          <a:schemeClr val="accent5"/>
+        </a:solidFill>
+        <a:effectLst/>
+      </p:bgPr>
+    </p:bg>
+    <p:spTree>
+      <p:nvGrpSpPr>
+        <p:cNvPr id="1" name=""/>
+        <p:cNvGrpSpPr/>
+        <p:nvPr/>
+      </p:nvGrpSpPr>
+      <p:grpSpPr>
+        <a:xfrm>
+          <a:off x="0" y="0"/>
+          <a:ext cx="0" cy="0"/>
+          <a:chOff x="0" y="0"/>
+          <a:chExt cx="0" cy="0"/>
+        </a:xfrm>
+      </p:grpSpPr>
+      <p:sp>
+        <p:nvSpPr>
+          <p:cNvPr id="2" name="Title 1">
+            <a:extLst>
+              <a:ext uri="{FF2B5EF4-FFF2-40B4-BE49-F238E27FC236}">
+                <a16:creationId xmlns:a16="http://schemas.microsoft.com/office/drawing/2014/main" id="{C409FD33-6233-7C49-9918-532E7EC05AB5}"/>
+              </a:ext>
+            </a:extLst>
+          </p:cNvPr>
+          <p:cNvSpPr>
+            <a:spLocks noGrp="1"/>
+          </p:cNvSpPr>
+          <p:nvPr>
+            <p:ph type="title"/>
+          </p:nvPr>
+        </p:nvSpPr>
+        <p:spPr>
+          <a:xfrm>
             <a:off x="838200" y="2365324"/>
             <a:ext cx="10515600" cy="2127352"/>
           </a:xfrm>
@@ -16715,7 +17113,7 @@
 </p:sld>
 </file>
 
-<file path=ppt/slides/slide37.xml><?xml version="1.0" encoding="utf-8"?>
+<file path=ppt/slides/slide39.xml><?xml version="1.0" encoding="utf-8"?>
 <p:sld xmlns:a="http://schemas.openxmlformats.org/drawingml/2006/main" xmlns:r="http://schemas.openxmlformats.org/officeDocument/2006/relationships" xmlns:p="http://schemas.openxmlformats.org/presentationml/2006/main">
   <p:cSld>
     <p:spTree>
@@ -16810,224 +17208,6 @@
     <p:extLst>
       <p:ext uri="{BB962C8B-B14F-4D97-AF65-F5344CB8AC3E}">
         <p14:creationId xmlns:p14="http://schemas.microsoft.com/office/powerpoint/2010/main" val="3633999436"/>
-      </p:ext>
-    </p:extLst>
-  </p:cSld>
-  <p:clrMapOvr>
-    <a:masterClrMapping/>
-  </p:clrMapOvr>
-  <p:timing>
-    <p:tnLst>
-      <p:par>
-        <p:cTn id="1" dur="indefinite" restart="never" nodeType="tmRoot"/>
-      </p:par>
-    </p:tnLst>
-  </p:timing>
-</p:sld>
-</file>
-
-<file path=ppt/slides/slide38.xml><?xml version="1.0" encoding="utf-8"?>
-<p:sld xmlns:a="http://schemas.openxmlformats.org/drawingml/2006/main" xmlns:r="http://schemas.openxmlformats.org/officeDocument/2006/relationships" xmlns:p="http://schemas.openxmlformats.org/presentationml/2006/main">
-  <p:cSld>
-    <p:bg>
-      <p:bgPr>
-        <a:solidFill>
-          <a:schemeClr val="accent1"/>
-        </a:solidFill>
-        <a:effectLst/>
-      </p:bgPr>
-    </p:bg>
-    <p:spTree>
-      <p:nvGrpSpPr>
-        <p:cNvPr id="1" name=""/>
-        <p:cNvGrpSpPr/>
-        <p:nvPr/>
-      </p:nvGrpSpPr>
-      <p:grpSpPr>
-        <a:xfrm>
-          <a:off x="0" y="0"/>
-          <a:ext cx="0" cy="0"/>
-          <a:chOff x="0" y="0"/>
-          <a:chExt cx="0" cy="0"/>
-        </a:xfrm>
-      </p:grpSpPr>
-      <p:sp>
-        <p:nvSpPr>
-          <p:cNvPr id="2" name="TextBox 1">
-            <a:extLst>
-              <a:ext uri="{FF2B5EF4-FFF2-40B4-BE49-F238E27FC236}">
-                <a16:creationId xmlns:a16="http://schemas.microsoft.com/office/drawing/2014/main" id="{B71D1FE3-1142-814F-87DC-BB654A6F358F}"/>
-              </a:ext>
-            </a:extLst>
-          </p:cNvPr>
-          <p:cNvSpPr txBox="1"/>
-          <p:nvPr/>
-        </p:nvSpPr>
-        <p:spPr>
-          <a:xfrm>
-            <a:off x="889819" y="1536173"/>
-            <a:ext cx="10412363" cy="1938992"/>
-          </a:xfrm>
-          <a:prstGeom prst="rect">
-            <a:avLst/>
-          </a:prstGeom>
-          <a:noFill/>
-        </p:spPr>
-        <p:txBody>
-          <a:bodyPr wrap="square" rtlCol="0">
-            <a:spAutoFit/>
-          </a:bodyPr>
-          <a:lstStyle/>
-          <a:p>
-            <a:pPr marL="342891" indent="-342891" fontAlgn="base">
-              <a:buFont typeface="+mj-lt"/>
-              <a:buAutoNum type="arabicPeriod"/>
-            </a:pPr>
-            <a:r>
-              <a:rPr lang="en-US" sz="4000" dirty="0">
-                <a:solidFill>
-                  <a:schemeClr val="bg1">
-                    <a:lumMod val="75000"/>
-                  </a:schemeClr>
-                </a:solidFill>
-              </a:rPr>
-              <a:t>Lightweight Architectural Decision Records</a:t>
-            </a:r>
-          </a:p>
-          <a:p>
-            <a:pPr marL="342891" indent="-342891" fontAlgn="base">
-              <a:buFont typeface="+mj-lt"/>
-              <a:buAutoNum type="arabicPeriod"/>
-            </a:pPr>
-            <a:r>
-              <a:rPr lang="en-US" sz="4000" dirty="0">
-                <a:solidFill>
-                  <a:schemeClr val="bg1"/>
-                </a:solidFill>
-              </a:rPr>
-              <a:t>Enterprise Architecture Guilds</a:t>
-            </a:r>
-          </a:p>
-          <a:p>
-            <a:pPr marL="342891" indent="-342891" fontAlgn="base">
-              <a:buFont typeface="+mj-lt"/>
-              <a:buAutoNum type="arabicPeriod"/>
-            </a:pPr>
-            <a:r>
-              <a:rPr lang="en-US" sz="4000" dirty="0">
-                <a:solidFill>
-                  <a:schemeClr val="bg1">
-                    <a:lumMod val="75000"/>
-                  </a:schemeClr>
-                </a:solidFill>
-              </a:rPr>
-              <a:t>Build Reference </a:t>
-            </a:r>
-            <a:r>
-              <a:rPr lang="en-US" sz="4000" dirty="0" smtClean="0">
-                <a:solidFill>
-                  <a:schemeClr val="bg1">
-                    <a:lumMod val="75000"/>
-                  </a:schemeClr>
-                </a:solidFill>
-              </a:rPr>
-              <a:t>Implementations</a:t>
-            </a:r>
-            <a:endParaRPr lang="en-US" sz="4000" dirty="0">
-              <a:solidFill>
-                <a:schemeClr val="bg1">
-                  <a:lumMod val="75000"/>
-                </a:schemeClr>
-              </a:solidFill>
-            </a:endParaRPr>
-          </a:p>
-        </p:txBody>
-      </p:sp>
-    </p:spTree>
-    <p:extLst>
-      <p:ext uri="{BB962C8B-B14F-4D97-AF65-F5344CB8AC3E}">
-        <p14:creationId xmlns:p14="http://schemas.microsoft.com/office/powerpoint/2010/main" val="1652631293"/>
-      </p:ext>
-    </p:extLst>
-  </p:cSld>
-  <p:clrMapOvr>
-    <a:masterClrMapping/>
-  </p:clrMapOvr>
-  <p:timing>
-    <p:tnLst>
-      <p:par>
-        <p:cTn id="1" dur="indefinite" restart="never" nodeType="tmRoot"/>
-      </p:par>
-    </p:tnLst>
-  </p:timing>
-</p:sld>
-</file>
-
-<file path=ppt/slides/slide39.xml><?xml version="1.0" encoding="utf-8"?>
-<p:sld xmlns:a="http://schemas.openxmlformats.org/drawingml/2006/main" xmlns:r="http://schemas.openxmlformats.org/officeDocument/2006/relationships" xmlns:p="http://schemas.openxmlformats.org/presentationml/2006/main">
-  <p:cSld>
-    <p:bg>
-      <p:bgPr>
-        <a:solidFill>
-          <a:schemeClr val="accent5"/>
-        </a:solidFill>
-        <a:effectLst/>
-      </p:bgPr>
-    </p:bg>
-    <p:spTree>
-      <p:nvGrpSpPr>
-        <p:cNvPr id="1" name=""/>
-        <p:cNvGrpSpPr/>
-        <p:nvPr/>
-      </p:nvGrpSpPr>
-      <p:grpSpPr>
-        <a:xfrm>
-          <a:off x="0" y="0"/>
-          <a:ext cx="0" cy="0"/>
-          <a:chOff x="0" y="0"/>
-          <a:chExt cx="0" cy="0"/>
-        </a:xfrm>
-      </p:grpSpPr>
-      <p:sp>
-        <p:nvSpPr>
-          <p:cNvPr id="2" name="Title 1">
-            <a:extLst>
-              <a:ext uri="{FF2B5EF4-FFF2-40B4-BE49-F238E27FC236}">
-                <a16:creationId xmlns:a16="http://schemas.microsoft.com/office/drawing/2014/main" id="{C409FD33-6233-7C49-9918-532E7EC05AB5}"/>
-              </a:ext>
-            </a:extLst>
-          </p:cNvPr>
-          <p:cNvSpPr>
-            <a:spLocks noGrp="1"/>
-          </p:cNvSpPr>
-          <p:nvPr>
-            <p:ph type="title"/>
-          </p:nvPr>
-        </p:nvSpPr>
-        <p:spPr>
-          <a:xfrm>
-            <a:off x="838200" y="2365324"/>
-            <a:ext cx="10515600" cy="2127352"/>
-          </a:xfrm>
-        </p:spPr>
-        <p:txBody>
-          <a:bodyPr>
-            <a:noAutofit/>
-          </a:bodyPr>
-          <a:lstStyle/>
-          <a:p>
-            <a:pPr algn="ctr"/>
-            <a:r>
-              <a:rPr lang="en-US" sz="6600" dirty="0"/>
-              <a:t>New Approaches!</a:t>
-            </a:r>
-          </a:p>
-        </p:txBody>
-      </p:sp>
-    </p:spTree>
-    <p:extLst>
-      <p:ext uri="{BB962C8B-B14F-4D97-AF65-F5344CB8AC3E}">
-        <p14:creationId xmlns:p14="http://schemas.microsoft.com/office/powerpoint/2010/main" val="3537560085"/>
       </p:ext>
     </p:extLst>
   </p:cSld>
@@ -17132,7 +17312,7 @@
     <p:bg>
       <p:bgPr>
         <a:solidFill>
-          <a:schemeClr val="accent5"/>
+          <a:schemeClr val="accent1"/>
         </a:solidFill>
         <a:effectLst/>
       </p:bgPr>
@@ -17153,44 +17333,100 @@
       </p:grpSpPr>
       <p:sp>
         <p:nvSpPr>
-          <p:cNvPr id="2" name="Title 1">
+          <p:cNvPr id="2" name="TextBox 1">
             <a:extLst>
               <a:ext uri="{FF2B5EF4-FFF2-40B4-BE49-F238E27FC236}">
-                <a16:creationId xmlns:a16="http://schemas.microsoft.com/office/drawing/2014/main" id="{C409FD33-6233-7C49-9918-532E7EC05AB5}"/>
+                <a16:creationId xmlns:a16="http://schemas.microsoft.com/office/drawing/2014/main" id="{B71D1FE3-1142-814F-87DC-BB654A6F358F}"/>
               </a:ext>
             </a:extLst>
           </p:cNvPr>
-          <p:cNvSpPr>
-            <a:spLocks noGrp="1"/>
-          </p:cNvSpPr>
-          <p:nvPr>
-            <p:ph type="title"/>
-          </p:nvPr>
-        </p:nvSpPr>
-        <p:spPr>
-          <a:xfrm>
-            <a:off x="838200" y="2365324"/>
-            <a:ext cx="10515600" cy="2127352"/>
-          </a:xfrm>
-        </p:spPr>
-        <p:txBody>
-          <a:bodyPr>
-            <a:noAutofit/>
+          <p:cNvSpPr txBox="1"/>
+          <p:nvPr/>
+        </p:nvSpPr>
+        <p:spPr>
+          <a:xfrm>
+            <a:off x="889819" y="1536173"/>
+            <a:ext cx="10412363" cy="1938992"/>
+          </a:xfrm>
+          <a:prstGeom prst="rect">
+            <a:avLst/>
+          </a:prstGeom>
+          <a:noFill/>
+        </p:spPr>
+        <p:txBody>
+          <a:bodyPr wrap="square" rtlCol="0">
+            <a:spAutoFit/>
           </a:bodyPr>
           <a:lstStyle/>
           <a:p>
-            <a:pPr algn="ctr"/>
-            <a:r>
-              <a:rPr lang="en-US" sz="6600" dirty="0"/>
-              <a:t>Cross Functional!</a:t>
-            </a:r>
+            <a:pPr marL="342891" indent="-342891" fontAlgn="base">
+              <a:buFont typeface="+mj-lt"/>
+              <a:buAutoNum type="arabicPeriod"/>
+            </a:pPr>
+            <a:r>
+              <a:rPr lang="en-US" sz="4000" dirty="0">
+                <a:solidFill>
+                  <a:schemeClr val="bg1">
+                    <a:lumMod val="75000"/>
+                  </a:schemeClr>
+                </a:solidFill>
+              </a:rPr>
+              <a:t>Lightweight Architectural Decision Records</a:t>
+            </a:r>
+          </a:p>
+          <a:p>
+            <a:pPr marL="342891" indent="-342891" fontAlgn="base">
+              <a:buFont typeface="+mj-lt"/>
+              <a:buAutoNum type="arabicPeriod"/>
+            </a:pPr>
+            <a:r>
+              <a:rPr lang="en-US" sz="4000" dirty="0">
+                <a:solidFill>
+                  <a:schemeClr val="bg1"/>
+                </a:solidFill>
+              </a:rPr>
+              <a:t>Enterprise Architecture Guilds</a:t>
+            </a:r>
+          </a:p>
+          <a:p>
+            <a:pPr marL="342891" indent="-342891" fontAlgn="base">
+              <a:buFont typeface="+mj-lt"/>
+              <a:buAutoNum type="arabicPeriod"/>
+            </a:pPr>
+            <a:r>
+              <a:rPr lang="en-US" sz="4000" dirty="0">
+                <a:solidFill>
+                  <a:schemeClr val="bg1">
+                    <a:lumMod val="75000"/>
+                  </a:schemeClr>
+                </a:solidFill>
+              </a:rPr>
+              <a:t>Build Reference </a:t>
+            </a:r>
+            <a:r>
+              <a:rPr lang="en-US" sz="4000" dirty="0" smtClean="0">
+                <a:solidFill>
+                  <a:schemeClr val="bg1">
+                    <a:lumMod val="75000"/>
+                  </a:schemeClr>
+                </a:solidFill>
+              </a:rPr>
+              <a:t>Implementations</a:t>
+            </a:r>
+            <a:endParaRPr lang="en-US" sz="4000" dirty="0">
+              <a:solidFill>
+                <a:schemeClr val="bg1">
+                  <a:lumMod val="75000"/>
+                </a:schemeClr>
+              </a:solidFill>
+            </a:endParaRPr>
           </a:p>
         </p:txBody>
       </p:sp>
     </p:spTree>
     <p:extLst>
       <p:ext uri="{BB962C8B-B14F-4D97-AF65-F5344CB8AC3E}">
-        <p14:creationId xmlns:p14="http://schemas.microsoft.com/office/powerpoint/2010/main" val="2614967860"/>
+        <p14:creationId xmlns:p14="http://schemas.microsoft.com/office/powerpoint/2010/main" val="1652631293"/>
       </p:ext>
     </p:extLst>
   </p:cSld>
@@ -17250,7 +17486,7 @@
         </p:nvSpPr>
         <p:spPr>
           <a:xfrm>
-            <a:off x="838200" y="462383"/>
+            <a:off x="838200" y="2365324"/>
             <a:ext cx="10515600" cy="2127352"/>
           </a:xfrm>
         </p:spPr>
@@ -17263,84 +17499,15 @@
             <a:pPr algn="ctr"/>
             <a:r>
               <a:rPr lang="en-US" sz="6600" dirty="0"/>
-              <a:t>Two </a:t>
-            </a:r>
-            <a:r>
-              <a:rPr lang="en-US" sz="6600" dirty="0" smtClean="0"/>
-              <a:t>Pizzas</a:t>
-            </a:r>
-            <a:r>
-              <a:rPr lang="en-US" sz="6600" dirty="0"/>
-              <a:t>!</a:t>
-            </a:r>
-            <a:endParaRPr lang="en-US" sz="15000" dirty="0"/>
-          </a:p>
-        </p:txBody>
-      </p:sp>
-      <p:pic>
-        <p:nvPicPr>
-          <p:cNvPr id="3" name="Picture 2"/>
-          <p:cNvPicPr>
-            <a:picLocks noChangeAspect="1"/>
-          </p:cNvPicPr>
-          <p:nvPr/>
-        </p:nvPicPr>
-        <p:blipFill>
-          <a:blip r:embed="rId3">
-            <a:extLst>
-              <a:ext uri="{28A0092B-C50C-407E-A947-70E740481C1C}">
-                <a14:useLocalDpi xmlns:a14="http://schemas.microsoft.com/office/drawing/2010/main" val="0"/>
-              </a:ext>
-            </a:extLst>
-          </a:blip>
-          <a:stretch>
-            <a:fillRect/>
-          </a:stretch>
-        </p:blipFill>
-        <p:spPr>
-          <a:xfrm>
-            <a:off x="3892669" y="2589735"/>
-            <a:ext cx="2409276" cy="2409276"/>
-          </a:xfrm>
-          <a:prstGeom prst="rect">
-            <a:avLst/>
-          </a:prstGeom>
-        </p:spPr>
-      </p:pic>
-      <p:pic>
-        <p:nvPicPr>
-          <p:cNvPr id="4" name="Picture 3"/>
-          <p:cNvPicPr>
-            <a:picLocks noChangeAspect="1"/>
-          </p:cNvPicPr>
-          <p:nvPr/>
-        </p:nvPicPr>
-        <p:blipFill>
-          <a:blip r:embed="rId3">
-            <a:extLst>
-              <a:ext uri="{28A0092B-C50C-407E-A947-70E740481C1C}">
-                <a14:useLocalDpi xmlns:a14="http://schemas.microsoft.com/office/drawing/2010/main" val="0"/>
-              </a:ext>
-            </a:extLst>
-          </a:blip>
-          <a:stretch>
-            <a:fillRect/>
-          </a:stretch>
-        </p:blipFill>
-        <p:spPr>
-          <a:xfrm>
-            <a:off x="6331068" y="2640859"/>
-            <a:ext cx="2409276" cy="2409276"/>
-          </a:xfrm>
-          <a:prstGeom prst="rect">
-            <a:avLst/>
-          </a:prstGeom>
-        </p:spPr>
-      </p:pic>
+              <a:t>New Approaches!</a:t>
+            </a:r>
+          </a:p>
+        </p:txBody>
+      </p:sp>
     </p:spTree>
     <p:extLst>
       <p:ext uri="{BB962C8B-B14F-4D97-AF65-F5344CB8AC3E}">
-        <p14:creationId xmlns:p14="http://schemas.microsoft.com/office/powerpoint/2010/main" val="409998538"/>
+        <p14:creationId xmlns:p14="http://schemas.microsoft.com/office/powerpoint/2010/main" val="3537560085"/>
       </p:ext>
     </p:extLst>
   </p:cSld>
@@ -17413,6 +17580,237 @@
             <a:pPr algn="ctr"/>
             <a:r>
               <a:rPr lang="en-US" sz="6600" dirty="0"/>
+              <a:t>Cross Functional!</a:t>
+            </a:r>
+          </a:p>
+        </p:txBody>
+      </p:sp>
+    </p:spTree>
+    <p:extLst>
+      <p:ext uri="{BB962C8B-B14F-4D97-AF65-F5344CB8AC3E}">
+        <p14:creationId xmlns:p14="http://schemas.microsoft.com/office/powerpoint/2010/main" val="2614967860"/>
+      </p:ext>
+    </p:extLst>
+  </p:cSld>
+  <p:clrMapOvr>
+    <a:masterClrMapping/>
+  </p:clrMapOvr>
+  <p:timing>
+    <p:tnLst>
+      <p:par>
+        <p:cTn id="1" dur="indefinite" restart="never" nodeType="tmRoot"/>
+      </p:par>
+    </p:tnLst>
+  </p:timing>
+</p:sld>
+</file>
+
+<file path=ppt/slides/slide43.xml><?xml version="1.0" encoding="utf-8"?>
+<p:sld xmlns:a="http://schemas.openxmlformats.org/drawingml/2006/main" xmlns:r="http://schemas.openxmlformats.org/officeDocument/2006/relationships" xmlns:p="http://schemas.openxmlformats.org/presentationml/2006/main">
+  <p:cSld>
+    <p:bg>
+      <p:bgPr>
+        <a:solidFill>
+          <a:schemeClr val="accent5"/>
+        </a:solidFill>
+        <a:effectLst/>
+      </p:bgPr>
+    </p:bg>
+    <p:spTree>
+      <p:nvGrpSpPr>
+        <p:cNvPr id="1" name=""/>
+        <p:cNvGrpSpPr/>
+        <p:nvPr/>
+      </p:nvGrpSpPr>
+      <p:grpSpPr>
+        <a:xfrm>
+          <a:off x="0" y="0"/>
+          <a:ext cx="0" cy="0"/>
+          <a:chOff x="0" y="0"/>
+          <a:chExt cx="0" cy="0"/>
+        </a:xfrm>
+      </p:grpSpPr>
+      <p:sp>
+        <p:nvSpPr>
+          <p:cNvPr id="2" name="Title 1">
+            <a:extLst>
+              <a:ext uri="{FF2B5EF4-FFF2-40B4-BE49-F238E27FC236}">
+                <a16:creationId xmlns:a16="http://schemas.microsoft.com/office/drawing/2014/main" id="{C409FD33-6233-7C49-9918-532E7EC05AB5}"/>
+              </a:ext>
+            </a:extLst>
+          </p:cNvPr>
+          <p:cNvSpPr>
+            <a:spLocks noGrp="1"/>
+          </p:cNvSpPr>
+          <p:nvPr>
+            <p:ph type="title"/>
+          </p:nvPr>
+        </p:nvSpPr>
+        <p:spPr>
+          <a:xfrm>
+            <a:off x="838200" y="462383"/>
+            <a:ext cx="10515600" cy="2127352"/>
+          </a:xfrm>
+        </p:spPr>
+        <p:txBody>
+          <a:bodyPr>
+            <a:noAutofit/>
+          </a:bodyPr>
+          <a:lstStyle/>
+          <a:p>
+            <a:pPr algn="ctr"/>
+            <a:r>
+              <a:rPr lang="en-US" sz="6600" dirty="0"/>
+              <a:t>Two </a:t>
+            </a:r>
+            <a:r>
+              <a:rPr lang="en-US" sz="6600" dirty="0" smtClean="0"/>
+              <a:t>Pizzas</a:t>
+            </a:r>
+            <a:r>
+              <a:rPr lang="en-US" sz="6600" dirty="0"/>
+              <a:t>!</a:t>
+            </a:r>
+            <a:endParaRPr lang="en-US" sz="15000" dirty="0"/>
+          </a:p>
+        </p:txBody>
+      </p:sp>
+      <p:pic>
+        <p:nvPicPr>
+          <p:cNvPr id="3" name="Picture 2"/>
+          <p:cNvPicPr>
+            <a:picLocks noChangeAspect="1"/>
+          </p:cNvPicPr>
+          <p:nvPr/>
+        </p:nvPicPr>
+        <p:blipFill>
+          <a:blip r:embed="rId3">
+            <a:extLst>
+              <a:ext uri="{28A0092B-C50C-407E-A947-70E740481C1C}">
+                <a14:useLocalDpi xmlns:a14="http://schemas.microsoft.com/office/drawing/2010/main" val="0"/>
+              </a:ext>
+            </a:extLst>
+          </a:blip>
+          <a:stretch>
+            <a:fillRect/>
+          </a:stretch>
+        </p:blipFill>
+        <p:spPr>
+          <a:xfrm>
+            <a:off x="3892669" y="2589735"/>
+            <a:ext cx="2409276" cy="2409276"/>
+          </a:xfrm>
+          <a:prstGeom prst="rect">
+            <a:avLst/>
+          </a:prstGeom>
+        </p:spPr>
+      </p:pic>
+      <p:pic>
+        <p:nvPicPr>
+          <p:cNvPr id="4" name="Picture 3"/>
+          <p:cNvPicPr>
+            <a:picLocks noChangeAspect="1"/>
+          </p:cNvPicPr>
+          <p:nvPr/>
+        </p:nvPicPr>
+        <p:blipFill>
+          <a:blip r:embed="rId3">
+            <a:extLst>
+              <a:ext uri="{28A0092B-C50C-407E-A947-70E740481C1C}">
+                <a14:useLocalDpi xmlns:a14="http://schemas.microsoft.com/office/drawing/2010/main" val="0"/>
+              </a:ext>
+            </a:extLst>
+          </a:blip>
+          <a:stretch>
+            <a:fillRect/>
+          </a:stretch>
+        </p:blipFill>
+        <p:spPr>
+          <a:xfrm>
+            <a:off x="6331068" y="2640859"/>
+            <a:ext cx="2409276" cy="2409276"/>
+          </a:xfrm>
+          <a:prstGeom prst="rect">
+            <a:avLst/>
+          </a:prstGeom>
+        </p:spPr>
+      </p:pic>
+    </p:spTree>
+    <p:extLst>
+      <p:ext uri="{BB962C8B-B14F-4D97-AF65-F5344CB8AC3E}">
+        <p14:creationId xmlns:p14="http://schemas.microsoft.com/office/powerpoint/2010/main" val="409998538"/>
+      </p:ext>
+    </p:extLst>
+  </p:cSld>
+  <p:clrMapOvr>
+    <a:masterClrMapping/>
+  </p:clrMapOvr>
+  <p:timing>
+    <p:tnLst>
+      <p:par>
+        <p:cTn id="1" dur="indefinite" restart="never" nodeType="tmRoot"/>
+      </p:par>
+    </p:tnLst>
+  </p:timing>
+</p:sld>
+</file>
+
+<file path=ppt/slides/slide44.xml><?xml version="1.0" encoding="utf-8"?>
+<p:sld xmlns:a="http://schemas.openxmlformats.org/drawingml/2006/main" xmlns:r="http://schemas.openxmlformats.org/officeDocument/2006/relationships" xmlns:p="http://schemas.openxmlformats.org/presentationml/2006/main">
+  <p:cSld>
+    <p:bg>
+      <p:bgPr>
+        <a:solidFill>
+          <a:schemeClr val="accent5"/>
+        </a:solidFill>
+        <a:effectLst/>
+      </p:bgPr>
+    </p:bg>
+    <p:spTree>
+      <p:nvGrpSpPr>
+        <p:cNvPr id="1" name=""/>
+        <p:cNvGrpSpPr/>
+        <p:nvPr/>
+      </p:nvGrpSpPr>
+      <p:grpSpPr>
+        <a:xfrm>
+          <a:off x="0" y="0"/>
+          <a:ext cx="0" cy="0"/>
+          <a:chOff x="0" y="0"/>
+          <a:chExt cx="0" cy="0"/>
+        </a:xfrm>
+      </p:grpSpPr>
+      <p:sp>
+        <p:nvSpPr>
+          <p:cNvPr id="2" name="Title 1">
+            <a:extLst>
+              <a:ext uri="{FF2B5EF4-FFF2-40B4-BE49-F238E27FC236}">
+                <a16:creationId xmlns:a16="http://schemas.microsoft.com/office/drawing/2014/main" id="{C409FD33-6233-7C49-9918-532E7EC05AB5}"/>
+              </a:ext>
+            </a:extLst>
+          </p:cNvPr>
+          <p:cNvSpPr>
+            <a:spLocks noGrp="1"/>
+          </p:cNvSpPr>
+          <p:nvPr>
+            <p:ph type="title"/>
+          </p:nvPr>
+        </p:nvSpPr>
+        <p:spPr>
+          <a:xfrm>
+            <a:off x="838200" y="2365324"/>
+            <a:ext cx="10515600" cy="2127352"/>
+          </a:xfrm>
+        </p:spPr>
+        <p:txBody>
+          <a:bodyPr>
+            <a:noAutofit/>
+          </a:bodyPr>
+          <a:lstStyle/>
+          <a:p>
+            <a:pPr algn="ctr"/>
+            <a:r>
+              <a:rPr lang="en-US" sz="6600" dirty="0"/>
               <a:t>Free Reign!</a:t>
             </a:r>
           </a:p>
@@ -17438,7 +17836,7 @@
 </p:sld>
 </file>
 
-<file path=ppt/slides/slide43.xml><?xml version="1.0" encoding="utf-8"?>
+<file path=ppt/slides/slide45.xml><?xml version="1.0" encoding="utf-8"?>
 <p:sld xmlns:a="http://schemas.openxmlformats.org/drawingml/2006/main" xmlns:r="http://schemas.openxmlformats.org/officeDocument/2006/relationships" xmlns:p="http://schemas.openxmlformats.org/presentationml/2006/main">
   <p:cSld>
     <p:bg>
@@ -17603,392 +18001,6 @@
 </p:sld>
 </file>
 
-<file path=ppt/slides/slide44.xml><?xml version="1.0" encoding="utf-8"?>
-<p:sld xmlns:a="http://schemas.openxmlformats.org/drawingml/2006/main" xmlns:r="http://schemas.openxmlformats.org/officeDocument/2006/relationships" xmlns:p="http://schemas.openxmlformats.org/presentationml/2006/main">
-  <p:cSld>
-    <p:bg>
-      <p:bgPr>
-        <a:solidFill>
-          <a:schemeClr val="accent5"/>
-        </a:solidFill>
-        <a:effectLst/>
-      </p:bgPr>
-    </p:bg>
-    <p:spTree>
-      <p:nvGrpSpPr>
-        <p:cNvPr id="1" name=""/>
-        <p:cNvGrpSpPr/>
-        <p:nvPr/>
-      </p:nvGrpSpPr>
-      <p:grpSpPr>
-        <a:xfrm>
-          <a:off x="0" y="0"/>
-          <a:ext cx="0" cy="0"/>
-          <a:chOff x="0" y="0"/>
-          <a:chExt cx="0" cy="0"/>
-        </a:xfrm>
-      </p:grpSpPr>
-      <p:sp>
-        <p:nvSpPr>
-          <p:cNvPr id="2" name="Title 1">
-            <a:extLst>
-              <a:ext uri="{FF2B5EF4-FFF2-40B4-BE49-F238E27FC236}">
-                <a16:creationId xmlns:a16="http://schemas.microsoft.com/office/drawing/2014/main" id="{C409FD33-6233-7C49-9918-532E7EC05AB5}"/>
-              </a:ext>
-            </a:extLst>
-          </p:cNvPr>
-          <p:cNvSpPr>
-            <a:spLocks noGrp="1"/>
-          </p:cNvSpPr>
-          <p:nvPr>
-            <p:ph type="title"/>
-          </p:nvPr>
-        </p:nvSpPr>
-        <p:spPr>
-          <a:xfrm>
-            <a:off x="838200" y="2365324"/>
-            <a:ext cx="10515600" cy="2127352"/>
-          </a:xfrm>
-        </p:spPr>
-        <p:txBody>
-          <a:bodyPr>
-            <a:noAutofit/>
-          </a:bodyPr>
-          <a:lstStyle/>
-          <a:p>
-            <a:pPr algn="ctr"/>
-            <a:r>
-              <a:rPr lang="en-US" sz="6600" dirty="0"/>
-              <a:t>Power to the People</a:t>
-            </a:r>
-          </a:p>
-        </p:txBody>
-      </p:sp>
-      <p:sp>
-        <p:nvSpPr>
-          <p:cNvPr id="3" name="TextBox 2">
-            <a:extLst>
-              <a:ext uri="{FF2B5EF4-FFF2-40B4-BE49-F238E27FC236}">
-                <a16:creationId xmlns:a16="http://schemas.microsoft.com/office/drawing/2014/main" id="{99A54E6B-82ED-3345-8103-2168DB68191F}"/>
-              </a:ext>
-            </a:extLst>
-          </p:cNvPr>
-          <p:cNvSpPr txBox="1"/>
-          <p:nvPr/>
-        </p:nvSpPr>
-        <p:spPr>
-          <a:xfrm>
-            <a:off x="2743960" y="5737123"/>
-            <a:ext cx="6704079" cy="369332"/>
-          </a:xfrm>
-          <a:prstGeom prst="rect">
-            <a:avLst/>
-          </a:prstGeom>
-          <a:noFill/>
-        </p:spPr>
-        <p:txBody>
-          <a:bodyPr wrap="none" rtlCol="0">
-            <a:spAutoFit/>
-          </a:bodyPr>
-          <a:lstStyle/>
-          <a:p>
-            <a:pPr algn="ctr"/>
-            <a:r>
-              <a:rPr lang="en-US" dirty="0"/>
-              <a:t>https://</a:t>
-            </a:r>
-            <a:r>
-              <a:rPr lang="en-US" dirty="0" err="1"/>
-              <a:t>labs.spotify.com</a:t>
-            </a:r>
-            <a:r>
-              <a:rPr lang="en-US" dirty="0"/>
-              <a:t>/2014/03/27/spotify-engineering-culture-part-1</a:t>
-            </a:r>
-          </a:p>
-        </p:txBody>
-      </p:sp>
-      <p:pic>
-        <p:nvPicPr>
-          <p:cNvPr id="4" name="Picture 3"/>
-          <p:cNvPicPr>
-            <a:picLocks noChangeAspect="1"/>
-          </p:cNvPicPr>
-          <p:nvPr/>
-        </p:nvPicPr>
-        <p:blipFill>
-          <a:blip r:embed="rId3">
-            <a:extLst>
-              <a:ext uri="{28A0092B-C50C-407E-A947-70E740481C1C}">
-                <a14:useLocalDpi xmlns:a14="http://schemas.microsoft.com/office/drawing/2010/main" val="0"/>
-              </a:ext>
-            </a:extLst>
-          </a:blip>
-          <a:stretch>
-            <a:fillRect/>
-          </a:stretch>
-        </p:blipFill>
-        <p:spPr>
-          <a:xfrm>
-            <a:off x="6549081" y="278610"/>
-            <a:ext cx="2656411" cy="2656411"/>
-          </a:xfrm>
-          <a:prstGeom prst="rect">
-            <a:avLst/>
-          </a:prstGeom>
-        </p:spPr>
-      </p:pic>
-      <p:pic>
-        <p:nvPicPr>
-          <p:cNvPr id="5" name="Picture 4"/>
-          <p:cNvPicPr>
-            <a:picLocks noChangeAspect="1"/>
-          </p:cNvPicPr>
-          <p:nvPr/>
-        </p:nvPicPr>
-        <p:blipFill>
-          <a:blip r:embed="rId3">
-            <a:extLst>
-              <a:ext uri="{28A0092B-C50C-407E-A947-70E740481C1C}">
-                <a14:useLocalDpi xmlns:a14="http://schemas.microsoft.com/office/drawing/2010/main" val="0"/>
-              </a:ext>
-            </a:extLst>
-          </a:blip>
-          <a:stretch>
-            <a:fillRect/>
-          </a:stretch>
-        </p:blipFill>
-        <p:spPr>
-          <a:xfrm flipH="1">
-            <a:off x="2648465" y="278611"/>
-            <a:ext cx="2656411" cy="2656411"/>
-          </a:xfrm>
-          <a:prstGeom prst="rect">
-            <a:avLst/>
-          </a:prstGeom>
-        </p:spPr>
-      </p:pic>
-    </p:spTree>
-    <p:extLst>
-      <p:ext uri="{BB962C8B-B14F-4D97-AF65-F5344CB8AC3E}">
-        <p14:creationId xmlns:p14="http://schemas.microsoft.com/office/powerpoint/2010/main" val="2322034607"/>
-      </p:ext>
-    </p:extLst>
-  </p:cSld>
-  <p:clrMapOvr>
-    <a:masterClrMapping/>
-  </p:clrMapOvr>
-  <p:timing>
-    <p:tnLst>
-      <p:par>
-        <p:cTn id="1" dur="indefinite" restart="never" nodeType="tmRoot"/>
-      </p:par>
-    </p:tnLst>
-  </p:timing>
-</p:sld>
-</file>
-
-<file path=ppt/slides/slide45.xml><?xml version="1.0" encoding="utf-8"?>
-<p:sld xmlns:a="http://schemas.openxmlformats.org/drawingml/2006/main" xmlns:r="http://schemas.openxmlformats.org/officeDocument/2006/relationships" xmlns:p="http://schemas.openxmlformats.org/presentationml/2006/main">
-  <p:cSld>
-    <p:bg>
-      <p:bgPr>
-        <a:solidFill>
-          <a:schemeClr val="accent5"/>
-        </a:solidFill>
-        <a:effectLst/>
-      </p:bgPr>
-    </p:bg>
-    <p:spTree>
-      <p:nvGrpSpPr>
-        <p:cNvPr id="1" name=""/>
-        <p:cNvGrpSpPr/>
-        <p:nvPr/>
-      </p:nvGrpSpPr>
-      <p:grpSpPr>
-        <a:xfrm>
-          <a:off x="0" y="0"/>
-          <a:ext cx="0" cy="0"/>
-          <a:chOff x="0" y="0"/>
-          <a:chExt cx="0" cy="0"/>
-        </a:xfrm>
-      </p:grpSpPr>
-      <p:sp>
-        <p:nvSpPr>
-          <p:cNvPr id="2" name="Title 1">
-            <a:extLst>
-              <a:ext uri="{FF2B5EF4-FFF2-40B4-BE49-F238E27FC236}">
-                <a16:creationId xmlns:a16="http://schemas.microsoft.com/office/drawing/2014/main" id="{C409FD33-6233-7C49-9918-532E7EC05AB5}"/>
-              </a:ext>
-            </a:extLst>
-          </p:cNvPr>
-          <p:cNvSpPr>
-            <a:spLocks noGrp="1"/>
-          </p:cNvSpPr>
-          <p:nvPr>
-            <p:ph type="title"/>
-          </p:nvPr>
-        </p:nvSpPr>
-        <p:spPr>
-          <a:xfrm>
-            <a:off x="838200" y="2365324"/>
-            <a:ext cx="10515600" cy="2127352"/>
-          </a:xfrm>
-        </p:spPr>
-        <p:txBody>
-          <a:bodyPr>
-            <a:noAutofit/>
-          </a:bodyPr>
-          <a:lstStyle/>
-          <a:p>
-            <a:pPr algn="ctr"/>
-            <a:r>
-              <a:rPr lang="en-US" sz="6600" dirty="0"/>
-              <a:t>Open To All</a:t>
-            </a:r>
-          </a:p>
-        </p:txBody>
-      </p:sp>
-      <p:pic>
-        <p:nvPicPr>
-          <p:cNvPr id="4" name="Picture 3"/>
-          <p:cNvPicPr>
-            <a:picLocks noChangeAspect="1"/>
-          </p:cNvPicPr>
-          <p:nvPr/>
-        </p:nvPicPr>
-        <p:blipFill>
-          <a:blip r:embed="rId3">
-            <a:extLst>
-              <a:ext uri="{28A0092B-C50C-407E-A947-70E740481C1C}">
-                <a14:useLocalDpi xmlns:a14="http://schemas.microsoft.com/office/drawing/2010/main" val="0"/>
-              </a:ext>
-            </a:extLst>
-          </a:blip>
-          <a:stretch>
-            <a:fillRect/>
-          </a:stretch>
-        </p:blipFill>
-        <p:spPr>
-          <a:xfrm>
-            <a:off x="1347178" y="277324"/>
-            <a:ext cx="2088000" cy="2088000"/>
-          </a:xfrm>
-          <a:prstGeom prst="rect">
-            <a:avLst/>
-          </a:prstGeom>
-        </p:spPr>
-      </p:pic>
-      <p:pic>
-        <p:nvPicPr>
-          <p:cNvPr id="5" name="Picture 4"/>
-          <p:cNvPicPr>
-            <a:picLocks noChangeAspect="1"/>
-          </p:cNvPicPr>
-          <p:nvPr/>
-        </p:nvPicPr>
-        <p:blipFill>
-          <a:blip r:embed="rId4">
-            <a:extLst>
-              <a:ext uri="{28A0092B-C50C-407E-A947-70E740481C1C}">
-                <a14:useLocalDpi xmlns:a14="http://schemas.microsoft.com/office/drawing/2010/main" val="0"/>
-              </a:ext>
-            </a:extLst>
-          </a:blip>
-          <a:stretch>
-            <a:fillRect/>
-          </a:stretch>
-        </p:blipFill>
-        <p:spPr>
-          <a:xfrm>
-            <a:off x="8946584" y="277324"/>
-            <a:ext cx="2088000" cy="2088000"/>
-          </a:xfrm>
-          <a:prstGeom prst="rect">
-            <a:avLst/>
-          </a:prstGeom>
-        </p:spPr>
-      </p:pic>
-      <p:pic>
-        <p:nvPicPr>
-          <p:cNvPr id="6" name="Picture 5"/>
-          <p:cNvPicPr>
-            <a:picLocks noChangeAspect="1"/>
-          </p:cNvPicPr>
-          <p:nvPr/>
-        </p:nvPicPr>
-        <p:blipFill>
-          <a:blip r:embed="rId5">
-            <a:extLst>
-              <a:ext uri="{28A0092B-C50C-407E-A947-70E740481C1C}">
-                <a14:useLocalDpi xmlns:a14="http://schemas.microsoft.com/office/drawing/2010/main" val="0"/>
-              </a:ext>
-            </a:extLst>
-          </a:blip>
-          <a:stretch>
-            <a:fillRect/>
-          </a:stretch>
-        </p:blipFill>
-        <p:spPr>
-          <a:xfrm>
-            <a:off x="1347178" y="4213010"/>
-            <a:ext cx="2088000" cy="2088000"/>
-          </a:xfrm>
-          <a:prstGeom prst="rect">
-            <a:avLst/>
-          </a:prstGeom>
-        </p:spPr>
-      </p:pic>
-      <p:pic>
-        <p:nvPicPr>
-          <p:cNvPr id="7" name="Picture 6"/>
-          <p:cNvPicPr>
-            <a:picLocks noChangeAspect="1"/>
-          </p:cNvPicPr>
-          <p:nvPr/>
-        </p:nvPicPr>
-        <p:blipFill>
-          <a:blip r:embed="rId6">
-            <a:extLst>
-              <a:ext uri="{28A0092B-C50C-407E-A947-70E740481C1C}">
-                <a14:useLocalDpi xmlns:a14="http://schemas.microsoft.com/office/drawing/2010/main" val="0"/>
-              </a:ext>
-            </a:extLst>
-          </a:blip>
-          <a:stretch>
-            <a:fillRect/>
-          </a:stretch>
-        </p:blipFill>
-        <p:spPr>
-          <a:xfrm>
-            <a:off x="8946584" y="4213010"/>
-            <a:ext cx="2088000" cy="2088000"/>
-          </a:xfrm>
-          <a:prstGeom prst="rect">
-            <a:avLst/>
-          </a:prstGeom>
-        </p:spPr>
-      </p:pic>
-    </p:spTree>
-    <p:extLst>
-      <p:ext uri="{BB962C8B-B14F-4D97-AF65-F5344CB8AC3E}">
-        <p14:creationId xmlns:p14="http://schemas.microsoft.com/office/powerpoint/2010/main" val="839796847"/>
-      </p:ext>
-    </p:extLst>
-  </p:cSld>
-  <p:clrMapOvr>
-    <a:masterClrMapping/>
-  </p:clrMapOvr>
-  <p:timing>
-    <p:tnLst>
-      <p:par>
-        <p:cTn id="1" dur="indefinite" restart="never" nodeType="tmRoot"/>
-      </p:par>
-    </p:tnLst>
-  </p:timing>
-</p:sld>
-</file>
-
 <file path=ppt/slides/slide46.xml><?xml version="1.0" encoding="utf-8"?>
 <p:sld xmlns:a="http://schemas.openxmlformats.org/drawingml/2006/main" xmlns:r="http://schemas.openxmlformats.org/officeDocument/2006/relationships" xmlns:p="http://schemas.openxmlformats.org/presentationml/2006/main">
   <p:cSld>
@@ -18032,7 +18044,7 @@
         </p:nvSpPr>
         <p:spPr>
           <a:xfrm>
-            <a:off x="875562" y="771303"/>
+            <a:off x="838200" y="2365324"/>
             <a:ext cx="10515600" cy="2127352"/>
           </a:xfrm>
         </p:spPr>
@@ -18045,14 +18057,58 @@
             <a:pPr algn="ctr"/>
             <a:r>
               <a:rPr lang="en-US" sz="6600" dirty="0"/>
-              <a:t>Decision Making</a:t>
+              <a:t>Power to the People</a:t>
+            </a:r>
+          </a:p>
+        </p:txBody>
+      </p:sp>
+      <p:sp>
+        <p:nvSpPr>
+          <p:cNvPr id="3" name="TextBox 2">
+            <a:extLst>
+              <a:ext uri="{FF2B5EF4-FFF2-40B4-BE49-F238E27FC236}">
+                <a16:creationId xmlns:a16="http://schemas.microsoft.com/office/drawing/2014/main" id="{99A54E6B-82ED-3345-8103-2168DB68191F}"/>
+              </a:ext>
+            </a:extLst>
+          </p:cNvPr>
+          <p:cNvSpPr txBox="1"/>
+          <p:nvPr/>
+        </p:nvSpPr>
+        <p:spPr>
+          <a:xfrm>
+            <a:off x="2743960" y="5737123"/>
+            <a:ext cx="6704079" cy="369332"/>
+          </a:xfrm>
+          <a:prstGeom prst="rect">
+            <a:avLst/>
+          </a:prstGeom>
+          <a:noFill/>
+        </p:spPr>
+        <p:txBody>
+          <a:bodyPr wrap="none" rtlCol="0">
+            <a:spAutoFit/>
+          </a:bodyPr>
+          <a:lstStyle/>
+          <a:p>
+            <a:pPr algn="ctr"/>
+            <a:r>
+              <a:rPr lang="en-US" dirty="0"/>
+              <a:t>https://</a:t>
+            </a:r>
+            <a:r>
+              <a:rPr lang="en-US" dirty="0" err="1"/>
+              <a:t>labs.spotify.com</a:t>
+            </a:r>
+            <a:r>
+              <a:rPr lang="en-US" dirty="0"/>
+              <a:t>/2014/03/27/spotify-engineering-culture-part-1</a:t>
             </a:r>
           </a:p>
         </p:txBody>
       </p:sp>
       <p:pic>
         <p:nvPicPr>
-          <p:cNvPr id="3" name="Picture 2"/>
+          <p:cNvPr id="4" name="Picture 3"/>
           <p:cNvPicPr>
             <a:picLocks noChangeAspect="1"/>
           </p:cNvPicPr>
@@ -18072,8 +18128,38 @@
         </p:blipFill>
         <p:spPr>
           <a:xfrm>
-            <a:off x="4743372" y="3103897"/>
-            <a:ext cx="2779979" cy="2779979"/>
+            <a:off x="6549081" y="278610"/>
+            <a:ext cx="2656411" cy="2656411"/>
+          </a:xfrm>
+          <a:prstGeom prst="rect">
+            <a:avLst/>
+          </a:prstGeom>
+        </p:spPr>
+      </p:pic>
+      <p:pic>
+        <p:nvPicPr>
+          <p:cNvPr id="5" name="Picture 4"/>
+          <p:cNvPicPr>
+            <a:picLocks noChangeAspect="1"/>
+          </p:cNvPicPr>
+          <p:nvPr/>
+        </p:nvPicPr>
+        <p:blipFill>
+          <a:blip r:embed="rId3">
+            <a:extLst>
+              <a:ext uri="{28A0092B-C50C-407E-A947-70E740481C1C}">
+                <a14:useLocalDpi xmlns:a14="http://schemas.microsoft.com/office/drawing/2010/main" val="0"/>
+              </a:ext>
+            </a:extLst>
+          </a:blip>
+          <a:stretch>
+            <a:fillRect/>
+          </a:stretch>
+        </p:blipFill>
+        <p:spPr>
+          <a:xfrm flipH="1">
+            <a:off x="2648465" y="278611"/>
+            <a:ext cx="2656411" cy="2656411"/>
           </a:xfrm>
           <a:prstGeom prst="rect">
             <a:avLst/>
@@ -18083,7 +18169,7 @@
     </p:spTree>
     <p:extLst>
       <p:ext uri="{BB962C8B-B14F-4D97-AF65-F5344CB8AC3E}">
-        <p14:creationId xmlns:p14="http://schemas.microsoft.com/office/powerpoint/2010/main" val="2165740222"/>
+        <p14:creationId xmlns:p14="http://schemas.microsoft.com/office/powerpoint/2010/main" val="2322034607"/>
       </p:ext>
     </p:extLst>
   </p:cSld>
@@ -18156,15 +18242,135 @@
             <a:pPr algn="ctr"/>
             <a:r>
               <a:rPr lang="en-US" sz="6600" dirty="0"/>
-              <a:t>#1 Write ADRs</a:t>
-            </a:r>
-          </a:p>
-        </p:txBody>
-      </p:sp>
+              <a:t>Open To All</a:t>
+            </a:r>
+          </a:p>
+        </p:txBody>
+      </p:sp>
+      <p:pic>
+        <p:nvPicPr>
+          <p:cNvPr id="4" name="Picture 3"/>
+          <p:cNvPicPr>
+            <a:picLocks noChangeAspect="1"/>
+          </p:cNvPicPr>
+          <p:nvPr/>
+        </p:nvPicPr>
+        <p:blipFill>
+          <a:blip r:embed="rId3">
+            <a:extLst>
+              <a:ext uri="{28A0092B-C50C-407E-A947-70E740481C1C}">
+                <a14:useLocalDpi xmlns:a14="http://schemas.microsoft.com/office/drawing/2010/main" val="0"/>
+              </a:ext>
+            </a:extLst>
+          </a:blip>
+          <a:stretch>
+            <a:fillRect/>
+          </a:stretch>
+        </p:blipFill>
+        <p:spPr>
+          <a:xfrm>
+            <a:off x="1347178" y="277324"/>
+            <a:ext cx="2088000" cy="2088000"/>
+          </a:xfrm>
+          <a:prstGeom prst="rect">
+            <a:avLst/>
+          </a:prstGeom>
+        </p:spPr>
+      </p:pic>
+      <p:pic>
+        <p:nvPicPr>
+          <p:cNvPr id="5" name="Picture 4"/>
+          <p:cNvPicPr>
+            <a:picLocks noChangeAspect="1"/>
+          </p:cNvPicPr>
+          <p:nvPr/>
+        </p:nvPicPr>
+        <p:blipFill>
+          <a:blip r:embed="rId4">
+            <a:extLst>
+              <a:ext uri="{28A0092B-C50C-407E-A947-70E740481C1C}">
+                <a14:useLocalDpi xmlns:a14="http://schemas.microsoft.com/office/drawing/2010/main" val="0"/>
+              </a:ext>
+            </a:extLst>
+          </a:blip>
+          <a:stretch>
+            <a:fillRect/>
+          </a:stretch>
+        </p:blipFill>
+        <p:spPr>
+          <a:xfrm>
+            <a:off x="8946584" y="277324"/>
+            <a:ext cx="2088000" cy="2088000"/>
+          </a:xfrm>
+          <a:prstGeom prst="rect">
+            <a:avLst/>
+          </a:prstGeom>
+        </p:spPr>
+      </p:pic>
+      <p:pic>
+        <p:nvPicPr>
+          <p:cNvPr id="6" name="Picture 5"/>
+          <p:cNvPicPr>
+            <a:picLocks noChangeAspect="1"/>
+          </p:cNvPicPr>
+          <p:nvPr/>
+        </p:nvPicPr>
+        <p:blipFill>
+          <a:blip r:embed="rId5">
+            <a:extLst>
+              <a:ext uri="{28A0092B-C50C-407E-A947-70E740481C1C}">
+                <a14:useLocalDpi xmlns:a14="http://schemas.microsoft.com/office/drawing/2010/main" val="0"/>
+              </a:ext>
+            </a:extLst>
+          </a:blip>
+          <a:stretch>
+            <a:fillRect/>
+          </a:stretch>
+        </p:blipFill>
+        <p:spPr>
+          <a:xfrm>
+            <a:off x="1347178" y="4213010"/>
+            <a:ext cx="2088000" cy="2088000"/>
+          </a:xfrm>
+          <a:prstGeom prst="rect">
+            <a:avLst/>
+          </a:prstGeom>
+        </p:spPr>
+      </p:pic>
+      <p:pic>
+        <p:nvPicPr>
+          <p:cNvPr id="7" name="Picture 6"/>
+          <p:cNvPicPr>
+            <a:picLocks noChangeAspect="1"/>
+          </p:cNvPicPr>
+          <p:nvPr/>
+        </p:nvPicPr>
+        <p:blipFill>
+          <a:blip r:embed="rId6">
+            <a:extLst>
+              <a:ext uri="{28A0092B-C50C-407E-A947-70E740481C1C}">
+                <a14:useLocalDpi xmlns:a14="http://schemas.microsoft.com/office/drawing/2010/main" val="0"/>
+              </a:ext>
+            </a:extLst>
+          </a:blip>
+          <a:stretch>
+            <a:fillRect/>
+          </a:stretch>
+        </p:blipFill>
+        <p:spPr>
+          <a:xfrm>
+            <a:off x="8946584" y="4213010"/>
+            <a:ext cx="2088000" cy="2088000"/>
+          </a:xfrm>
+          <a:prstGeom prst="rect">
+            <a:avLst/>
+          </a:prstGeom>
+        </p:spPr>
+      </p:pic>
     </p:spTree>
     <p:extLst>
       <p:ext uri="{BB962C8B-B14F-4D97-AF65-F5344CB8AC3E}">
-        <p14:creationId xmlns:p14="http://schemas.microsoft.com/office/powerpoint/2010/main" val="2871683733"/>
+        <p14:creationId xmlns:p14="http://schemas.microsoft.com/office/powerpoint/2010/main" val="839796847"/>
       </p:ext>
     </p:extLst>
   </p:cSld>
@@ -18224,7 +18430,7 @@
         </p:nvSpPr>
         <p:spPr>
           <a:xfrm>
-            <a:off x="838200" y="2365324"/>
+            <a:off x="875562" y="771303"/>
             <a:ext cx="10515600" cy="2127352"/>
           </a:xfrm>
         </p:spPr>
@@ -18237,15 +18443,45 @@
             <a:pPr algn="ctr"/>
             <a:r>
               <a:rPr lang="en-US" sz="6600" dirty="0"/>
-              <a:t>#2 Form Short-Term SIGs</a:t>
-            </a:r>
-          </a:p>
-        </p:txBody>
-      </p:sp>
+              <a:t>Decision Making</a:t>
+            </a:r>
+          </a:p>
+        </p:txBody>
+      </p:sp>
+      <p:pic>
+        <p:nvPicPr>
+          <p:cNvPr id="3" name="Picture 2"/>
+          <p:cNvPicPr>
+            <a:picLocks noChangeAspect="1"/>
+          </p:cNvPicPr>
+          <p:nvPr/>
+        </p:nvPicPr>
+        <p:blipFill>
+          <a:blip r:embed="rId3">
+            <a:extLst>
+              <a:ext uri="{28A0092B-C50C-407E-A947-70E740481C1C}">
+                <a14:useLocalDpi xmlns:a14="http://schemas.microsoft.com/office/drawing/2010/main" val="0"/>
+              </a:ext>
+            </a:extLst>
+          </a:blip>
+          <a:stretch>
+            <a:fillRect/>
+          </a:stretch>
+        </p:blipFill>
+        <p:spPr>
+          <a:xfrm>
+            <a:off x="4743372" y="3103897"/>
+            <a:ext cx="2779979" cy="2779979"/>
+          </a:xfrm>
+          <a:prstGeom prst="rect">
+            <a:avLst/>
+          </a:prstGeom>
+        </p:spPr>
+      </p:pic>
     </p:spTree>
     <p:extLst>
       <p:ext uri="{BB962C8B-B14F-4D97-AF65-F5344CB8AC3E}">
-        <p14:creationId xmlns:p14="http://schemas.microsoft.com/office/powerpoint/2010/main" val="2637277908"/>
+        <p14:creationId xmlns:p14="http://schemas.microsoft.com/office/powerpoint/2010/main" val="2165740222"/>
       </p:ext>
     </p:extLst>
   </p:cSld>
@@ -18318,7 +18554,7 @@
             <a:pPr algn="ctr"/>
             <a:r>
               <a:rPr lang="en-US" sz="6600" dirty="0"/>
-              <a:t>#3 Long Running SIGs</a:t>
+              <a:t>#1 Write ADRs</a:t>
             </a:r>
           </a:p>
         </p:txBody>
@@ -18326,7 +18562,7 @@
     </p:spTree>
     <p:extLst>
       <p:ext uri="{BB962C8B-B14F-4D97-AF65-F5344CB8AC3E}">
-        <p14:creationId xmlns:p14="http://schemas.microsoft.com/office/powerpoint/2010/main" val="485757986"/>
+        <p14:creationId xmlns:p14="http://schemas.microsoft.com/office/powerpoint/2010/main" val="2871683733"/>
       </p:ext>
     </p:extLst>
   </p:cSld>
@@ -18511,7 +18747,7 @@
             <a:pPr algn="ctr"/>
             <a:r>
               <a:rPr lang="en-US" sz="6600" dirty="0"/>
-              <a:t>What about the “Architecture Review Board”?</a:t>
+              <a:t>#2 Form Short-Term SIGs</a:t>
             </a:r>
           </a:p>
         </p:txBody>
@@ -18519,7 +18755,7 @@
     </p:spTree>
     <p:extLst>
       <p:ext uri="{BB962C8B-B14F-4D97-AF65-F5344CB8AC3E}">
-        <p14:creationId xmlns:p14="http://schemas.microsoft.com/office/powerpoint/2010/main" val="3151097888"/>
+        <p14:creationId xmlns:p14="http://schemas.microsoft.com/office/powerpoint/2010/main" val="2637277908"/>
       </p:ext>
     </p:extLst>
   </p:cSld>
@@ -18592,7 +18828,7 @@
             <a:pPr algn="ctr"/>
             <a:r>
               <a:rPr lang="en-US" sz="6600" dirty="0"/>
-              <a:t>The Guild helped with one of the hardest problems: Socializing Decisions</a:t>
+              <a:t>#3 Long Running SIGs</a:t>
             </a:r>
           </a:p>
         </p:txBody>
@@ -18600,7 +18836,7 @@
     </p:spTree>
     <p:extLst>
       <p:ext uri="{BB962C8B-B14F-4D97-AF65-F5344CB8AC3E}">
-        <p14:creationId xmlns:p14="http://schemas.microsoft.com/office/powerpoint/2010/main" val="468891399"/>
+        <p14:creationId xmlns:p14="http://schemas.microsoft.com/office/powerpoint/2010/main" val="485757986"/>
       </p:ext>
     </p:extLst>
   </p:cSld>
@@ -18673,6 +18909,168 @@
             <a:pPr algn="ctr"/>
             <a:r>
               <a:rPr lang="en-US" sz="6600" dirty="0"/>
+              <a:t>What about the “Architecture Review Board”?</a:t>
+            </a:r>
+          </a:p>
+        </p:txBody>
+      </p:sp>
+    </p:spTree>
+    <p:extLst>
+      <p:ext uri="{BB962C8B-B14F-4D97-AF65-F5344CB8AC3E}">
+        <p14:creationId xmlns:p14="http://schemas.microsoft.com/office/powerpoint/2010/main" val="3151097888"/>
+      </p:ext>
+    </p:extLst>
+  </p:cSld>
+  <p:clrMapOvr>
+    <a:masterClrMapping/>
+  </p:clrMapOvr>
+  <p:timing>
+    <p:tnLst>
+      <p:par>
+        <p:cTn id="1" dur="indefinite" restart="never" nodeType="tmRoot"/>
+      </p:par>
+    </p:tnLst>
+  </p:timing>
+</p:sld>
+</file>
+
+<file path=ppt/slides/slide53.xml><?xml version="1.0" encoding="utf-8"?>
+<p:sld xmlns:a="http://schemas.openxmlformats.org/drawingml/2006/main" xmlns:r="http://schemas.openxmlformats.org/officeDocument/2006/relationships" xmlns:p="http://schemas.openxmlformats.org/presentationml/2006/main">
+  <p:cSld>
+    <p:bg>
+      <p:bgPr>
+        <a:solidFill>
+          <a:schemeClr val="accent5"/>
+        </a:solidFill>
+        <a:effectLst/>
+      </p:bgPr>
+    </p:bg>
+    <p:spTree>
+      <p:nvGrpSpPr>
+        <p:cNvPr id="1" name=""/>
+        <p:cNvGrpSpPr/>
+        <p:nvPr/>
+      </p:nvGrpSpPr>
+      <p:grpSpPr>
+        <a:xfrm>
+          <a:off x="0" y="0"/>
+          <a:ext cx="0" cy="0"/>
+          <a:chOff x="0" y="0"/>
+          <a:chExt cx="0" cy="0"/>
+        </a:xfrm>
+      </p:grpSpPr>
+      <p:sp>
+        <p:nvSpPr>
+          <p:cNvPr id="2" name="Title 1">
+            <a:extLst>
+              <a:ext uri="{FF2B5EF4-FFF2-40B4-BE49-F238E27FC236}">
+                <a16:creationId xmlns:a16="http://schemas.microsoft.com/office/drawing/2014/main" id="{C409FD33-6233-7C49-9918-532E7EC05AB5}"/>
+              </a:ext>
+            </a:extLst>
+          </p:cNvPr>
+          <p:cNvSpPr>
+            <a:spLocks noGrp="1"/>
+          </p:cNvSpPr>
+          <p:nvPr>
+            <p:ph type="title"/>
+          </p:nvPr>
+        </p:nvSpPr>
+        <p:spPr>
+          <a:xfrm>
+            <a:off x="838200" y="2365324"/>
+            <a:ext cx="10515600" cy="2127352"/>
+          </a:xfrm>
+        </p:spPr>
+        <p:txBody>
+          <a:bodyPr>
+            <a:noAutofit/>
+          </a:bodyPr>
+          <a:lstStyle/>
+          <a:p>
+            <a:pPr algn="ctr"/>
+            <a:r>
+              <a:rPr lang="en-US" sz="6600" dirty="0"/>
+              <a:t>The Guild helped with one of the hardest problems: Socializing Decisions</a:t>
+            </a:r>
+          </a:p>
+        </p:txBody>
+      </p:sp>
+    </p:spTree>
+    <p:extLst>
+      <p:ext uri="{BB962C8B-B14F-4D97-AF65-F5344CB8AC3E}">
+        <p14:creationId xmlns:p14="http://schemas.microsoft.com/office/powerpoint/2010/main" val="468891399"/>
+      </p:ext>
+    </p:extLst>
+  </p:cSld>
+  <p:clrMapOvr>
+    <a:masterClrMapping/>
+  </p:clrMapOvr>
+  <p:timing>
+    <p:tnLst>
+      <p:par>
+        <p:cTn id="1" dur="indefinite" restart="never" nodeType="tmRoot"/>
+      </p:par>
+    </p:tnLst>
+  </p:timing>
+</p:sld>
+</file>
+
+<file path=ppt/slides/slide54.xml><?xml version="1.0" encoding="utf-8"?>
+<p:sld xmlns:a="http://schemas.openxmlformats.org/drawingml/2006/main" xmlns:r="http://schemas.openxmlformats.org/officeDocument/2006/relationships" xmlns:p="http://schemas.openxmlformats.org/presentationml/2006/main">
+  <p:cSld>
+    <p:bg>
+      <p:bgPr>
+        <a:solidFill>
+          <a:schemeClr val="accent5"/>
+        </a:solidFill>
+        <a:effectLst/>
+      </p:bgPr>
+    </p:bg>
+    <p:spTree>
+      <p:nvGrpSpPr>
+        <p:cNvPr id="1" name=""/>
+        <p:cNvGrpSpPr/>
+        <p:nvPr/>
+      </p:nvGrpSpPr>
+      <p:grpSpPr>
+        <a:xfrm>
+          <a:off x="0" y="0"/>
+          <a:ext cx="0" cy="0"/>
+          <a:chOff x="0" y="0"/>
+          <a:chExt cx="0" cy="0"/>
+        </a:xfrm>
+      </p:grpSpPr>
+      <p:sp>
+        <p:nvSpPr>
+          <p:cNvPr id="2" name="Title 1">
+            <a:extLst>
+              <a:ext uri="{FF2B5EF4-FFF2-40B4-BE49-F238E27FC236}">
+                <a16:creationId xmlns:a16="http://schemas.microsoft.com/office/drawing/2014/main" id="{C409FD33-6233-7C49-9918-532E7EC05AB5}"/>
+              </a:ext>
+            </a:extLst>
+          </p:cNvPr>
+          <p:cNvSpPr>
+            <a:spLocks noGrp="1"/>
+          </p:cNvSpPr>
+          <p:nvPr>
+            <p:ph type="title"/>
+          </p:nvPr>
+        </p:nvSpPr>
+        <p:spPr>
+          <a:xfrm>
+            <a:off x="838200" y="2365324"/>
+            <a:ext cx="10515600" cy="2127352"/>
+          </a:xfrm>
+        </p:spPr>
+        <p:txBody>
+          <a:bodyPr>
+            <a:noAutofit/>
+          </a:bodyPr>
+          <a:lstStyle/>
+          <a:p>
+            <a:pPr algn="ctr"/>
+            <a:r>
+              <a:rPr lang="en-US" sz="6600" dirty="0"/>
               <a:t>What did these meetings look like?</a:t>
             </a:r>
           </a:p>
@@ -18698,7 +19096,7 @@
 </p:sld>
 </file>
 
-<file path=ppt/slides/slide53.xml><?xml version="1.0" encoding="utf-8"?>
+<file path=ppt/slides/slide55.xml><?xml version="1.0" encoding="utf-8"?>
 <p:sld xmlns:a="http://schemas.openxmlformats.org/drawingml/2006/main" xmlns:r="http://schemas.openxmlformats.org/officeDocument/2006/relationships" xmlns:p="http://schemas.openxmlformats.org/presentationml/2006/main">
   <p:cSld>
     <p:bg>
@@ -19037,295 +19435,6 @@
 </p:sld>
 </file>
 
-<file path=ppt/slides/slide54.xml><?xml version="1.0" encoding="utf-8"?>
-<p:sld xmlns:a="http://schemas.openxmlformats.org/drawingml/2006/main" xmlns:r="http://schemas.openxmlformats.org/officeDocument/2006/relationships" xmlns:p="http://schemas.openxmlformats.org/presentationml/2006/main">
-  <p:cSld>
-    <p:bg>
-      <p:bgPr>
-        <a:solidFill>
-          <a:schemeClr val="accent5"/>
-        </a:solidFill>
-        <a:effectLst/>
-      </p:bgPr>
-    </p:bg>
-    <p:spTree>
-      <p:nvGrpSpPr>
-        <p:cNvPr id="1" name=""/>
-        <p:cNvGrpSpPr/>
-        <p:nvPr/>
-      </p:nvGrpSpPr>
-      <p:grpSpPr>
-        <a:xfrm>
-          <a:off x="0" y="0"/>
-          <a:ext cx="0" cy="0"/>
-          <a:chOff x="0" y="0"/>
-          <a:chExt cx="0" cy="0"/>
-        </a:xfrm>
-      </p:grpSpPr>
-      <p:sp>
-        <p:nvSpPr>
-          <p:cNvPr id="2" name="Title 1">
-            <a:extLst>
-              <a:ext uri="{FF2B5EF4-FFF2-40B4-BE49-F238E27FC236}">
-                <a16:creationId xmlns:a16="http://schemas.microsoft.com/office/drawing/2014/main" id="{C409FD33-6233-7C49-9918-532E7EC05AB5}"/>
-              </a:ext>
-            </a:extLst>
-          </p:cNvPr>
-          <p:cNvSpPr>
-            <a:spLocks noGrp="1"/>
-          </p:cNvSpPr>
-          <p:nvPr>
-            <p:ph type="title"/>
-          </p:nvPr>
-        </p:nvSpPr>
-        <p:spPr>
-          <a:xfrm>
-            <a:off x="838200" y="2365324"/>
-            <a:ext cx="10515600" cy="2127352"/>
-          </a:xfrm>
-        </p:spPr>
-        <p:txBody>
-          <a:bodyPr>
-            <a:noAutofit/>
-          </a:bodyPr>
-          <a:lstStyle/>
-          <a:p>
-            <a:pPr algn="ctr"/>
-            <a:r>
-              <a:rPr lang="en-US" sz="6600" dirty="0" smtClean="0"/>
-              <a:t>Architecture Guilds</a:t>
-            </a:r>
-            <a:br>
-              <a:rPr lang="en-US" sz="6600" dirty="0" smtClean="0"/>
-            </a:br>
-            <a:r>
-              <a:rPr lang="en-US" sz="6600" dirty="0" smtClean="0"/>
-              <a:t>in the wild</a:t>
-            </a:r>
-            <a:endParaRPr lang="en-US" sz="6600" dirty="0"/>
-          </a:p>
-        </p:txBody>
-      </p:sp>
-    </p:spTree>
-    <p:extLst>
-      <p:ext uri="{BB962C8B-B14F-4D97-AF65-F5344CB8AC3E}">
-        <p14:creationId xmlns:p14="http://schemas.microsoft.com/office/powerpoint/2010/main" val="3361469326"/>
-      </p:ext>
-    </p:extLst>
-  </p:cSld>
-  <p:clrMapOvr>
-    <a:masterClrMapping/>
-  </p:clrMapOvr>
-  <p:timing>
-    <p:tnLst>
-      <p:par>
-        <p:cTn id="1" dur="indefinite" restart="never" nodeType="tmRoot"/>
-      </p:par>
-    </p:tnLst>
-  </p:timing>
-</p:sld>
-</file>
-
-<file path=ppt/slides/slide55.xml><?xml version="1.0" encoding="utf-8"?>
-<p:sld xmlns:a="http://schemas.openxmlformats.org/drawingml/2006/main" xmlns:r="http://schemas.openxmlformats.org/officeDocument/2006/relationships" xmlns:p="http://schemas.openxmlformats.org/presentationml/2006/main">
-  <p:cSld>
-    <p:bg>
-      <p:bgPr>
-        <a:solidFill>
-          <a:schemeClr val="accent5"/>
-        </a:solidFill>
-        <a:effectLst/>
-      </p:bgPr>
-    </p:bg>
-    <p:spTree>
-      <p:nvGrpSpPr>
-        <p:cNvPr id="1" name=""/>
-        <p:cNvGrpSpPr/>
-        <p:nvPr/>
-      </p:nvGrpSpPr>
-      <p:grpSpPr>
-        <a:xfrm>
-          <a:off x="0" y="0"/>
-          <a:ext cx="0" cy="0"/>
-          <a:chOff x="0" y="0"/>
-          <a:chExt cx="0" cy="0"/>
-        </a:xfrm>
-      </p:grpSpPr>
-      <p:sp>
-        <p:nvSpPr>
-          <p:cNvPr id="2" name="Title 1">
-            <a:extLst>
-              <a:ext uri="{FF2B5EF4-FFF2-40B4-BE49-F238E27FC236}">
-                <a16:creationId xmlns:a16="http://schemas.microsoft.com/office/drawing/2014/main" id="{C409FD33-6233-7C49-9918-532E7EC05AB5}"/>
-              </a:ext>
-            </a:extLst>
-          </p:cNvPr>
-          <p:cNvSpPr>
-            <a:spLocks noGrp="1"/>
-          </p:cNvSpPr>
-          <p:nvPr>
-            <p:ph type="title"/>
-          </p:nvPr>
-        </p:nvSpPr>
-        <p:spPr>
-          <a:xfrm>
-            <a:off x="838200" y="347776"/>
-            <a:ext cx="10515600" cy="1013664"/>
-          </a:xfrm>
-        </p:spPr>
-        <p:txBody>
-          <a:bodyPr>
-            <a:noAutofit/>
-          </a:bodyPr>
-          <a:lstStyle/>
-          <a:p>
-            <a:pPr algn="ctr"/>
-            <a:r>
-              <a:rPr lang="en-US" sz="6600" dirty="0" smtClean="0"/>
-              <a:t>Comcast</a:t>
-            </a:r>
-            <a:endParaRPr lang="en-US" sz="6600" dirty="0"/>
-          </a:p>
-        </p:txBody>
-      </p:sp>
-      <p:sp>
-        <p:nvSpPr>
-          <p:cNvPr id="3" name="TextBox 2"/>
-          <p:cNvSpPr txBox="1"/>
-          <p:nvPr/>
-        </p:nvSpPr>
-        <p:spPr>
-          <a:xfrm>
-            <a:off x="658409" y="5851571"/>
-            <a:ext cx="10875182" cy="1006429"/>
-          </a:xfrm>
-          <a:prstGeom prst="rect">
-            <a:avLst/>
-          </a:prstGeom>
-        </p:spPr>
-        <p:txBody>
-          <a:bodyPr vert="horz" lIns="91440" tIns="45720" rIns="91440" bIns="45720" rtlCol="0" anchor="ctr">
-            <a:noAutofit/>
-          </a:bodyPr>
-          <a:lstStyle>
-            <a:lvl1pPr algn="ctr" defTabSz="914377">
-              <a:lnSpc>
-                <a:spcPct val="90000"/>
-              </a:lnSpc>
-              <a:spcBef>
-                <a:spcPct val="0"/>
-              </a:spcBef>
-              <a:buNone/>
-              <a:defRPr sz="6600">
-                <a:latin typeface="+mj-lt"/>
-                <a:ea typeface="+mj-ea"/>
-                <a:cs typeface="+mj-cs"/>
-              </a:defRPr>
-            </a:lvl1pPr>
-          </a:lstStyle>
-          <a:p>
-            <a:r>
-              <a:rPr lang="en-US" sz="2400" dirty="0"/>
-              <a:t>https://www.infoq.com/articles/architecture-guild-800-friends/</a:t>
-            </a:r>
-          </a:p>
-        </p:txBody>
-      </p:sp>
-      <p:sp>
-        <p:nvSpPr>
-          <p:cNvPr id="4" name="TextBox 3"/>
-          <p:cNvSpPr txBox="1"/>
-          <p:nvPr/>
-        </p:nvSpPr>
-        <p:spPr>
-          <a:xfrm>
-            <a:off x="80379" y="1367812"/>
-            <a:ext cx="12031242" cy="4524315"/>
-          </a:xfrm>
-          <a:prstGeom prst="rect">
-            <a:avLst/>
-          </a:prstGeom>
-          <a:noFill/>
-        </p:spPr>
-        <p:txBody>
-          <a:bodyPr wrap="none" rtlCol="0">
-            <a:spAutoFit/>
-          </a:bodyPr>
-          <a:lstStyle/>
-          <a:p>
-            <a:pPr algn="ctr"/>
-            <a:r>
-              <a:rPr lang="en-US" sz="3200" dirty="0" smtClean="0"/>
-              <a:t>800 People across Comcast participate</a:t>
-            </a:r>
-          </a:p>
-          <a:p>
-            <a:pPr algn="ctr"/>
-            <a:endParaRPr lang="en-US" sz="3200" dirty="0" smtClean="0"/>
-          </a:p>
-          <a:p>
-            <a:pPr algn="ctr"/>
-            <a:r>
-              <a:rPr lang="en-US" sz="3200" dirty="0" smtClean="0"/>
-              <a:t>Modeled on IETF hierarchy with steering group and working groups</a:t>
-            </a:r>
-          </a:p>
-          <a:p>
-            <a:pPr algn="ctr"/>
-            <a:endParaRPr lang="en-US" sz="3200" dirty="0"/>
-          </a:p>
-          <a:p>
-            <a:pPr algn="ctr"/>
-            <a:r>
-              <a:rPr lang="en-US" sz="3200" dirty="0" smtClean="0"/>
-              <a:t>Each working group has a charter as a markdown doc in Github, and a </a:t>
-            </a:r>
-          </a:p>
-          <a:p>
-            <a:pPr algn="ctr"/>
-            <a:r>
-              <a:rPr lang="en-US" sz="3200" dirty="0" smtClean="0"/>
-              <a:t>dedicated chat channel in Slack</a:t>
-            </a:r>
-          </a:p>
-          <a:p>
-            <a:pPr algn="ctr"/>
-            <a:endParaRPr lang="en-US" sz="3200" dirty="0" smtClean="0"/>
-          </a:p>
-          <a:p>
-            <a:pPr algn="ctr"/>
-            <a:r>
-              <a:rPr lang="en-US" sz="3200" dirty="0" smtClean="0"/>
-              <a:t>Working groups responsible for building ADRs to express their findings</a:t>
-            </a:r>
-            <a:endParaRPr lang="en-US" sz="3200" dirty="0"/>
-          </a:p>
-          <a:p>
-            <a:pPr algn="ctr"/>
-            <a:endParaRPr lang="en-US" sz="3200" dirty="0"/>
-          </a:p>
-        </p:txBody>
-      </p:sp>
-    </p:spTree>
-    <p:extLst>
-      <p:ext uri="{BB962C8B-B14F-4D97-AF65-F5344CB8AC3E}">
-        <p14:creationId xmlns:p14="http://schemas.microsoft.com/office/powerpoint/2010/main" val="1111743529"/>
-      </p:ext>
-    </p:extLst>
-  </p:cSld>
-  <p:clrMapOvr>
-    <a:masterClrMapping/>
-  </p:clrMapOvr>
-  <p:timing>
-    <p:tnLst>
-      <p:par>
-        <p:cTn id="1" dur="indefinite" restart="never" nodeType="tmRoot"/>
-      </p:par>
-    </p:tnLst>
-  </p:timing>
-</p:sld>
-</file>
-
 <file path=ppt/slides/slide56.xml><?xml version="1.0" encoding="utf-8"?>
 <p:sld xmlns:a="http://schemas.openxmlformats.org/drawingml/2006/main" xmlns:r="http://schemas.openxmlformats.org/officeDocument/2006/relationships" xmlns:p="http://schemas.openxmlformats.org/presentationml/2006/main">
   <p:cSld>
@@ -19369,6 +19478,295 @@
         </p:nvSpPr>
         <p:spPr>
           <a:xfrm>
+            <a:off x="838200" y="2365324"/>
+            <a:ext cx="10515600" cy="2127352"/>
+          </a:xfrm>
+        </p:spPr>
+        <p:txBody>
+          <a:bodyPr>
+            <a:noAutofit/>
+          </a:bodyPr>
+          <a:lstStyle/>
+          <a:p>
+            <a:pPr algn="ctr"/>
+            <a:r>
+              <a:rPr lang="en-US" sz="6600" dirty="0" smtClean="0"/>
+              <a:t>Architecture Guilds</a:t>
+            </a:r>
+            <a:br>
+              <a:rPr lang="en-US" sz="6600" dirty="0" smtClean="0"/>
+            </a:br>
+            <a:r>
+              <a:rPr lang="en-US" sz="6600" dirty="0" smtClean="0"/>
+              <a:t>in the wild</a:t>
+            </a:r>
+            <a:endParaRPr lang="en-US" sz="6600" dirty="0"/>
+          </a:p>
+        </p:txBody>
+      </p:sp>
+    </p:spTree>
+    <p:extLst>
+      <p:ext uri="{BB962C8B-B14F-4D97-AF65-F5344CB8AC3E}">
+        <p14:creationId xmlns:p14="http://schemas.microsoft.com/office/powerpoint/2010/main" val="3361469326"/>
+      </p:ext>
+    </p:extLst>
+  </p:cSld>
+  <p:clrMapOvr>
+    <a:masterClrMapping/>
+  </p:clrMapOvr>
+  <p:timing>
+    <p:tnLst>
+      <p:par>
+        <p:cTn id="1" dur="indefinite" restart="never" nodeType="tmRoot"/>
+      </p:par>
+    </p:tnLst>
+  </p:timing>
+</p:sld>
+</file>
+
+<file path=ppt/slides/slide57.xml><?xml version="1.0" encoding="utf-8"?>
+<p:sld xmlns:a="http://schemas.openxmlformats.org/drawingml/2006/main" xmlns:r="http://schemas.openxmlformats.org/officeDocument/2006/relationships" xmlns:p="http://schemas.openxmlformats.org/presentationml/2006/main">
+  <p:cSld>
+    <p:bg>
+      <p:bgPr>
+        <a:solidFill>
+          <a:schemeClr val="accent5"/>
+        </a:solidFill>
+        <a:effectLst/>
+      </p:bgPr>
+    </p:bg>
+    <p:spTree>
+      <p:nvGrpSpPr>
+        <p:cNvPr id="1" name=""/>
+        <p:cNvGrpSpPr/>
+        <p:nvPr/>
+      </p:nvGrpSpPr>
+      <p:grpSpPr>
+        <a:xfrm>
+          <a:off x="0" y="0"/>
+          <a:ext cx="0" cy="0"/>
+          <a:chOff x="0" y="0"/>
+          <a:chExt cx="0" cy="0"/>
+        </a:xfrm>
+      </p:grpSpPr>
+      <p:sp>
+        <p:nvSpPr>
+          <p:cNvPr id="2" name="Title 1">
+            <a:extLst>
+              <a:ext uri="{FF2B5EF4-FFF2-40B4-BE49-F238E27FC236}">
+                <a16:creationId xmlns:a16="http://schemas.microsoft.com/office/drawing/2014/main" id="{C409FD33-6233-7C49-9918-532E7EC05AB5}"/>
+              </a:ext>
+            </a:extLst>
+          </p:cNvPr>
+          <p:cNvSpPr>
+            <a:spLocks noGrp="1"/>
+          </p:cNvSpPr>
+          <p:nvPr>
+            <p:ph type="title"/>
+          </p:nvPr>
+        </p:nvSpPr>
+        <p:spPr>
+          <a:xfrm>
+            <a:off x="838200" y="347776"/>
+            <a:ext cx="10515600" cy="1013664"/>
+          </a:xfrm>
+        </p:spPr>
+        <p:txBody>
+          <a:bodyPr>
+            <a:noAutofit/>
+          </a:bodyPr>
+          <a:lstStyle/>
+          <a:p>
+            <a:pPr algn="ctr"/>
+            <a:r>
+              <a:rPr lang="en-US" sz="6600" dirty="0" smtClean="0"/>
+              <a:t>Comcast</a:t>
+            </a:r>
+            <a:endParaRPr lang="en-US" sz="6600" dirty="0"/>
+          </a:p>
+        </p:txBody>
+      </p:sp>
+      <p:sp>
+        <p:nvSpPr>
+          <p:cNvPr id="3" name="TextBox 2"/>
+          <p:cNvSpPr txBox="1"/>
+          <p:nvPr/>
+        </p:nvSpPr>
+        <p:spPr>
+          <a:xfrm>
+            <a:off x="658409" y="5851571"/>
+            <a:ext cx="10875182" cy="1006429"/>
+          </a:xfrm>
+          <a:prstGeom prst="rect">
+            <a:avLst/>
+          </a:prstGeom>
+        </p:spPr>
+        <p:txBody>
+          <a:bodyPr vert="horz" lIns="91440" tIns="45720" rIns="91440" bIns="45720" rtlCol="0" anchor="ctr">
+            <a:noAutofit/>
+          </a:bodyPr>
+          <a:lstStyle>
+            <a:lvl1pPr algn="ctr" defTabSz="914377">
+              <a:lnSpc>
+                <a:spcPct val="90000"/>
+              </a:lnSpc>
+              <a:spcBef>
+                <a:spcPct val="0"/>
+              </a:spcBef>
+              <a:buNone/>
+              <a:defRPr sz="6600">
+                <a:latin typeface="+mj-lt"/>
+                <a:ea typeface="+mj-ea"/>
+                <a:cs typeface="+mj-cs"/>
+              </a:defRPr>
+            </a:lvl1pPr>
+          </a:lstStyle>
+          <a:p>
+            <a:r>
+              <a:rPr lang="en-US" sz="2400" dirty="0"/>
+              <a:t>https://www.infoq.com/articles/architecture-guild-800-friends/</a:t>
+            </a:r>
+          </a:p>
+        </p:txBody>
+      </p:sp>
+      <p:sp>
+        <p:nvSpPr>
+          <p:cNvPr id="4" name="TextBox 3"/>
+          <p:cNvSpPr txBox="1"/>
+          <p:nvPr/>
+        </p:nvSpPr>
+        <p:spPr>
+          <a:xfrm>
+            <a:off x="80379" y="1367812"/>
+            <a:ext cx="12031242" cy="4524315"/>
+          </a:xfrm>
+          <a:prstGeom prst="rect">
+            <a:avLst/>
+          </a:prstGeom>
+          <a:noFill/>
+        </p:spPr>
+        <p:txBody>
+          <a:bodyPr wrap="none" rtlCol="0">
+            <a:spAutoFit/>
+          </a:bodyPr>
+          <a:lstStyle/>
+          <a:p>
+            <a:pPr algn="ctr"/>
+            <a:r>
+              <a:rPr lang="en-US" sz="3200" dirty="0" smtClean="0"/>
+              <a:t>800 People across Comcast participate</a:t>
+            </a:r>
+          </a:p>
+          <a:p>
+            <a:pPr algn="ctr"/>
+            <a:endParaRPr lang="en-US" sz="3200" dirty="0" smtClean="0"/>
+          </a:p>
+          <a:p>
+            <a:pPr algn="ctr"/>
+            <a:r>
+              <a:rPr lang="en-US" sz="3200" dirty="0" smtClean="0"/>
+              <a:t>Modeled on IETF hierarchy with steering group and working groups</a:t>
+            </a:r>
+          </a:p>
+          <a:p>
+            <a:pPr algn="ctr"/>
+            <a:endParaRPr lang="en-US" sz="3200" dirty="0"/>
+          </a:p>
+          <a:p>
+            <a:pPr algn="ctr"/>
+            <a:r>
+              <a:rPr lang="en-US" sz="3200" dirty="0" smtClean="0"/>
+              <a:t>Each working group has a charter as a markdown doc in Github, and a </a:t>
+            </a:r>
+          </a:p>
+          <a:p>
+            <a:pPr algn="ctr"/>
+            <a:r>
+              <a:rPr lang="en-US" sz="3200" dirty="0" smtClean="0"/>
+              <a:t>dedicated chat channel in Slack</a:t>
+            </a:r>
+          </a:p>
+          <a:p>
+            <a:pPr algn="ctr"/>
+            <a:endParaRPr lang="en-US" sz="3200" dirty="0" smtClean="0"/>
+          </a:p>
+          <a:p>
+            <a:pPr algn="ctr"/>
+            <a:r>
+              <a:rPr lang="en-US" sz="3200" dirty="0" smtClean="0"/>
+              <a:t>Working groups responsible for building ADRs to express their findings</a:t>
+            </a:r>
+            <a:endParaRPr lang="en-US" sz="3200" dirty="0"/>
+          </a:p>
+          <a:p>
+            <a:pPr algn="ctr"/>
+            <a:endParaRPr lang="en-US" sz="3200" dirty="0"/>
+          </a:p>
+        </p:txBody>
+      </p:sp>
+    </p:spTree>
+    <p:extLst>
+      <p:ext uri="{BB962C8B-B14F-4D97-AF65-F5344CB8AC3E}">
+        <p14:creationId xmlns:p14="http://schemas.microsoft.com/office/powerpoint/2010/main" val="1111743529"/>
+      </p:ext>
+    </p:extLst>
+  </p:cSld>
+  <p:clrMapOvr>
+    <a:masterClrMapping/>
+  </p:clrMapOvr>
+  <p:timing>
+    <p:tnLst>
+      <p:par>
+        <p:cTn id="1" dur="indefinite" restart="never" nodeType="tmRoot"/>
+      </p:par>
+    </p:tnLst>
+  </p:timing>
+</p:sld>
+</file>
+
+<file path=ppt/slides/slide58.xml><?xml version="1.0" encoding="utf-8"?>
+<p:sld xmlns:a="http://schemas.openxmlformats.org/drawingml/2006/main" xmlns:r="http://schemas.openxmlformats.org/officeDocument/2006/relationships" xmlns:p="http://schemas.openxmlformats.org/presentationml/2006/main">
+  <p:cSld>
+    <p:bg>
+      <p:bgPr>
+        <a:solidFill>
+          <a:schemeClr val="accent5"/>
+        </a:solidFill>
+        <a:effectLst/>
+      </p:bgPr>
+    </p:bg>
+    <p:spTree>
+      <p:nvGrpSpPr>
+        <p:cNvPr id="1" name=""/>
+        <p:cNvGrpSpPr/>
+        <p:nvPr/>
+      </p:nvGrpSpPr>
+      <p:grpSpPr>
+        <a:xfrm>
+          <a:off x="0" y="0"/>
+          <a:ext cx="0" cy="0"/>
+          <a:chOff x="0" y="0"/>
+          <a:chExt cx="0" cy="0"/>
+        </a:xfrm>
+      </p:grpSpPr>
+      <p:sp>
+        <p:nvSpPr>
+          <p:cNvPr id="2" name="Title 1">
+            <a:extLst>
+              <a:ext uri="{FF2B5EF4-FFF2-40B4-BE49-F238E27FC236}">
+                <a16:creationId xmlns:a16="http://schemas.microsoft.com/office/drawing/2014/main" id="{C409FD33-6233-7C49-9918-532E7EC05AB5}"/>
+              </a:ext>
+            </a:extLst>
+          </p:cNvPr>
+          <p:cNvSpPr>
+            <a:spLocks noGrp="1"/>
+          </p:cNvSpPr>
+          <p:nvPr>
+            <p:ph type="title"/>
+          </p:nvPr>
+        </p:nvSpPr>
+        <p:spPr>
+          <a:xfrm>
             <a:off x="838200" y="347776"/>
             <a:ext cx="10515600" cy="1013664"/>
           </a:xfrm>
@@ -19543,7 +19941,7 @@
 </p:sld>
 </file>
 
-<file path=ppt/slides/slide57.xml><?xml version="1.0" encoding="utf-8"?>
+<file path=ppt/slides/slide59.xml><?xml version="1.0" encoding="utf-8"?>
 <p:sld xmlns:a="http://schemas.openxmlformats.org/drawingml/2006/main" xmlns:r="http://schemas.openxmlformats.org/officeDocument/2006/relationships" xmlns:p="http://schemas.openxmlformats.org/presentationml/2006/main">
   <p:cSld>
     <p:bg>
@@ -19676,7 +20074,136 @@
 </p:sld>
 </file>
 
-<file path=ppt/slides/slide58.xml><?xml version="1.0" encoding="utf-8"?>
+<file path=ppt/slides/slide6.xml><?xml version="1.0" encoding="utf-8"?>
+<p:sld xmlns:a="http://schemas.openxmlformats.org/drawingml/2006/main" xmlns:r="http://schemas.openxmlformats.org/officeDocument/2006/relationships" xmlns:p="http://schemas.openxmlformats.org/presentationml/2006/main">
+  <p:cSld>
+    <p:bg>
+      <p:bgPr>
+        <a:solidFill>
+          <a:schemeClr val="accent1"/>
+        </a:solidFill>
+        <a:effectLst/>
+      </p:bgPr>
+    </p:bg>
+    <p:spTree>
+      <p:nvGrpSpPr>
+        <p:cNvPr id="1" name=""/>
+        <p:cNvGrpSpPr/>
+        <p:nvPr/>
+      </p:nvGrpSpPr>
+      <p:grpSpPr>
+        <a:xfrm>
+          <a:off x="0" y="0"/>
+          <a:ext cx="0" cy="0"/>
+          <a:chOff x="0" y="0"/>
+          <a:chExt cx="0" cy="0"/>
+        </a:xfrm>
+      </p:grpSpPr>
+      <p:sp>
+        <p:nvSpPr>
+          <p:cNvPr id="2" name="TextBox 1">
+            <a:extLst>
+              <a:ext uri="{FF2B5EF4-FFF2-40B4-BE49-F238E27FC236}">
+                <a16:creationId xmlns:a16="http://schemas.microsoft.com/office/drawing/2014/main" id="{B71D1FE3-1142-814F-87DC-BB654A6F358F}"/>
+              </a:ext>
+            </a:extLst>
+          </p:cNvPr>
+          <p:cNvSpPr txBox="1"/>
+          <p:nvPr/>
+        </p:nvSpPr>
+        <p:spPr>
+          <a:xfrm>
+            <a:off x="889819" y="1536173"/>
+            <a:ext cx="10412363" cy="1938992"/>
+          </a:xfrm>
+          <a:prstGeom prst="rect">
+            <a:avLst/>
+          </a:prstGeom>
+          <a:noFill/>
+        </p:spPr>
+        <p:txBody>
+          <a:bodyPr wrap="square" rtlCol="0">
+            <a:spAutoFit/>
+          </a:bodyPr>
+          <a:lstStyle/>
+          <a:p>
+            <a:pPr marL="342891" indent="-342891" fontAlgn="base">
+              <a:buFont typeface="+mj-lt"/>
+              <a:buAutoNum type="arabicPeriod"/>
+            </a:pPr>
+            <a:r>
+              <a:rPr lang="en-US" sz="4000" dirty="0">
+                <a:solidFill>
+                  <a:schemeClr val="bg1"/>
+                </a:solidFill>
+              </a:rPr>
+              <a:t>Lightweight Architectural Decision Records</a:t>
+            </a:r>
+          </a:p>
+          <a:p>
+            <a:pPr marL="342891" indent="-342891" fontAlgn="base">
+              <a:buFont typeface="+mj-lt"/>
+              <a:buAutoNum type="arabicPeriod"/>
+            </a:pPr>
+            <a:r>
+              <a:rPr lang="en-US" sz="4000" dirty="0">
+                <a:solidFill>
+                  <a:schemeClr val="bg1"/>
+                </a:solidFill>
+              </a:rPr>
+              <a:t>Enterprise Architecture Guilds</a:t>
+            </a:r>
+          </a:p>
+          <a:p>
+            <a:pPr marL="342891" indent="-342891" fontAlgn="base">
+              <a:buFont typeface="+mj-lt"/>
+              <a:buAutoNum type="arabicPeriod"/>
+            </a:pPr>
+            <a:r>
+              <a:rPr lang="en-US" sz="4000" dirty="0">
+                <a:solidFill>
+                  <a:schemeClr val="bg1"/>
+                </a:solidFill>
+              </a:rPr>
+              <a:t>Build Reference </a:t>
+            </a:r>
+            <a:r>
+              <a:rPr lang="en-US" sz="4000" dirty="0" smtClean="0">
+                <a:solidFill>
+                  <a:schemeClr val="bg1"/>
+                </a:solidFill>
+              </a:rPr>
+              <a:t>Implementations</a:t>
+            </a:r>
+            <a:endParaRPr lang="en-US" sz="4000" dirty="0">
+              <a:solidFill>
+                <a:schemeClr val="bg1"/>
+              </a:solidFill>
+            </a:endParaRPr>
+          </a:p>
+        </p:txBody>
+      </p:sp>
+    </p:spTree>
+    <p:extLst>
+      <p:ext uri="{BB962C8B-B14F-4D97-AF65-F5344CB8AC3E}">
+        <p14:creationId xmlns:p14="http://schemas.microsoft.com/office/powerpoint/2010/main" val="1906664439"/>
+      </p:ext>
+    </p:extLst>
+  </p:cSld>
+  <p:clrMapOvr>
+    <a:masterClrMapping/>
+  </p:clrMapOvr>
+  <p:timing>
+    <p:tnLst>
+      <p:par>
+        <p:cTn id="1" dur="indefinite" restart="never" nodeType="tmRoot"/>
+      </p:par>
+    </p:tnLst>
+  </p:timing>
+</p:sld>
+</file>
+
+<file path=ppt/slides/slide60.xml><?xml version="1.0" encoding="utf-8"?>
 <p:sld xmlns:a="http://schemas.openxmlformats.org/drawingml/2006/main" xmlns:r="http://schemas.openxmlformats.org/officeDocument/2006/relationships" xmlns:p="http://schemas.openxmlformats.org/presentationml/2006/main">
   <p:cSld>
     <p:bg>
@@ -20060,309 +20587,6 @@
 </p:sld>
 </file>
 
-<file path=ppt/slides/slide59.xml><?xml version="1.0" encoding="utf-8"?>
-<p:sld xmlns:a="http://schemas.openxmlformats.org/drawingml/2006/main" xmlns:r="http://schemas.openxmlformats.org/officeDocument/2006/relationships" xmlns:p="http://schemas.openxmlformats.org/presentationml/2006/main">
-  <p:cSld>
-    <p:bg>
-      <p:bgPr>
-        <a:solidFill>
-          <a:schemeClr val="accent5"/>
-        </a:solidFill>
-        <a:effectLst/>
-      </p:bgPr>
-    </p:bg>
-    <p:spTree>
-      <p:nvGrpSpPr>
-        <p:cNvPr id="1" name=""/>
-        <p:cNvGrpSpPr/>
-        <p:nvPr/>
-      </p:nvGrpSpPr>
-      <p:grpSpPr>
-        <a:xfrm>
-          <a:off x="0" y="0"/>
-          <a:ext cx="0" cy="0"/>
-          <a:chOff x="0" y="0"/>
-          <a:chExt cx="0" cy="0"/>
-        </a:xfrm>
-      </p:grpSpPr>
-      <p:sp>
-        <p:nvSpPr>
-          <p:cNvPr id="2" name="Title 1">
-            <a:extLst>
-              <a:ext uri="{FF2B5EF4-FFF2-40B4-BE49-F238E27FC236}">
-                <a16:creationId xmlns:a16="http://schemas.microsoft.com/office/drawing/2014/main" id="{C409FD33-6233-7C49-9918-532E7EC05AB5}"/>
-              </a:ext>
-            </a:extLst>
-          </p:cNvPr>
-          <p:cNvSpPr>
-            <a:spLocks noGrp="1"/>
-          </p:cNvSpPr>
-          <p:nvPr>
-            <p:ph type="title"/>
-          </p:nvPr>
-        </p:nvSpPr>
-        <p:spPr>
-          <a:xfrm>
-            <a:off x="838200" y="2365324"/>
-            <a:ext cx="10515600" cy="2127352"/>
-          </a:xfrm>
-        </p:spPr>
-        <p:txBody>
-          <a:bodyPr>
-            <a:noAutofit/>
-          </a:bodyPr>
-          <a:lstStyle/>
-          <a:p>
-            <a:pPr algn="ctr"/>
-            <a:r>
-              <a:rPr lang="en-US" sz="6600" dirty="0"/>
-              <a:t>Complex Environment?</a:t>
-            </a:r>
-            <a:br>
-              <a:rPr lang="en-US" sz="6600" dirty="0"/>
-            </a:br>
-            <a:r>
-              <a:rPr lang="en-US" sz="6600" dirty="0"/>
-              <a:t>You </a:t>
-            </a:r>
-            <a:r>
-              <a:rPr lang="en-US" sz="6600" dirty="0" err="1"/>
-              <a:t>betcha</a:t>
-            </a:r>
-            <a:endParaRPr lang="en-US" sz="6600" dirty="0"/>
-          </a:p>
-        </p:txBody>
-      </p:sp>
-    </p:spTree>
-    <p:extLst>
-      <p:ext uri="{BB962C8B-B14F-4D97-AF65-F5344CB8AC3E}">
-        <p14:creationId xmlns:p14="http://schemas.microsoft.com/office/powerpoint/2010/main" val="3759570375"/>
-      </p:ext>
-    </p:extLst>
-  </p:cSld>
-  <p:clrMapOvr>
-    <a:masterClrMapping/>
-  </p:clrMapOvr>
-  <p:timing>
-    <p:tnLst>
-      <p:par>
-        <p:cTn id="1" dur="indefinite" restart="never" nodeType="tmRoot"/>
-      </p:par>
-    </p:tnLst>
-  </p:timing>
-</p:sld>
-</file>
-
-<file path=ppt/slides/slide6.xml><?xml version="1.0" encoding="utf-8"?>
-<p:sld xmlns:a="http://schemas.openxmlformats.org/drawingml/2006/main" xmlns:r="http://schemas.openxmlformats.org/officeDocument/2006/relationships" xmlns:p="http://schemas.openxmlformats.org/presentationml/2006/main">
-  <p:cSld>
-    <p:bg>
-      <p:bgPr>
-        <a:solidFill>
-          <a:schemeClr val="accent1"/>
-        </a:solidFill>
-        <a:effectLst/>
-      </p:bgPr>
-    </p:bg>
-    <p:spTree>
-      <p:nvGrpSpPr>
-        <p:cNvPr id="1" name=""/>
-        <p:cNvGrpSpPr/>
-        <p:nvPr/>
-      </p:nvGrpSpPr>
-      <p:grpSpPr>
-        <a:xfrm>
-          <a:off x="0" y="0"/>
-          <a:ext cx="0" cy="0"/>
-          <a:chOff x="0" y="0"/>
-          <a:chExt cx="0" cy="0"/>
-        </a:xfrm>
-      </p:grpSpPr>
-      <p:sp>
-        <p:nvSpPr>
-          <p:cNvPr id="2" name="TextBox 1">
-            <a:extLst>
-              <a:ext uri="{FF2B5EF4-FFF2-40B4-BE49-F238E27FC236}">
-                <a16:creationId xmlns:a16="http://schemas.microsoft.com/office/drawing/2014/main" id="{B71D1FE3-1142-814F-87DC-BB654A6F358F}"/>
-              </a:ext>
-            </a:extLst>
-          </p:cNvPr>
-          <p:cNvSpPr txBox="1"/>
-          <p:nvPr/>
-        </p:nvSpPr>
-        <p:spPr>
-          <a:xfrm>
-            <a:off x="889819" y="1536173"/>
-            <a:ext cx="10412363" cy="1938992"/>
-          </a:xfrm>
-          <a:prstGeom prst="rect">
-            <a:avLst/>
-          </a:prstGeom>
-          <a:noFill/>
-        </p:spPr>
-        <p:txBody>
-          <a:bodyPr wrap="square" rtlCol="0">
-            <a:spAutoFit/>
-          </a:bodyPr>
-          <a:lstStyle/>
-          <a:p>
-            <a:pPr marL="342891" indent="-342891" fontAlgn="base">
-              <a:buFont typeface="+mj-lt"/>
-              <a:buAutoNum type="arabicPeriod"/>
-            </a:pPr>
-            <a:r>
-              <a:rPr lang="en-US" sz="4000" dirty="0">
-                <a:solidFill>
-                  <a:schemeClr val="bg1"/>
-                </a:solidFill>
-              </a:rPr>
-              <a:t>Lightweight Architectural Decision Records</a:t>
-            </a:r>
-          </a:p>
-          <a:p>
-            <a:pPr marL="342891" indent="-342891" fontAlgn="base">
-              <a:buFont typeface="+mj-lt"/>
-              <a:buAutoNum type="arabicPeriod"/>
-            </a:pPr>
-            <a:r>
-              <a:rPr lang="en-US" sz="4000" dirty="0">
-                <a:solidFill>
-                  <a:schemeClr val="bg1"/>
-                </a:solidFill>
-              </a:rPr>
-              <a:t>Enterprise Architecture Guilds</a:t>
-            </a:r>
-          </a:p>
-          <a:p>
-            <a:pPr marL="342891" indent="-342891" fontAlgn="base">
-              <a:buFont typeface="+mj-lt"/>
-              <a:buAutoNum type="arabicPeriod"/>
-            </a:pPr>
-            <a:r>
-              <a:rPr lang="en-US" sz="4000" dirty="0">
-                <a:solidFill>
-                  <a:schemeClr val="bg1"/>
-                </a:solidFill>
-              </a:rPr>
-              <a:t>Build Reference </a:t>
-            </a:r>
-            <a:r>
-              <a:rPr lang="en-US" sz="4000" dirty="0" smtClean="0">
-                <a:solidFill>
-                  <a:schemeClr val="bg1"/>
-                </a:solidFill>
-              </a:rPr>
-              <a:t>Implementations</a:t>
-            </a:r>
-            <a:endParaRPr lang="en-US" sz="4000" dirty="0">
-              <a:solidFill>
-                <a:schemeClr val="bg1"/>
-              </a:solidFill>
-            </a:endParaRPr>
-          </a:p>
-        </p:txBody>
-      </p:sp>
-    </p:spTree>
-    <p:extLst>
-      <p:ext uri="{BB962C8B-B14F-4D97-AF65-F5344CB8AC3E}">
-        <p14:creationId xmlns:p14="http://schemas.microsoft.com/office/powerpoint/2010/main" val="1906664439"/>
-      </p:ext>
-    </p:extLst>
-  </p:cSld>
-  <p:clrMapOvr>
-    <a:masterClrMapping/>
-  </p:clrMapOvr>
-  <p:timing>
-    <p:tnLst>
-      <p:par>
-        <p:cTn id="1" dur="indefinite" restart="never" nodeType="tmRoot"/>
-      </p:par>
-    </p:tnLst>
-  </p:timing>
-</p:sld>
-</file>
-
-<file path=ppt/slides/slide60.xml><?xml version="1.0" encoding="utf-8"?>
-<p:sld xmlns:a="http://schemas.openxmlformats.org/drawingml/2006/main" xmlns:r="http://schemas.openxmlformats.org/officeDocument/2006/relationships" xmlns:p="http://schemas.openxmlformats.org/presentationml/2006/main">
-  <p:cSld>
-    <p:bg>
-      <p:bgPr>
-        <a:solidFill>
-          <a:schemeClr val="accent5"/>
-        </a:solidFill>
-        <a:effectLst/>
-      </p:bgPr>
-    </p:bg>
-    <p:spTree>
-      <p:nvGrpSpPr>
-        <p:cNvPr id="1" name=""/>
-        <p:cNvGrpSpPr/>
-        <p:nvPr/>
-      </p:nvGrpSpPr>
-      <p:grpSpPr>
-        <a:xfrm>
-          <a:off x="0" y="0"/>
-          <a:ext cx="0" cy="0"/>
-          <a:chOff x="0" y="0"/>
-          <a:chExt cx="0" cy="0"/>
-        </a:xfrm>
-      </p:grpSpPr>
-      <p:sp>
-        <p:nvSpPr>
-          <p:cNvPr id="2" name="Title 1">
-            <a:extLst>
-              <a:ext uri="{FF2B5EF4-FFF2-40B4-BE49-F238E27FC236}">
-                <a16:creationId xmlns:a16="http://schemas.microsoft.com/office/drawing/2014/main" id="{C409FD33-6233-7C49-9918-532E7EC05AB5}"/>
-              </a:ext>
-            </a:extLst>
-          </p:cNvPr>
-          <p:cNvSpPr>
-            <a:spLocks noGrp="1"/>
-          </p:cNvSpPr>
-          <p:nvPr>
-            <p:ph type="title"/>
-          </p:nvPr>
-        </p:nvSpPr>
-        <p:spPr>
-          <a:xfrm>
-            <a:off x="838200" y="2365324"/>
-            <a:ext cx="10515600" cy="2127352"/>
-          </a:xfrm>
-        </p:spPr>
-        <p:txBody>
-          <a:bodyPr>
-            <a:noAutofit/>
-          </a:bodyPr>
-          <a:lstStyle/>
-          <a:p>
-            <a:pPr algn="ctr"/>
-            <a:r>
-              <a:rPr lang="en-US" sz="6600" dirty="0"/>
-              <a:t>Reference Application Baked In Best Practices</a:t>
-            </a:r>
-          </a:p>
-        </p:txBody>
-      </p:sp>
-    </p:spTree>
-    <p:extLst>
-      <p:ext uri="{BB962C8B-B14F-4D97-AF65-F5344CB8AC3E}">
-        <p14:creationId xmlns:p14="http://schemas.microsoft.com/office/powerpoint/2010/main" val="3653919622"/>
-      </p:ext>
-    </p:extLst>
-  </p:cSld>
-  <p:clrMapOvr>
-    <a:masterClrMapping/>
-  </p:clrMapOvr>
-  <p:timing>
-    <p:tnLst>
-      <p:par>
-        <p:cTn id="1" dur="indefinite" restart="never" nodeType="tmRoot"/>
-      </p:par>
-    </p:tnLst>
-  </p:timing>
-</p:sld>
-</file>
-
 <file path=ppt/slides/slide61.xml><?xml version="1.0" encoding="utf-8"?>
 <p:sld xmlns:a="http://schemas.openxmlformats.org/drawingml/2006/main" xmlns:r="http://schemas.openxmlformats.org/officeDocument/2006/relationships" xmlns:p="http://schemas.openxmlformats.org/presentationml/2006/main">
   <p:cSld>
@@ -20419,15 +20643,27 @@
             <a:pPr algn="ctr"/>
             <a:r>
               <a:rPr lang="en-US" sz="6600" dirty="0"/>
-              <a:t>Linting Rules</a:t>
-            </a:r>
+              <a:t>Complex Environment?</a:t>
+            </a:r>
+            <a:br>
+              <a:rPr lang="en-US" sz="6600" dirty="0"/>
+            </a:br>
+            <a:r>
+              <a:rPr lang="en-US" sz="6600" dirty="0"/>
+              <a:t>You </a:t>
+            </a:r>
+            <a:r>
+              <a:rPr lang="en-US" sz="6600" dirty="0" err="1"/>
+              <a:t>betcha</a:t>
+            </a:r>
+            <a:endParaRPr lang="en-US" sz="6600" dirty="0"/>
           </a:p>
         </p:txBody>
       </p:sp>
     </p:spTree>
     <p:extLst>
       <p:ext uri="{BB962C8B-B14F-4D97-AF65-F5344CB8AC3E}">
-        <p14:creationId xmlns:p14="http://schemas.microsoft.com/office/powerpoint/2010/main" val="2286172921"/>
+        <p14:creationId xmlns:p14="http://schemas.microsoft.com/office/powerpoint/2010/main" val="3759570375"/>
       </p:ext>
     </p:extLst>
   </p:cSld>
@@ -20500,7 +20736,7 @@
             <a:pPr algn="ctr"/>
             <a:r>
               <a:rPr lang="en-US" sz="6600" dirty="0"/>
-              <a:t>Static Code Analysis</a:t>
+              <a:t>Reference Application Baked In Best Practices</a:t>
             </a:r>
           </a:p>
         </p:txBody>
@@ -20508,7 +20744,7 @@
     </p:spTree>
     <p:extLst>
       <p:ext uri="{BB962C8B-B14F-4D97-AF65-F5344CB8AC3E}">
-        <p14:creationId xmlns:p14="http://schemas.microsoft.com/office/powerpoint/2010/main" val="406180384"/>
+        <p14:creationId xmlns:p14="http://schemas.microsoft.com/office/powerpoint/2010/main" val="3653919622"/>
       </p:ext>
     </p:extLst>
   </p:cSld>
@@ -20581,7 +20817,7 @@
             <a:pPr algn="ctr"/>
             <a:r>
               <a:rPr lang="en-US" sz="6600" dirty="0"/>
-              <a:t>Security</a:t>
+              <a:t>Linting Rules</a:t>
             </a:r>
           </a:p>
         </p:txBody>
@@ -20589,7 +20825,7 @@
     </p:spTree>
     <p:extLst>
       <p:ext uri="{BB962C8B-B14F-4D97-AF65-F5344CB8AC3E}">
-        <p14:creationId xmlns:p14="http://schemas.microsoft.com/office/powerpoint/2010/main" val="2508319854"/>
+        <p14:creationId xmlns:p14="http://schemas.microsoft.com/office/powerpoint/2010/main" val="2286172921"/>
       </p:ext>
     </p:extLst>
   </p:cSld>
@@ -20662,7 +20898,7 @@
             <a:pPr algn="ctr"/>
             <a:r>
               <a:rPr lang="en-US" sz="6600" dirty="0"/>
-              <a:t>Everything you need to get started just writing code</a:t>
+              <a:t>Static Code Analysis</a:t>
             </a:r>
           </a:p>
         </p:txBody>
@@ -20670,7 +20906,7 @@
     </p:spTree>
     <p:extLst>
       <p:ext uri="{BB962C8B-B14F-4D97-AF65-F5344CB8AC3E}">
-        <p14:creationId xmlns:p14="http://schemas.microsoft.com/office/powerpoint/2010/main" val="1405293278"/>
+        <p14:creationId xmlns:p14="http://schemas.microsoft.com/office/powerpoint/2010/main" val="406180384"/>
       </p:ext>
     </p:extLst>
   </p:cSld>
@@ -20743,7 +20979,7 @@
             <a:pPr algn="ctr"/>
             <a:r>
               <a:rPr lang="en-US" sz="6600" dirty="0"/>
-              <a:t>Did It Work?</a:t>
+              <a:t>Security</a:t>
             </a:r>
           </a:p>
         </p:txBody>
@@ -20751,7 +20987,7 @@
     </p:spTree>
     <p:extLst>
       <p:ext uri="{BB962C8B-B14F-4D97-AF65-F5344CB8AC3E}">
-        <p14:creationId xmlns:p14="http://schemas.microsoft.com/office/powerpoint/2010/main" val="1864778523"/>
+        <p14:creationId xmlns:p14="http://schemas.microsoft.com/office/powerpoint/2010/main" val="2508319854"/>
       </p:ext>
     </p:extLst>
   </p:cSld>
@@ -20824,14 +21060,7 @@
             <a:pPr algn="ctr"/>
             <a:r>
               <a:rPr lang="en-US" sz="6600" dirty="0"/>
-              <a:t>Other Reference</a:t>
-            </a:r>
-            <a:br>
-              <a:rPr lang="en-US" sz="6600" dirty="0"/>
-            </a:br>
-            <a:r>
-              <a:rPr lang="en-US" sz="6600" dirty="0"/>
-              <a:t>Implementations</a:t>
+              <a:t>Everything you need to get started just writing code</a:t>
             </a:r>
           </a:p>
         </p:txBody>
@@ -20839,7 +21068,7 @@
     </p:spTree>
     <p:extLst>
       <p:ext uri="{BB962C8B-B14F-4D97-AF65-F5344CB8AC3E}">
-        <p14:creationId xmlns:p14="http://schemas.microsoft.com/office/powerpoint/2010/main" val="1431407279"/>
+        <p14:creationId xmlns:p14="http://schemas.microsoft.com/office/powerpoint/2010/main" val="1405293278"/>
       </p:ext>
     </p:extLst>
   </p:cSld>
@@ -20912,14 +21141,7 @@
             <a:pPr algn="ctr"/>
             <a:r>
               <a:rPr lang="en-US" sz="6600" dirty="0"/>
-              <a:t>Implicit Commitment</a:t>
-            </a:r>
-            <a:br>
-              <a:rPr lang="en-US" sz="6600" dirty="0"/>
-            </a:br>
-            <a:r>
-              <a:rPr lang="en-US" sz="6600" dirty="0"/>
-              <a:t>to Maintain</a:t>
+              <a:t>Did It Work?</a:t>
             </a:r>
           </a:p>
         </p:txBody>
@@ -20927,7 +21149,7 @@
     </p:spTree>
     <p:extLst>
       <p:ext uri="{BB962C8B-B14F-4D97-AF65-F5344CB8AC3E}">
-        <p14:creationId xmlns:p14="http://schemas.microsoft.com/office/powerpoint/2010/main" val="2486915822"/>
+        <p14:creationId xmlns:p14="http://schemas.microsoft.com/office/powerpoint/2010/main" val="1864778523"/>
       </p:ext>
     </p:extLst>
   </p:cSld>
@@ -21000,7 +21222,14 @@
             <a:pPr algn="ctr"/>
             <a:r>
               <a:rPr lang="en-US" sz="6600" dirty="0"/>
-              <a:t>Well Worth the Effort</a:t>
+              <a:t>Other Reference</a:t>
+            </a:r>
+            <a:br>
+              <a:rPr lang="en-US" sz="6600" dirty="0"/>
+            </a:br>
+            <a:r>
+              <a:rPr lang="en-US" sz="6600" dirty="0"/>
+              <a:t>Implementations</a:t>
             </a:r>
           </a:p>
         </p:txBody>
@@ -21008,7 +21237,7 @@
     </p:spTree>
     <p:extLst>
       <p:ext uri="{BB962C8B-B14F-4D97-AF65-F5344CB8AC3E}">
-        <p14:creationId xmlns:p14="http://schemas.microsoft.com/office/powerpoint/2010/main" val="783352059"/>
+        <p14:creationId xmlns:p14="http://schemas.microsoft.com/office/powerpoint/2010/main" val="1431407279"/>
       </p:ext>
     </p:extLst>
   </p:cSld>
@@ -21081,35 +21310,22 @@
             <a:pPr algn="ctr"/>
             <a:r>
               <a:rPr lang="en-US" sz="6600" dirty="0"/>
-              <a:t>Bonus </a:t>
-            </a:r>
-            <a:r>
-              <a:rPr lang="en-US" sz="6600" dirty="0" smtClean="0"/>
-              <a:t>Technique</a:t>
-            </a:r>
-            <a:r>
+              <a:t>Implicit Commitment</a:t>
+            </a:r>
+            <a:br>
               <a:rPr lang="en-US" sz="6600" dirty="0"/>
-              <a:t>: </a:t>
-            </a:r>
-            <a:r>
-              <a:rPr lang="en-US" sz="6600" dirty="0" smtClean="0"/>
-              <a:t/>
-            </a:r>
-            <a:br>
-              <a:rPr lang="en-US" sz="6600" dirty="0" smtClean="0"/>
             </a:br>
             <a:r>
-              <a:rPr lang="en-US" sz="6600" dirty="0" smtClean="0"/>
-              <a:t>Tracer Bullet/Steel Thread</a:t>
-            </a:r>
-            <a:endParaRPr lang="en-US" sz="6600" dirty="0"/>
+              <a:rPr lang="en-US" sz="6600" dirty="0"/>
+              <a:t>to Maintain</a:t>
+            </a:r>
           </a:p>
         </p:txBody>
       </p:sp>
     </p:spTree>
     <p:extLst>
       <p:ext uri="{BB962C8B-B14F-4D97-AF65-F5344CB8AC3E}">
-        <p14:creationId xmlns:p14="http://schemas.microsoft.com/office/powerpoint/2010/main" val="3985096481"/>
+        <p14:creationId xmlns:p14="http://schemas.microsoft.com/office/powerpoint/2010/main" val="2486915822"/>
       </p:ext>
     </p:extLst>
   </p:cSld>
@@ -21269,6 +21485,188 @@
     <p:bg>
       <p:bgPr>
         <a:solidFill>
+          <a:schemeClr val="accent5"/>
+        </a:solidFill>
+        <a:effectLst/>
+      </p:bgPr>
+    </p:bg>
+    <p:spTree>
+      <p:nvGrpSpPr>
+        <p:cNvPr id="1" name=""/>
+        <p:cNvGrpSpPr/>
+        <p:nvPr/>
+      </p:nvGrpSpPr>
+      <p:grpSpPr>
+        <a:xfrm>
+          <a:off x="0" y="0"/>
+          <a:ext cx="0" cy="0"/>
+          <a:chOff x="0" y="0"/>
+          <a:chExt cx="0" cy="0"/>
+        </a:xfrm>
+      </p:grpSpPr>
+      <p:sp>
+        <p:nvSpPr>
+          <p:cNvPr id="2" name="Title 1">
+            <a:extLst>
+              <a:ext uri="{FF2B5EF4-FFF2-40B4-BE49-F238E27FC236}">
+                <a16:creationId xmlns:a16="http://schemas.microsoft.com/office/drawing/2014/main" id="{C409FD33-6233-7C49-9918-532E7EC05AB5}"/>
+              </a:ext>
+            </a:extLst>
+          </p:cNvPr>
+          <p:cNvSpPr>
+            <a:spLocks noGrp="1"/>
+          </p:cNvSpPr>
+          <p:nvPr>
+            <p:ph type="title"/>
+          </p:nvPr>
+        </p:nvSpPr>
+        <p:spPr>
+          <a:xfrm>
+            <a:off x="838200" y="2365324"/>
+            <a:ext cx="10515600" cy="2127352"/>
+          </a:xfrm>
+        </p:spPr>
+        <p:txBody>
+          <a:bodyPr>
+            <a:noAutofit/>
+          </a:bodyPr>
+          <a:lstStyle/>
+          <a:p>
+            <a:pPr algn="ctr"/>
+            <a:r>
+              <a:rPr lang="en-US" sz="6600" dirty="0"/>
+              <a:t>Well Worth the Effort</a:t>
+            </a:r>
+          </a:p>
+        </p:txBody>
+      </p:sp>
+    </p:spTree>
+    <p:extLst>
+      <p:ext uri="{BB962C8B-B14F-4D97-AF65-F5344CB8AC3E}">
+        <p14:creationId xmlns:p14="http://schemas.microsoft.com/office/powerpoint/2010/main" val="783352059"/>
+      </p:ext>
+    </p:extLst>
+  </p:cSld>
+  <p:clrMapOvr>
+    <a:masterClrMapping/>
+  </p:clrMapOvr>
+  <p:timing>
+    <p:tnLst>
+      <p:par>
+        <p:cTn id="1" dur="indefinite" restart="never" nodeType="tmRoot"/>
+      </p:par>
+    </p:tnLst>
+  </p:timing>
+</p:sld>
+</file>
+
+<file path=ppt/slides/slide71.xml><?xml version="1.0" encoding="utf-8"?>
+<p:sld xmlns:a="http://schemas.openxmlformats.org/drawingml/2006/main" xmlns:r="http://schemas.openxmlformats.org/officeDocument/2006/relationships" xmlns:p="http://schemas.openxmlformats.org/presentationml/2006/main">
+  <p:cSld>
+    <p:bg>
+      <p:bgPr>
+        <a:solidFill>
+          <a:schemeClr val="accent5"/>
+        </a:solidFill>
+        <a:effectLst/>
+      </p:bgPr>
+    </p:bg>
+    <p:spTree>
+      <p:nvGrpSpPr>
+        <p:cNvPr id="1" name=""/>
+        <p:cNvGrpSpPr/>
+        <p:nvPr/>
+      </p:nvGrpSpPr>
+      <p:grpSpPr>
+        <a:xfrm>
+          <a:off x="0" y="0"/>
+          <a:ext cx="0" cy="0"/>
+          <a:chOff x="0" y="0"/>
+          <a:chExt cx="0" cy="0"/>
+        </a:xfrm>
+      </p:grpSpPr>
+      <p:sp>
+        <p:nvSpPr>
+          <p:cNvPr id="2" name="Title 1">
+            <a:extLst>
+              <a:ext uri="{FF2B5EF4-FFF2-40B4-BE49-F238E27FC236}">
+                <a16:creationId xmlns:a16="http://schemas.microsoft.com/office/drawing/2014/main" id="{C409FD33-6233-7C49-9918-532E7EC05AB5}"/>
+              </a:ext>
+            </a:extLst>
+          </p:cNvPr>
+          <p:cNvSpPr>
+            <a:spLocks noGrp="1"/>
+          </p:cNvSpPr>
+          <p:nvPr>
+            <p:ph type="title"/>
+          </p:nvPr>
+        </p:nvSpPr>
+        <p:spPr>
+          <a:xfrm>
+            <a:off x="838200" y="2365324"/>
+            <a:ext cx="10515600" cy="2127352"/>
+          </a:xfrm>
+        </p:spPr>
+        <p:txBody>
+          <a:bodyPr>
+            <a:noAutofit/>
+          </a:bodyPr>
+          <a:lstStyle/>
+          <a:p>
+            <a:pPr algn="ctr"/>
+            <a:r>
+              <a:rPr lang="en-US" sz="6600" dirty="0"/>
+              <a:t>Bonus </a:t>
+            </a:r>
+            <a:r>
+              <a:rPr lang="en-US" sz="6600" dirty="0" smtClean="0"/>
+              <a:t>Technique</a:t>
+            </a:r>
+            <a:r>
+              <a:rPr lang="en-US" sz="6600" dirty="0"/>
+              <a:t>: </a:t>
+            </a:r>
+            <a:r>
+              <a:rPr lang="en-US" sz="6600" dirty="0" smtClean="0"/>
+              <a:t/>
+            </a:r>
+            <a:br>
+              <a:rPr lang="en-US" sz="6600" dirty="0" smtClean="0"/>
+            </a:br>
+            <a:r>
+              <a:rPr lang="en-US" sz="6600" dirty="0" smtClean="0"/>
+              <a:t>Tracer Bullet/Steel Thread</a:t>
+            </a:r>
+            <a:endParaRPr lang="en-US" sz="6600" dirty="0"/>
+          </a:p>
+        </p:txBody>
+      </p:sp>
+    </p:spTree>
+    <p:extLst>
+      <p:ext uri="{BB962C8B-B14F-4D97-AF65-F5344CB8AC3E}">
+        <p14:creationId xmlns:p14="http://schemas.microsoft.com/office/powerpoint/2010/main" val="3985096481"/>
+      </p:ext>
+    </p:extLst>
+  </p:cSld>
+  <p:clrMapOvr>
+    <a:masterClrMapping/>
+  </p:clrMapOvr>
+  <p:timing>
+    <p:tnLst>
+      <p:par>
+        <p:cTn id="1" dur="indefinite" restart="never" nodeType="tmRoot"/>
+      </p:par>
+    </p:tnLst>
+  </p:timing>
+</p:sld>
+</file>
+
+<file path=ppt/slides/slide72.xml><?xml version="1.0" encoding="utf-8"?>
+<p:sld xmlns:a="http://schemas.openxmlformats.org/drawingml/2006/main" xmlns:r="http://schemas.openxmlformats.org/officeDocument/2006/relationships" xmlns:p="http://schemas.openxmlformats.org/presentationml/2006/main">
+  <p:cSld>
+    <p:bg>
+      <p:bgPr>
+        <a:solidFill>
           <a:schemeClr val="accent1"/>
         </a:solidFill>
         <a:effectLst/>
@@ -21348,7 +21746,7 @@
 </p:sld>
 </file>
 
-<file path=ppt/slides/slide71.xml><?xml version="1.0" encoding="utf-8"?>
+<file path=ppt/slides/slide73.xml><?xml version="1.0" encoding="utf-8"?>
 <p:sld xmlns:a="http://schemas.openxmlformats.org/drawingml/2006/main" xmlns:r="http://schemas.openxmlformats.org/officeDocument/2006/relationships" xmlns:p="http://schemas.openxmlformats.org/presentationml/2006/main">
   <p:cSld>
     <p:bg>
@@ -21395,8 +21793,8 @@
         </p:blipFill>
         <p:spPr>
           <a:xfrm>
-            <a:off x="6500403" y="0"/>
-            <a:ext cx="4791894" cy="6858000"/>
+            <a:off x="6697478" y="94768"/>
+            <a:ext cx="4656603" cy="6664376"/>
           </a:xfrm>
           <a:prstGeom prst="rect">
             <a:avLst/>
@@ -21546,7 +21944,7 @@
 </p:sld>
 </file>
 
-<file path=ppt/slides/slide72.xml><?xml version="1.0" encoding="utf-8"?>
+<file path=ppt/slides/slide74.xml><?xml version="1.0" encoding="utf-8"?>
 <p:sld xmlns:a="http://schemas.openxmlformats.org/drawingml/2006/main" xmlns:r="http://schemas.openxmlformats.org/officeDocument/2006/relationships" xmlns:p="http://schemas.openxmlformats.org/presentationml/2006/main">
   <p:cSld>
     <p:bg>
@@ -21587,7 +21985,12 @@
             <p:ph type="ctrTitle"/>
           </p:nvPr>
         </p:nvSpPr>
-        <p:spPr/>
+        <p:spPr>
+          <a:xfrm>
+            <a:off x="1524000" y="516882"/>
+            <a:ext cx="9144000" cy="2387600"/>
+          </a:xfrm>
+        </p:spPr>
         <p:txBody>
           <a:bodyPr>
             <a:normAutofit fontScale="90000"/>
@@ -21623,13 +22026,13 @@
         </p:nvSpPr>
         <p:spPr>
           <a:xfrm>
-            <a:off x="1524000" y="4937679"/>
-            <a:ext cx="9144000" cy="1655763"/>
+            <a:off x="1524000" y="3793131"/>
+            <a:ext cx="9144000" cy="1848447"/>
           </a:xfrm>
         </p:spPr>
         <p:txBody>
           <a:bodyPr>
-            <a:normAutofit fontScale="85000" lnSpcReduction="20000"/>
+            <a:normAutofit fontScale="92500" lnSpcReduction="20000"/>
           </a:bodyPr>
           <a:lstStyle/>
           <a:p>
@@ -21695,13 +22098,20 @@
               <a:t>@</a:t>
             </a:r>
             <a:r>
-              <a:rPr lang="en-US" sz="3200" dirty="0" err="1">
+              <a:rPr lang="en-US" sz="3200" dirty="0" err="1" smtClean="0">
                 <a:solidFill>
                   <a:schemeClr val="bg1"/>
                 </a:solidFill>
               </a:rPr>
               <a:t>iamagiantnerd</a:t>
             </a:r>
+            <a:endParaRPr lang="en-US" sz="3200" dirty="0" smtClean="0">
+              <a:solidFill>
+                <a:schemeClr val="bg1"/>
+              </a:solidFill>
+            </a:endParaRPr>
+          </a:p>
+          <a:p>
             <a:endParaRPr lang="en-US" sz="3200" dirty="0">
               <a:solidFill>
                 <a:schemeClr val="bg1"/>
@@ -21718,7 +22128,7 @@
         </p:nvSpPr>
         <p:spPr>
           <a:xfrm>
-            <a:off x="1779373" y="4102443"/>
+            <a:off x="1746422" y="3117974"/>
             <a:ext cx="8699156" cy="461665"/>
           </a:xfrm>
           <a:prstGeom prst="rect">
@@ -21741,6 +22151,77 @@
               </a:rPr>
               <a:t>https://github.com/davidaayers/comm-and-doc-arch-decisions</a:t>
             </a:r>
+          </a:p>
+        </p:txBody>
+      </p:sp>
+      <p:sp>
+        <p:nvSpPr>
+          <p:cNvPr id="5" name="TextBox 4"/>
+          <p:cNvSpPr txBox="1"/>
+          <p:nvPr/>
+        </p:nvSpPr>
+        <p:spPr>
+          <a:xfrm>
+            <a:off x="914400" y="6373536"/>
+            <a:ext cx="10668000" cy="369332"/>
+          </a:xfrm>
+          <a:prstGeom prst="rect">
+            <a:avLst/>
+          </a:prstGeom>
+          <a:noFill/>
+        </p:spPr>
+        <p:txBody>
+          <a:bodyPr wrap="square" rtlCol="0">
+            <a:spAutoFit/>
+          </a:bodyPr>
+          <a:lstStyle/>
+          <a:p>
+            <a:pPr algn="ctr"/>
+            <a:r>
+              <a:rPr lang="en-US" dirty="0" smtClean="0">
+                <a:solidFill>
+                  <a:schemeClr val="bg1"/>
+                </a:solidFill>
+              </a:rPr>
+              <a:t>Icons by </a:t>
+            </a:r>
+            <a:r>
+              <a:rPr lang="en-US" dirty="0" err="1" smtClean="0">
+                <a:solidFill>
+                  <a:schemeClr val="bg1"/>
+                </a:solidFill>
+              </a:rPr>
+              <a:t>Adioma</a:t>
+            </a:r>
+            <a:r>
+              <a:rPr lang="en-US" dirty="0" smtClean="0">
+                <a:solidFill>
+                  <a:schemeClr val="bg1"/>
+                </a:solidFill>
+              </a:rPr>
+              <a:t> (https://adioma.com) and </a:t>
+            </a:r>
+            <a:r>
+              <a:rPr lang="en-US" dirty="0" err="1" smtClean="0">
+                <a:solidFill>
+                  <a:schemeClr val="bg1"/>
+                </a:solidFill>
+              </a:rPr>
+              <a:t>Joypixels</a:t>
+            </a:r>
+            <a:r>
+              <a:rPr lang="en-US" dirty="0" smtClean="0">
+                <a:solidFill>
+                  <a:schemeClr val="bg1"/>
+                </a:solidFill>
+              </a:rPr>
+              <a:t> (https://joypixels.com)</a:t>
+            </a:r>
+            <a:endParaRPr lang="en-US" dirty="0">
+              <a:solidFill>
+                <a:schemeClr val="bg1"/>
+              </a:solidFill>
+            </a:endParaRPr>
           </a:p>
         </p:txBody>
       </p:sp>

--- a/comm-and-doc-arch-decisions-60-min.pptx
+++ b/comm-and-doc-arch-decisions-60-min.pptx
@@ -940,7 +940,7 @@
           <a:p>
             <a:fld id="{6525C509-FCE7-1E4E-BABF-F948CC4246E2}" type="datetimeFigureOut">
               <a:rPr lang="en-US" smtClean="0"/>
-              <a:t>8/21/2019</a:t>
+              <a:t>9/23/2019</a:t>
             </a:fld>
             <a:endParaRPr lang="en-US"/>
           </a:p>
@@ -9857,7 +9857,7 @@
           <a:p>
             <a:fld id="{F35D5A91-02EC-B04A-8A79-709009E61D04}" type="datetimeFigureOut">
               <a:rPr lang="en-US" smtClean="0"/>
-              <a:t>8/21/2019</a:t>
+              <a:t>9/23/2019</a:t>
             </a:fld>
             <a:endParaRPr lang="en-US"/>
           </a:p>
@@ -10055,7 +10055,7 @@
           <a:p>
             <a:fld id="{F35D5A91-02EC-B04A-8A79-709009E61D04}" type="datetimeFigureOut">
               <a:rPr lang="en-US" smtClean="0"/>
-              <a:t>8/21/2019</a:t>
+              <a:t>9/23/2019</a:t>
             </a:fld>
             <a:endParaRPr lang="en-US"/>
           </a:p>
@@ -10263,7 +10263,7 @@
           <a:p>
             <a:fld id="{F35D5A91-02EC-B04A-8A79-709009E61D04}" type="datetimeFigureOut">
               <a:rPr lang="en-US" smtClean="0"/>
-              <a:t>8/21/2019</a:t>
+              <a:t>9/23/2019</a:t>
             </a:fld>
             <a:endParaRPr lang="en-US"/>
           </a:p>
@@ -10461,7 +10461,7 @@
           <a:p>
             <a:fld id="{F35D5A91-02EC-B04A-8A79-709009E61D04}" type="datetimeFigureOut">
               <a:rPr lang="en-US" smtClean="0"/>
-              <a:t>8/21/2019</a:t>
+              <a:t>9/23/2019</a:t>
             </a:fld>
             <a:endParaRPr lang="en-US"/>
           </a:p>
@@ -10736,7 +10736,7 @@
           <a:p>
             <a:fld id="{F35D5A91-02EC-B04A-8A79-709009E61D04}" type="datetimeFigureOut">
               <a:rPr lang="en-US" smtClean="0"/>
-              <a:t>8/21/2019</a:t>
+              <a:t>9/23/2019</a:t>
             </a:fld>
             <a:endParaRPr lang="en-US"/>
           </a:p>
@@ -11001,7 +11001,7 @@
           <a:p>
             <a:fld id="{F35D5A91-02EC-B04A-8A79-709009E61D04}" type="datetimeFigureOut">
               <a:rPr lang="en-US" smtClean="0"/>
-              <a:t>8/21/2019</a:t>
+              <a:t>9/23/2019</a:t>
             </a:fld>
             <a:endParaRPr lang="en-US"/>
           </a:p>
@@ -11413,7 +11413,7 @@
           <a:p>
             <a:fld id="{F35D5A91-02EC-B04A-8A79-709009E61D04}" type="datetimeFigureOut">
               <a:rPr lang="en-US" smtClean="0"/>
-              <a:t>8/21/2019</a:t>
+              <a:t>9/23/2019</a:t>
             </a:fld>
             <a:endParaRPr lang="en-US"/>
           </a:p>
@@ -11554,7 +11554,7 @@
           <a:p>
             <a:fld id="{F35D5A91-02EC-B04A-8A79-709009E61D04}" type="datetimeFigureOut">
               <a:rPr lang="en-US" smtClean="0"/>
-              <a:t>8/21/2019</a:t>
+              <a:t>9/23/2019</a:t>
             </a:fld>
             <a:endParaRPr lang="en-US"/>
           </a:p>
@@ -11667,7 +11667,7 @@
           <a:p>
             <a:fld id="{F35D5A91-02EC-B04A-8A79-709009E61D04}" type="datetimeFigureOut">
               <a:rPr lang="en-US" smtClean="0"/>
-              <a:t>8/21/2019</a:t>
+              <a:t>9/23/2019</a:t>
             </a:fld>
             <a:endParaRPr lang="en-US"/>
           </a:p>
@@ -11978,7 +11978,7 @@
           <a:p>
             <a:fld id="{F35D5A91-02EC-B04A-8A79-709009E61D04}" type="datetimeFigureOut">
               <a:rPr lang="en-US" smtClean="0"/>
-              <a:t>8/21/2019</a:t>
+              <a:t>9/23/2019</a:t>
             </a:fld>
             <a:endParaRPr lang="en-US"/>
           </a:p>
@@ -12266,7 +12266,7 @@
           <a:p>
             <a:fld id="{F35D5A91-02EC-B04A-8A79-709009E61D04}" type="datetimeFigureOut">
               <a:rPr lang="en-US" smtClean="0"/>
-              <a:t>8/21/2019</a:t>
+              <a:t>9/23/2019</a:t>
             </a:fld>
             <a:endParaRPr lang="en-US"/>
           </a:p>
@@ -12507,7 +12507,7 @@
           <a:p>
             <a:fld id="{F35D5A91-02EC-B04A-8A79-709009E61D04}" type="datetimeFigureOut">
               <a:rPr lang="en-US" smtClean="0"/>
-              <a:t>8/21/2019</a:t>
+              <a:t>9/23/2019</a:t>
             </a:fld>
             <a:endParaRPr lang="en-US"/>
           </a:p>
